--- a/intro/Full stack-short intro.pptx
+++ b/intro/Full stack-short intro.pptx
@@ -7489,7 +7489,13 @@
     </dgm:pt>
     <dgm:pt modelId="{070C54DB-C352-426D-BD5F-F4AD21339F98}">
       <dgm:prSet phldrT="[טקסט]"/>
-      <dgm:spPr/>
+      <dgm:spPr>
+        <a:solidFill>
+          <a:schemeClr val="accent4">
+            <a:lumMod val="50000"/>
+          </a:schemeClr>
+        </a:solidFill>
+      </dgm:spPr>
       <dgm:t>
         <a:bodyPr/>
         <a:lstStyle/>
@@ -11808,31 +11814,11 @@
         <a:prstGeom prst="ellipse">
           <a:avLst/>
         </a:prstGeom>
-        <a:gradFill rotWithShape="0">
-          <a:gsLst>
-            <a:gs pos="0">
-              <a:schemeClr val="accent3">
-                <a:hueOff val="2249809"/>
-                <a:satOff val="438"/>
-                <a:lumOff val="2353"/>
-                <a:alphaOff val="0"/>
-                <a:tint val="98000"/>
-                <a:lumMod val="114000"/>
-              </a:schemeClr>
-            </a:gs>
-            <a:gs pos="100000">
-              <a:schemeClr val="accent3">
-                <a:hueOff val="2249809"/>
-                <a:satOff val="438"/>
-                <a:lumOff val="2353"/>
-                <a:alphaOff val="0"/>
-                <a:shade val="90000"/>
-                <a:lumMod val="84000"/>
-              </a:schemeClr>
-            </a:gs>
-          </a:gsLst>
-          <a:lin ang="5400000" scaled="0"/>
-        </a:gradFill>
+        <a:solidFill>
+          <a:schemeClr val="accent4">
+            <a:lumMod val="50000"/>
+          </a:schemeClr>
+        </a:solidFill>
         <a:ln>
           <a:noFill/>
         </a:ln>
@@ -45972,11 +45958,7 @@
             <a:pPr algn="r" rtl="1"/>
             <a:r>
               <a:rPr lang="he-IL" dirty="0" smtClean="0"/>
-              <a:t>מוביל</a:t>
-            </a:r>
-            <a:r>
-              <a:rPr lang="he-IL" dirty="0" smtClean="0"/>
-              <a:t> </a:t>
+              <a:t>מוביל </a:t>
             </a:r>
             <a:r>
               <a:rPr lang="he-IL" dirty="0"/>
@@ -46105,7 +46087,7 @@
             <p:ph idx="1"/>
             <p:extLst>
               <p:ext uri="{D42A27DB-BD31-4B8C-83A1-F6EECF244321}">
-                <p14:modId xmlns:p14="http://schemas.microsoft.com/office/powerpoint/2010/main" val="2896176292"/>
+                <p14:modId xmlns:p14="http://schemas.microsoft.com/office/powerpoint/2010/main" val="352278698"/>
               </p:ext>
             </p:extLst>
           </p:nvPr>
@@ -46574,7 +46556,7 @@
                 <a16:creationId xmlns:a16="http://schemas.microsoft.com/office/drawing/2014/main" id="{298B78F7-6841-4168-8538-3E26070861D3}"/>
               </a:ext>
               <a:ext uri="{C183D7F6-B498-43B3-948B-1728B52AA6E4}">
-                <adec:decorative xmlns:adec="http://schemas.microsoft.com/office/drawing/2017/decorative" xmlns="" val="1"/>
+                <adec:decorative xmlns="" xmlns:adec="http://schemas.microsoft.com/office/drawing/2017/decorative" val="1"/>
               </a:ext>
             </a:extLst>
           </p:cNvPr>
@@ -46605,7 +46587,7 @@
                   <a16:creationId xmlns:a16="http://schemas.microsoft.com/office/drawing/2014/main" id="{764D568C-39BB-4394-A483-C7C185002DCC}"/>
                 </a:ext>
                 <a:ext uri="{C183D7F6-B498-43B3-948B-1728B52AA6E4}">
-                  <adec:decorative xmlns:adec="http://schemas.microsoft.com/office/drawing/2017/decorative" xmlns="" val="1"/>
+                  <adec:decorative xmlns="" xmlns:adec="http://schemas.microsoft.com/office/drawing/2017/decorative" val="1"/>
                 </a:ext>
               </a:extLst>
             </p:cNvPr>
@@ -46676,7 +46658,7 @@
                   <a16:creationId xmlns:a16="http://schemas.microsoft.com/office/drawing/2014/main" id="{CB70B903-F367-48EC-B214-D1D26FC700FB}"/>
                 </a:ext>
                 <a:ext uri="{C183D7F6-B498-43B3-948B-1728B52AA6E4}">
-                  <adec:decorative xmlns:adec="http://schemas.microsoft.com/office/drawing/2017/decorative" xmlns="" val="1"/>
+                  <adec:decorative xmlns="" xmlns:adec="http://schemas.microsoft.com/office/drawing/2017/decorative" val="1"/>
                 </a:ext>
               </a:extLst>
             </p:cNvPr>
@@ -46754,7 +46736,7 @@
                   <a16:creationId xmlns:a16="http://schemas.microsoft.com/office/drawing/2014/main" id="{45E5B732-80F6-496B-AC33-E0FD9395DB00}"/>
                 </a:ext>
                 <a:ext uri="{C183D7F6-B498-43B3-948B-1728B52AA6E4}">
-                  <adec:decorative xmlns:adec="http://schemas.microsoft.com/office/drawing/2017/decorative" xmlns="" val="1"/>
+                  <adec:decorative xmlns="" xmlns:adec="http://schemas.microsoft.com/office/drawing/2017/decorative" val="1"/>
                 </a:ext>
               </a:extLst>
             </p:cNvPr>
@@ -46832,7 +46814,7 @@
                   <a16:creationId xmlns:a16="http://schemas.microsoft.com/office/drawing/2014/main" id="{CC709F18-F3FB-4D14-B50D-6159067EB659}"/>
                 </a:ext>
                 <a:ext uri="{C183D7F6-B498-43B3-948B-1728B52AA6E4}">
-                  <adec:decorative xmlns:adec="http://schemas.microsoft.com/office/drawing/2017/decorative" xmlns="" val="1"/>
+                  <adec:decorative xmlns="" xmlns:adec="http://schemas.microsoft.com/office/drawing/2017/decorative" val="1"/>
                 </a:ext>
               </a:extLst>
             </p:cNvPr>
@@ -46884,7 +46866,7 @@
                   <a16:creationId xmlns:a16="http://schemas.microsoft.com/office/drawing/2014/main" id="{16E4A747-3382-4841-BCBE-78D416DEEC90}"/>
                 </a:ext>
                 <a:ext uri="{C183D7F6-B498-43B3-948B-1728B52AA6E4}">
-                  <adec:decorative xmlns:adec="http://schemas.microsoft.com/office/drawing/2017/decorative" xmlns="" val="1"/>
+                  <adec:decorative xmlns="" xmlns:adec="http://schemas.microsoft.com/office/drawing/2017/decorative" val="1"/>
                 </a:ext>
               </a:extLst>
             </p:cNvPr>
@@ -47046,7 +47028,7 @@
                   <a16:creationId xmlns:a16="http://schemas.microsoft.com/office/drawing/2014/main" id="{049AC68C-6F74-4DEB-9CD1-3E1C4EB2CDDF}"/>
                 </a:ext>
                 <a:ext uri="{C183D7F6-B498-43B3-948B-1728B52AA6E4}">
-                  <adec:decorative xmlns:adec="http://schemas.microsoft.com/office/drawing/2017/decorative" xmlns="" val="1"/>
+                  <adec:decorative xmlns="" xmlns:adec="http://schemas.microsoft.com/office/drawing/2017/decorative" val="1"/>
                 </a:ext>
               </a:extLst>
             </p:cNvPr>
@@ -47245,7 +47227,7 @@
                   <a16:creationId xmlns:a16="http://schemas.microsoft.com/office/drawing/2014/main" id="{3FB17BE8-AC72-4544-AFE9-F8C1C3EB65CE}"/>
                 </a:ext>
                 <a:ext uri="{C183D7F6-B498-43B3-948B-1728B52AA6E4}">
-                  <adec:decorative xmlns:adec="http://schemas.microsoft.com/office/drawing/2017/decorative" xmlns="" val="1"/>
+                  <adec:decorative xmlns="" xmlns:adec="http://schemas.microsoft.com/office/drawing/2017/decorative" val="1"/>
                 </a:ext>
               </a:extLst>
             </p:cNvPr>
@@ -47411,7 +47393,7 @@
                 <a14:useLocalDpi xmlns:a14="http://schemas.microsoft.com/office/drawing/2010/main" val="0"/>
               </a:ext>
               <a:ext uri="{96DAC541-7B7A-43D3-8B79-37D633B846F1}">
-                <asvg:svgBlip xmlns:asvg="http://schemas.microsoft.com/office/drawing/2016/SVG/main" xmlns="" r:embed="rId4"/>
+                <asvg:svgBlip xmlns="" xmlns:asvg="http://schemas.microsoft.com/office/drawing/2016/SVG/main" r:embed="rId4"/>
               </a:ext>
             </a:extLst>
           </a:blip>
@@ -47437,7 +47419,7 @@
                 <a16:creationId xmlns:a16="http://schemas.microsoft.com/office/drawing/2014/main" id="{B5BA6DB3-F246-4306-AA4A-B2E8EF6D7B10}"/>
               </a:ext>
               <a:ext uri="{C183D7F6-B498-43B3-948B-1728B52AA6E4}">
-                <adec:decorative xmlns:adec="http://schemas.microsoft.com/office/drawing/2017/decorative" xmlns="" val="1"/>
+                <adec:decorative xmlns="" xmlns:adec="http://schemas.microsoft.com/office/drawing/2017/decorative" val="1"/>
               </a:ext>
             </a:extLst>
           </p:cNvPr>
@@ -47620,11 +47602,11 @@
   <p:clrMapOvr>
     <a:masterClrMapping/>
   </p:clrMapOvr>
-  <mc:AlternateContent xmlns:mc="http://schemas.openxmlformats.org/markup-compatibility/2006">
-    <mc:Choice xmlns:p14="http://schemas.microsoft.com/office/powerpoint/2010/main" Requires="p14">
+  <mc:AlternateContent xmlns:mc="http://schemas.openxmlformats.org/markup-compatibility/2006" xmlns:p14="http://schemas.microsoft.com/office/powerpoint/2010/main">
+    <mc:Choice Requires="p14">
       <p:transition spd="slow" p14:dur="2000"/>
     </mc:Choice>
-    <mc:Fallback>
+    <mc:Fallback xmlns="">
       <p:transition spd="slow"/>
     </mc:Fallback>
   </mc:AlternateContent>
@@ -48193,11 +48175,11 @@
   <p:clrMapOvr>
     <a:masterClrMapping/>
   </p:clrMapOvr>
-  <mc:AlternateContent xmlns:mc="http://schemas.openxmlformats.org/markup-compatibility/2006">
-    <mc:Choice xmlns:p14="http://schemas.microsoft.com/office/powerpoint/2010/main" Requires="p14">
+  <mc:AlternateContent xmlns:mc="http://schemas.openxmlformats.org/markup-compatibility/2006" xmlns:p14="http://schemas.microsoft.com/office/powerpoint/2010/main">
+    <mc:Choice Requires="p14">
       <p:transition spd="slow" p14:dur="2000"/>
     </mc:Choice>
-    <mc:Fallback>
+    <mc:Fallback xmlns="">
       <p:transition spd="slow"/>
     </mc:Fallback>
   </mc:AlternateContent>
@@ -48755,7 +48737,7 @@
                 <a16:creationId xmlns:a16="http://schemas.microsoft.com/office/drawing/2014/main" id="{5A992EA8-A2AE-480C-BFF9-7B134643975C}"/>
               </a:ext>
               <a:ext uri="{C183D7F6-B498-43B3-948B-1728B52AA6E4}">
-                <adec:decorative xmlns:adec="http://schemas.microsoft.com/office/drawing/2017/decorative" xmlns="" val="1"/>
+                <adec:decorative xmlns="" xmlns:adec="http://schemas.microsoft.com/office/drawing/2017/decorative" val="1"/>
               </a:ext>
             </a:extLst>
           </p:cNvPr>
@@ -48786,7 +48768,7 @@
                   <a16:creationId xmlns:a16="http://schemas.microsoft.com/office/drawing/2014/main" id="{0F6F97DA-7406-453D-9AB4-28B0891BBFF4}"/>
                 </a:ext>
                 <a:ext uri="{C183D7F6-B498-43B3-948B-1728B52AA6E4}">
-                  <adec:decorative xmlns:adec="http://schemas.microsoft.com/office/drawing/2017/decorative" xmlns="" val="1"/>
+                  <adec:decorative xmlns="" xmlns:adec="http://schemas.microsoft.com/office/drawing/2017/decorative" val="1"/>
                 </a:ext>
               </a:extLst>
             </p:cNvPr>
@@ -48857,7 +48839,7 @@
                   <a16:creationId xmlns:a16="http://schemas.microsoft.com/office/drawing/2014/main" id="{31D171A9-30C8-4156-8EAF-50888EBE77EC}"/>
                 </a:ext>
                 <a:ext uri="{C183D7F6-B498-43B3-948B-1728B52AA6E4}">
-                  <adec:decorative xmlns:adec="http://schemas.microsoft.com/office/drawing/2017/decorative" xmlns="" val="1"/>
+                  <adec:decorative xmlns="" xmlns:adec="http://schemas.microsoft.com/office/drawing/2017/decorative" val="1"/>
                 </a:ext>
               </a:extLst>
             </p:cNvPr>
@@ -48935,7 +48917,7 @@
                   <a16:creationId xmlns:a16="http://schemas.microsoft.com/office/drawing/2014/main" id="{C52A6C74-8DC4-4902-962C-0DAFD7F9B5E3}"/>
                 </a:ext>
                 <a:ext uri="{C183D7F6-B498-43B3-948B-1728B52AA6E4}">
-                  <adec:decorative xmlns:adec="http://schemas.microsoft.com/office/drawing/2017/decorative" xmlns="" val="1"/>
+                  <adec:decorative xmlns="" xmlns:adec="http://schemas.microsoft.com/office/drawing/2017/decorative" val="1"/>
                 </a:ext>
               </a:extLst>
             </p:cNvPr>
@@ -49013,7 +48995,7 @@
                   <a16:creationId xmlns:a16="http://schemas.microsoft.com/office/drawing/2014/main" id="{D34C65DE-5132-426E-9E92-81CB9EFF8941}"/>
                 </a:ext>
                 <a:ext uri="{C183D7F6-B498-43B3-948B-1728B52AA6E4}">
-                  <adec:decorative xmlns:adec="http://schemas.microsoft.com/office/drawing/2017/decorative" xmlns="" val="1"/>
+                  <adec:decorative xmlns="" xmlns:adec="http://schemas.microsoft.com/office/drawing/2017/decorative" val="1"/>
                 </a:ext>
               </a:extLst>
             </p:cNvPr>
@@ -49091,7 +49073,7 @@
                   <a16:creationId xmlns:a16="http://schemas.microsoft.com/office/drawing/2014/main" id="{463FE9C4-150E-4C97-A21E-53B7CD261A14}"/>
                 </a:ext>
                 <a:ext uri="{C183D7F6-B498-43B3-948B-1728B52AA6E4}">
-                  <adec:decorative xmlns:adec="http://schemas.microsoft.com/office/drawing/2017/decorative" xmlns="" val="1"/>
+                  <adec:decorative xmlns="" xmlns:adec="http://schemas.microsoft.com/office/drawing/2017/decorative" val="1"/>
                 </a:ext>
               </a:extLst>
             </p:cNvPr>
@@ -49169,7 +49151,7 @@
                   <a16:creationId xmlns:a16="http://schemas.microsoft.com/office/drawing/2014/main" id="{F4DD7FA2-5B3A-4DD2-BA1A-735CC86BAA06}"/>
                 </a:ext>
                 <a:ext uri="{C183D7F6-B498-43B3-948B-1728B52AA6E4}">
-                  <adec:decorative xmlns:adec="http://schemas.microsoft.com/office/drawing/2017/decorative" xmlns="" val="1"/>
+                  <adec:decorative xmlns="" xmlns:adec="http://schemas.microsoft.com/office/drawing/2017/decorative" val="1"/>
                 </a:ext>
               </a:extLst>
             </p:cNvPr>
@@ -49247,7 +49229,7 @@
                   <a16:creationId xmlns:a16="http://schemas.microsoft.com/office/drawing/2014/main" id="{B11D6824-D097-439B-9956-5436E5111A9B}"/>
                 </a:ext>
                 <a:ext uri="{C183D7F6-B498-43B3-948B-1728B52AA6E4}">
-                  <adec:decorative xmlns:adec="http://schemas.microsoft.com/office/drawing/2017/decorative" xmlns="" val="1"/>
+                  <adec:decorative xmlns="" xmlns:adec="http://schemas.microsoft.com/office/drawing/2017/decorative" val="1"/>
                 </a:ext>
               </a:extLst>
             </p:cNvPr>
@@ -49327,7 +49309,7 @@
                 <a16:creationId xmlns:a16="http://schemas.microsoft.com/office/drawing/2014/main" id="{5669AB50-4CAD-4D10-A09A-A0C01AF9E6F6}"/>
               </a:ext>
               <a:ext uri="{C183D7F6-B498-43B3-948B-1728B52AA6E4}">
-                <adec:decorative xmlns:adec="http://schemas.microsoft.com/office/drawing/2017/decorative" xmlns="" val="1"/>
+                <adec:decorative xmlns="" xmlns:adec="http://schemas.microsoft.com/office/drawing/2017/decorative" val="1"/>
               </a:ext>
             </a:extLst>
           </p:cNvPr>
@@ -49471,13 +49453,7 @@
       </p:sp>
       <p:pic>
         <p:nvPicPr>
-          <p:cNvPr id="2050" name="Picture 2" descr="×ª××¦××ª ×ª××× × ×¢×××¨ âªweb appâ¬â">
-            <a:extLst>
-              <a:ext uri="{FF2B5EF4-FFF2-40B4-BE49-F238E27FC236}">
-                <a16:creationId xmlns:a16="http://schemas.microsoft.com/office/drawing/2014/main" id="{B18F893F-5A09-493D-ACD1-8064DF8A1675}"/>
-              </a:ext>
-            </a:extLst>
-          </p:cNvPr>
+          <p:cNvPr id="1026" name="Picture 2" descr="Image result for mobile pc"/>
           <p:cNvPicPr>
             <a:picLocks noChangeAspect="1" noChangeArrowheads="1"/>
           </p:cNvPicPr>
@@ -49498,22 +49474,13 @@
         </p:blipFill>
         <p:spPr bwMode="auto">
           <a:xfrm>
-            <a:off x="1435499" y="1113063"/>
-            <a:ext cx="5819435" cy="4628758"/>
+            <a:off x="985695" y="1866231"/>
+            <a:ext cx="5929358" cy="4125845"/>
           </a:xfrm>
-          <a:prstGeom prst="roundRect">
-            <a:avLst>
-              <a:gd name="adj" fmla="val 1858"/>
-            </a:avLst>
+          <a:prstGeom prst="rect">
+            <a:avLst/>
           </a:prstGeom>
           <a:noFill/>
-          <a:effectLst>
-            <a:outerShdw blurRad="50800" dist="50800" dir="5400000" algn="tl" rotWithShape="0">
-              <a:srgbClr val="000000">
-                <a:alpha val="43000"/>
-              </a:srgbClr>
-            </a:outerShdw>
-          </a:effectLst>
           <a:extLst>
             <a:ext uri="{909E8E84-426E-40DD-AFC4-6F175D3DCCD1}">
               <a14:hiddenFill xmlns:a14="http://schemas.microsoft.com/office/drawing/2010/main">
@@ -49578,7 +49545,7 @@
                 <a16:creationId xmlns:a16="http://schemas.microsoft.com/office/drawing/2014/main" id="{5A992EA8-A2AE-480C-BFF9-7B134643975C}"/>
               </a:ext>
               <a:ext uri="{C183D7F6-B498-43B3-948B-1728B52AA6E4}">
-                <adec:decorative xmlns:adec="http://schemas.microsoft.com/office/drawing/2017/decorative" xmlns="" val="1"/>
+                <adec:decorative xmlns="" xmlns:adec="http://schemas.microsoft.com/office/drawing/2017/decorative" val="1"/>
               </a:ext>
             </a:extLst>
           </p:cNvPr>
@@ -49609,7 +49576,7 @@
                   <a16:creationId xmlns:a16="http://schemas.microsoft.com/office/drawing/2014/main" id="{0F6F97DA-7406-453D-9AB4-28B0891BBFF4}"/>
                 </a:ext>
                 <a:ext uri="{C183D7F6-B498-43B3-948B-1728B52AA6E4}">
-                  <adec:decorative xmlns:adec="http://schemas.microsoft.com/office/drawing/2017/decorative" xmlns="" val="1"/>
+                  <adec:decorative xmlns="" xmlns:adec="http://schemas.microsoft.com/office/drawing/2017/decorative" val="1"/>
                 </a:ext>
               </a:extLst>
             </p:cNvPr>
@@ -49680,7 +49647,7 @@
                   <a16:creationId xmlns:a16="http://schemas.microsoft.com/office/drawing/2014/main" id="{31D171A9-30C8-4156-8EAF-50888EBE77EC}"/>
                 </a:ext>
                 <a:ext uri="{C183D7F6-B498-43B3-948B-1728B52AA6E4}">
-                  <adec:decorative xmlns:adec="http://schemas.microsoft.com/office/drawing/2017/decorative" xmlns="" val="1"/>
+                  <adec:decorative xmlns="" xmlns:adec="http://schemas.microsoft.com/office/drawing/2017/decorative" val="1"/>
                 </a:ext>
               </a:extLst>
             </p:cNvPr>
@@ -49758,7 +49725,7 @@
                   <a16:creationId xmlns:a16="http://schemas.microsoft.com/office/drawing/2014/main" id="{C52A6C74-8DC4-4902-962C-0DAFD7F9B5E3}"/>
                 </a:ext>
                 <a:ext uri="{C183D7F6-B498-43B3-948B-1728B52AA6E4}">
-                  <adec:decorative xmlns:adec="http://schemas.microsoft.com/office/drawing/2017/decorative" xmlns="" val="1"/>
+                  <adec:decorative xmlns="" xmlns:adec="http://schemas.microsoft.com/office/drawing/2017/decorative" val="1"/>
                 </a:ext>
               </a:extLst>
             </p:cNvPr>
@@ -49836,7 +49803,7 @@
                   <a16:creationId xmlns:a16="http://schemas.microsoft.com/office/drawing/2014/main" id="{D34C65DE-5132-426E-9E92-81CB9EFF8941}"/>
                 </a:ext>
                 <a:ext uri="{C183D7F6-B498-43B3-948B-1728B52AA6E4}">
-                  <adec:decorative xmlns:adec="http://schemas.microsoft.com/office/drawing/2017/decorative" xmlns="" val="1"/>
+                  <adec:decorative xmlns="" xmlns:adec="http://schemas.microsoft.com/office/drawing/2017/decorative" val="1"/>
                 </a:ext>
               </a:extLst>
             </p:cNvPr>
@@ -49914,7 +49881,7 @@
                   <a16:creationId xmlns:a16="http://schemas.microsoft.com/office/drawing/2014/main" id="{463FE9C4-150E-4C97-A21E-53B7CD261A14}"/>
                 </a:ext>
                 <a:ext uri="{C183D7F6-B498-43B3-948B-1728B52AA6E4}">
-                  <adec:decorative xmlns:adec="http://schemas.microsoft.com/office/drawing/2017/decorative" xmlns="" val="1"/>
+                  <adec:decorative xmlns="" xmlns:adec="http://schemas.microsoft.com/office/drawing/2017/decorative" val="1"/>
                 </a:ext>
               </a:extLst>
             </p:cNvPr>
@@ -49992,7 +49959,7 @@
                   <a16:creationId xmlns:a16="http://schemas.microsoft.com/office/drawing/2014/main" id="{F4DD7FA2-5B3A-4DD2-BA1A-735CC86BAA06}"/>
                 </a:ext>
                 <a:ext uri="{C183D7F6-B498-43B3-948B-1728B52AA6E4}">
-                  <adec:decorative xmlns:adec="http://schemas.microsoft.com/office/drawing/2017/decorative" xmlns="" val="1"/>
+                  <adec:decorative xmlns="" xmlns:adec="http://schemas.microsoft.com/office/drawing/2017/decorative" val="1"/>
                 </a:ext>
               </a:extLst>
             </p:cNvPr>
@@ -50070,7 +50037,7 @@
                   <a16:creationId xmlns:a16="http://schemas.microsoft.com/office/drawing/2014/main" id="{B11D6824-D097-439B-9956-5436E5111A9B}"/>
                 </a:ext>
                 <a:ext uri="{C183D7F6-B498-43B3-948B-1728B52AA6E4}">
-                  <adec:decorative xmlns:adec="http://schemas.microsoft.com/office/drawing/2017/decorative" xmlns="" val="1"/>
+                  <adec:decorative xmlns="" xmlns:adec="http://schemas.microsoft.com/office/drawing/2017/decorative" val="1"/>
                 </a:ext>
               </a:extLst>
             </p:cNvPr>
@@ -50150,7 +50117,7 @@
                 <a16:creationId xmlns:a16="http://schemas.microsoft.com/office/drawing/2014/main" id="{5669AB50-4CAD-4D10-A09A-A0C01AF9E6F6}"/>
               </a:ext>
               <a:ext uri="{C183D7F6-B498-43B3-948B-1728B52AA6E4}">
-                <adec:decorative xmlns:adec="http://schemas.microsoft.com/office/drawing/2017/decorative" xmlns="" val="1"/>
+                <adec:decorative xmlns="" xmlns:adec="http://schemas.microsoft.com/office/drawing/2017/decorative" val="1"/>
               </a:ext>
             </a:extLst>
           </p:cNvPr>
@@ -50238,111 +50205,6 @@
           </a:p>
         </p:txBody>
       </p:sp>
-      <p:sp>
-        <p:nvSpPr>
-          <p:cNvPr id="3" name="מציין מיקום תוכן 2">
-            <a:extLst>
-              <a:ext uri="{FF2B5EF4-FFF2-40B4-BE49-F238E27FC236}">
-                <a16:creationId xmlns:a16="http://schemas.microsoft.com/office/drawing/2014/main" id="{83000948-4202-4D12-ABD6-DB62685CF899}"/>
-              </a:ext>
-            </a:extLst>
-          </p:cNvPr>
-          <p:cNvSpPr>
-            <a:spLocks noGrp="1"/>
-          </p:cNvSpPr>
-          <p:nvPr>
-            <p:ph idx="1"/>
-          </p:nvPr>
-        </p:nvSpPr>
-        <p:spPr>
-          <a:xfrm>
-            <a:off x="8382055" y="4591665"/>
-            <a:ext cx="3161016" cy="1622322"/>
-          </a:xfrm>
-        </p:spPr>
-        <p:txBody>
-          <a:bodyPr vert="horz" lIns="91440" tIns="45720" rIns="91440" bIns="45720" rtlCol="0" anchor="t">
-            <a:normAutofit/>
-          </a:bodyPr>
-          <a:lstStyle/>
-          <a:p>
-            <a:pPr marL="0" indent="0" algn="r" rtl="1">
-              <a:buNone/>
-            </a:pPr>
-            <a:r>
-              <a:rPr lang="en-US" b="0" i="0" kern="1200" cap="all" dirty="0">
-                <a:solidFill>
-                  <a:schemeClr val="accent1"/>
-                </a:solidFill>
-                <a:latin typeface="+mn-lt"/>
-                <a:ea typeface="+mn-ea"/>
-                <a:cs typeface="+mn-cs"/>
-              </a:rPr>
-              <a:t>נלמד </a:t>
-            </a:r>
-            <a:r>
-              <a:rPr lang="he-IL" cap="all" dirty="0">
-                <a:solidFill>
-                  <a:schemeClr val="accent1"/>
-                </a:solidFill>
-              </a:rPr>
-              <a:t>פיתוח צד</a:t>
-            </a:r>
-            <a:r>
-              <a:rPr lang="en-US" b="0" i="0" kern="1200" cap="all" dirty="0">
-                <a:solidFill>
-                  <a:schemeClr val="accent1"/>
-                </a:solidFill>
-                <a:latin typeface="+mn-lt"/>
-                <a:ea typeface="+mn-ea"/>
-                <a:cs typeface="+mn-cs"/>
-              </a:rPr>
-              <a:t> שרת ו</a:t>
-            </a:r>
-            <a:r>
-              <a:rPr lang="he-IL" b="0" i="0" kern="1200" cap="all" dirty="0">
-                <a:solidFill>
-                  <a:schemeClr val="accent1"/>
-                </a:solidFill>
-                <a:latin typeface="+mn-lt"/>
-                <a:ea typeface="+mn-ea"/>
-                <a:cs typeface="+mn-cs"/>
-              </a:rPr>
-              <a:t>פיתוח צד</a:t>
-            </a:r>
-            <a:r>
-              <a:rPr lang="en-US" b="0" i="0" kern="1200" cap="all" dirty="0">
-                <a:solidFill>
-                  <a:schemeClr val="accent1"/>
-                </a:solidFill>
-                <a:latin typeface="+mn-lt"/>
-                <a:ea typeface="+mn-ea"/>
-                <a:cs typeface="+mn-cs"/>
-              </a:rPr>
-              <a:t> לקוח</a:t>
-            </a:r>
-            <a:r>
-              <a:rPr lang="he-IL" b="0" i="0" kern="1200" cap="all" dirty="0">
-                <a:solidFill>
-                  <a:schemeClr val="accent1"/>
-                </a:solidFill>
-                <a:latin typeface="+mn-lt"/>
-                <a:ea typeface="+mn-ea"/>
-                <a:cs typeface="+mn-cs"/>
-              </a:rPr>
-              <a:t> (בטכנולוגיית ווב)</a:t>
-            </a:r>
-            <a:endParaRPr lang="en-US" b="0" i="0" kern="1200" cap="all" dirty="0">
-              <a:solidFill>
-                <a:schemeClr val="accent1"/>
-              </a:solidFill>
-              <a:latin typeface="+mn-lt"/>
-              <a:ea typeface="+mn-ea"/>
-              <a:cs typeface="+mn-cs"/>
-            </a:endParaRPr>
-          </a:p>
-        </p:txBody>
-      </p:sp>
       <p:grpSp>
         <p:nvGrpSpPr>
           <p:cNvPr id="82" name="Group 81">
@@ -50351,7 +50213,7 @@
                 <a16:creationId xmlns:a16="http://schemas.microsoft.com/office/drawing/2014/main" id="{68B27BBA-AE99-4D00-A26E-0B49DA4B37AC}"/>
               </a:ext>
               <a:ext uri="{C183D7F6-B498-43B3-948B-1728B52AA6E4}">
-                <adec:decorative xmlns:adec="http://schemas.microsoft.com/office/drawing/2017/decorative" xmlns="" val="1"/>
+                <adec:decorative xmlns="" xmlns:adec="http://schemas.microsoft.com/office/drawing/2017/decorative" val="1"/>
               </a:ext>
             </a:extLst>
           </p:cNvPr>
@@ -50382,7 +50244,7 @@
                   <a16:creationId xmlns:a16="http://schemas.microsoft.com/office/drawing/2014/main" id="{E898DFFC-9C98-4276-B117-1EECD56D16E5}"/>
                 </a:ext>
                 <a:ext uri="{C183D7F6-B498-43B3-948B-1728B52AA6E4}">
-                  <adec:decorative xmlns:adec="http://schemas.microsoft.com/office/drawing/2017/decorative" xmlns="" val="1"/>
+                  <adec:decorative xmlns="" xmlns:adec="http://schemas.microsoft.com/office/drawing/2017/decorative" val="1"/>
                 </a:ext>
               </a:extLst>
             </p:cNvPr>
@@ -50434,7 +50296,7 @@
                   <a16:creationId xmlns:a16="http://schemas.microsoft.com/office/drawing/2014/main" id="{D9DF6785-2B9D-478C-AB08-3A6258EF7CD1}"/>
                 </a:ext>
                 <a:ext uri="{C183D7F6-B498-43B3-948B-1728B52AA6E4}">
-                  <adec:decorative xmlns:adec="http://schemas.microsoft.com/office/drawing/2017/decorative" xmlns="" val="1"/>
+                  <adec:decorative xmlns="" xmlns:adec="http://schemas.microsoft.com/office/drawing/2017/decorative" val="1"/>
                 </a:ext>
               </a:extLst>
             </p:cNvPr>
@@ -50633,7 +50495,7 @@
                   <a16:creationId xmlns:a16="http://schemas.microsoft.com/office/drawing/2014/main" id="{A9C1FA5F-1069-410C-ACE0-A24989171C59}"/>
                 </a:ext>
                 <a:ext uri="{C183D7F6-B498-43B3-948B-1728B52AA6E4}">
-                  <adec:decorative xmlns:adec="http://schemas.microsoft.com/office/drawing/2017/decorative" xmlns="" val="1"/>
+                  <adec:decorative xmlns="" xmlns:adec="http://schemas.microsoft.com/office/drawing/2017/decorative" val="1"/>
                 </a:ext>
               </a:extLst>
             </p:cNvPr>
@@ -50788,53 +50650,322 @@
           </p:spPr>
         </p:sp>
       </p:grpSp>
-      <p:pic>
-        <p:nvPicPr>
-          <p:cNvPr id="1026" name="Picture 2" descr="×ª××¦××ª ×ª××× × ×¢×××¨ âªclients and serversâ¬â">
+      <p:grpSp>
+        <p:nvGrpSpPr>
+          <p:cNvPr id="4" name="Group 3"/>
+          <p:cNvGrpSpPr/>
+          <p:nvPr/>
+        </p:nvGrpSpPr>
+        <p:grpSpPr>
+          <a:xfrm>
+            <a:off x="1781354" y="417268"/>
+            <a:ext cx="4274599" cy="4146383"/>
+            <a:chOff x="1781354" y="417268"/>
+            <a:chExt cx="5427111" cy="5264325"/>
+          </a:xfrm>
+        </p:grpSpPr>
+        <p:pic>
+          <p:nvPicPr>
+            <p:cNvPr id="2050" name="Picture 2" descr="Image result for server client database"/>
+            <p:cNvPicPr>
+              <a:picLocks noChangeAspect="1" noChangeArrowheads="1"/>
+            </p:cNvPicPr>
+            <p:nvPr/>
+          </p:nvPicPr>
+          <p:blipFill>
+            <a:blip r:embed="rId3" cstate="hqprint">
+              <a:extLst>
+                <a:ext uri="{28A0092B-C50C-407E-A947-70E740481C1C}">
+                  <a14:useLocalDpi xmlns:a14="http://schemas.microsoft.com/office/drawing/2010/main" val="0"/>
+                </a:ext>
+              </a:extLst>
+            </a:blip>
+            <a:srcRect/>
+            <a:stretch>
+              <a:fillRect/>
+            </a:stretch>
+          </p:blipFill>
+          <p:spPr bwMode="auto">
+            <a:xfrm>
+              <a:off x="1814925" y="417268"/>
+              <a:ext cx="5393540" cy="4956663"/>
+            </a:xfrm>
+            <a:prstGeom prst="rect">
+              <a:avLst/>
+            </a:prstGeom>
+            <a:noFill/>
+            <a:extLst>
+              <a:ext uri="{909E8E84-426E-40DD-AFC4-6F175D3DCCD1}">
+                <a14:hiddenFill xmlns:a14="http://schemas.microsoft.com/office/drawing/2010/main">
+                  <a:solidFill>
+                    <a:srgbClr val="FFFFFF"/>
+                  </a:solidFill>
+                </a14:hiddenFill>
+              </a:ext>
+            </a:extLst>
+          </p:spPr>
+        </p:pic>
+        <p:pic>
+          <p:nvPicPr>
+            <p:cNvPr id="2052" name="Picture 4" descr="Image result for mobile png"/>
+            <p:cNvPicPr>
+              <a:picLocks noChangeAspect="1" noChangeArrowheads="1"/>
+            </p:cNvPicPr>
+            <p:nvPr/>
+          </p:nvPicPr>
+          <p:blipFill>
+            <a:blip r:embed="rId4" cstate="hqprint">
+              <a:extLst>
+                <a:ext uri="{28A0092B-C50C-407E-A947-70E740481C1C}">
+                  <a14:useLocalDpi xmlns:a14="http://schemas.microsoft.com/office/drawing/2010/main" val="0"/>
+                </a:ext>
+              </a:extLst>
+            </a:blip>
+            <a:srcRect/>
+            <a:stretch>
+              <a:fillRect/>
+            </a:stretch>
+          </p:blipFill>
+          <p:spPr bwMode="auto">
+            <a:xfrm>
+              <a:off x="1781354" y="1430433"/>
+              <a:ext cx="456747" cy="735710"/>
+            </a:xfrm>
+            <a:prstGeom prst="rect">
+              <a:avLst/>
+            </a:prstGeom>
+            <a:noFill/>
+            <a:extLst>
+              <a:ext uri="{909E8E84-426E-40DD-AFC4-6F175D3DCCD1}">
+                <a14:hiddenFill xmlns:a14="http://schemas.microsoft.com/office/drawing/2010/main">
+                  <a:solidFill>
+                    <a:srgbClr val="FFFFFF"/>
+                  </a:solidFill>
+                </a14:hiddenFill>
+              </a:ext>
+            </a:extLst>
+          </p:spPr>
+        </p:pic>
+        <p:pic>
+          <p:nvPicPr>
+            <p:cNvPr id="20" name="Picture 4" descr="Image result for mobile png"/>
+            <p:cNvPicPr>
+              <a:picLocks noChangeAspect="1" noChangeArrowheads="1"/>
+            </p:cNvPicPr>
+            <p:nvPr/>
+          </p:nvPicPr>
+          <p:blipFill>
+            <a:blip r:embed="rId4" cstate="hqprint">
+              <a:extLst>
+                <a:ext uri="{28A0092B-C50C-407E-A947-70E740481C1C}">
+                  <a14:useLocalDpi xmlns:a14="http://schemas.microsoft.com/office/drawing/2010/main" val="0"/>
+                </a:ext>
+              </a:extLst>
+            </a:blip>
+            <a:srcRect/>
+            <a:stretch>
+              <a:fillRect/>
+            </a:stretch>
+          </p:blipFill>
+          <p:spPr bwMode="auto">
+            <a:xfrm>
+              <a:off x="3138567" y="4296494"/>
+              <a:ext cx="456747" cy="735710"/>
+            </a:xfrm>
+            <a:prstGeom prst="rect">
+              <a:avLst/>
+            </a:prstGeom>
+            <a:noFill/>
+            <a:extLst>
+              <a:ext uri="{909E8E84-426E-40DD-AFC4-6F175D3DCCD1}">
+                <a14:hiddenFill xmlns:a14="http://schemas.microsoft.com/office/drawing/2010/main">
+                  <a:solidFill>
+                    <a:srgbClr val="FFFFFF"/>
+                  </a:solidFill>
+                </a14:hiddenFill>
+              </a:ext>
+            </a:extLst>
+          </p:spPr>
+        </p:pic>
+        <p:pic>
+          <p:nvPicPr>
+            <p:cNvPr id="21" name="Picture 4" descr="Image result for mobile png"/>
+            <p:cNvPicPr>
+              <a:picLocks noChangeAspect="1" noChangeArrowheads="1"/>
+            </p:cNvPicPr>
+            <p:nvPr/>
+          </p:nvPicPr>
+          <p:blipFill>
+            <a:blip r:embed="rId4" cstate="hqprint">
+              <a:extLst>
+                <a:ext uri="{28A0092B-C50C-407E-A947-70E740481C1C}">
+                  <a14:useLocalDpi xmlns:a14="http://schemas.microsoft.com/office/drawing/2010/main" val="0"/>
+                </a:ext>
+              </a:extLst>
+            </a:blip>
+            <a:srcRect/>
+            <a:stretch>
+              <a:fillRect/>
+            </a:stretch>
+          </p:blipFill>
+          <p:spPr bwMode="auto">
+            <a:xfrm>
+              <a:off x="4161457" y="4945883"/>
+              <a:ext cx="456747" cy="735710"/>
+            </a:xfrm>
+            <a:prstGeom prst="rect">
+              <a:avLst/>
+            </a:prstGeom>
+            <a:noFill/>
+            <a:extLst>
+              <a:ext uri="{909E8E84-426E-40DD-AFC4-6F175D3DCCD1}">
+                <a14:hiddenFill xmlns:a14="http://schemas.microsoft.com/office/drawing/2010/main">
+                  <a:solidFill>
+                    <a:srgbClr val="FFFFFF"/>
+                  </a:solidFill>
+                </a14:hiddenFill>
+              </a:ext>
+            </a:extLst>
+          </p:spPr>
+        </p:pic>
+        <p:pic>
+          <p:nvPicPr>
+            <p:cNvPr id="22" name="Picture 4" descr="Image result for mobile png"/>
+            <p:cNvPicPr>
+              <a:picLocks noChangeAspect="1" noChangeArrowheads="1"/>
+            </p:cNvPicPr>
+            <p:nvPr/>
+          </p:nvPicPr>
+          <p:blipFill>
+            <a:blip r:embed="rId4" cstate="hqprint">
+              <a:extLst>
+                <a:ext uri="{28A0092B-C50C-407E-A947-70E740481C1C}">
+                  <a14:useLocalDpi xmlns:a14="http://schemas.microsoft.com/office/drawing/2010/main" val="0"/>
+                </a:ext>
+              </a:extLst>
+            </a:blip>
+            <a:srcRect/>
+            <a:stretch>
+              <a:fillRect/>
+            </a:stretch>
+          </p:blipFill>
+          <p:spPr bwMode="auto">
+            <a:xfrm>
+              <a:off x="6275479" y="3029927"/>
+              <a:ext cx="456747" cy="735710"/>
+            </a:xfrm>
+            <a:prstGeom prst="rect">
+              <a:avLst/>
+            </a:prstGeom>
+            <a:noFill/>
+            <a:extLst>
+              <a:ext uri="{909E8E84-426E-40DD-AFC4-6F175D3DCCD1}">
+                <a14:hiddenFill xmlns:a14="http://schemas.microsoft.com/office/drawing/2010/main">
+                  <a:solidFill>
+                    <a:srgbClr val="FFFFFF"/>
+                  </a:solidFill>
+                </a14:hiddenFill>
+              </a:ext>
+            </a:extLst>
+          </p:spPr>
+        </p:pic>
+      </p:grpSp>
+      <p:sp>
+        <p:nvSpPr>
+          <p:cNvPr id="3" name="מציין מיקום תוכן 2">
             <a:extLst>
               <a:ext uri="{FF2B5EF4-FFF2-40B4-BE49-F238E27FC236}">
-                <a16:creationId xmlns:a16="http://schemas.microsoft.com/office/drawing/2014/main" id="{6FB9DA36-B920-44BE-8490-42524CFA1D76}"/>
+                <a16:creationId xmlns:a16="http://schemas.microsoft.com/office/drawing/2014/main" id="{83000948-4202-4D12-ABD6-DB62685CF899}"/>
               </a:ext>
             </a:extLst>
           </p:cNvPr>
-          <p:cNvPicPr>
-            <a:picLocks noChangeAspect="1" noChangeArrowheads="1"/>
-          </p:cNvPicPr>
-          <p:nvPr/>
-        </p:nvPicPr>
-        <p:blipFill>
-          <a:blip r:embed="rId3">
-            <a:extLst>
-              <a:ext uri="{28A0092B-C50C-407E-A947-70E740481C1C}">
-                <a14:useLocalDpi xmlns:a14="http://schemas.microsoft.com/office/drawing/2010/main" val="0"/>
-              </a:ext>
-            </a:extLst>
-          </a:blip>
-          <a:srcRect/>
-          <a:stretch>
-            <a:fillRect/>
-          </a:stretch>
-        </p:blipFill>
-        <p:spPr bwMode="auto">
+          <p:cNvSpPr>
+            <a:spLocks noGrp="1"/>
+          </p:cNvSpPr>
+          <p:nvPr>
+            <p:ph idx="1"/>
+          </p:nvPr>
+        </p:nvSpPr>
+        <p:spPr>
           <a:xfrm>
-            <a:off x="1109763" y="1351074"/>
-            <a:ext cx="6443180" cy="4155851"/>
+            <a:off x="1098386" y="4902356"/>
+            <a:ext cx="5303230" cy="1290635"/>
           </a:xfrm>
-          <a:prstGeom prst="rect">
-            <a:avLst/>
-          </a:prstGeom>
-          <a:noFill/>
-          <a:extLst>
-            <a:ext uri="{909E8E84-426E-40DD-AFC4-6F175D3DCCD1}">
-              <a14:hiddenFill xmlns:a14="http://schemas.microsoft.com/office/drawing/2010/main">
+        </p:spPr>
+        <p:txBody>
+          <a:bodyPr vert="horz" lIns="91440" tIns="45720" rIns="91440" bIns="45720" rtlCol="0" anchor="t">
+            <a:noAutofit/>
+          </a:bodyPr>
+          <a:lstStyle/>
+          <a:p>
+            <a:pPr marL="0" indent="0" algn="ctr" rtl="1">
+              <a:buNone/>
+            </a:pPr>
+            <a:r>
+              <a:rPr lang="en-US" sz="3200" b="1" i="0" kern="1200" cap="all" dirty="0" smtClean="0">
                 <a:solidFill>
-                  <a:srgbClr val="FFFFFF"/>
+                  <a:srgbClr val="236A91"/>
                 </a:solidFill>
-              </a14:hiddenFill>
-            </a:ext>
-          </a:extLst>
-        </p:spPr>
-      </p:pic>
+                <a:latin typeface="+mn-lt"/>
+                <a:ea typeface="+mn-ea"/>
+                <a:cs typeface="+mn-cs"/>
+              </a:rPr>
+              <a:t>Database </a:t>
+            </a:r>
+            <a:r>
+              <a:rPr lang="en-IL" sz="3200" b="1" i="0" kern="1200" cap="all" dirty="0" smtClean="0">
+                <a:solidFill>
+                  <a:srgbClr val="236A91"/>
+                </a:solidFill>
+                <a:latin typeface="+mn-lt"/>
+                <a:ea typeface="+mn-ea"/>
+                <a:cs typeface="+mn-cs"/>
+              </a:rPr>
+              <a:t>–</a:t>
+            </a:r>
+            <a:r>
+              <a:rPr lang="en-US" sz="3200" b="1" i="0" kern="1200" cap="all" dirty="0" smtClean="0">
+                <a:solidFill>
+                  <a:srgbClr val="236A91"/>
+                </a:solidFill>
+                <a:latin typeface="+mn-lt"/>
+                <a:ea typeface="+mn-ea"/>
+                <a:cs typeface="+mn-cs"/>
+              </a:rPr>
+              <a:t> Server </a:t>
+            </a:r>
+            <a:endParaRPr lang="en-US" sz="3200" b="1" cap="all" dirty="0">
+              <a:solidFill>
+                <a:srgbClr val="236A91"/>
+              </a:solidFill>
+            </a:endParaRPr>
+          </a:p>
+          <a:p>
+            <a:pPr marL="0" indent="0" algn="ctr" rtl="1">
+              <a:buNone/>
+            </a:pPr>
+            <a:r>
+              <a:rPr lang="en-US" sz="3200" b="1" i="0" kern="1200" cap="all" dirty="0" smtClean="0">
+                <a:solidFill>
+                  <a:srgbClr val="236A91"/>
+                </a:solidFill>
+                <a:latin typeface="+mn-lt"/>
+                <a:ea typeface="+mn-ea"/>
+                <a:cs typeface="+mn-cs"/>
+              </a:rPr>
+              <a:t> Web-apps and websites</a:t>
+            </a:r>
+            <a:endParaRPr lang="en-US" sz="3200" b="1" i="0" kern="1200" cap="all" dirty="0">
+              <a:solidFill>
+                <a:srgbClr val="236A91"/>
+              </a:solidFill>
+              <a:latin typeface="+mn-lt"/>
+              <a:ea typeface="+mn-ea"/>
+              <a:cs typeface="+mn-cs"/>
+            </a:endParaRPr>
+          </a:p>
+        </p:txBody>
+      </p:sp>
     </p:spTree>
     <p:extLst>
       <p:ext uri="{BB962C8B-B14F-4D97-AF65-F5344CB8AC3E}">
@@ -50976,11 +51107,11 @@
   <p:clrMapOvr>
     <a:masterClrMapping/>
   </p:clrMapOvr>
-  <mc:AlternateContent xmlns:mc="http://schemas.openxmlformats.org/markup-compatibility/2006">
-    <mc:Choice xmlns:p14="http://schemas.microsoft.com/office/powerpoint/2010/main" Requires="p14">
+  <mc:AlternateContent xmlns:mc="http://schemas.openxmlformats.org/markup-compatibility/2006" xmlns:p14="http://schemas.microsoft.com/office/powerpoint/2010/main">
+    <mc:Choice Requires="p14">
       <p:transition spd="slow" p14:dur="2000"/>
     </mc:Choice>
-    <mc:Fallback>
+    <mc:Fallback xmlns="">
       <p:transition spd="slow"/>
     </mc:Fallback>
   </mc:AlternateContent>
@@ -51185,11 +51316,11 @@
   <p:clrMapOvr>
     <a:masterClrMapping/>
   </p:clrMapOvr>
-  <mc:AlternateContent xmlns:mc="http://schemas.openxmlformats.org/markup-compatibility/2006">
-    <mc:Choice xmlns:p14="http://schemas.microsoft.com/office/powerpoint/2010/main" Requires="p14">
+  <mc:AlternateContent xmlns:mc="http://schemas.openxmlformats.org/markup-compatibility/2006" xmlns:p14="http://schemas.microsoft.com/office/powerpoint/2010/main">
+    <mc:Choice Requires="p14">
       <p:transition spd="slow" p14:dur="2000"/>
     </mc:Choice>
-    <mc:Fallback>
+    <mc:Fallback xmlns="">
       <p:transition spd="slow"/>
     </mc:Fallback>
   </mc:AlternateContent>
@@ -52168,11 +52299,11 @@
   <p:clrMapOvr>
     <a:masterClrMapping/>
   </p:clrMapOvr>
-  <mc:AlternateContent xmlns:mc="http://schemas.openxmlformats.org/markup-compatibility/2006">
-    <mc:Choice xmlns:p14="http://schemas.microsoft.com/office/powerpoint/2010/main" Requires="p14">
+  <mc:AlternateContent xmlns:mc="http://schemas.openxmlformats.org/markup-compatibility/2006" xmlns:p14="http://schemas.microsoft.com/office/powerpoint/2010/main">
+    <mc:Choice Requires="p14">
       <p:transition spd="slow" p14:dur="2000"/>
     </mc:Choice>
-    <mc:Fallback>
+    <mc:Fallback xmlns="">
       <p:transition spd="slow"/>
     </mc:Fallback>
   </mc:AlternateContent>
@@ -53170,11 +53301,11 @@
   <p:clrMapOvr>
     <a:masterClrMapping/>
   </p:clrMapOvr>
-  <mc:AlternateContent xmlns:mc="http://schemas.openxmlformats.org/markup-compatibility/2006">
-    <mc:Choice xmlns:p14="http://schemas.microsoft.com/office/powerpoint/2010/main" Requires="p14">
+  <mc:AlternateContent xmlns:mc="http://schemas.openxmlformats.org/markup-compatibility/2006" xmlns:p14="http://schemas.microsoft.com/office/powerpoint/2010/main">
+    <mc:Choice Requires="p14">
       <p:transition spd="slow" p14:dur="2000"/>
     </mc:Choice>
-    <mc:Fallback>
+    <mc:Fallback xmlns="">
       <p:transition spd="slow"/>
     </mc:Fallback>
   </mc:AlternateContent>

--- a/intro/Full stack-short intro.pptx
+++ b/intro/Full stack-short intro.pptx
@@ -7686,13 +7686,6 @@
         </dgm:presLayoutVars>
       </dgm:prSet>
       <dgm:spPr/>
-      <dgm:t>
-        <a:bodyPr/>
-        <a:lstStyle/>
-        <a:p>
-          <a:endParaRPr lang="en-US"/>
-        </a:p>
-      </dgm:t>
     </dgm:pt>
     <dgm:pt modelId="{CD2F84ED-A21B-438A-96FB-90F0584E4C02}" type="pres">
       <dgm:prSet presAssocID="{82544D88-BD0D-4709-A5B3-BAAAD55BA29E}" presName="node" presStyleLbl="node1" presStyleIdx="0" presStyleCnt="6">
@@ -7701,35 +7694,14 @@
         </dgm:presLayoutVars>
       </dgm:prSet>
       <dgm:spPr/>
-      <dgm:t>
-        <a:bodyPr/>
-        <a:lstStyle/>
-        <a:p>
-          <a:endParaRPr lang="en-US"/>
-        </a:p>
-      </dgm:t>
     </dgm:pt>
     <dgm:pt modelId="{9DC509D3-E856-4FBD-819B-BCFF4D24D467}" type="pres">
       <dgm:prSet presAssocID="{B3900F59-242B-43EA-89C1-69A92C5ABC8D}" presName="sibTrans" presStyleLbl="sibTrans2D1" presStyleIdx="0" presStyleCnt="6"/>
       <dgm:spPr/>
-      <dgm:t>
-        <a:bodyPr/>
-        <a:lstStyle/>
-        <a:p>
-          <a:endParaRPr lang="en-US"/>
-        </a:p>
-      </dgm:t>
     </dgm:pt>
     <dgm:pt modelId="{3D4239C2-77AD-45D7-986C-ED7A8AF82873}" type="pres">
       <dgm:prSet presAssocID="{B3900F59-242B-43EA-89C1-69A92C5ABC8D}" presName="connectorText" presStyleLbl="sibTrans2D1" presStyleIdx="0" presStyleCnt="6"/>
       <dgm:spPr/>
-      <dgm:t>
-        <a:bodyPr/>
-        <a:lstStyle/>
-        <a:p>
-          <a:endParaRPr lang="en-US"/>
-        </a:p>
-      </dgm:t>
     </dgm:pt>
     <dgm:pt modelId="{66DD604B-73AF-4485-8DFC-9C21E959573B}" type="pres">
       <dgm:prSet presAssocID="{070C54DB-C352-426D-BD5F-F4AD21339F98}" presName="node" presStyleLbl="node1" presStyleIdx="1" presStyleCnt="6">
@@ -7738,35 +7710,14 @@
         </dgm:presLayoutVars>
       </dgm:prSet>
       <dgm:spPr/>
-      <dgm:t>
-        <a:bodyPr/>
-        <a:lstStyle/>
-        <a:p>
-          <a:endParaRPr lang="en-US"/>
-        </a:p>
-      </dgm:t>
     </dgm:pt>
     <dgm:pt modelId="{98436BF7-369F-4F26-8AD6-3A6F787ECE1B}" type="pres">
       <dgm:prSet presAssocID="{FF9FA91E-0BDF-473A-B988-DA4598FC42B9}" presName="sibTrans" presStyleLbl="sibTrans2D1" presStyleIdx="1" presStyleCnt="6"/>
       <dgm:spPr/>
-      <dgm:t>
-        <a:bodyPr/>
-        <a:lstStyle/>
-        <a:p>
-          <a:endParaRPr lang="en-US"/>
-        </a:p>
-      </dgm:t>
     </dgm:pt>
     <dgm:pt modelId="{0638BF99-0853-4C7F-8AB5-CA33EFAB7C64}" type="pres">
       <dgm:prSet presAssocID="{FF9FA91E-0BDF-473A-B988-DA4598FC42B9}" presName="connectorText" presStyleLbl="sibTrans2D1" presStyleIdx="1" presStyleCnt="6"/>
       <dgm:spPr/>
-      <dgm:t>
-        <a:bodyPr/>
-        <a:lstStyle/>
-        <a:p>
-          <a:endParaRPr lang="en-US"/>
-        </a:p>
-      </dgm:t>
     </dgm:pt>
     <dgm:pt modelId="{9361F8C5-D2D9-4E7C-80CE-EE6714EA4B33}" type="pres">
       <dgm:prSet presAssocID="{A1D25EF6-BAD8-4DF9-B246-A57669854B83}" presName="node" presStyleLbl="node1" presStyleIdx="2" presStyleCnt="6">
@@ -7775,35 +7726,14 @@
         </dgm:presLayoutVars>
       </dgm:prSet>
       <dgm:spPr/>
-      <dgm:t>
-        <a:bodyPr/>
-        <a:lstStyle/>
-        <a:p>
-          <a:endParaRPr lang="en-US"/>
-        </a:p>
-      </dgm:t>
     </dgm:pt>
     <dgm:pt modelId="{D23D2CD3-6F32-4F3C-AABA-D16C228AFFC1}" type="pres">
       <dgm:prSet presAssocID="{65768B2E-F17E-4BDC-91AC-549B87D2414B}" presName="sibTrans" presStyleLbl="sibTrans2D1" presStyleIdx="2" presStyleCnt="6"/>
       <dgm:spPr/>
-      <dgm:t>
-        <a:bodyPr/>
-        <a:lstStyle/>
-        <a:p>
-          <a:endParaRPr lang="en-US"/>
-        </a:p>
-      </dgm:t>
     </dgm:pt>
     <dgm:pt modelId="{8DE7CDD6-7394-40DC-87C4-42AF635837C4}" type="pres">
       <dgm:prSet presAssocID="{65768B2E-F17E-4BDC-91AC-549B87D2414B}" presName="connectorText" presStyleLbl="sibTrans2D1" presStyleIdx="2" presStyleCnt="6"/>
       <dgm:spPr/>
-      <dgm:t>
-        <a:bodyPr/>
-        <a:lstStyle/>
-        <a:p>
-          <a:endParaRPr lang="en-US"/>
-        </a:p>
-      </dgm:t>
     </dgm:pt>
     <dgm:pt modelId="{B2163300-FC63-4086-98E6-D98B88B55EB2}" type="pres">
       <dgm:prSet presAssocID="{4D53547F-24AE-411D-9713-A59E5439CA2A}" presName="node" presStyleLbl="node1" presStyleIdx="3" presStyleCnt="6">
@@ -7812,35 +7742,14 @@
         </dgm:presLayoutVars>
       </dgm:prSet>
       <dgm:spPr/>
-      <dgm:t>
-        <a:bodyPr/>
-        <a:lstStyle/>
-        <a:p>
-          <a:endParaRPr lang="en-US"/>
-        </a:p>
-      </dgm:t>
     </dgm:pt>
     <dgm:pt modelId="{1F4461EC-EDDF-42F9-9209-F7B10E960CCC}" type="pres">
       <dgm:prSet presAssocID="{255179C2-56F8-460A-88AB-0811F42ADC69}" presName="sibTrans" presStyleLbl="sibTrans2D1" presStyleIdx="3" presStyleCnt="6"/>
       <dgm:spPr/>
-      <dgm:t>
-        <a:bodyPr/>
-        <a:lstStyle/>
-        <a:p>
-          <a:endParaRPr lang="en-US"/>
-        </a:p>
-      </dgm:t>
     </dgm:pt>
     <dgm:pt modelId="{57010D1F-0D38-47C4-9FC8-B94F107CCC9D}" type="pres">
       <dgm:prSet presAssocID="{255179C2-56F8-460A-88AB-0811F42ADC69}" presName="connectorText" presStyleLbl="sibTrans2D1" presStyleIdx="3" presStyleCnt="6"/>
       <dgm:spPr/>
-      <dgm:t>
-        <a:bodyPr/>
-        <a:lstStyle/>
-        <a:p>
-          <a:endParaRPr lang="en-US"/>
-        </a:p>
-      </dgm:t>
     </dgm:pt>
     <dgm:pt modelId="{E733B983-E3DD-49D5-BF0D-0C14CC0EDD31}" type="pres">
       <dgm:prSet presAssocID="{4FC972BE-21EA-4E87-9D17-B82089DB6619}" presName="node" presStyleLbl="node1" presStyleIdx="4" presStyleCnt="6">
@@ -7849,35 +7758,14 @@
         </dgm:presLayoutVars>
       </dgm:prSet>
       <dgm:spPr/>
-      <dgm:t>
-        <a:bodyPr/>
-        <a:lstStyle/>
-        <a:p>
-          <a:endParaRPr lang="en-US"/>
-        </a:p>
-      </dgm:t>
     </dgm:pt>
     <dgm:pt modelId="{E17CB246-EF6C-4708-ACC7-95ED2937F1A3}" type="pres">
       <dgm:prSet presAssocID="{EA474292-EF76-4E49-9689-C3CBE5559D68}" presName="sibTrans" presStyleLbl="sibTrans2D1" presStyleIdx="4" presStyleCnt="6"/>
       <dgm:spPr/>
-      <dgm:t>
-        <a:bodyPr/>
-        <a:lstStyle/>
-        <a:p>
-          <a:endParaRPr lang="en-US"/>
-        </a:p>
-      </dgm:t>
     </dgm:pt>
     <dgm:pt modelId="{8F2C67F0-48E9-4626-BAA8-34E683C40D3E}" type="pres">
       <dgm:prSet presAssocID="{EA474292-EF76-4E49-9689-C3CBE5559D68}" presName="connectorText" presStyleLbl="sibTrans2D1" presStyleIdx="4" presStyleCnt="6"/>
       <dgm:spPr/>
-      <dgm:t>
-        <a:bodyPr/>
-        <a:lstStyle/>
-        <a:p>
-          <a:endParaRPr lang="en-US"/>
-        </a:p>
-      </dgm:t>
     </dgm:pt>
     <dgm:pt modelId="{A8CBEE61-1F20-4B3C-83E1-CCEC89EA0498}" type="pres">
       <dgm:prSet presAssocID="{3EFEF7F6-42CC-4589-817B-32435235D19A}" presName="node" presStyleLbl="node1" presStyleIdx="5" presStyleCnt="6">
@@ -7886,63 +7774,42 @@
         </dgm:presLayoutVars>
       </dgm:prSet>
       <dgm:spPr/>
-      <dgm:t>
-        <a:bodyPr/>
-        <a:lstStyle/>
-        <a:p>
-          <a:endParaRPr lang="en-US"/>
-        </a:p>
-      </dgm:t>
     </dgm:pt>
     <dgm:pt modelId="{CCCDC119-36F8-43ED-867B-4E93B2BC311D}" type="pres">
       <dgm:prSet presAssocID="{F9FA0B20-1F03-4092-8FDA-A08C1F472BC1}" presName="sibTrans" presStyleLbl="sibTrans2D1" presStyleIdx="5" presStyleCnt="6"/>
       <dgm:spPr/>
-      <dgm:t>
-        <a:bodyPr/>
-        <a:lstStyle/>
-        <a:p>
-          <a:endParaRPr lang="en-US"/>
-        </a:p>
-      </dgm:t>
     </dgm:pt>
     <dgm:pt modelId="{F2F31493-ED57-403D-A755-AD4EC2E3ED11}" type="pres">
       <dgm:prSet presAssocID="{F9FA0B20-1F03-4092-8FDA-A08C1F472BC1}" presName="connectorText" presStyleLbl="sibTrans2D1" presStyleIdx="5" presStyleCnt="6"/>
       <dgm:spPr/>
-      <dgm:t>
-        <a:bodyPr/>
-        <a:lstStyle/>
-        <a:p>
-          <a:endParaRPr lang="en-US"/>
-        </a:p>
-      </dgm:t>
     </dgm:pt>
   </dgm:ptLst>
   <dgm:cxnLst>
+    <dgm:cxn modelId="{0CAAAA33-6A9E-4BC0-AEF4-29AEDE78A23D}" type="presOf" srcId="{65768B2E-F17E-4BDC-91AC-549B87D2414B}" destId="{D23D2CD3-6F32-4F3C-AABA-D16C228AFFC1}" srcOrd="0" destOrd="0" presId="urn:microsoft.com/office/officeart/2005/8/layout/cycle2"/>
+    <dgm:cxn modelId="{E415A836-F7D8-4C71-A5D6-5FCA7527F640}" type="presOf" srcId="{A1D25EF6-BAD8-4DF9-B246-A57669854B83}" destId="{9361F8C5-D2D9-4E7C-80CE-EE6714EA4B33}" srcOrd="0" destOrd="0" presId="urn:microsoft.com/office/officeart/2005/8/layout/cycle2"/>
+    <dgm:cxn modelId="{047A3543-1535-481B-8951-7C6B2523F3E0}" srcId="{F6D7AA7E-37DD-4BDE-AE8A-5B0D78E2F471}" destId="{82544D88-BD0D-4709-A5B3-BAAAD55BA29E}" srcOrd="0" destOrd="0" parTransId="{DB5FA6F2-5756-43FD-A265-2B7F9A62D8C3}" sibTransId="{B3900F59-242B-43EA-89C1-69A92C5ABC8D}"/>
+    <dgm:cxn modelId="{08918246-5313-4237-B68C-24F6D44664D3}" srcId="{F6D7AA7E-37DD-4BDE-AE8A-5B0D78E2F471}" destId="{A1D25EF6-BAD8-4DF9-B246-A57669854B83}" srcOrd="2" destOrd="0" parTransId="{4DC6218E-9831-4288-B8AF-598F4074DD0B}" sibTransId="{65768B2E-F17E-4BDC-91AC-549B87D2414B}"/>
+    <dgm:cxn modelId="{93368547-634B-4E46-916D-5873AADFDA4C}" type="presOf" srcId="{B3900F59-242B-43EA-89C1-69A92C5ABC8D}" destId="{3D4239C2-77AD-45D7-986C-ED7A8AF82873}" srcOrd="1" destOrd="0" presId="urn:microsoft.com/office/officeart/2005/8/layout/cycle2"/>
     <dgm:cxn modelId="{108AAF52-BABD-447C-8707-F688EDB2EC91}" type="presOf" srcId="{EA474292-EF76-4E49-9689-C3CBE5559D68}" destId="{8F2C67F0-48E9-4626-BAA8-34E683C40D3E}" srcOrd="1" destOrd="0" presId="urn:microsoft.com/office/officeart/2005/8/layout/cycle2"/>
+    <dgm:cxn modelId="{A1FEA065-D05E-4225-A86D-74A12333BCD7}" type="presOf" srcId="{EA474292-EF76-4E49-9689-C3CBE5559D68}" destId="{E17CB246-EF6C-4708-ACC7-95ED2937F1A3}" srcOrd="0" destOrd="0" presId="urn:microsoft.com/office/officeart/2005/8/layout/cycle2"/>
+    <dgm:cxn modelId="{9201C768-06C1-4086-B908-E68EE5957E43}" type="presOf" srcId="{4D53547F-24AE-411D-9713-A59E5439CA2A}" destId="{B2163300-FC63-4086-98E6-D98B88B55EB2}" srcOrd="0" destOrd="0" presId="urn:microsoft.com/office/officeart/2005/8/layout/cycle2"/>
+    <dgm:cxn modelId="{A01FDE6C-E2D9-4193-80B8-050AE5323220}" type="presOf" srcId="{FF9FA91E-0BDF-473A-B988-DA4598FC42B9}" destId="{98436BF7-369F-4F26-8AD6-3A6F787ECE1B}" srcOrd="0" destOrd="0" presId="urn:microsoft.com/office/officeart/2005/8/layout/cycle2"/>
+    <dgm:cxn modelId="{09D11376-F72C-472A-9966-E744E487BCFA}" type="presOf" srcId="{F6D7AA7E-37DD-4BDE-AE8A-5B0D78E2F471}" destId="{D671F792-2D6B-474F-9C3D-5E72C4442EFB}" srcOrd="0" destOrd="0" presId="urn:microsoft.com/office/officeart/2005/8/layout/cycle2"/>
+    <dgm:cxn modelId="{BE112D7B-D99E-41F3-9EF4-E6AF35939F59}" type="presOf" srcId="{F9FA0B20-1F03-4092-8FDA-A08C1F472BC1}" destId="{CCCDC119-36F8-43ED-867B-4E93B2BC311D}" srcOrd="0" destOrd="0" presId="urn:microsoft.com/office/officeart/2005/8/layout/cycle2"/>
+    <dgm:cxn modelId="{37E68E7C-7251-497F-BA21-AAD84D779658}" type="presOf" srcId="{070C54DB-C352-426D-BD5F-F4AD21339F98}" destId="{66DD604B-73AF-4485-8DFC-9C21E959573B}" srcOrd="0" destOrd="0" presId="urn:microsoft.com/office/officeart/2005/8/layout/cycle2"/>
+    <dgm:cxn modelId="{DAA42983-3726-4FF0-B886-2B38707D56F8}" type="presOf" srcId="{65768B2E-F17E-4BDC-91AC-549B87D2414B}" destId="{8DE7CDD6-7394-40DC-87C4-42AF635837C4}" srcOrd="1" destOrd="0" presId="urn:microsoft.com/office/officeart/2005/8/layout/cycle2"/>
+    <dgm:cxn modelId="{FF01B291-08C4-4167-990B-DB173D4D403B}" type="presOf" srcId="{82544D88-BD0D-4709-A5B3-BAAAD55BA29E}" destId="{CD2F84ED-A21B-438A-96FB-90F0584E4C02}" srcOrd="0" destOrd="0" presId="urn:microsoft.com/office/officeart/2005/8/layout/cycle2"/>
+    <dgm:cxn modelId="{7DF88B98-6775-4A9B-A5F6-7362D104E75A}" srcId="{F6D7AA7E-37DD-4BDE-AE8A-5B0D78E2F471}" destId="{4D53547F-24AE-411D-9713-A59E5439CA2A}" srcOrd="3" destOrd="0" parTransId="{EECD460F-5733-4655-9682-29F978397053}" sibTransId="{255179C2-56F8-460A-88AB-0811F42ADC69}"/>
+    <dgm:cxn modelId="{4D5228A3-7FBE-4FD1-AD7E-3309825BB1D2}" type="presOf" srcId="{255179C2-56F8-460A-88AB-0811F42ADC69}" destId="{1F4461EC-EDDF-42F9-9209-F7B10E960CCC}" srcOrd="0" destOrd="0" presId="urn:microsoft.com/office/officeart/2005/8/layout/cycle2"/>
+    <dgm:cxn modelId="{F90D10A4-5101-487A-ADDA-8A1A775E09FF}" srcId="{F6D7AA7E-37DD-4BDE-AE8A-5B0D78E2F471}" destId="{4FC972BE-21EA-4E87-9D17-B82089DB6619}" srcOrd="4" destOrd="0" parTransId="{B7F7B6FD-936A-41F8-B3D1-430724E5917A}" sibTransId="{EA474292-EF76-4E49-9689-C3CBE5559D68}"/>
     <dgm:cxn modelId="{D8252AB8-CD51-445A-85F5-45DED33F6193}" type="presOf" srcId="{F9FA0B20-1F03-4092-8FDA-A08C1F472BC1}" destId="{F2F31493-ED57-403D-A755-AD4EC2E3ED11}" srcOrd="1" destOrd="0" presId="urn:microsoft.com/office/officeart/2005/8/layout/cycle2"/>
-    <dgm:cxn modelId="{FF01B291-08C4-4167-990B-DB173D4D403B}" type="presOf" srcId="{82544D88-BD0D-4709-A5B3-BAAAD55BA29E}" destId="{CD2F84ED-A21B-438A-96FB-90F0584E4C02}" srcOrd="0" destOrd="0" presId="urn:microsoft.com/office/officeart/2005/8/layout/cycle2"/>
+    <dgm:cxn modelId="{B706C3B8-5999-46C0-B747-96BCA1C89915}" type="presOf" srcId="{4FC972BE-21EA-4E87-9D17-B82089DB6619}" destId="{E733B983-E3DD-49D5-BF0D-0C14CC0EDD31}" srcOrd="0" destOrd="0" presId="urn:microsoft.com/office/officeart/2005/8/layout/cycle2"/>
+    <dgm:cxn modelId="{AF3D8FB9-D402-4E0E-8243-A447357CD83D}" type="presOf" srcId="{FF9FA91E-0BDF-473A-B988-DA4598FC42B9}" destId="{0638BF99-0853-4C7F-8AB5-CA33EFAB7C64}" srcOrd="1" destOrd="0" presId="urn:microsoft.com/office/officeart/2005/8/layout/cycle2"/>
+    <dgm:cxn modelId="{C2C518D8-4C12-437D-8025-8157291AB4C5}" srcId="{F6D7AA7E-37DD-4BDE-AE8A-5B0D78E2F471}" destId="{070C54DB-C352-426D-BD5F-F4AD21339F98}" srcOrd="1" destOrd="0" parTransId="{2EE84A97-5201-42A8-9BBB-5B12F19A78D4}" sibTransId="{FF9FA91E-0BDF-473A-B988-DA4598FC42B9}"/>
+    <dgm:cxn modelId="{BADD59E6-C66E-4A5F-A7D0-179D365B6F12}" srcId="{F6D7AA7E-37DD-4BDE-AE8A-5B0D78E2F471}" destId="{3EFEF7F6-42CC-4589-817B-32435235D19A}" srcOrd="5" destOrd="0" parTransId="{A4135986-8EEB-4366-915C-6A1EFD46A817}" sibTransId="{F9FA0B20-1F03-4092-8FDA-A08C1F472BC1}"/>
+    <dgm:cxn modelId="{00EAB3E7-DBE0-4D4B-AB1E-734CFAA68D3D}" type="presOf" srcId="{B3900F59-242B-43EA-89C1-69A92C5ABC8D}" destId="{9DC509D3-E856-4FBD-819B-BCFF4D24D467}" srcOrd="0" destOrd="0" presId="urn:microsoft.com/office/officeart/2005/8/layout/cycle2"/>
     <dgm:cxn modelId="{973018EA-9729-449F-AAD8-4103665B6478}" type="presOf" srcId="{255179C2-56F8-460A-88AB-0811F42ADC69}" destId="{57010D1F-0D38-47C4-9FC8-B94F107CCC9D}" srcOrd="1" destOrd="0" presId="urn:microsoft.com/office/officeart/2005/8/layout/cycle2"/>
-    <dgm:cxn modelId="{9201C768-06C1-4086-B908-E68EE5957E43}" type="presOf" srcId="{4D53547F-24AE-411D-9713-A59E5439CA2A}" destId="{B2163300-FC63-4086-98E6-D98B88B55EB2}" srcOrd="0" destOrd="0" presId="urn:microsoft.com/office/officeart/2005/8/layout/cycle2"/>
-    <dgm:cxn modelId="{09D11376-F72C-472A-9966-E744E487BCFA}" type="presOf" srcId="{F6D7AA7E-37DD-4BDE-AE8A-5B0D78E2F471}" destId="{D671F792-2D6B-474F-9C3D-5E72C4442EFB}" srcOrd="0" destOrd="0" presId="urn:microsoft.com/office/officeart/2005/8/layout/cycle2"/>
-    <dgm:cxn modelId="{C2C518D8-4C12-437D-8025-8157291AB4C5}" srcId="{F6D7AA7E-37DD-4BDE-AE8A-5B0D78E2F471}" destId="{070C54DB-C352-426D-BD5F-F4AD21339F98}" srcOrd="1" destOrd="0" parTransId="{2EE84A97-5201-42A8-9BBB-5B12F19A78D4}" sibTransId="{FF9FA91E-0BDF-473A-B988-DA4598FC42B9}"/>
-    <dgm:cxn modelId="{08918246-5313-4237-B68C-24F6D44664D3}" srcId="{F6D7AA7E-37DD-4BDE-AE8A-5B0D78E2F471}" destId="{A1D25EF6-BAD8-4DF9-B246-A57669854B83}" srcOrd="2" destOrd="0" parTransId="{4DC6218E-9831-4288-B8AF-598F4074DD0B}" sibTransId="{65768B2E-F17E-4BDC-91AC-549B87D2414B}"/>
-    <dgm:cxn modelId="{37E68E7C-7251-497F-BA21-AAD84D779658}" type="presOf" srcId="{070C54DB-C352-426D-BD5F-F4AD21339F98}" destId="{66DD604B-73AF-4485-8DFC-9C21E959573B}" srcOrd="0" destOrd="0" presId="urn:microsoft.com/office/officeart/2005/8/layout/cycle2"/>
-    <dgm:cxn modelId="{BADD59E6-C66E-4A5F-A7D0-179D365B6F12}" srcId="{F6D7AA7E-37DD-4BDE-AE8A-5B0D78E2F471}" destId="{3EFEF7F6-42CC-4589-817B-32435235D19A}" srcOrd="5" destOrd="0" parTransId="{A4135986-8EEB-4366-915C-6A1EFD46A817}" sibTransId="{F9FA0B20-1F03-4092-8FDA-A08C1F472BC1}"/>
-    <dgm:cxn modelId="{B706C3B8-5999-46C0-B747-96BCA1C89915}" type="presOf" srcId="{4FC972BE-21EA-4E87-9D17-B82089DB6619}" destId="{E733B983-E3DD-49D5-BF0D-0C14CC0EDD31}" srcOrd="0" destOrd="0" presId="urn:microsoft.com/office/officeart/2005/8/layout/cycle2"/>
-    <dgm:cxn modelId="{047A3543-1535-481B-8951-7C6B2523F3E0}" srcId="{F6D7AA7E-37DD-4BDE-AE8A-5B0D78E2F471}" destId="{82544D88-BD0D-4709-A5B3-BAAAD55BA29E}" srcOrd="0" destOrd="0" parTransId="{DB5FA6F2-5756-43FD-A265-2B7F9A62D8C3}" sibTransId="{B3900F59-242B-43EA-89C1-69A92C5ABC8D}"/>
-    <dgm:cxn modelId="{00EAB3E7-DBE0-4D4B-AB1E-734CFAA68D3D}" type="presOf" srcId="{B3900F59-242B-43EA-89C1-69A92C5ABC8D}" destId="{9DC509D3-E856-4FBD-819B-BCFF4D24D467}" srcOrd="0" destOrd="0" presId="urn:microsoft.com/office/officeart/2005/8/layout/cycle2"/>
-    <dgm:cxn modelId="{A1FEA065-D05E-4225-A86D-74A12333BCD7}" type="presOf" srcId="{EA474292-EF76-4E49-9689-C3CBE5559D68}" destId="{E17CB246-EF6C-4708-ACC7-95ED2937F1A3}" srcOrd="0" destOrd="0" presId="urn:microsoft.com/office/officeart/2005/8/layout/cycle2"/>
-    <dgm:cxn modelId="{E415A836-F7D8-4C71-A5D6-5FCA7527F640}" type="presOf" srcId="{A1D25EF6-BAD8-4DF9-B246-A57669854B83}" destId="{9361F8C5-D2D9-4E7C-80CE-EE6714EA4B33}" srcOrd="0" destOrd="0" presId="urn:microsoft.com/office/officeart/2005/8/layout/cycle2"/>
-    <dgm:cxn modelId="{0CAAAA33-6A9E-4BC0-AEF4-29AEDE78A23D}" type="presOf" srcId="{65768B2E-F17E-4BDC-91AC-549B87D2414B}" destId="{D23D2CD3-6F32-4F3C-AABA-D16C228AFFC1}" srcOrd="0" destOrd="0" presId="urn:microsoft.com/office/officeart/2005/8/layout/cycle2"/>
-    <dgm:cxn modelId="{DAA42983-3726-4FF0-B886-2B38707D56F8}" type="presOf" srcId="{65768B2E-F17E-4BDC-91AC-549B87D2414B}" destId="{8DE7CDD6-7394-40DC-87C4-42AF635837C4}" srcOrd="1" destOrd="0" presId="urn:microsoft.com/office/officeart/2005/8/layout/cycle2"/>
-    <dgm:cxn modelId="{AF3D8FB9-D402-4E0E-8243-A447357CD83D}" type="presOf" srcId="{FF9FA91E-0BDF-473A-B988-DA4598FC42B9}" destId="{0638BF99-0853-4C7F-8AB5-CA33EFAB7C64}" srcOrd="1" destOrd="0" presId="urn:microsoft.com/office/officeart/2005/8/layout/cycle2"/>
-    <dgm:cxn modelId="{4D5228A3-7FBE-4FD1-AD7E-3309825BB1D2}" type="presOf" srcId="{255179C2-56F8-460A-88AB-0811F42ADC69}" destId="{1F4461EC-EDDF-42F9-9209-F7B10E960CCC}" srcOrd="0" destOrd="0" presId="urn:microsoft.com/office/officeart/2005/8/layout/cycle2"/>
-    <dgm:cxn modelId="{BE112D7B-D99E-41F3-9EF4-E6AF35939F59}" type="presOf" srcId="{F9FA0B20-1F03-4092-8FDA-A08C1F472BC1}" destId="{CCCDC119-36F8-43ED-867B-4E93B2BC311D}" srcOrd="0" destOrd="0" presId="urn:microsoft.com/office/officeart/2005/8/layout/cycle2"/>
-    <dgm:cxn modelId="{7DF88B98-6775-4A9B-A5F6-7362D104E75A}" srcId="{F6D7AA7E-37DD-4BDE-AE8A-5B0D78E2F471}" destId="{4D53547F-24AE-411D-9713-A59E5439CA2A}" srcOrd="3" destOrd="0" parTransId="{EECD460F-5733-4655-9682-29F978397053}" sibTransId="{255179C2-56F8-460A-88AB-0811F42ADC69}"/>
-    <dgm:cxn modelId="{93368547-634B-4E46-916D-5873AADFDA4C}" type="presOf" srcId="{B3900F59-242B-43EA-89C1-69A92C5ABC8D}" destId="{3D4239C2-77AD-45D7-986C-ED7A8AF82873}" srcOrd="1" destOrd="0" presId="urn:microsoft.com/office/officeart/2005/8/layout/cycle2"/>
-    <dgm:cxn modelId="{F90D10A4-5101-487A-ADDA-8A1A775E09FF}" srcId="{F6D7AA7E-37DD-4BDE-AE8A-5B0D78E2F471}" destId="{4FC972BE-21EA-4E87-9D17-B82089DB6619}" srcOrd="4" destOrd="0" parTransId="{B7F7B6FD-936A-41F8-B3D1-430724E5917A}" sibTransId="{EA474292-EF76-4E49-9689-C3CBE5559D68}"/>
     <dgm:cxn modelId="{3E0D8BFF-69E9-4631-86F9-05A1E2A29988}" type="presOf" srcId="{3EFEF7F6-42CC-4589-817B-32435235D19A}" destId="{A8CBEE61-1F20-4B3C-83E1-CCEC89EA0498}" srcOrd="0" destOrd="0" presId="urn:microsoft.com/office/officeart/2005/8/layout/cycle2"/>
-    <dgm:cxn modelId="{A01FDE6C-E2D9-4193-80B8-050AE5323220}" type="presOf" srcId="{FF9FA91E-0BDF-473A-B988-DA4598FC42B9}" destId="{98436BF7-369F-4F26-8AD6-3A6F787ECE1B}" srcOrd="0" destOrd="0" presId="urn:microsoft.com/office/officeart/2005/8/layout/cycle2"/>
     <dgm:cxn modelId="{D7CAC708-1DA0-4B6C-8CCD-86B48FBE7D09}" type="presParOf" srcId="{D671F792-2D6B-474F-9C3D-5E72C4442EFB}" destId="{CD2F84ED-A21B-438A-96FB-90F0584E4C02}" srcOrd="0" destOrd="0" presId="urn:microsoft.com/office/officeart/2005/8/layout/cycle2"/>
     <dgm:cxn modelId="{FF3A4A1B-00FD-42DE-90FD-344A16BB820B}" type="presParOf" srcId="{D671F792-2D6B-474F-9C3D-5E72C4442EFB}" destId="{9DC509D3-E856-4FBD-819B-BCFF4D24D467}" srcOrd="1" destOrd="0" presId="urn:microsoft.com/office/officeart/2005/8/layout/cycle2"/>
     <dgm:cxn modelId="{39062545-249B-47EC-9704-190E20595AD2}" type="presParOf" srcId="{9DC509D3-E856-4FBD-819B-BCFF4D24D467}" destId="{3D4239C2-77AD-45D7-986C-ED7A8AF82873}" srcOrd="0" destOrd="0" presId="urn:microsoft.com/office/officeart/2005/8/layout/cycle2"/>
@@ -8065,7 +7932,7 @@
             <a:t>פיתוח </a:t>
           </a:r>
           <a:r>
-            <a:rPr lang="he-IL" dirty="0" err="1" smtClean="0"/>
+            <a:rPr lang="he-IL" dirty="0" err="1"/>
             <a:t>בתעשיה</a:t>
           </a:r>
           <a:endParaRPr lang="en-US" dirty="0"/>
@@ -8118,13 +7985,6 @@
         </dgm:presLayoutVars>
       </dgm:prSet>
       <dgm:spPr/>
-      <dgm:t>
-        <a:bodyPr/>
-        <a:lstStyle/>
-        <a:p>
-          <a:endParaRPr lang="en-US"/>
-        </a:p>
-      </dgm:t>
     </dgm:pt>
     <dgm:pt modelId="{51D99BFD-461C-49F1-A0F3-8A27BCAAE886}" type="pres">
       <dgm:prSet presAssocID="{9AF07340-8810-40B4-B90B-7525C39386F3}" presName="sibTrans" presStyleCnt="0"/>
@@ -8137,13 +7997,6 @@
         </dgm:presLayoutVars>
       </dgm:prSet>
       <dgm:spPr/>
-      <dgm:t>
-        <a:bodyPr/>
-        <a:lstStyle/>
-        <a:p>
-          <a:endParaRPr lang="en-US"/>
-        </a:p>
-      </dgm:t>
     </dgm:pt>
     <dgm:pt modelId="{F7145578-B7F0-4CD7-A2ED-BB555090D49F}" type="pres">
       <dgm:prSet presAssocID="{1DCC0076-73E9-4073-A94B-DF787D10E421}" presName="sibTrans" presStyleCnt="0"/>
@@ -8156,23 +8009,16 @@
         </dgm:presLayoutVars>
       </dgm:prSet>
       <dgm:spPr/>
-      <dgm:t>
-        <a:bodyPr/>
-        <a:lstStyle/>
-        <a:p>
-          <a:endParaRPr lang="en-US"/>
-        </a:p>
-      </dgm:t>
     </dgm:pt>
   </dgm:ptLst>
   <dgm:cxnLst>
+    <dgm:cxn modelId="{CAA35B24-880D-4F77-B4C9-A539184F661E}" type="presOf" srcId="{7BD4DD1F-6D82-493D-A8E0-3F22CC85EA98}" destId="{96C1A147-B0EB-416B-B5A2-9BF8799CE463}" srcOrd="0" destOrd="0" presId="urn:microsoft.com/office/officeart/2005/8/layout/hProcess9"/>
+    <dgm:cxn modelId="{D6E61B2C-14E5-40BC-B482-017EE42F6746}" type="presOf" srcId="{012FE265-7559-4C4A-8CF0-237FC188A1E7}" destId="{1E1835AC-BC52-4FA3-8E86-A179AFA99438}" srcOrd="0" destOrd="0" presId="urn:microsoft.com/office/officeart/2005/8/layout/hProcess9"/>
+    <dgm:cxn modelId="{E220EAD6-3C5F-47BB-B875-D8775A1C6B95}" type="presOf" srcId="{C52E94CB-8E61-403B-9072-3E888790BB0B}" destId="{4E1E5F36-4C47-4B2F-A95C-FCBB11A30577}" srcOrd="0" destOrd="0" presId="urn:microsoft.com/office/officeart/2005/8/layout/hProcess9"/>
     <dgm:cxn modelId="{E0604FD7-820B-4F70-8D36-312331FCCDF1}" srcId="{EDD26B9B-BAC2-457A-85DA-410CF26D2F3E}" destId="{C52E94CB-8E61-403B-9072-3E888790BB0B}" srcOrd="1" destOrd="0" parTransId="{1D5E5AEB-C9CB-4CEB-A4EE-9177F1EEC59D}" sibTransId="{1DCC0076-73E9-4073-A94B-DF787D10E421}"/>
+    <dgm:cxn modelId="{87FE4DEC-4ECC-45A7-9F3C-B083C4F40D06}" srcId="{EDD26B9B-BAC2-457A-85DA-410CF26D2F3E}" destId="{012FE265-7559-4C4A-8CF0-237FC188A1E7}" srcOrd="2" destOrd="0" parTransId="{AC7C01A1-472E-45BE-B827-80FFF29BF997}" sibTransId="{3B6411AD-0765-4E16-ADAB-E5F2C00ACD99}"/>
     <dgm:cxn modelId="{3186C8F4-87EE-4922-A12A-70A7755752A9}" type="presOf" srcId="{EDD26B9B-BAC2-457A-85DA-410CF26D2F3E}" destId="{9932812E-B147-4E41-8638-2F8E1F3D3082}" srcOrd="0" destOrd="0" presId="urn:microsoft.com/office/officeart/2005/8/layout/hProcess9"/>
-    <dgm:cxn modelId="{CAA35B24-880D-4F77-B4C9-A539184F661E}" type="presOf" srcId="{7BD4DD1F-6D82-493D-A8E0-3F22CC85EA98}" destId="{96C1A147-B0EB-416B-B5A2-9BF8799CE463}" srcOrd="0" destOrd="0" presId="urn:microsoft.com/office/officeart/2005/8/layout/hProcess9"/>
-    <dgm:cxn modelId="{E220EAD6-3C5F-47BB-B875-D8775A1C6B95}" type="presOf" srcId="{C52E94CB-8E61-403B-9072-3E888790BB0B}" destId="{4E1E5F36-4C47-4B2F-A95C-FCBB11A30577}" srcOrd="0" destOrd="0" presId="urn:microsoft.com/office/officeart/2005/8/layout/hProcess9"/>
-    <dgm:cxn modelId="{D6E61B2C-14E5-40BC-B482-017EE42F6746}" type="presOf" srcId="{012FE265-7559-4C4A-8CF0-237FC188A1E7}" destId="{1E1835AC-BC52-4FA3-8E86-A179AFA99438}" srcOrd="0" destOrd="0" presId="urn:microsoft.com/office/officeart/2005/8/layout/hProcess9"/>
     <dgm:cxn modelId="{8F56ACFF-438C-4B91-B9F4-4FA843954201}" srcId="{EDD26B9B-BAC2-457A-85DA-410CF26D2F3E}" destId="{7BD4DD1F-6D82-493D-A8E0-3F22CC85EA98}" srcOrd="0" destOrd="0" parTransId="{2349691A-6765-4C72-8A53-238C8DA8586A}" sibTransId="{9AF07340-8810-40B4-B90B-7525C39386F3}"/>
-    <dgm:cxn modelId="{87FE4DEC-4ECC-45A7-9F3C-B083C4F40D06}" srcId="{EDD26B9B-BAC2-457A-85DA-410CF26D2F3E}" destId="{012FE265-7559-4C4A-8CF0-237FC188A1E7}" srcOrd="2" destOrd="0" parTransId="{AC7C01A1-472E-45BE-B827-80FFF29BF997}" sibTransId="{3B6411AD-0765-4E16-ADAB-E5F2C00ACD99}"/>
     <dgm:cxn modelId="{56B70B81-D075-4E2D-9F9F-A28D6728FAFA}" type="presParOf" srcId="{9932812E-B147-4E41-8638-2F8E1F3D3082}" destId="{D4887CC4-F952-4FFE-A089-C8D3C633A346}" srcOrd="0" destOrd="0" presId="urn:microsoft.com/office/officeart/2005/8/layout/hProcess9"/>
     <dgm:cxn modelId="{7A37520F-36BE-4829-BAA5-B2AD976083E9}" type="presParOf" srcId="{9932812E-B147-4E41-8638-2F8E1F3D3082}" destId="{36A318FD-7EDC-494F-B2CA-91C66CDA879C}" srcOrd="1" destOrd="0" presId="urn:microsoft.com/office/officeart/2005/8/layout/hProcess9"/>
     <dgm:cxn modelId="{12CC9B04-2477-4983-B53B-B9D1D2C2C0B6}" type="presParOf" srcId="{36A318FD-7EDC-494F-B2CA-91C66CDA879C}" destId="{96C1A147-B0EB-416B-B5A2-9BF8799CE463}" srcOrd="0" destOrd="0" presId="urn:microsoft.com/office/officeart/2005/8/layout/hProcess9"/>
@@ -8435,13 +8281,6 @@
         </dgm:presLayoutVars>
       </dgm:prSet>
       <dgm:spPr/>
-      <dgm:t>
-        <a:bodyPr/>
-        <a:lstStyle/>
-        <a:p>
-          <a:endParaRPr lang="en-US"/>
-        </a:p>
-      </dgm:t>
     </dgm:pt>
     <dgm:pt modelId="{CD2F84ED-A21B-438A-96FB-90F0584E4C02}" type="pres">
       <dgm:prSet presAssocID="{82544D88-BD0D-4709-A5B3-BAAAD55BA29E}" presName="node" presStyleLbl="node1" presStyleIdx="0" presStyleCnt="6">
@@ -8450,35 +8289,14 @@
         </dgm:presLayoutVars>
       </dgm:prSet>
       <dgm:spPr/>
-      <dgm:t>
-        <a:bodyPr/>
-        <a:lstStyle/>
-        <a:p>
-          <a:endParaRPr lang="en-US"/>
-        </a:p>
-      </dgm:t>
     </dgm:pt>
     <dgm:pt modelId="{9DC509D3-E856-4FBD-819B-BCFF4D24D467}" type="pres">
       <dgm:prSet presAssocID="{B3900F59-242B-43EA-89C1-69A92C5ABC8D}" presName="sibTrans" presStyleLbl="sibTrans2D1" presStyleIdx="0" presStyleCnt="6"/>
       <dgm:spPr/>
-      <dgm:t>
-        <a:bodyPr/>
-        <a:lstStyle/>
-        <a:p>
-          <a:endParaRPr lang="en-US"/>
-        </a:p>
-      </dgm:t>
     </dgm:pt>
     <dgm:pt modelId="{3D4239C2-77AD-45D7-986C-ED7A8AF82873}" type="pres">
       <dgm:prSet presAssocID="{B3900F59-242B-43EA-89C1-69A92C5ABC8D}" presName="connectorText" presStyleLbl="sibTrans2D1" presStyleIdx="0" presStyleCnt="6"/>
       <dgm:spPr/>
-      <dgm:t>
-        <a:bodyPr/>
-        <a:lstStyle/>
-        <a:p>
-          <a:endParaRPr lang="en-US"/>
-        </a:p>
-      </dgm:t>
     </dgm:pt>
     <dgm:pt modelId="{66DD604B-73AF-4485-8DFC-9C21E959573B}" type="pres">
       <dgm:prSet presAssocID="{070C54DB-C352-426D-BD5F-F4AD21339F98}" presName="node" presStyleLbl="node1" presStyleIdx="1" presStyleCnt="6">
@@ -8487,35 +8305,14 @@
         </dgm:presLayoutVars>
       </dgm:prSet>
       <dgm:spPr/>
-      <dgm:t>
-        <a:bodyPr/>
-        <a:lstStyle/>
-        <a:p>
-          <a:endParaRPr lang="en-US"/>
-        </a:p>
-      </dgm:t>
     </dgm:pt>
     <dgm:pt modelId="{98436BF7-369F-4F26-8AD6-3A6F787ECE1B}" type="pres">
       <dgm:prSet presAssocID="{FF9FA91E-0BDF-473A-B988-DA4598FC42B9}" presName="sibTrans" presStyleLbl="sibTrans2D1" presStyleIdx="1" presStyleCnt="6"/>
       <dgm:spPr/>
-      <dgm:t>
-        <a:bodyPr/>
-        <a:lstStyle/>
-        <a:p>
-          <a:endParaRPr lang="en-US"/>
-        </a:p>
-      </dgm:t>
     </dgm:pt>
     <dgm:pt modelId="{0638BF99-0853-4C7F-8AB5-CA33EFAB7C64}" type="pres">
       <dgm:prSet presAssocID="{FF9FA91E-0BDF-473A-B988-DA4598FC42B9}" presName="connectorText" presStyleLbl="sibTrans2D1" presStyleIdx="1" presStyleCnt="6"/>
       <dgm:spPr/>
-      <dgm:t>
-        <a:bodyPr/>
-        <a:lstStyle/>
-        <a:p>
-          <a:endParaRPr lang="en-US"/>
-        </a:p>
-      </dgm:t>
     </dgm:pt>
     <dgm:pt modelId="{9361F8C5-D2D9-4E7C-80CE-EE6714EA4B33}" type="pres">
       <dgm:prSet presAssocID="{A1D25EF6-BAD8-4DF9-B246-A57669854B83}" presName="node" presStyleLbl="node1" presStyleIdx="2" presStyleCnt="6">
@@ -8524,35 +8321,14 @@
         </dgm:presLayoutVars>
       </dgm:prSet>
       <dgm:spPr/>
-      <dgm:t>
-        <a:bodyPr/>
-        <a:lstStyle/>
-        <a:p>
-          <a:endParaRPr lang="en-US"/>
-        </a:p>
-      </dgm:t>
     </dgm:pt>
     <dgm:pt modelId="{D23D2CD3-6F32-4F3C-AABA-D16C228AFFC1}" type="pres">
       <dgm:prSet presAssocID="{65768B2E-F17E-4BDC-91AC-549B87D2414B}" presName="sibTrans" presStyleLbl="sibTrans2D1" presStyleIdx="2" presStyleCnt="6"/>
       <dgm:spPr/>
-      <dgm:t>
-        <a:bodyPr/>
-        <a:lstStyle/>
-        <a:p>
-          <a:endParaRPr lang="en-US"/>
-        </a:p>
-      </dgm:t>
     </dgm:pt>
     <dgm:pt modelId="{8DE7CDD6-7394-40DC-87C4-42AF635837C4}" type="pres">
       <dgm:prSet presAssocID="{65768B2E-F17E-4BDC-91AC-549B87D2414B}" presName="connectorText" presStyleLbl="sibTrans2D1" presStyleIdx="2" presStyleCnt="6"/>
       <dgm:spPr/>
-      <dgm:t>
-        <a:bodyPr/>
-        <a:lstStyle/>
-        <a:p>
-          <a:endParaRPr lang="en-US"/>
-        </a:p>
-      </dgm:t>
     </dgm:pt>
     <dgm:pt modelId="{B2163300-FC63-4086-98E6-D98B88B55EB2}" type="pres">
       <dgm:prSet presAssocID="{4D53547F-24AE-411D-9713-A59E5439CA2A}" presName="node" presStyleLbl="node1" presStyleIdx="3" presStyleCnt="6">
@@ -8561,35 +8337,14 @@
         </dgm:presLayoutVars>
       </dgm:prSet>
       <dgm:spPr/>
-      <dgm:t>
-        <a:bodyPr/>
-        <a:lstStyle/>
-        <a:p>
-          <a:endParaRPr lang="en-US"/>
-        </a:p>
-      </dgm:t>
     </dgm:pt>
     <dgm:pt modelId="{1F4461EC-EDDF-42F9-9209-F7B10E960CCC}" type="pres">
       <dgm:prSet presAssocID="{255179C2-56F8-460A-88AB-0811F42ADC69}" presName="sibTrans" presStyleLbl="sibTrans2D1" presStyleIdx="3" presStyleCnt="6"/>
       <dgm:spPr/>
-      <dgm:t>
-        <a:bodyPr/>
-        <a:lstStyle/>
-        <a:p>
-          <a:endParaRPr lang="en-US"/>
-        </a:p>
-      </dgm:t>
     </dgm:pt>
     <dgm:pt modelId="{57010D1F-0D38-47C4-9FC8-B94F107CCC9D}" type="pres">
       <dgm:prSet presAssocID="{255179C2-56F8-460A-88AB-0811F42ADC69}" presName="connectorText" presStyleLbl="sibTrans2D1" presStyleIdx="3" presStyleCnt="6"/>
       <dgm:spPr/>
-      <dgm:t>
-        <a:bodyPr/>
-        <a:lstStyle/>
-        <a:p>
-          <a:endParaRPr lang="en-US"/>
-        </a:p>
-      </dgm:t>
     </dgm:pt>
     <dgm:pt modelId="{E733B983-E3DD-49D5-BF0D-0C14CC0EDD31}" type="pres">
       <dgm:prSet presAssocID="{4FC972BE-21EA-4E87-9D17-B82089DB6619}" presName="node" presStyleLbl="node1" presStyleIdx="4" presStyleCnt="6">
@@ -8598,35 +8353,14 @@
         </dgm:presLayoutVars>
       </dgm:prSet>
       <dgm:spPr/>
-      <dgm:t>
-        <a:bodyPr/>
-        <a:lstStyle/>
-        <a:p>
-          <a:endParaRPr lang="en-US"/>
-        </a:p>
-      </dgm:t>
     </dgm:pt>
     <dgm:pt modelId="{E17CB246-EF6C-4708-ACC7-95ED2937F1A3}" type="pres">
       <dgm:prSet presAssocID="{EA474292-EF76-4E49-9689-C3CBE5559D68}" presName="sibTrans" presStyleLbl="sibTrans2D1" presStyleIdx="4" presStyleCnt="6"/>
       <dgm:spPr/>
-      <dgm:t>
-        <a:bodyPr/>
-        <a:lstStyle/>
-        <a:p>
-          <a:endParaRPr lang="en-US"/>
-        </a:p>
-      </dgm:t>
     </dgm:pt>
     <dgm:pt modelId="{8F2C67F0-48E9-4626-BAA8-34E683C40D3E}" type="pres">
       <dgm:prSet presAssocID="{EA474292-EF76-4E49-9689-C3CBE5559D68}" presName="connectorText" presStyleLbl="sibTrans2D1" presStyleIdx="4" presStyleCnt="6"/>
       <dgm:spPr/>
-      <dgm:t>
-        <a:bodyPr/>
-        <a:lstStyle/>
-        <a:p>
-          <a:endParaRPr lang="en-US"/>
-        </a:p>
-      </dgm:t>
     </dgm:pt>
     <dgm:pt modelId="{A8CBEE61-1F20-4B3C-83E1-CCEC89EA0498}" type="pres">
       <dgm:prSet presAssocID="{3EFEF7F6-42CC-4589-817B-32435235D19A}" presName="node" presStyleLbl="node1" presStyleIdx="5" presStyleCnt="6">
@@ -8635,63 +8369,42 @@
         </dgm:presLayoutVars>
       </dgm:prSet>
       <dgm:spPr/>
-      <dgm:t>
-        <a:bodyPr/>
-        <a:lstStyle/>
-        <a:p>
-          <a:endParaRPr lang="en-US"/>
-        </a:p>
-      </dgm:t>
     </dgm:pt>
     <dgm:pt modelId="{CCCDC119-36F8-43ED-867B-4E93B2BC311D}" type="pres">
       <dgm:prSet presAssocID="{F9FA0B20-1F03-4092-8FDA-A08C1F472BC1}" presName="sibTrans" presStyleLbl="sibTrans2D1" presStyleIdx="5" presStyleCnt="6"/>
       <dgm:spPr/>
-      <dgm:t>
-        <a:bodyPr/>
-        <a:lstStyle/>
-        <a:p>
-          <a:endParaRPr lang="en-US"/>
-        </a:p>
-      </dgm:t>
     </dgm:pt>
     <dgm:pt modelId="{F2F31493-ED57-403D-A755-AD4EC2E3ED11}" type="pres">
       <dgm:prSet presAssocID="{F9FA0B20-1F03-4092-8FDA-A08C1F472BC1}" presName="connectorText" presStyleLbl="sibTrans2D1" presStyleIdx="5" presStyleCnt="6"/>
       <dgm:spPr/>
-      <dgm:t>
-        <a:bodyPr/>
-        <a:lstStyle/>
-        <a:p>
-          <a:endParaRPr lang="en-US"/>
-        </a:p>
-      </dgm:t>
     </dgm:pt>
   </dgm:ptLst>
   <dgm:cxnLst>
+    <dgm:cxn modelId="{0CAAAA33-6A9E-4BC0-AEF4-29AEDE78A23D}" type="presOf" srcId="{65768B2E-F17E-4BDC-91AC-549B87D2414B}" destId="{D23D2CD3-6F32-4F3C-AABA-D16C228AFFC1}" srcOrd="0" destOrd="0" presId="urn:microsoft.com/office/officeart/2005/8/layout/cycle2"/>
+    <dgm:cxn modelId="{E415A836-F7D8-4C71-A5D6-5FCA7527F640}" type="presOf" srcId="{A1D25EF6-BAD8-4DF9-B246-A57669854B83}" destId="{9361F8C5-D2D9-4E7C-80CE-EE6714EA4B33}" srcOrd="0" destOrd="0" presId="urn:microsoft.com/office/officeart/2005/8/layout/cycle2"/>
+    <dgm:cxn modelId="{047A3543-1535-481B-8951-7C6B2523F3E0}" srcId="{F6D7AA7E-37DD-4BDE-AE8A-5B0D78E2F471}" destId="{82544D88-BD0D-4709-A5B3-BAAAD55BA29E}" srcOrd="0" destOrd="0" parTransId="{DB5FA6F2-5756-43FD-A265-2B7F9A62D8C3}" sibTransId="{B3900F59-242B-43EA-89C1-69A92C5ABC8D}"/>
+    <dgm:cxn modelId="{08918246-5313-4237-B68C-24F6D44664D3}" srcId="{F6D7AA7E-37DD-4BDE-AE8A-5B0D78E2F471}" destId="{A1D25EF6-BAD8-4DF9-B246-A57669854B83}" srcOrd="2" destOrd="0" parTransId="{4DC6218E-9831-4288-B8AF-598F4074DD0B}" sibTransId="{65768B2E-F17E-4BDC-91AC-549B87D2414B}"/>
+    <dgm:cxn modelId="{93368547-634B-4E46-916D-5873AADFDA4C}" type="presOf" srcId="{B3900F59-242B-43EA-89C1-69A92C5ABC8D}" destId="{3D4239C2-77AD-45D7-986C-ED7A8AF82873}" srcOrd="1" destOrd="0" presId="urn:microsoft.com/office/officeart/2005/8/layout/cycle2"/>
     <dgm:cxn modelId="{108AAF52-BABD-447C-8707-F688EDB2EC91}" type="presOf" srcId="{EA474292-EF76-4E49-9689-C3CBE5559D68}" destId="{8F2C67F0-48E9-4626-BAA8-34E683C40D3E}" srcOrd="1" destOrd="0" presId="urn:microsoft.com/office/officeart/2005/8/layout/cycle2"/>
+    <dgm:cxn modelId="{A1FEA065-D05E-4225-A86D-74A12333BCD7}" type="presOf" srcId="{EA474292-EF76-4E49-9689-C3CBE5559D68}" destId="{E17CB246-EF6C-4708-ACC7-95ED2937F1A3}" srcOrd="0" destOrd="0" presId="urn:microsoft.com/office/officeart/2005/8/layout/cycle2"/>
+    <dgm:cxn modelId="{9201C768-06C1-4086-B908-E68EE5957E43}" type="presOf" srcId="{4D53547F-24AE-411D-9713-A59E5439CA2A}" destId="{B2163300-FC63-4086-98E6-D98B88B55EB2}" srcOrd="0" destOrd="0" presId="urn:microsoft.com/office/officeart/2005/8/layout/cycle2"/>
+    <dgm:cxn modelId="{A01FDE6C-E2D9-4193-80B8-050AE5323220}" type="presOf" srcId="{FF9FA91E-0BDF-473A-B988-DA4598FC42B9}" destId="{98436BF7-369F-4F26-8AD6-3A6F787ECE1B}" srcOrd="0" destOrd="0" presId="urn:microsoft.com/office/officeart/2005/8/layout/cycle2"/>
+    <dgm:cxn modelId="{09D11376-F72C-472A-9966-E744E487BCFA}" type="presOf" srcId="{F6D7AA7E-37DD-4BDE-AE8A-5B0D78E2F471}" destId="{D671F792-2D6B-474F-9C3D-5E72C4442EFB}" srcOrd="0" destOrd="0" presId="urn:microsoft.com/office/officeart/2005/8/layout/cycle2"/>
+    <dgm:cxn modelId="{BE112D7B-D99E-41F3-9EF4-E6AF35939F59}" type="presOf" srcId="{F9FA0B20-1F03-4092-8FDA-A08C1F472BC1}" destId="{CCCDC119-36F8-43ED-867B-4E93B2BC311D}" srcOrd="0" destOrd="0" presId="urn:microsoft.com/office/officeart/2005/8/layout/cycle2"/>
+    <dgm:cxn modelId="{37E68E7C-7251-497F-BA21-AAD84D779658}" type="presOf" srcId="{070C54DB-C352-426D-BD5F-F4AD21339F98}" destId="{66DD604B-73AF-4485-8DFC-9C21E959573B}" srcOrd="0" destOrd="0" presId="urn:microsoft.com/office/officeart/2005/8/layout/cycle2"/>
+    <dgm:cxn modelId="{DAA42983-3726-4FF0-B886-2B38707D56F8}" type="presOf" srcId="{65768B2E-F17E-4BDC-91AC-549B87D2414B}" destId="{8DE7CDD6-7394-40DC-87C4-42AF635837C4}" srcOrd="1" destOrd="0" presId="urn:microsoft.com/office/officeart/2005/8/layout/cycle2"/>
+    <dgm:cxn modelId="{FF01B291-08C4-4167-990B-DB173D4D403B}" type="presOf" srcId="{82544D88-BD0D-4709-A5B3-BAAAD55BA29E}" destId="{CD2F84ED-A21B-438A-96FB-90F0584E4C02}" srcOrd="0" destOrd="0" presId="urn:microsoft.com/office/officeart/2005/8/layout/cycle2"/>
+    <dgm:cxn modelId="{7DF88B98-6775-4A9B-A5F6-7362D104E75A}" srcId="{F6D7AA7E-37DD-4BDE-AE8A-5B0D78E2F471}" destId="{4D53547F-24AE-411D-9713-A59E5439CA2A}" srcOrd="3" destOrd="0" parTransId="{EECD460F-5733-4655-9682-29F978397053}" sibTransId="{255179C2-56F8-460A-88AB-0811F42ADC69}"/>
+    <dgm:cxn modelId="{4D5228A3-7FBE-4FD1-AD7E-3309825BB1D2}" type="presOf" srcId="{255179C2-56F8-460A-88AB-0811F42ADC69}" destId="{1F4461EC-EDDF-42F9-9209-F7B10E960CCC}" srcOrd="0" destOrd="0" presId="urn:microsoft.com/office/officeart/2005/8/layout/cycle2"/>
+    <dgm:cxn modelId="{F90D10A4-5101-487A-ADDA-8A1A775E09FF}" srcId="{F6D7AA7E-37DD-4BDE-AE8A-5B0D78E2F471}" destId="{4FC972BE-21EA-4E87-9D17-B82089DB6619}" srcOrd="4" destOrd="0" parTransId="{B7F7B6FD-936A-41F8-B3D1-430724E5917A}" sibTransId="{EA474292-EF76-4E49-9689-C3CBE5559D68}"/>
     <dgm:cxn modelId="{D8252AB8-CD51-445A-85F5-45DED33F6193}" type="presOf" srcId="{F9FA0B20-1F03-4092-8FDA-A08C1F472BC1}" destId="{F2F31493-ED57-403D-A755-AD4EC2E3ED11}" srcOrd="1" destOrd="0" presId="urn:microsoft.com/office/officeart/2005/8/layout/cycle2"/>
-    <dgm:cxn modelId="{FF01B291-08C4-4167-990B-DB173D4D403B}" type="presOf" srcId="{82544D88-BD0D-4709-A5B3-BAAAD55BA29E}" destId="{CD2F84ED-A21B-438A-96FB-90F0584E4C02}" srcOrd="0" destOrd="0" presId="urn:microsoft.com/office/officeart/2005/8/layout/cycle2"/>
+    <dgm:cxn modelId="{B706C3B8-5999-46C0-B747-96BCA1C89915}" type="presOf" srcId="{4FC972BE-21EA-4E87-9D17-B82089DB6619}" destId="{E733B983-E3DD-49D5-BF0D-0C14CC0EDD31}" srcOrd="0" destOrd="0" presId="urn:microsoft.com/office/officeart/2005/8/layout/cycle2"/>
+    <dgm:cxn modelId="{AF3D8FB9-D402-4E0E-8243-A447357CD83D}" type="presOf" srcId="{FF9FA91E-0BDF-473A-B988-DA4598FC42B9}" destId="{0638BF99-0853-4C7F-8AB5-CA33EFAB7C64}" srcOrd="1" destOrd="0" presId="urn:microsoft.com/office/officeart/2005/8/layout/cycle2"/>
+    <dgm:cxn modelId="{C2C518D8-4C12-437D-8025-8157291AB4C5}" srcId="{F6D7AA7E-37DD-4BDE-AE8A-5B0D78E2F471}" destId="{070C54DB-C352-426D-BD5F-F4AD21339F98}" srcOrd="1" destOrd="0" parTransId="{2EE84A97-5201-42A8-9BBB-5B12F19A78D4}" sibTransId="{FF9FA91E-0BDF-473A-B988-DA4598FC42B9}"/>
+    <dgm:cxn modelId="{BADD59E6-C66E-4A5F-A7D0-179D365B6F12}" srcId="{F6D7AA7E-37DD-4BDE-AE8A-5B0D78E2F471}" destId="{3EFEF7F6-42CC-4589-817B-32435235D19A}" srcOrd="5" destOrd="0" parTransId="{A4135986-8EEB-4366-915C-6A1EFD46A817}" sibTransId="{F9FA0B20-1F03-4092-8FDA-A08C1F472BC1}"/>
+    <dgm:cxn modelId="{00EAB3E7-DBE0-4D4B-AB1E-734CFAA68D3D}" type="presOf" srcId="{B3900F59-242B-43EA-89C1-69A92C5ABC8D}" destId="{9DC509D3-E856-4FBD-819B-BCFF4D24D467}" srcOrd="0" destOrd="0" presId="urn:microsoft.com/office/officeart/2005/8/layout/cycle2"/>
     <dgm:cxn modelId="{973018EA-9729-449F-AAD8-4103665B6478}" type="presOf" srcId="{255179C2-56F8-460A-88AB-0811F42ADC69}" destId="{57010D1F-0D38-47C4-9FC8-B94F107CCC9D}" srcOrd="1" destOrd="0" presId="urn:microsoft.com/office/officeart/2005/8/layout/cycle2"/>
-    <dgm:cxn modelId="{9201C768-06C1-4086-B908-E68EE5957E43}" type="presOf" srcId="{4D53547F-24AE-411D-9713-A59E5439CA2A}" destId="{B2163300-FC63-4086-98E6-D98B88B55EB2}" srcOrd="0" destOrd="0" presId="urn:microsoft.com/office/officeart/2005/8/layout/cycle2"/>
-    <dgm:cxn modelId="{09D11376-F72C-472A-9966-E744E487BCFA}" type="presOf" srcId="{F6D7AA7E-37DD-4BDE-AE8A-5B0D78E2F471}" destId="{D671F792-2D6B-474F-9C3D-5E72C4442EFB}" srcOrd="0" destOrd="0" presId="urn:microsoft.com/office/officeart/2005/8/layout/cycle2"/>
-    <dgm:cxn modelId="{C2C518D8-4C12-437D-8025-8157291AB4C5}" srcId="{F6D7AA7E-37DD-4BDE-AE8A-5B0D78E2F471}" destId="{070C54DB-C352-426D-BD5F-F4AD21339F98}" srcOrd="1" destOrd="0" parTransId="{2EE84A97-5201-42A8-9BBB-5B12F19A78D4}" sibTransId="{FF9FA91E-0BDF-473A-B988-DA4598FC42B9}"/>
-    <dgm:cxn modelId="{08918246-5313-4237-B68C-24F6D44664D3}" srcId="{F6D7AA7E-37DD-4BDE-AE8A-5B0D78E2F471}" destId="{A1D25EF6-BAD8-4DF9-B246-A57669854B83}" srcOrd="2" destOrd="0" parTransId="{4DC6218E-9831-4288-B8AF-598F4074DD0B}" sibTransId="{65768B2E-F17E-4BDC-91AC-549B87D2414B}"/>
-    <dgm:cxn modelId="{37E68E7C-7251-497F-BA21-AAD84D779658}" type="presOf" srcId="{070C54DB-C352-426D-BD5F-F4AD21339F98}" destId="{66DD604B-73AF-4485-8DFC-9C21E959573B}" srcOrd="0" destOrd="0" presId="urn:microsoft.com/office/officeart/2005/8/layout/cycle2"/>
-    <dgm:cxn modelId="{BADD59E6-C66E-4A5F-A7D0-179D365B6F12}" srcId="{F6D7AA7E-37DD-4BDE-AE8A-5B0D78E2F471}" destId="{3EFEF7F6-42CC-4589-817B-32435235D19A}" srcOrd="5" destOrd="0" parTransId="{A4135986-8EEB-4366-915C-6A1EFD46A817}" sibTransId="{F9FA0B20-1F03-4092-8FDA-A08C1F472BC1}"/>
-    <dgm:cxn modelId="{B706C3B8-5999-46C0-B747-96BCA1C89915}" type="presOf" srcId="{4FC972BE-21EA-4E87-9D17-B82089DB6619}" destId="{E733B983-E3DD-49D5-BF0D-0C14CC0EDD31}" srcOrd="0" destOrd="0" presId="urn:microsoft.com/office/officeart/2005/8/layout/cycle2"/>
-    <dgm:cxn modelId="{047A3543-1535-481B-8951-7C6B2523F3E0}" srcId="{F6D7AA7E-37DD-4BDE-AE8A-5B0D78E2F471}" destId="{82544D88-BD0D-4709-A5B3-BAAAD55BA29E}" srcOrd="0" destOrd="0" parTransId="{DB5FA6F2-5756-43FD-A265-2B7F9A62D8C3}" sibTransId="{B3900F59-242B-43EA-89C1-69A92C5ABC8D}"/>
-    <dgm:cxn modelId="{00EAB3E7-DBE0-4D4B-AB1E-734CFAA68D3D}" type="presOf" srcId="{B3900F59-242B-43EA-89C1-69A92C5ABC8D}" destId="{9DC509D3-E856-4FBD-819B-BCFF4D24D467}" srcOrd="0" destOrd="0" presId="urn:microsoft.com/office/officeart/2005/8/layout/cycle2"/>
-    <dgm:cxn modelId="{A1FEA065-D05E-4225-A86D-74A12333BCD7}" type="presOf" srcId="{EA474292-EF76-4E49-9689-C3CBE5559D68}" destId="{E17CB246-EF6C-4708-ACC7-95ED2937F1A3}" srcOrd="0" destOrd="0" presId="urn:microsoft.com/office/officeart/2005/8/layout/cycle2"/>
-    <dgm:cxn modelId="{E415A836-F7D8-4C71-A5D6-5FCA7527F640}" type="presOf" srcId="{A1D25EF6-BAD8-4DF9-B246-A57669854B83}" destId="{9361F8C5-D2D9-4E7C-80CE-EE6714EA4B33}" srcOrd="0" destOrd="0" presId="urn:microsoft.com/office/officeart/2005/8/layout/cycle2"/>
-    <dgm:cxn modelId="{0CAAAA33-6A9E-4BC0-AEF4-29AEDE78A23D}" type="presOf" srcId="{65768B2E-F17E-4BDC-91AC-549B87D2414B}" destId="{D23D2CD3-6F32-4F3C-AABA-D16C228AFFC1}" srcOrd="0" destOrd="0" presId="urn:microsoft.com/office/officeart/2005/8/layout/cycle2"/>
-    <dgm:cxn modelId="{DAA42983-3726-4FF0-B886-2B38707D56F8}" type="presOf" srcId="{65768B2E-F17E-4BDC-91AC-549B87D2414B}" destId="{8DE7CDD6-7394-40DC-87C4-42AF635837C4}" srcOrd="1" destOrd="0" presId="urn:microsoft.com/office/officeart/2005/8/layout/cycle2"/>
-    <dgm:cxn modelId="{AF3D8FB9-D402-4E0E-8243-A447357CD83D}" type="presOf" srcId="{FF9FA91E-0BDF-473A-B988-DA4598FC42B9}" destId="{0638BF99-0853-4C7F-8AB5-CA33EFAB7C64}" srcOrd="1" destOrd="0" presId="urn:microsoft.com/office/officeart/2005/8/layout/cycle2"/>
-    <dgm:cxn modelId="{4D5228A3-7FBE-4FD1-AD7E-3309825BB1D2}" type="presOf" srcId="{255179C2-56F8-460A-88AB-0811F42ADC69}" destId="{1F4461EC-EDDF-42F9-9209-F7B10E960CCC}" srcOrd="0" destOrd="0" presId="urn:microsoft.com/office/officeart/2005/8/layout/cycle2"/>
-    <dgm:cxn modelId="{BE112D7B-D99E-41F3-9EF4-E6AF35939F59}" type="presOf" srcId="{F9FA0B20-1F03-4092-8FDA-A08C1F472BC1}" destId="{CCCDC119-36F8-43ED-867B-4E93B2BC311D}" srcOrd="0" destOrd="0" presId="urn:microsoft.com/office/officeart/2005/8/layout/cycle2"/>
-    <dgm:cxn modelId="{7DF88B98-6775-4A9B-A5F6-7362D104E75A}" srcId="{F6D7AA7E-37DD-4BDE-AE8A-5B0D78E2F471}" destId="{4D53547F-24AE-411D-9713-A59E5439CA2A}" srcOrd="3" destOrd="0" parTransId="{EECD460F-5733-4655-9682-29F978397053}" sibTransId="{255179C2-56F8-460A-88AB-0811F42ADC69}"/>
-    <dgm:cxn modelId="{93368547-634B-4E46-916D-5873AADFDA4C}" type="presOf" srcId="{B3900F59-242B-43EA-89C1-69A92C5ABC8D}" destId="{3D4239C2-77AD-45D7-986C-ED7A8AF82873}" srcOrd="1" destOrd="0" presId="urn:microsoft.com/office/officeart/2005/8/layout/cycle2"/>
-    <dgm:cxn modelId="{F90D10A4-5101-487A-ADDA-8A1A775E09FF}" srcId="{F6D7AA7E-37DD-4BDE-AE8A-5B0D78E2F471}" destId="{4FC972BE-21EA-4E87-9D17-B82089DB6619}" srcOrd="4" destOrd="0" parTransId="{B7F7B6FD-936A-41F8-B3D1-430724E5917A}" sibTransId="{EA474292-EF76-4E49-9689-C3CBE5559D68}"/>
     <dgm:cxn modelId="{3E0D8BFF-69E9-4631-86F9-05A1E2A29988}" type="presOf" srcId="{3EFEF7F6-42CC-4589-817B-32435235D19A}" destId="{A8CBEE61-1F20-4B3C-83E1-CCEC89EA0498}" srcOrd="0" destOrd="0" presId="urn:microsoft.com/office/officeart/2005/8/layout/cycle2"/>
-    <dgm:cxn modelId="{A01FDE6C-E2D9-4193-80B8-050AE5323220}" type="presOf" srcId="{FF9FA91E-0BDF-473A-B988-DA4598FC42B9}" destId="{98436BF7-369F-4F26-8AD6-3A6F787ECE1B}" srcOrd="0" destOrd="0" presId="urn:microsoft.com/office/officeart/2005/8/layout/cycle2"/>
     <dgm:cxn modelId="{D7CAC708-1DA0-4B6C-8CCD-86B48FBE7D09}" type="presParOf" srcId="{D671F792-2D6B-474F-9C3D-5E72C4442EFB}" destId="{CD2F84ED-A21B-438A-96FB-90F0584E4C02}" srcOrd="0" destOrd="0" presId="urn:microsoft.com/office/officeart/2005/8/layout/cycle2"/>
     <dgm:cxn modelId="{FF3A4A1B-00FD-42DE-90FD-344A16BB820B}" type="presParOf" srcId="{D671F792-2D6B-474F-9C3D-5E72C4442EFB}" destId="{9DC509D3-E856-4FBD-819B-BCFF4D24D467}" srcOrd="1" destOrd="0" presId="urn:microsoft.com/office/officeart/2005/8/layout/cycle2"/>
     <dgm:cxn modelId="{39062545-249B-47EC-9704-190E20595AD2}" type="presParOf" srcId="{9DC509D3-E856-4FBD-819B-BCFF4D24D467}" destId="{3D4239C2-77AD-45D7-986C-ED7A8AF82873}" srcOrd="0" destOrd="0" presId="urn:microsoft.com/office/officeart/2005/8/layout/cycle2"/>
@@ -8965,13 +8678,6 @@
         </dgm:presLayoutVars>
       </dgm:prSet>
       <dgm:spPr/>
-      <dgm:t>
-        <a:bodyPr/>
-        <a:lstStyle/>
-        <a:p>
-          <a:endParaRPr lang="en-US"/>
-        </a:p>
-      </dgm:t>
     </dgm:pt>
     <dgm:pt modelId="{CD2F84ED-A21B-438A-96FB-90F0584E4C02}" type="pres">
       <dgm:prSet presAssocID="{82544D88-BD0D-4709-A5B3-BAAAD55BA29E}" presName="node" presStyleLbl="node1" presStyleIdx="0" presStyleCnt="6">
@@ -8980,35 +8686,14 @@
         </dgm:presLayoutVars>
       </dgm:prSet>
       <dgm:spPr/>
-      <dgm:t>
-        <a:bodyPr/>
-        <a:lstStyle/>
-        <a:p>
-          <a:endParaRPr lang="en-US"/>
-        </a:p>
-      </dgm:t>
     </dgm:pt>
     <dgm:pt modelId="{9DC509D3-E856-4FBD-819B-BCFF4D24D467}" type="pres">
       <dgm:prSet presAssocID="{B3900F59-242B-43EA-89C1-69A92C5ABC8D}" presName="sibTrans" presStyleLbl="sibTrans2D1" presStyleIdx="0" presStyleCnt="6"/>
       <dgm:spPr/>
-      <dgm:t>
-        <a:bodyPr/>
-        <a:lstStyle/>
-        <a:p>
-          <a:endParaRPr lang="en-US"/>
-        </a:p>
-      </dgm:t>
     </dgm:pt>
     <dgm:pt modelId="{3D4239C2-77AD-45D7-986C-ED7A8AF82873}" type="pres">
       <dgm:prSet presAssocID="{B3900F59-242B-43EA-89C1-69A92C5ABC8D}" presName="connectorText" presStyleLbl="sibTrans2D1" presStyleIdx="0" presStyleCnt="6"/>
       <dgm:spPr/>
-      <dgm:t>
-        <a:bodyPr/>
-        <a:lstStyle/>
-        <a:p>
-          <a:endParaRPr lang="en-US"/>
-        </a:p>
-      </dgm:t>
     </dgm:pt>
     <dgm:pt modelId="{66DD604B-73AF-4485-8DFC-9C21E959573B}" type="pres">
       <dgm:prSet presAssocID="{070C54DB-C352-426D-BD5F-F4AD21339F98}" presName="node" presStyleLbl="node1" presStyleIdx="1" presStyleCnt="6">
@@ -9017,35 +8702,14 @@
         </dgm:presLayoutVars>
       </dgm:prSet>
       <dgm:spPr/>
-      <dgm:t>
-        <a:bodyPr/>
-        <a:lstStyle/>
-        <a:p>
-          <a:endParaRPr lang="en-US"/>
-        </a:p>
-      </dgm:t>
     </dgm:pt>
     <dgm:pt modelId="{98436BF7-369F-4F26-8AD6-3A6F787ECE1B}" type="pres">
       <dgm:prSet presAssocID="{FF9FA91E-0BDF-473A-B988-DA4598FC42B9}" presName="sibTrans" presStyleLbl="sibTrans2D1" presStyleIdx="1" presStyleCnt="6"/>
       <dgm:spPr/>
-      <dgm:t>
-        <a:bodyPr/>
-        <a:lstStyle/>
-        <a:p>
-          <a:endParaRPr lang="en-US"/>
-        </a:p>
-      </dgm:t>
     </dgm:pt>
     <dgm:pt modelId="{0638BF99-0853-4C7F-8AB5-CA33EFAB7C64}" type="pres">
       <dgm:prSet presAssocID="{FF9FA91E-0BDF-473A-B988-DA4598FC42B9}" presName="connectorText" presStyleLbl="sibTrans2D1" presStyleIdx="1" presStyleCnt="6"/>
       <dgm:spPr/>
-      <dgm:t>
-        <a:bodyPr/>
-        <a:lstStyle/>
-        <a:p>
-          <a:endParaRPr lang="en-US"/>
-        </a:p>
-      </dgm:t>
     </dgm:pt>
     <dgm:pt modelId="{9361F8C5-D2D9-4E7C-80CE-EE6714EA4B33}" type="pres">
       <dgm:prSet presAssocID="{A1D25EF6-BAD8-4DF9-B246-A57669854B83}" presName="node" presStyleLbl="node1" presStyleIdx="2" presStyleCnt="6">
@@ -9054,35 +8718,14 @@
         </dgm:presLayoutVars>
       </dgm:prSet>
       <dgm:spPr/>
-      <dgm:t>
-        <a:bodyPr/>
-        <a:lstStyle/>
-        <a:p>
-          <a:endParaRPr lang="en-US"/>
-        </a:p>
-      </dgm:t>
     </dgm:pt>
     <dgm:pt modelId="{D23D2CD3-6F32-4F3C-AABA-D16C228AFFC1}" type="pres">
       <dgm:prSet presAssocID="{65768B2E-F17E-4BDC-91AC-549B87D2414B}" presName="sibTrans" presStyleLbl="sibTrans2D1" presStyleIdx="2" presStyleCnt="6"/>
       <dgm:spPr/>
-      <dgm:t>
-        <a:bodyPr/>
-        <a:lstStyle/>
-        <a:p>
-          <a:endParaRPr lang="en-US"/>
-        </a:p>
-      </dgm:t>
     </dgm:pt>
     <dgm:pt modelId="{8DE7CDD6-7394-40DC-87C4-42AF635837C4}" type="pres">
       <dgm:prSet presAssocID="{65768B2E-F17E-4BDC-91AC-549B87D2414B}" presName="connectorText" presStyleLbl="sibTrans2D1" presStyleIdx="2" presStyleCnt="6"/>
       <dgm:spPr/>
-      <dgm:t>
-        <a:bodyPr/>
-        <a:lstStyle/>
-        <a:p>
-          <a:endParaRPr lang="en-US"/>
-        </a:p>
-      </dgm:t>
     </dgm:pt>
     <dgm:pt modelId="{B2163300-FC63-4086-98E6-D98B88B55EB2}" type="pres">
       <dgm:prSet presAssocID="{4D53547F-24AE-411D-9713-A59E5439CA2A}" presName="node" presStyleLbl="node1" presStyleIdx="3" presStyleCnt="6">
@@ -9091,35 +8734,14 @@
         </dgm:presLayoutVars>
       </dgm:prSet>
       <dgm:spPr/>
-      <dgm:t>
-        <a:bodyPr/>
-        <a:lstStyle/>
-        <a:p>
-          <a:endParaRPr lang="en-US"/>
-        </a:p>
-      </dgm:t>
     </dgm:pt>
     <dgm:pt modelId="{1F4461EC-EDDF-42F9-9209-F7B10E960CCC}" type="pres">
       <dgm:prSet presAssocID="{255179C2-56F8-460A-88AB-0811F42ADC69}" presName="sibTrans" presStyleLbl="sibTrans2D1" presStyleIdx="3" presStyleCnt="6"/>
       <dgm:spPr/>
-      <dgm:t>
-        <a:bodyPr/>
-        <a:lstStyle/>
-        <a:p>
-          <a:endParaRPr lang="en-US"/>
-        </a:p>
-      </dgm:t>
     </dgm:pt>
     <dgm:pt modelId="{57010D1F-0D38-47C4-9FC8-B94F107CCC9D}" type="pres">
       <dgm:prSet presAssocID="{255179C2-56F8-460A-88AB-0811F42ADC69}" presName="connectorText" presStyleLbl="sibTrans2D1" presStyleIdx="3" presStyleCnt="6"/>
       <dgm:spPr/>
-      <dgm:t>
-        <a:bodyPr/>
-        <a:lstStyle/>
-        <a:p>
-          <a:endParaRPr lang="en-US"/>
-        </a:p>
-      </dgm:t>
     </dgm:pt>
     <dgm:pt modelId="{E733B983-E3DD-49D5-BF0D-0C14CC0EDD31}" type="pres">
       <dgm:prSet presAssocID="{4FC972BE-21EA-4E87-9D17-B82089DB6619}" presName="node" presStyleLbl="node1" presStyleIdx="4" presStyleCnt="6">
@@ -9128,35 +8750,14 @@
         </dgm:presLayoutVars>
       </dgm:prSet>
       <dgm:spPr/>
-      <dgm:t>
-        <a:bodyPr/>
-        <a:lstStyle/>
-        <a:p>
-          <a:endParaRPr lang="en-US"/>
-        </a:p>
-      </dgm:t>
     </dgm:pt>
     <dgm:pt modelId="{E17CB246-EF6C-4708-ACC7-95ED2937F1A3}" type="pres">
       <dgm:prSet presAssocID="{EA474292-EF76-4E49-9689-C3CBE5559D68}" presName="sibTrans" presStyleLbl="sibTrans2D1" presStyleIdx="4" presStyleCnt="6"/>
       <dgm:spPr/>
-      <dgm:t>
-        <a:bodyPr/>
-        <a:lstStyle/>
-        <a:p>
-          <a:endParaRPr lang="en-US"/>
-        </a:p>
-      </dgm:t>
     </dgm:pt>
     <dgm:pt modelId="{8F2C67F0-48E9-4626-BAA8-34E683C40D3E}" type="pres">
       <dgm:prSet presAssocID="{EA474292-EF76-4E49-9689-C3CBE5559D68}" presName="connectorText" presStyleLbl="sibTrans2D1" presStyleIdx="4" presStyleCnt="6"/>
       <dgm:spPr/>
-      <dgm:t>
-        <a:bodyPr/>
-        <a:lstStyle/>
-        <a:p>
-          <a:endParaRPr lang="en-US"/>
-        </a:p>
-      </dgm:t>
     </dgm:pt>
     <dgm:pt modelId="{A8CBEE61-1F20-4B3C-83E1-CCEC89EA0498}" type="pres">
       <dgm:prSet presAssocID="{3EFEF7F6-42CC-4589-817B-32435235D19A}" presName="node" presStyleLbl="node1" presStyleIdx="5" presStyleCnt="6">
@@ -9165,63 +8766,42 @@
         </dgm:presLayoutVars>
       </dgm:prSet>
       <dgm:spPr/>
-      <dgm:t>
-        <a:bodyPr/>
-        <a:lstStyle/>
-        <a:p>
-          <a:endParaRPr lang="en-US"/>
-        </a:p>
-      </dgm:t>
     </dgm:pt>
     <dgm:pt modelId="{CCCDC119-36F8-43ED-867B-4E93B2BC311D}" type="pres">
       <dgm:prSet presAssocID="{F9FA0B20-1F03-4092-8FDA-A08C1F472BC1}" presName="sibTrans" presStyleLbl="sibTrans2D1" presStyleIdx="5" presStyleCnt="6"/>
       <dgm:spPr/>
-      <dgm:t>
-        <a:bodyPr/>
-        <a:lstStyle/>
-        <a:p>
-          <a:endParaRPr lang="en-US"/>
-        </a:p>
-      </dgm:t>
     </dgm:pt>
     <dgm:pt modelId="{F2F31493-ED57-403D-A755-AD4EC2E3ED11}" type="pres">
       <dgm:prSet presAssocID="{F9FA0B20-1F03-4092-8FDA-A08C1F472BC1}" presName="connectorText" presStyleLbl="sibTrans2D1" presStyleIdx="5" presStyleCnt="6"/>
       <dgm:spPr/>
-      <dgm:t>
-        <a:bodyPr/>
-        <a:lstStyle/>
-        <a:p>
-          <a:endParaRPr lang="en-US"/>
-        </a:p>
-      </dgm:t>
     </dgm:pt>
   </dgm:ptLst>
   <dgm:cxnLst>
+    <dgm:cxn modelId="{0CAAAA33-6A9E-4BC0-AEF4-29AEDE78A23D}" type="presOf" srcId="{65768B2E-F17E-4BDC-91AC-549B87D2414B}" destId="{D23D2CD3-6F32-4F3C-AABA-D16C228AFFC1}" srcOrd="0" destOrd="0" presId="urn:microsoft.com/office/officeart/2005/8/layout/cycle2"/>
+    <dgm:cxn modelId="{E415A836-F7D8-4C71-A5D6-5FCA7527F640}" type="presOf" srcId="{A1D25EF6-BAD8-4DF9-B246-A57669854B83}" destId="{9361F8C5-D2D9-4E7C-80CE-EE6714EA4B33}" srcOrd="0" destOrd="0" presId="urn:microsoft.com/office/officeart/2005/8/layout/cycle2"/>
+    <dgm:cxn modelId="{047A3543-1535-481B-8951-7C6B2523F3E0}" srcId="{F6D7AA7E-37DD-4BDE-AE8A-5B0D78E2F471}" destId="{82544D88-BD0D-4709-A5B3-BAAAD55BA29E}" srcOrd="0" destOrd="0" parTransId="{DB5FA6F2-5756-43FD-A265-2B7F9A62D8C3}" sibTransId="{B3900F59-242B-43EA-89C1-69A92C5ABC8D}"/>
+    <dgm:cxn modelId="{08918246-5313-4237-B68C-24F6D44664D3}" srcId="{F6D7AA7E-37DD-4BDE-AE8A-5B0D78E2F471}" destId="{A1D25EF6-BAD8-4DF9-B246-A57669854B83}" srcOrd="2" destOrd="0" parTransId="{4DC6218E-9831-4288-B8AF-598F4074DD0B}" sibTransId="{65768B2E-F17E-4BDC-91AC-549B87D2414B}"/>
+    <dgm:cxn modelId="{93368547-634B-4E46-916D-5873AADFDA4C}" type="presOf" srcId="{B3900F59-242B-43EA-89C1-69A92C5ABC8D}" destId="{3D4239C2-77AD-45D7-986C-ED7A8AF82873}" srcOrd="1" destOrd="0" presId="urn:microsoft.com/office/officeart/2005/8/layout/cycle2"/>
     <dgm:cxn modelId="{108AAF52-BABD-447C-8707-F688EDB2EC91}" type="presOf" srcId="{EA474292-EF76-4E49-9689-C3CBE5559D68}" destId="{8F2C67F0-48E9-4626-BAA8-34E683C40D3E}" srcOrd="1" destOrd="0" presId="urn:microsoft.com/office/officeart/2005/8/layout/cycle2"/>
+    <dgm:cxn modelId="{A1FEA065-D05E-4225-A86D-74A12333BCD7}" type="presOf" srcId="{EA474292-EF76-4E49-9689-C3CBE5559D68}" destId="{E17CB246-EF6C-4708-ACC7-95ED2937F1A3}" srcOrd="0" destOrd="0" presId="urn:microsoft.com/office/officeart/2005/8/layout/cycle2"/>
+    <dgm:cxn modelId="{9201C768-06C1-4086-B908-E68EE5957E43}" type="presOf" srcId="{4D53547F-24AE-411D-9713-A59E5439CA2A}" destId="{B2163300-FC63-4086-98E6-D98B88B55EB2}" srcOrd="0" destOrd="0" presId="urn:microsoft.com/office/officeart/2005/8/layout/cycle2"/>
+    <dgm:cxn modelId="{A01FDE6C-E2D9-4193-80B8-050AE5323220}" type="presOf" srcId="{FF9FA91E-0BDF-473A-B988-DA4598FC42B9}" destId="{98436BF7-369F-4F26-8AD6-3A6F787ECE1B}" srcOrd="0" destOrd="0" presId="urn:microsoft.com/office/officeart/2005/8/layout/cycle2"/>
+    <dgm:cxn modelId="{09D11376-F72C-472A-9966-E744E487BCFA}" type="presOf" srcId="{F6D7AA7E-37DD-4BDE-AE8A-5B0D78E2F471}" destId="{D671F792-2D6B-474F-9C3D-5E72C4442EFB}" srcOrd="0" destOrd="0" presId="urn:microsoft.com/office/officeart/2005/8/layout/cycle2"/>
+    <dgm:cxn modelId="{BE112D7B-D99E-41F3-9EF4-E6AF35939F59}" type="presOf" srcId="{F9FA0B20-1F03-4092-8FDA-A08C1F472BC1}" destId="{CCCDC119-36F8-43ED-867B-4E93B2BC311D}" srcOrd="0" destOrd="0" presId="urn:microsoft.com/office/officeart/2005/8/layout/cycle2"/>
+    <dgm:cxn modelId="{37E68E7C-7251-497F-BA21-AAD84D779658}" type="presOf" srcId="{070C54DB-C352-426D-BD5F-F4AD21339F98}" destId="{66DD604B-73AF-4485-8DFC-9C21E959573B}" srcOrd="0" destOrd="0" presId="urn:microsoft.com/office/officeart/2005/8/layout/cycle2"/>
+    <dgm:cxn modelId="{DAA42983-3726-4FF0-B886-2B38707D56F8}" type="presOf" srcId="{65768B2E-F17E-4BDC-91AC-549B87D2414B}" destId="{8DE7CDD6-7394-40DC-87C4-42AF635837C4}" srcOrd="1" destOrd="0" presId="urn:microsoft.com/office/officeart/2005/8/layout/cycle2"/>
+    <dgm:cxn modelId="{FF01B291-08C4-4167-990B-DB173D4D403B}" type="presOf" srcId="{82544D88-BD0D-4709-A5B3-BAAAD55BA29E}" destId="{CD2F84ED-A21B-438A-96FB-90F0584E4C02}" srcOrd="0" destOrd="0" presId="urn:microsoft.com/office/officeart/2005/8/layout/cycle2"/>
+    <dgm:cxn modelId="{7DF88B98-6775-4A9B-A5F6-7362D104E75A}" srcId="{F6D7AA7E-37DD-4BDE-AE8A-5B0D78E2F471}" destId="{4D53547F-24AE-411D-9713-A59E5439CA2A}" srcOrd="3" destOrd="0" parTransId="{EECD460F-5733-4655-9682-29F978397053}" sibTransId="{255179C2-56F8-460A-88AB-0811F42ADC69}"/>
+    <dgm:cxn modelId="{4D5228A3-7FBE-4FD1-AD7E-3309825BB1D2}" type="presOf" srcId="{255179C2-56F8-460A-88AB-0811F42ADC69}" destId="{1F4461EC-EDDF-42F9-9209-F7B10E960CCC}" srcOrd="0" destOrd="0" presId="urn:microsoft.com/office/officeart/2005/8/layout/cycle2"/>
+    <dgm:cxn modelId="{F90D10A4-5101-487A-ADDA-8A1A775E09FF}" srcId="{F6D7AA7E-37DD-4BDE-AE8A-5B0D78E2F471}" destId="{4FC972BE-21EA-4E87-9D17-B82089DB6619}" srcOrd="4" destOrd="0" parTransId="{B7F7B6FD-936A-41F8-B3D1-430724E5917A}" sibTransId="{EA474292-EF76-4E49-9689-C3CBE5559D68}"/>
     <dgm:cxn modelId="{D8252AB8-CD51-445A-85F5-45DED33F6193}" type="presOf" srcId="{F9FA0B20-1F03-4092-8FDA-A08C1F472BC1}" destId="{F2F31493-ED57-403D-A755-AD4EC2E3ED11}" srcOrd="1" destOrd="0" presId="urn:microsoft.com/office/officeart/2005/8/layout/cycle2"/>
-    <dgm:cxn modelId="{FF01B291-08C4-4167-990B-DB173D4D403B}" type="presOf" srcId="{82544D88-BD0D-4709-A5B3-BAAAD55BA29E}" destId="{CD2F84ED-A21B-438A-96FB-90F0584E4C02}" srcOrd="0" destOrd="0" presId="urn:microsoft.com/office/officeart/2005/8/layout/cycle2"/>
+    <dgm:cxn modelId="{B706C3B8-5999-46C0-B747-96BCA1C89915}" type="presOf" srcId="{4FC972BE-21EA-4E87-9D17-B82089DB6619}" destId="{E733B983-E3DD-49D5-BF0D-0C14CC0EDD31}" srcOrd="0" destOrd="0" presId="urn:microsoft.com/office/officeart/2005/8/layout/cycle2"/>
+    <dgm:cxn modelId="{AF3D8FB9-D402-4E0E-8243-A447357CD83D}" type="presOf" srcId="{FF9FA91E-0BDF-473A-B988-DA4598FC42B9}" destId="{0638BF99-0853-4C7F-8AB5-CA33EFAB7C64}" srcOrd="1" destOrd="0" presId="urn:microsoft.com/office/officeart/2005/8/layout/cycle2"/>
+    <dgm:cxn modelId="{C2C518D8-4C12-437D-8025-8157291AB4C5}" srcId="{F6D7AA7E-37DD-4BDE-AE8A-5B0D78E2F471}" destId="{070C54DB-C352-426D-BD5F-F4AD21339F98}" srcOrd="1" destOrd="0" parTransId="{2EE84A97-5201-42A8-9BBB-5B12F19A78D4}" sibTransId="{FF9FA91E-0BDF-473A-B988-DA4598FC42B9}"/>
+    <dgm:cxn modelId="{BADD59E6-C66E-4A5F-A7D0-179D365B6F12}" srcId="{F6D7AA7E-37DD-4BDE-AE8A-5B0D78E2F471}" destId="{3EFEF7F6-42CC-4589-817B-32435235D19A}" srcOrd="5" destOrd="0" parTransId="{A4135986-8EEB-4366-915C-6A1EFD46A817}" sibTransId="{F9FA0B20-1F03-4092-8FDA-A08C1F472BC1}"/>
+    <dgm:cxn modelId="{00EAB3E7-DBE0-4D4B-AB1E-734CFAA68D3D}" type="presOf" srcId="{B3900F59-242B-43EA-89C1-69A92C5ABC8D}" destId="{9DC509D3-E856-4FBD-819B-BCFF4D24D467}" srcOrd="0" destOrd="0" presId="urn:microsoft.com/office/officeart/2005/8/layout/cycle2"/>
     <dgm:cxn modelId="{973018EA-9729-449F-AAD8-4103665B6478}" type="presOf" srcId="{255179C2-56F8-460A-88AB-0811F42ADC69}" destId="{57010D1F-0D38-47C4-9FC8-B94F107CCC9D}" srcOrd="1" destOrd="0" presId="urn:microsoft.com/office/officeart/2005/8/layout/cycle2"/>
-    <dgm:cxn modelId="{9201C768-06C1-4086-B908-E68EE5957E43}" type="presOf" srcId="{4D53547F-24AE-411D-9713-A59E5439CA2A}" destId="{B2163300-FC63-4086-98E6-D98B88B55EB2}" srcOrd="0" destOrd="0" presId="urn:microsoft.com/office/officeart/2005/8/layout/cycle2"/>
-    <dgm:cxn modelId="{09D11376-F72C-472A-9966-E744E487BCFA}" type="presOf" srcId="{F6D7AA7E-37DD-4BDE-AE8A-5B0D78E2F471}" destId="{D671F792-2D6B-474F-9C3D-5E72C4442EFB}" srcOrd="0" destOrd="0" presId="urn:microsoft.com/office/officeart/2005/8/layout/cycle2"/>
-    <dgm:cxn modelId="{C2C518D8-4C12-437D-8025-8157291AB4C5}" srcId="{F6D7AA7E-37DD-4BDE-AE8A-5B0D78E2F471}" destId="{070C54DB-C352-426D-BD5F-F4AD21339F98}" srcOrd="1" destOrd="0" parTransId="{2EE84A97-5201-42A8-9BBB-5B12F19A78D4}" sibTransId="{FF9FA91E-0BDF-473A-B988-DA4598FC42B9}"/>
-    <dgm:cxn modelId="{08918246-5313-4237-B68C-24F6D44664D3}" srcId="{F6D7AA7E-37DD-4BDE-AE8A-5B0D78E2F471}" destId="{A1D25EF6-BAD8-4DF9-B246-A57669854B83}" srcOrd="2" destOrd="0" parTransId="{4DC6218E-9831-4288-B8AF-598F4074DD0B}" sibTransId="{65768B2E-F17E-4BDC-91AC-549B87D2414B}"/>
-    <dgm:cxn modelId="{37E68E7C-7251-497F-BA21-AAD84D779658}" type="presOf" srcId="{070C54DB-C352-426D-BD5F-F4AD21339F98}" destId="{66DD604B-73AF-4485-8DFC-9C21E959573B}" srcOrd="0" destOrd="0" presId="urn:microsoft.com/office/officeart/2005/8/layout/cycle2"/>
-    <dgm:cxn modelId="{BADD59E6-C66E-4A5F-A7D0-179D365B6F12}" srcId="{F6D7AA7E-37DD-4BDE-AE8A-5B0D78E2F471}" destId="{3EFEF7F6-42CC-4589-817B-32435235D19A}" srcOrd="5" destOrd="0" parTransId="{A4135986-8EEB-4366-915C-6A1EFD46A817}" sibTransId="{F9FA0B20-1F03-4092-8FDA-A08C1F472BC1}"/>
-    <dgm:cxn modelId="{B706C3B8-5999-46C0-B747-96BCA1C89915}" type="presOf" srcId="{4FC972BE-21EA-4E87-9D17-B82089DB6619}" destId="{E733B983-E3DD-49D5-BF0D-0C14CC0EDD31}" srcOrd="0" destOrd="0" presId="urn:microsoft.com/office/officeart/2005/8/layout/cycle2"/>
-    <dgm:cxn modelId="{047A3543-1535-481B-8951-7C6B2523F3E0}" srcId="{F6D7AA7E-37DD-4BDE-AE8A-5B0D78E2F471}" destId="{82544D88-BD0D-4709-A5B3-BAAAD55BA29E}" srcOrd="0" destOrd="0" parTransId="{DB5FA6F2-5756-43FD-A265-2B7F9A62D8C3}" sibTransId="{B3900F59-242B-43EA-89C1-69A92C5ABC8D}"/>
-    <dgm:cxn modelId="{00EAB3E7-DBE0-4D4B-AB1E-734CFAA68D3D}" type="presOf" srcId="{B3900F59-242B-43EA-89C1-69A92C5ABC8D}" destId="{9DC509D3-E856-4FBD-819B-BCFF4D24D467}" srcOrd="0" destOrd="0" presId="urn:microsoft.com/office/officeart/2005/8/layout/cycle2"/>
-    <dgm:cxn modelId="{A1FEA065-D05E-4225-A86D-74A12333BCD7}" type="presOf" srcId="{EA474292-EF76-4E49-9689-C3CBE5559D68}" destId="{E17CB246-EF6C-4708-ACC7-95ED2937F1A3}" srcOrd="0" destOrd="0" presId="urn:microsoft.com/office/officeart/2005/8/layout/cycle2"/>
-    <dgm:cxn modelId="{E415A836-F7D8-4C71-A5D6-5FCA7527F640}" type="presOf" srcId="{A1D25EF6-BAD8-4DF9-B246-A57669854B83}" destId="{9361F8C5-D2D9-4E7C-80CE-EE6714EA4B33}" srcOrd="0" destOrd="0" presId="urn:microsoft.com/office/officeart/2005/8/layout/cycle2"/>
-    <dgm:cxn modelId="{0CAAAA33-6A9E-4BC0-AEF4-29AEDE78A23D}" type="presOf" srcId="{65768B2E-F17E-4BDC-91AC-549B87D2414B}" destId="{D23D2CD3-6F32-4F3C-AABA-D16C228AFFC1}" srcOrd="0" destOrd="0" presId="urn:microsoft.com/office/officeart/2005/8/layout/cycle2"/>
-    <dgm:cxn modelId="{DAA42983-3726-4FF0-B886-2B38707D56F8}" type="presOf" srcId="{65768B2E-F17E-4BDC-91AC-549B87D2414B}" destId="{8DE7CDD6-7394-40DC-87C4-42AF635837C4}" srcOrd="1" destOrd="0" presId="urn:microsoft.com/office/officeart/2005/8/layout/cycle2"/>
-    <dgm:cxn modelId="{AF3D8FB9-D402-4E0E-8243-A447357CD83D}" type="presOf" srcId="{FF9FA91E-0BDF-473A-B988-DA4598FC42B9}" destId="{0638BF99-0853-4C7F-8AB5-CA33EFAB7C64}" srcOrd="1" destOrd="0" presId="urn:microsoft.com/office/officeart/2005/8/layout/cycle2"/>
-    <dgm:cxn modelId="{4D5228A3-7FBE-4FD1-AD7E-3309825BB1D2}" type="presOf" srcId="{255179C2-56F8-460A-88AB-0811F42ADC69}" destId="{1F4461EC-EDDF-42F9-9209-F7B10E960CCC}" srcOrd="0" destOrd="0" presId="urn:microsoft.com/office/officeart/2005/8/layout/cycle2"/>
-    <dgm:cxn modelId="{BE112D7B-D99E-41F3-9EF4-E6AF35939F59}" type="presOf" srcId="{F9FA0B20-1F03-4092-8FDA-A08C1F472BC1}" destId="{CCCDC119-36F8-43ED-867B-4E93B2BC311D}" srcOrd="0" destOrd="0" presId="urn:microsoft.com/office/officeart/2005/8/layout/cycle2"/>
-    <dgm:cxn modelId="{7DF88B98-6775-4A9B-A5F6-7362D104E75A}" srcId="{F6D7AA7E-37DD-4BDE-AE8A-5B0D78E2F471}" destId="{4D53547F-24AE-411D-9713-A59E5439CA2A}" srcOrd="3" destOrd="0" parTransId="{EECD460F-5733-4655-9682-29F978397053}" sibTransId="{255179C2-56F8-460A-88AB-0811F42ADC69}"/>
-    <dgm:cxn modelId="{93368547-634B-4E46-916D-5873AADFDA4C}" type="presOf" srcId="{B3900F59-242B-43EA-89C1-69A92C5ABC8D}" destId="{3D4239C2-77AD-45D7-986C-ED7A8AF82873}" srcOrd="1" destOrd="0" presId="urn:microsoft.com/office/officeart/2005/8/layout/cycle2"/>
-    <dgm:cxn modelId="{F90D10A4-5101-487A-ADDA-8A1A775E09FF}" srcId="{F6D7AA7E-37DD-4BDE-AE8A-5B0D78E2F471}" destId="{4FC972BE-21EA-4E87-9D17-B82089DB6619}" srcOrd="4" destOrd="0" parTransId="{B7F7B6FD-936A-41F8-B3D1-430724E5917A}" sibTransId="{EA474292-EF76-4E49-9689-C3CBE5559D68}"/>
     <dgm:cxn modelId="{3E0D8BFF-69E9-4631-86F9-05A1E2A29988}" type="presOf" srcId="{3EFEF7F6-42CC-4589-817B-32435235D19A}" destId="{A8CBEE61-1F20-4B3C-83E1-CCEC89EA0498}" srcOrd="0" destOrd="0" presId="urn:microsoft.com/office/officeart/2005/8/layout/cycle2"/>
-    <dgm:cxn modelId="{A01FDE6C-E2D9-4193-80B8-050AE5323220}" type="presOf" srcId="{FF9FA91E-0BDF-473A-B988-DA4598FC42B9}" destId="{98436BF7-369F-4F26-8AD6-3A6F787ECE1B}" srcOrd="0" destOrd="0" presId="urn:microsoft.com/office/officeart/2005/8/layout/cycle2"/>
     <dgm:cxn modelId="{D7CAC708-1DA0-4B6C-8CCD-86B48FBE7D09}" type="presParOf" srcId="{D671F792-2D6B-474F-9C3D-5E72C4442EFB}" destId="{CD2F84ED-A21B-438A-96FB-90F0584E4C02}" srcOrd="0" destOrd="0" presId="urn:microsoft.com/office/officeart/2005/8/layout/cycle2"/>
     <dgm:cxn modelId="{FF3A4A1B-00FD-42DE-90FD-344A16BB820B}" type="presParOf" srcId="{D671F792-2D6B-474F-9C3D-5E72C4442EFB}" destId="{9DC509D3-E856-4FBD-819B-BCFF4D24D467}" srcOrd="1" destOrd="0" presId="urn:microsoft.com/office/officeart/2005/8/layout/cycle2"/>
     <dgm:cxn modelId="{39062545-249B-47EC-9704-190E20595AD2}" type="presParOf" srcId="{9DC509D3-E856-4FBD-819B-BCFF4D24D467}" destId="{3D4239C2-77AD-45D7-986C-ED7A8AF82873}" srcOrd="0" destOrd="0" presId="urn:microsoft.com/office/officeart/2005/8/layout/cycle2"/>
@@ -9495,13 +9075,6 @@
         </dgm:presLayoutVars>
       </dgm:prSet>
       <dgm:spPr/>
-      <dgm:t>
-        <a:bodyPr/>
-        <a:lstStyle/>
-        <a:p>
-          <a:endParaRPr lang="en-US"/>
-        </a:p>
-      </dgm:t>
     </dgm:pt>
     <dgm:pt modelId="{CD2F84ED-A21B-438A-96FB-90F0584E4C02}" type="pres">
       <dgm:prSet presAssocID="{82544D88-BD0D-4709-A5B3-BAAAD55BA29E}" presName="node" presStyleLbl="node1" presStyleIdx="0" presStyleCnt="6">
@@ -9510,35 +9083,14 @@
         </dgm:presLayoutVars>
       </dgm:prSet>
       <dgm:spPr/>
-      <dgm:t>
-        <a:bodyPr/>
-        <a:lstStyle/>
-        <a:p>
-          <a:endParaRPr lang="en-US"/>
-        </a:p>
-      </dgm:t>
     </dgm:pt>
     <dgm:pt modelId="{9DC509D3-E856-4FBD-819B-BCFF4D24D467}" type="pres">
       <dgm:prSet presAssocID="{B3900F59-242B-43EA-89C1-69A92C5ABC8D}" presName="sibTrans" presStyleLbl="sibTrans2D1" presStyleIdx="0" presStyleCnt="6"/>
       <dgm:spPr/>
-      <dgm:t>
-        <a:bodyPr/>
-        <a:lstStyle/>
-        <a:p>
-          <a:endParaRPr lang="en-US"/>
-        </a:p>
-      </dgm:t>
     </dgm:pt>
     <dgm:pt modelId="{3D4239C2-77AD-45D7-986C-ED7A8AF82873}" type="pres">
       <dgm:prSet presAssocID="{B3900F59-242B-43EA-89C1-69A92C5ABC8D}" presName="connectorText" presStyleLbl="sibTrans2D1" presStyleIdx="0" presStyleCnt="6"/>
       <dgm:spPr/>
-      <dgm:t>
-        <a:bodyPr/>
-        <a:lstStyle/>
-        <a:p>
-          <a:endParaRPr lang="en-US"/>
-        </a:p>
-      </dgm:t>
     </dgm:pt>
     <dgm:pt modelId="{66DD604B-73AF-4485-8DFC-9C21E959573B}" type="pres">
       <dgm:prSet presAssocID="{070C54DB-C352-426D-BD5F-F4AD21339F98}" presName="node" presStyleLbl="node1" presStyleIdx="1" presStyleCnt="6">
@@ -9547,35 +9099,14 @@
         </dgm:presLayoutVars>
       </dgm:prSet>
       <dgm:spPr/>
-      <dgm:t>
-        <a:bodyPr/>
-        <a:lstStyle/>
-        <a:p>
-          <a:endParaRPr lang="en-US"/>
-        </a:p>
-      </dgm:t>
     </dgm:pt>
     <dgm:pt modelId="{98436BF7-369F-4F26-8AD6-3A6F787ECE1B}" type="pres">
       <dgm:prSet presAssocID="{FF9FA91E-0BDF-473A-B988-DA4598FC42B9}" presName="sibTrans" presStyleLbl="sibTrans2D1" presStyleIdx="1" presStyleCnt="6"/>
       <dgm:spPr/>
-      <dgm:t>
-        <a:bodyPr/>
-        <a:lstStyle/>
-        <a:p>
-          <a:endParaRPr lang="en-US"/>
-        </a:p>
-      </dgm:t>
     </dgm:pt>
     <dgm:pt modelId="{0638BF99-0853-4C7F-8AB5-CA33EFAB7C64}" type="pres">
       <dgm:prSet presAssocID="{FF9FA91E-0BDF-473A-B988-DA4598FC42B9}" presName="connectorText" presStyleLbl="sibTrans2D1" presStyleIdx="1" presStyleCnt="6"/>
       <dgm:spPr/>
-      <dgm:t>
-        <a:bodyPr/>
-        <a:lstStyle/>
-        <a:p>
-          <a:endParaRPr lang="en-US"/>
-        </a:p>
-      </dgm:t>
     </dgm:pt>
     <dgm:pt modelId="{9361F8C5-D2D9-4E7C-80CE-EE6714EA4B33}" type="pres">
       <dgm:prSet presAssocID="{A1D25EF6-BAD8-4DF9-B246-A57669854B83}" presName="node" presStyleLbl="node1" presStyleIdx="2" presStyleCnt="6">
@@ -9584,35 +9115,14 @@
         </dgm:presLayoutVars>
       </dgm:prSet>
       <dgm:spPr/>
-      <dgm:t>
-        <a:bodyPr/>
-        <a:lstStyle/>
-        <a:p>
-          <a:endParaRPr lang="en-US"/>
-        </a:p>
-      </dgm:t>
     </dgm:pt>
     <dgm:pt modelId="{D23D2CD3-6F32-4F3C-AABA-D16C228AFFC1}" type="pres">
       <dgm:prSet presAssocID="{65768B2E-F17E-4BDC-91AC-549B87D2414B}" presName="sibTrans" presStyleLbl="sibTrans2D1" presStyleIdx="2" presStyleCnt="6"/>
       <dgm:spPr/>
-      <dgm:t>
-        <a:bodyPr/>
-        <a:lstStyle/>
-        <a:p>
-          <a:endParaRPr lang="en-US"/>
-        </a:p>
-      </dgm:t>
     </dgm:pt>
     <dgm:pt modelId="{8DE7CDD6-7394-40DC-87C4-42AF635837C4}" type="pres">
       <dgm:prSet presAssocID="{65768B2E-F17E-4BDC-91AC-549B87D2414B}" presName="connectorText" presStyleLbl="sibTrans2D1" presStyleIdx="2" presStyleCnt="6"/>
       <dgm:spPr/>
-      <dgm:t>
-        <a:bodyPr/>
-        <a:lstStyle/>
-        <a:p>
-          <a:endParaRPr lang="en-US"/>
-        </a:p>
-      </dgm:t>
     </dgm:pt>
     <dgm:pt modelId="{B2163300-FC63-4086-98E6-D98B88B55EB2}" type="pres">
       <dgm:prSet presAssocID="{4D53547F-24AE-411D-9713-A59E5439CA2A}" presName="node" presStyleLbl="node1" presStyleIdx="3" presStyleCnt="6">
@@ -9621,35 +9131,14 @@
         </dgm:presLayoutVars>
       </dgm:prSet>
       <dgm:spPr/>
-      <dgm:t>
-        <a:bodyPr/>
-        <a:lstStyle/>
-        <a:p>
-          <a:endParaRPr lang="en-US"/>
-        </a:p>
-      </dgm:t>
     </dgm:pt>
     <dgm:pt modelId="{1F4461EC-EDDF-42F9-9209-F7B10E960CCC}" type="pres">
       <dgm:prSet presAssocID="{255179C2-56F8-460A-88AB-0811F42ADC69}" presName="sibTrans" presStyleLbl="sibTrans2D1" presStyleIdx="3" presStyleCnt="6"/>
       <dgm:spPr/>
-      <dgm:t>
-        <a:bodyPr/>
-        <a:lstStyle/>
-        <a:p>
-          <a:endParaRPr lang="en-US"/>
-        </a:p>
-      </dgm:t>
     </dgm:pt>
     <dgm:pt modelId="{57010D1F-0D38-47C4-9FC8-B94F107CCC9D}" type="pres">
       <dgm:prSet presAssocID="{255179C2-56F8-460A-88AB-0811F42ADC69}" presName="connectorText" presStyleLbl="sibTrans2D1" presStyleIdx="3" presStyleCnt="6"/>
       <dgm:spPr/>
-      <dgm:t>
-        <a:bodyPr/>
-        <a:lstStyle/>
-        <a:p>
-          <a:endParaRPr lang="en-US"/>
-        </a:p>
-      </dgm:t>
     </dgm:pt>
     <dgm:pt modelId="{E733B983-E3DD-49D5-BF0D-0C14CC0EDD31}" type="pres">
       <dgm:prSet presAssocID="{4FC972BE-21EA-4E87-9D17-B82089DB6619}" presName="node" presStyleLbl="node1" presStyleIdx="4" presStyleCnt="6">
@@ -9658,35 +9147,14 @@
         </dgm:presLayoutVars>
       </dgm:prSet>
       <dgm:spPr/>
-      <dgm:t>
-        <a:bodyPr/>
-        <a:lstStyle/>
-        <a:p>
-          <a:endParaRPr lang="en-US"/>
-        </a:p>
-      </dgm:t>
     </dgm:pt>
     <dgm:pt modelId="{E17CB246-EF6C-4708-ACC7-95ED2937F1A3}" type="pres">
       <dgm:prSet presAssocID="{EA474292-EF76-4E49-9689-C3CBE5559D68}" presName="sibTrans" presStyleLbl="sibTrans2D1" presStyleIdx="4" presStyleCnt="6"/>
       <dgm:spPr/>
-      <dgm:t>
-        <a:bodyPr/>
-        <a:lstStyle/>
-        <a:p>
-          <a:endParaRPr lang="en-US"/>
-        </a:p>
-      </dgm:t>
     </dgm:pt>
     <dgm:pt modelId="{8F2C67F0-48E9-4626-BAA8-34E683C40D3E}" type="pres">
       <dgm:prSet presAssocID="{EA474292-EF76-4E49-9689-C3CBE5559D68}" presName="connectorText" presStyleLbl="sibTrans2D1" presStyleIdx="4" presStyleCnt="6"/>
       <dgm:spPr/>
-      <dgm:t>
-        <a:bodyPr/>
-        <a:lstStyle/>
-        <a:p>
-          <a:endParaRPr lang="en-US"/>
-        </a:p>
-      </dgm:t>
     </dgm:pt>
     <dgm:pt modelId="{A8CBEE61-1F20-4B3C-83E1-CCEC89EA0498}" type="pres">
       <dgm:prSet presAssocID="{3EFEF7F6-42CC-4589-817B-32435235D19A}" presName="node" presStyleLbl="node1" presStyleIdx="5" presStyleCnt="6">
@@ -9695,63 +9163,42 @@
         </dgm:presLayoutVars>
       </dgm:prSet>
       <dgm:spPr/>
-      <dgm:t>
-        <a:bodyPr/>
-        <a:lstStyle/>
-        <a:p>
-          <a:endParaRPr lang="en-US"/>
-        </a:p>
-      </dgm:t>
     </dgm:pt>
     <dgm:pt modelId="{CCCDC119-36F8-43ED-867B-4E93B2BC311D}" type="pres">
       <dgm:prSet presAssocID="{F9FA0B20-1F03-4092-8FDA-A08C1F472BC1}" presName="sibTrans" presStyleLbl="sibTrans2D1" presStyleIdx="5" presStyleCnt="6"/>
       <dgm:spPr/>
-      <dgm:t>
-        <a:bodyPr/>
-        <a:lstStyle/>
-        <a:p>
-          <a:endParaRPr lang="en-US"/>
-        </a:p>
-      </dgm:t>
     </dgm:pt>
     <dgm:pt modelId="{F2F31493-ED57-403D-A755-AD4EC2E3ED11}" type="pres">
       <dgm:prSet presAssocID="{F9FA0B20-1F03-4092-8FDA-A08C1F472BC1}" presName="connectorText" presStyleLbl="sibTrans2D1" presStyleIdx="5" presStyleCnt="6"/>
       <dgm:spPr/>
-      <dgm:t>
-        <a:bodyPr/>
-        <a:lstStyle/>
-        <a:p>
-          <a:endParaRPr lang="en-US"/>
-        </a:p>
-      </dgm:t>
     </dgm:pt>
   </dgm:ptLst>
   <dgm:cxnLst>
+    <dgm:cxn modelId="{0CAAAA33-6A9E-4BC0-AEF4-29AEDE78A23D}" type="presOf" srcId="{65768B2E-F17E-4BDC-91AC-549B87D2414B}" destId="{D23D2CD3-6F32-4F3C-AABA-D16C228AFFC1}" srcOrd="0" destOrd="0" presId="urn:microsoft.com/office/officeart/2005/8/layout/cycle2"/>
+    <dgm:cxn modelId="{E415A836-F7D8-4C71-A5D6-5FCA7527F640}" type="presOf" srcId="{A1D25EF6-BAD8-4DF9-B246-A57669854B83}" destId="{9361F8C5-D2D9-4E7C-80CE-EE6714EA4B33}" srcOrd="0" destOrd="0" presId="urn:microsoft.com/office/officeart/2005/8/layout/cycle2"/>
+    <dgm:cxn modelId="{047A3543-1535-481B-8951-7C6B2523F3E0}" srcId="{F6D7AA7E-37DD-4BDE-AE8A-5B0D78E2F471}" destId="{82544D88-BD0D-4709-A5B3-BAAAD55BA29E}" srcOrd="0" destOrd="0" parTransId="{DB5FA6F2-5756-43FD-A265-2B7F9A62D8C3}" sibTransId="{B3900F59-242B-43EA-89C1-69A92C5ABC8D}"/>
+    <dgm:cxn modelId="{08918246-5313-4237-B68C-24F6D44664D3}" srcId="{F6D7AA7E-37DD-4BDE-AE8A-5B0D78E2F471}" destId="{A1D25EF6-BAD8-4DF9-B246-A57669854B83}" srcOrd="2" destOrd="0" parTransId="{4DC6218E-9831-4288-B8AF-598F4074DD0B}" sibTransId="{65768B2E-F17E-4BDC-91AC-549B87D2414B}"/>
+    <dgm:cxn modelId="{93368547-634B-4E46-916D-5873AADFDA4C}" type="presOf" srcId="{B3900F59-242B-43EA-89C1-69A92C5ABC8D}" destId="{3D4239C2-77AD-45D7-986C-ED7A8AF82873}" srcOrd="1" destOrd="0" presId="urn:microsoft.com/office/officeart/2005/8/layout/cycle2"/>
     <dgm:cxn modelId="{108AAF52-BABD-447C-8707-F688EDB2EC91}" type="presOf" srcId="{EA474292-EF76-4E49-9689-C3CBE5559D68}" destId="{8F2C67F0-48E9-4626-BAA8-34E683C40D3E}" srcOrd="1" destOrd="0" presId="urn:microsoft.com/office/officeart/2005/8/layout/cycle2"/>
+    <dgm:cxn modelId="{A1FEA065-D05E-4225-A86D-74A12333BCD7}" type="presOf" srcId="{EA474292-EF76-4E49-9689-C3CBE5559D68}" destId="{E17CB246-EF6C-4708-ACC7-95ED2937F1A3}" srcOrd="0" destOrd="0" presId="urn:microsoft.com/office/officeart/2005/8/layout/cycle2"/>
+    <dgm:cxn modelId="{9201C768-06C1-4086-B908-E68EE5957E43}" type="presOf" srcId="{4D53547F-24AE-411D-9713-A59E5439CA2A}" destId="{B2163300-FC63-4086-98E6-D98B88B55EB2}" srcOrd="0" destOrd="0" presId="urn:microsoft.com/office/officeart/2005/8/layout/cycle2"/>
+    <dgm:cxn modelId="{A01FDE6C-E2D9-4193-80B8-050AE5323220}" type="presOf" srcId="{FF9FA91E-0BDF-473A-B988-DA4598FC42B9}" destId="{98436BF7-369F-4F26-8AD6-3A6F787ECE1B}" srcOrd="0" destOrd="0" presId="urn:microsoft.com/office/officeart/2005/8/layout/cycle2"/>
+    <dgm:cxn modelId="{09D11376-F72C-472A-9966-E744E487BCFA}" type="presOf" srcId="{F6D7AA7E-37DD-4BDE-AE8A-5B0D78E2F471}" destId="{D671F792-2D6B-474F-9C3D-5E72C4442EFB}" srcOrd="0" destOrd="0" presId="urn:microsoft.com/office/officeart/2005/8/layout/cycle2"/>
+    <dgm:cxn modelId="{BE112D7B-D99E-41F3-9EF4-E6AF35939F59}" type="presOf" srcId="{F9FA0B20-1F03-4092-8FDA-A08C1F472BC1}" destId="{CCCDC119-36F8-43ED-867B-4E93B2BC311D}" srcOrd="0" destOrd="0" presId="urn:microsoft.com/office/officeart/2005/8/layout/cycle2"/>
+    <dgm:cxn modelId="{37E68E7C-7251-497F-BA21-AAD84D779658}" type="presOf" srcId="{070C54DB-C352-426D-BD5F-F4AD21339F98}" destId="{66DD604B-73AF-4485-8DFC-9C21E959573B}" srcOrd="0" destOrd="0" presId="urn:microsoft.com/office/officeart/2005/8/layout/cycle2"/>
+    <dgm:cxn modelId="{DAA42983-3726-4FF0-B886-2B38707D56F8}" type="presOf" srcId="{65768B2E-F17E-4BDC-91AC-549B87D2414B}" destId="{8DE7CDD6-7394-40DC-87C4-42AF635837C4}" srcOrd="1" destOrd="0" presId="urn:microsoft.com/office/officeart/2005/8/layout/cycle2"/>
+    <dgm:cxn modelId="{FF01B291-08C4-4167-990B-DB173D4D403B}" type="presOf" srcId="{82544D88-BD0D-4709-A5B3-BAAAD55BA29E}" destId="{CD2F84ED-A21B-438A-96FB-90F0584E4C02}" srcOrd="0" destOrd="0" presId="urn:microsoft.com/office/officeart/2005/8/layout/cycle2"/>
+    <dgm:cxn modelId="{7DF88B98-6775-4A9B-A5F6-7362D104E75A}" srcId="{F6D7AA7E-37DD-4BDE-AE8A-5B0D78E2F471}" destId="{4D53547F-24AE-411D-9713-A59E5439CA2A}" srcOrd="3" destOrd="0" parTransId="{EECD460F-5733-4655-9682-29F978397053}" sibTransId="{255179C2-56F8-460A-88AB-0811F42ADC69}"/>
+    <dgm:cxn modelId="{4D5228A3-7FBE-4FD1-AD7E-3309825BB1D2}" type="presOf" srcId="{255179C2-56F8-460A-88AB-0811F42ADC69}" destId="{1F4461EC-EDDF-42F9-9209-F7B10E960CCC}" srcOrd="0" destOrd="0" presId="urn:microsoft.com/office/officeart/2005/8/layout/cycle2"/>
+    <dgm:cxn modelId="{F90D10A4-5101-487A-ADDA-8A1A775E09FF}" srcId="{F6D7AA7E-37DD-4BDE-AE8A-5B0D78E2F471}" destId="{4FC972BE-21EA-4E87-9D17-B82089DB6619}" srcOrd="4" destOrd="0" parTransId="{B7F7B6FD-936A-41F8-B3D1-430724E5917A}" sibTransId="{EA474292-EF76-4E49-9689-C3CBE5559D68}"/>
     <dgm:cxn modelId="{D8252AB8-CD51-445A-85F5-45DED33F6193}" type="presOf" srcId="{F9FA0B20-1F03-4092-8FDA-A08C1F472BC1}" destId="{F2F31493-ED57-403D-A755-AD4EC2E3ED11}" srcOrd="1" destOrd="0" presId="urn:microsoft.com/office/officeart/2005/8/layout/cycle2"/>
-    <dgm:cxn modelId="{FF01B291-08C4-4167-990B-DB173D4D403B}" type="presOf" srcId="{82544D88-BD0D-4709-A5B3-BAAAD55BA29E}" destId="{CD2F84ED-A21B-438A-96FB-90F0584E4C02}" srcOrd="0" destOrd="0" presId="urn:microsoft.com/office/officeart/2005/8/layout/cycle2"/>
+    <dgm:cxn modelId="{B706C3B8-5999-46C0-B747-96BCA1C89915}" type="presOf" srcId="{4FC972BE-21EA-4E87-9D17-B82089DB6619}" destId="{E733B983-E3DD-49D5-BF0D-0C14CC0EDD31}" srcOrd="0" destOrd="0" presId="urn:microsoft.com/office/officeart/2005/8/layout/cycle2"/>
+    <dgm:cxn modelId="{AF3D8FB9-D402-4E0E-8243-A447357CD83D}" type="presOf" srcId="{FF9FA91E-0BDF-473A-B988-DA4598FC42B9}" destId="{0638BF99-0853-4C7F-8AB5-CA33EFAB7C64}" srcOrd="1" destOrd="0" presId="urn:microsoft.com/office/officeart/2005/8/layout/cycle2"/>
+    <dgm:cxn modelId="{C2C518D8-4C12-437D-8025-8157291AB4C5}" srcId="{F6D7AA7E-37DD-4BDE-AE8A-5B0D78E2F471}" destId="{070C54DB-C352-426D-BD5F-F4AD21339F98}" srcOrd="1" destOrd="0" parTransId="{2EE84A97-5201-42A8-9BBB-5B12F19A78D4}" sibTransId="{FF9FA91E-0BDF-473A-B988-DA4598FC42B9}"/>
+    <dgm:cxn modelId="{BADD59E6-C66E-4A5F-A7D0-179D365B6F12}" srcId="{F6D7AA7E-37DD-4BDE-AE8A-5B0D78E2F471}" destId="{3EFEF7F6-42CC-4589-817B-32435235D19A}" srcOrd="5" destOrd="0" parTransId="{A4135986-8EEB-4366-915C-6A1EFD46A817}" sibTransId="{F9FA0B20-1F03-4092-8FDA-A08C1F472BC1}"/>
+    <dgm:cxn modelId="{00EAB3E7-DBE0-4D4B-AB1E-734CFAA68D3D}" type="presOf" srcId="{B3900F59-242B-43EA-89C1-69A92C5ABC8D}" destId="{9DC509D3-E856-4FBD-819B-BCFF4D24D467}" srcOrd="0" destOrd="0" presId="urn:microsoft.com/office/officeart/2005/8/layout/cycle2"/>
     <dgm:cxn modelId="{973018EA-9729-449F-AAD8-4103665B6478}" type="presOf" srcId="{255179C2-56F8-460A-88AB-0811F42ADC69}" destId="{57010D1F-0D38-47C4-9FC8-B94F107CCC9D}" srcOrd="1" destOrd="0" presId="urn:microsoft.com/office/officeart/2005/8/layout/cycle2"/>
-    <dgm:cxn modelId="{9201C768-06C1-4086-B908-E68EE5957E43}" type="presOf" srcId="{4D53547F-24AE-411D-9713-A59E5439CA2A}" destId="{B2163300-FC63-4086-98E6-D98B88B55EB2}" srcOrd="0" destOrd="0" presId="urn:microsoft.com/office/officeart/2005/8/layout/cycle2"/>
-    <dgm:cxn modelId="{09D11376-F72C-472A-9966-E744E487BCFA}" type="presOf" srcId="{F6D7AA7E-37DD-4BDE-AE8A-5B0D78E2F471}" destId="{D671F792-2D6B-474F-9C3D-5E72C4442EFB}" srcOrd="0" destOrd="0" presId="urn:microsoft.com/office/officeart/2005/8/layout/cycle2"/>
-    <dgm:cxn modelId="{C2C518D8-4C12-437D-8025-8157291AB4C5}" srcId="{F6D7AA7E-37DD-4BDE-AE8A-5B0D78E2F471}" destId="{070C54DB-C352-426D-BD5F-F4AD21339F98}" srcOrd="1" destOrd="0" parTransId="{2EE84A97-5201-42A8-9BBB-5B12F19A78D4}" sibTransId="{FF9FA91E-0BDF-473A-B988-DA4598FC42B9}"/>
-    <dgm:cxn modelId="{08918246-5313-4237-B68C-24F6D44664D3}" srcId="{F6D7AA7E-37DD-4BDE-AE8A-5B0D78E2F471}" destId="{A1D25EF6-BAD8-4DF9-B246-A57669854B83}" srcOrd="2" destOrd="0" parTransId="{4DC6218E-9831-4288-B8AF-598F4074DD0B}" sibTransId="{65768B2E-F17E-4BDC-91AC-549B87D2414B}"/>
-    <dgm:cxn modelId="{37E68E7C-7251-497F-BA21-AAD84D779658}" type="presOf" srcId="{070C54DB-C352-426D-BD5F-F4AD21339F98}" destId="{66DD604B-73AF-4485-8DFC-9C21E959573B}" srcOrd="0" destOrd="0" presId="urn:microsoft.com/office/officeart/2005/8/layout/cycle2"/>
-    <dgm:cxn modelId="{BADD59E6-C66E-4A5F-A7D0-179D365B6F12}" srcId="{F6D7AA7E-37DD-4BDE-AE8A-5B0D78E2F471}" destId="{3EFEF7F6-42CC-4589-817B-32435235D19A}" srcOrd="5" destOrd="0" parTransId="{A4135986-8EEB-4366-915C-6A1EFD46A817}" sibTransId="{F9FA0B20-1F03-4092-8FDA-A08C1F472BC1}"/>
-    <dgm:cxn modelId="{B706C3B8-5999-46C0-B747-96BCA1C89915}" type="presOf" srcId="{4FC972BE-21EA-4E87-9D17-B82089DB6619}" destId="{E733B983-E3DD-49D5-BF0D-0C14CC0EDD31}" srcOrd="0" destOrd="0" presId="urn:microsoft.com/office/officeart/2005/8/layout/cycle2"/>
-    <dgm:cxn modelId="{047A3543-1535-481B-8951-7C6B2523F3E0}" srcId="{F6D7AA7E-37DD-4BDE-AE8A-5B0D78E2F471}" destId="{82544D88-BD0D-4709-A5B3-BAAAD55BA29E}" srcOrd="0" destOrd="0" parTransId="{DB5FA6F2-5756-43FD-A265-2B7F9A62D8C3}" sibTransId="{B3900F59-242B-43EA-89C1-69A92C5ABC8D}"/>
-    <dgm:cxn modelId="{00EAB3E7-DBE0-4D4B-AB1E-734CFAA68D3D}" type="presOf" srcId="{B3900F59-242B-43EA-89C1-69A92C5ABC8D}" destId="{9DC509D3-E856-4FBD-819B-BCFF4D24D467}" srcOrd="0" destOrd="0" presId="urn:microsoft.com/office/officeart/2005/8/layout/cycle2"/>
-    <dgm:cxn modelId="{A1FEA065-D05E-4225-A86D-74A12333BCD7}" type="presOf" srcId="{EA474292-EF76-4E49-9689-C3CBE5559D68}" destId="{E17CB246-EF6C-4708-ACC7-95ED2937F1A3}" srcOrd="0" destOrd="0" presId="urn:microsoft.com/office/officeart/2005/8/layout/cycle2"/>
-    <dgm:cxn modelId="{E415A836-F7D8-4C71-A5D6-5FCA7527F640}" type="presOf" srcId="{A1D25EF6-BAD8-4DF9-B246-A57669854B83}" destId="{9361F8C5-D2D9-4E7C-80CE-EE6714EA4B33}" srcOrd="0" destOrd="0" presId="urn:microsoft.com/office/officeart/2005/8/layout/cycle2"/>
-    <dgm:cxn modelId="{0CAAAA33-6A9E-4BC0-AEF4-29AEDE78A23D}" type="presOf" srcId="{65768B2E-F17E-4BDC-91AC-549B87D2414B}" destId="{D23D2CD3-6F32-4F3C-AABA-D16C228AFFC1}" srcOrd="0" destOrd="0" presId="urn:microsoft.com/office/officeart/2005/8/layout/cycle2"/>
-    <dgm:cxn modelId="{DAA42983-3726-4FF0-B886-2B38707D56F8}" type="presOf" srcId="{65768B2E-F17E-4BDC-91AC-549B87D2414B}" destId="{8DE7CDD6-7394-40DC-87C4-42AF635837C4}" srcOrd="1" destOrd="0" presId="urn:microsoft.com/office/officeart/2005/8/layout/cycle2"/>
-    <dgm:cxn modelId="{AF3D8FB9-D402-4E0E-8243-A447357CD83D}" type="presOf" srcId="{FF9FA91E-0BDF-473A-B988-DA4598FC42B9}" destId="{0638BF99-0853-4C7F-8AB5-CA33EFAB7C64}" srcOrd="1" destOrd="0" presId="urn:microsoft.com/office/officeart/2005/8/layout/cycle2"/>
-    <dgm:cxn modelId="{4D5228A3-7FBE-4FD1-AD7E-3309825BB1D2}" type="presOf" srcId="{255179C2-56F8-460A-88AB-0811F42ADC69}" destId="{1F4461EC-EDDF-42F9-9209-F7B10E960CCC}" srcOrd="0" destOrd="0" presId="urn:microsoft.com/office/officeart/2005/8/layout/cycle2"/>
-    <dgm:cxn modelId="{BE112D7B-D99E-41F3-9EF4-E6AF35939F59}" type="presOf" srcId="{F9FA0B20-1F03-4092-8FDA-A08C1F472BC1}" destId="{CCCDC119-36F8-43ED-867B-4E93B2BC311D}" srcOrd="0" destOrd="0" presId="urn:microsoft.com/office/officeart/2005/8/layout/cycle2"/>
-    <dgm:cxn modelId="{7DF88B98-6775-4A9B-A5F6-7362D104E75A}" srcId="{F6D7AA7E-37DD-4BDE-AE8A-5B0D78E2F471}" destId="{4D53547F-24AE-411D-9713-A59E5439CA2A}" srcOrd="3" destOrd="0" parTransId="{EECD460F-5733-4655-9682-29F978397053}" sibTransId="{255179C2-56F8-460A-88AB-0811F42ADC69}"/>
-    <dgm:cxn modelId="{93368547-634B-4E46-916D-5873AADFDA4C}" type="presOf" srcId="{B3900F59-242B-43EA-89C1-69A92C5ABC8D}" destId="{3D4239C2-77AD-45D7-986C-ED7A8AF82873}" srcOrd="1" destOrd="0" presId="urn:microsoft.com/office/officeart/2005/8/layout/cycle2"/>
-    <dgm:cxn modelId="{F90D10A4-5101-487A-ADDA-8A1A775E09FF}" srcId="{F6D7AA7E-37DD-4BDE-AE8A-5B0D78E2F471}" destId="{4FC972BE-21EA-4E87-9D17-B82089DB6619}" srcOrd="4" destOrd="0" parTransId="{B7F7B6FD-936A-41F8-B3D1-430724E5917A}" sibTransId="{EA474292-EF76-4E49-9689-C3CBE5559D68}"/>
     <dgm:cxn modelId="{3E0D8BFF-69E9-4631-86F9-05A1E2A29988}" type="presOf" srcId="{3EFEF7F6-42CC-4589-817B-32435235D19A}" destId="{A8CBEE61-1F20-4B3C-83E1-CCEC89EA0498}" srcOrd="0" destOrd="0" presId="urn:microsoft.com/office/officeart/2005/8/layout/cycle2"/>
-    <dgm:cxn modelId="{A01FDE6C-E2D9-4193-80B8-050AE5323220}" type="presOf" srcId="{FF9FA91E-0BDF-473A-B988-DA4598FC42B9}" destId="{98436BF7-369F-4F26-8AD6-3A6F787ECE1B}" srcOrd="0" destOrd="0" presId="urn:microsoft.com/office/officeart/2005/8/layout/cycle2"/>
     <dgm:cxn modelId="{D7CAC708-1DA0-4B6C-8CCD-86B48FBE7D09}" type="presParOf" srcId="{D671F792-2D6B-474F-9C3D-5E72C4442EFB}" destId="{CD2F84ED-A21B-438A-96FB-90F0584E4C02}" srcOrd="0" destOrd="0" presId="urn:microsoft.com/office/officeart/2005/8/layout/cycle2"/>
     <dgm:cxn modelId="{FF3A4A1B-00FD-42DE-90FD-344A16BB820B}" type="presParOf" srcId="{D671F792-2D6B-474F-9C3D-5E72C4442EFB}" destId="{9DC509D3-E856-4FBD-819B-BCFF4D24D467}" srcOrd="1" destOrd="0" presId="urn:microsoft.com/office/officeart/2005/8/layout/cycle2"/>
     <dgm:cxn modelId="{39062545-249B-47EC-9704-190E20595AD2}" type="presParOf" srcId="{9DC509D3-E856-4FBD-819B-BCFF4D24D467}" destId="{3D4239C2-77AD-45D7-986C-ED7A8AF82873}" srcOrd="0" destOrd="0" presId="urn:microsoft.com/office/officeart/2005/8/layout/cycle2"/>
@@ -9931,13 +9378,6 @@
         </dgm:presLayoutVars>
       </dgm:prSet>
       <dgm:spPr/>
-      <dgm:t>
-        <a:bodyPr/>
-        <a:lstStyle/>
-        <a:p>
-          <a:endParaRPr lang="en-US"/>
-        </a:p>
-      </dgm:t>
     </dgm:pt>
     <dgm:pt modelId="{51D99BFD-461C-49F1-A0F3-8A27BCAAE886}" type="pres">
       <dgm:prSet presAssocID="{9AF07340-8810-40B4-B90B-7525C39386F3}" presName="sibTrans" presStyleCnt="0"/>
@@ -9950,13 +9390,6 @@
         </dgm:presLayoutVars>
       </dgm:prSet>
       <dgm:spPr/>
-      <dgm:t>
-        <a:bodyPr/>
-        <a:lstStyle/>
-        <a:p>
-          <a:endParaRPr lang="en-US"/>
-        </a:p>
-      </dgm:t>
     </dgm:pt>
     <dgm:pt modelId="{F7145578-B7F0-4CD7-A2ED-BB555090D49F}" type="pres">
       <dgm:prSet presAssocID="{1DCC0076-73E9-4073-A94B-DF787D10E421}" presName="sibTrans" presStyleCnt="0"/>
@@ -9969,23 +9402,16 @@
         </dgm:presLayoutVars>
       </dgm:prSet>
       <dgm:spPr/>
-      <dgm:t>
-        <a:bodyPr/>
-        <a:lstStyle/>
-        <a:p>
-          <a:endParaRPr lang="en-US"/>
-        </a:p>
-      </dgm:t>
     </dgm:pt>
   </dgm:ptLst>
   <dgm:cxnLst>
+    <dgm:cxn modelId="{CAA35B24-880D-4F77-B4C9-A539184F661E}" type="presOf" srcId="{7BD4DD1F-6D82-493D-A8E0-3F22CC85EA98}" destId="{96C1A147-B0EB-416B-B5A2-9BF8799CE463}" srcOrd="0" destOrd="0" presId="urn:microsoft.com/office/officeart/2005/8/layout/hProcess9"/>
+    <dgm:cxn modelId="{D6E61B2C-14E5-40BC-B482-017EE42F6746}" type="presOf" srcId="{012FE265-7559-4C4A-8CF0-237FC188A1E7}" destId="{1E1835AC-BC52-4FA3-8E86-A179AFA99438}" srcOrd="0" destOrd="0" presId="urn:microsoft.com/office/officeart/2005/8/layout/hProcess9"/>
+    <dgm:cxn modelId="{E220EAD6-3C5F-47BB-B875-D8775A1C6B95}" type="presOf" srcId="{C52E94CB-8E61-403B-9072-3E888790BB0B}" destId="{4E1E5F36-4C47-4B2F-A95C-FCBB11A30577}" srcOrd="0" destOrd="0" presId="urn:microsoft.com/office/officeart/2005/8/layout/hProcess9"/>
     <dgm:cxn modelId="{E0604FD7-820B-4F70-8D36-312331FCCDF1}" srcId="{EDD26B9B-BAC2-457A-85DA-410CF26D2F3E}" destId="{C52E94CB-8E61-403B-9072-3E888790BB0B}" srcOrd="1" destOrd="0" parTransId="{1D5E5AEB-C9CB-4CEB-A4EE-9177F1EEC59D}" sibTransId="{1DCC0076-73E9-4073-A94B-DF787D10E421}"/>
+    <dgm:cxn modelId="{87FE4DEC-4ECC-45A7-9F3C-B083C4F40D06}" srcId="{EDD26B9B-BAC2-457A-85DA-410CF26D2F3E}" destId="{012FE265-7559-4C4A-8CF0-237FC188A1E7}" srcOrd="2" destOrd="0" parTransId="{AC7C01A1-472E-45BE-B827-80FFF29BF997}" sibTransId="{3B6411AD-0765-4E16-ADAB-E5F2C00ACD99}"/>
     <dgm:cxn modelId="{3186C8F4-87EE-4922-A12A-70A7755752A9}" type="presOf" srcId="{EDD26B9B-BAC2-457A-85DA-410CF26D2F3E}" destId="{9932812E-B147-4E41-8638-2F8E1F3D3082}" srcOrd="0" destOrd="0" presId="urn:microsoft.com/office/officeart/2005/8/layout/hProcess9"/>
-    <dgm:cxn modelId="{CAA35B24-880D-4F77-B4C9-A539184F661E}" type="presOf" srcId="{7BD4DD1F-6D82-493D-A8E0-3F22CC85EA98}" destId="{96C1A147-B0EB-416B-B5A2-9BF8799CE463}" srcOrd="0" destOrd="0" presId="urn:microsoft.com/office/officeart/2005/8/layout/hProcess9"/>
-    <dgm:cxn modelId="{E220EAD6-3C5F-47BB-B875-D8775A1C6B95}" type="presOf" srcId="{C52E94CB-8E61-403B-9072-3E888790BB0B}" destId="{4E1E5F36-4C47-4B2F-A95C-FCBB11A30577}" srcOrd="0" destOrd="0" presId="urn:microsoft.com/office/officeart/2005/8/layout/hProcess9"/>
-    <dgm:cxn modelId="{D6E61B2C-14E5-40BC-B482-017EE42F6746}" type="presOf" srcId="{012FE265-7559-4C4A-8CF0-237FC188A1E7}" destId="{1E1835AC-BC52-4FA3-8E86-A179AFA99438}" srcOrd="0" destOrd="0" presId="urn:microsoft.com/office/officeart/2005/8/layout/hProcess9"/>
     <dgm:cxn modelId="{8F56ACFF-438C-4B91-B9F4-4FA843954201}" srcId="{EDD26B9B-BAC2-457A-85DA-410CF26D2F3E}" destId="{7BD4DD1F-6D82-493D-A8E0-3F22CC85EA98}" srcOrd="0" destOrd="0" parTransId="{2349691A-6765-4C72-8A53-238C8DA8586A}" sibTransId="{9AF07340-8810-40B4-B90B-7525C39386F3}"/>
-    <dgm:cxn modelId="{87FE4DEC-4ECC-45A7-9F3C-B083C4F40D06}" srcId="{EDD26B9B-BAC2-457A-85DA-410CF26D2F3E}" destId="{012FE265-7559-4C4A-8CF0-237FC188A1E7}" srcOrd="2" destOrd="0" parTransId="{AC7C01A1-472E-45BE-B827-80FFF29BF997}" sibTransId="{3B6411AD-0765-4E16-ADAB-E5F2C00ACD99}"/>
     <dgm:cxn modelId="{56B70B81-D075-4E2D-9F9F-A28D6728FAFA}" type="presParOf" srcId="{9932812E-B147-4E41-8638-2F8E1F3D3082}" destId="{D4887CC4-F952-4FFE-A089-C8D3C633A346}" srcOrd="0" destOrd="0" presId="urn:microsoft.com/office/officeart/2005/8/layout/hProcess9"/>
     <dgm:cxn modelId="{7A37520F-36BE-4829-BAA5-B2AD976083E9}" type="presParOf" srcId="{9932812E-B147-4E41-8638-2F8E1F3D3082}" destId="{36A318FD-7EDC-494F-B2CA-91C66CDA879C}" srcOrd="1" destOrd="0" presId="urn:microsoft.com/office/officeart/2005/8/layout/hProcess9"/>
     <dgm:cxn modelId="{12CC9B04-2477-4983-B53B-B9D1D2C2C0B6}" type="presParOf" srcId="{36A318FD-7EDC-494F-B2CA-91C66CDA879C}" destId="{96C1A147-B0EB-416B-B5A2-9BF8799CE463}" srcOrd="0" destOrd="0" presId="urn:microsoft.com/office/officeart/2005/8/layout/hProcess9"/>
@@ -10248,13 +9674,6 @@
         </dgm:presLayoutVars>
       </dgm:prSet>
       <dgm:spPr/>
-      <dgm:t>
-        <a:bodyPr/>
-        <a:lstStyle/>
-        <a:p>
-          <a:endParaRPr lang="en-US"/>
-        </a:p>
-      </dgm:t>
     </dgm:pt>
     <dgm:pt modelId="{CD2F84ED-A21B-438A-96FB-90F0584E4C02}" type="pres">
       <dgm:prSet presAssocID="{82544D88-BD0D-4709-A5B3-BAAAD55BA29E}" presName="node" presStyleLbl="node1" presStyleIdx="0" presStyleCnt="6">
@@ -10263,35 +9682,14 @@
         </dgm:presLayoutVars>
       </dgm:prSet>
       <dgm:spPr/>
-      <dgm:t>
-        <a:bodyPr/>
-        <a:lstStyle/>
-        <a:p>
-          <a:endParaRPr lang="en-US"/>
-        </a:p>
-      </dgm:t>
     </dgm:pt>
     <dgm:pt modelId="{9DC509D3-E856-4FBD-819B-BCFF4D24D467}" type="pres">
       <dgm:prSet presAssocID="{B3900F59-242B-43EA-89C1-69A92C5ABC8D}" presName="sibTrans" presStyleLbl="sibTrans2D1" presStyleIdx="0" presStyleCnt="6"/>
       <dgm:spPr/>
-      <dgm:t>
-        <a:bodyPr/>
-        <a:lstStyle/>
-        <a:p>
-          <a:endParaRPr lang="en-US"/>
-        </a:p>
-      </dgm:t>
     </dgm:pt>
     <dgm:pt modelId="{3D4239C2-77AD-45D7-986C-ED7A8AF82873}" type="pres">
       <dgm:prSet presAssocID="{B3900F59-242B-43EA-89C1-69A92C5ABC8D}" presName="connectorText" presStyleLbl="sibTrans2D1" presStyleIdx="0" presStyleCnt="6"/>
       <dgm:spPr/>
-      <dgm:t>
-        <a:bodyPr/>
-        <a:lstStyle/>
-        <a:p>
-          <a:endParaRPr lang="en-US"/>
-        </a:p>
-      </dgm:t>
     </dgm:pt>
     <dgm:pt modelId="{66DD604B-73AF-4485-8DFC-9C21E959573B}" type="pres">
       <dgm:prSet presAssocID="{070C54DB-C352-426D-BD5F-F4AD21339F98}" presName="node" presStyleLbl="node1" presStyleIdx="1" presStyleCnt="6">
@@ -10300,35 +9698,14 @@
         </dgm:presLayoutVars>
       </dgm:prSet>
       <dgm:spPr/>
-      <dgm:t>
-        <a:bodyPr/>
-        <a:lstStyle/>
-        <a:p>
-          <a:endParaRPr lang="en-US"/>
-        </a:p>
-      </dgm:t>
     </dgm:pt>
     <dgm:pt modelId="{98436BF7-369F-4F26-8AD6-3A6F787ECE1B}" type="pres">
       <dgm:prSet presAssocID="{FF9FA91E-0BDF-473A-B988-DA4598FC42B9}" presName="sibTrans" presStyleLbl="sibTrans2D1" presStyleIdx="1" presStyleCnt="6"/>
       <dgm:spPr/>
-      <dgm:t>
-        <a:bodyPr/>
-        <a:lstStyle/>
-        <a:p>
-          <a:endParaRPr lang="en-US"/>
-        </a:p>
-      </dgm:t>
     </dgm:pt>
     <dgm:pt modelId="{0638BF99-0853-4C7F-8AB5-CA33EFAB7C64}" type="pres">
       <dgm:prSet presAssocID="{FF9FA91E-0BDF-473A-B988-DA4598FC42B9}" presName="connectorText" presStyleLbl="sibTrans2D1" presStyleIdx="1" presStyleCnt="6"/>
       <dgm:spPr/>
-      <dgm:t>
-        <a:bodyPr/>
-        <a:lstStyle/>
-        <a:p>
-          <a:endParaRPr lang="en-US"/>
-        </a:p>
-      </dgm:t>
     </dgm:pt>
     <dgm:pt modelId="{9361F8C5-D2D9-4E7C-80CE-EE6714EA4B33}" type="pres">
       <dgm:prSet presAssocID="{A1D25EF6-BAD8-4DF9-B246-A57669854B83}" presName="node" presStyleLbl="node1" presStyleIdx="2" presStyleCnt="6">
@@ -10337,35 +9714,14 @@
         </dgm:presLayoutVars>
       </dgm:prSet>
       <dgm:spPr/>
-      <dgm:t>
-        <a:bodyPr/>
-        <a:lstStyle/>
-        <a:p>
-          <a:endParaRPr lang="en-US"/>
-        </a:p>
-      </dgm:t>
     </dgm:pt>
     <dgm:pt modelId="{D23D2CD3-6F32-4F3C-AABA-D16C228AFFC1}" type="pres">
       <dgm:prSet presAssocID="{65768B2E-F17E-4BDC-91AC-549B87D2414B}" presName="sibTrans" presStyleLbl="sibTrans2D1" presStyleIdx="2" presStyleCnt="6"/>
       <dgm:spPr/>
-      <dgm:t>
-        <a:bodyPr/>
-        <a:lstStyle/>
-        <a:p>
-          <a:endParaRPr lang="en-US"/>
-        </a:p>
-      </dgm:t>
     </dgm:pt>
     <dgm:pt modelId="{8DE7CDD6-7394-40DC-87C4-42AF635837C4}" type="pres">
       <dgm:prSet presAssocID="{65768B2E-F17E-4BDC-91AC-549B87D2414B}" presName="connectorText" presStyleLbl="sibTrans2D1" presStyleIdx="2" presStyleCnt="6"/>
       <dgm:spPr/>
-      <dgm:t>
-        <a:bodyPr/>
-        <a:lstStyle/>
-        <a:p>
-          <a:endParaRPr lang="en-US"/>
-        </a:p>
-      </dgm:t>
     </dgm:pt>
     <dgm:pt modelId="{B2163300-FC63-4086-98E6-D98B88B55EB2}" type="pres">
       <dgm:prSet presAssocID="{4D53547F-24AE-411D-9713-A59E5439CA2A}" presName="node" presStyleLbl="node1" presStyleIdx="3" presStyleCnt="6">
@@ -10374,35 +9730,14 @@
         </dgm:presLayoutVars>
       </dgm:prSet>
       <dgm:spPr/>
-      <dgm:t>
-        <a:bodyPr/>
-        <a:lstStyle/>
-        <a:p>
-          <a:endParaRPr lang="en-US"/>
-        </a:p>
-      </dgm:t>
     </dgm:pt>
     <dgm:pt modelId="{1F4461EC-EDDF-42F9-9209-F7B10E960CCC}" type="pres">
       <dgm:prSet presAssocID="{255179C2-56F8-460A-88AB-0811F42ADC69}" presName="sibTrans" presStyleLbl="sibTrans2D1" presStyleIdx="3" presStyleCnt="6"/>
       <dgm:spPr/>
-      <dgm:t>
-        <a:bodyPr/>
-        <a:lstStyle/>
-        <a:p>
-          <a:endParaRPr lang="en-US"/>
-        </a:p>
-      </dgm:t>
     </dgm:pt>
     <dgm:pt modelId="{57010D1F-0D38-47C4-9FC8-B94F107CCC9D}" type="pres">
       <dgm:prSet presAssocID="{255179C2-56F8-460A-88AB-0811F42ADC69}" presName="connectorText" presStyleLbl="sibTrans2D1" presStyleIdx="3" presStyleCnt="6"/>
       <dgm:spPr/>
-      <dgm:t>
-        <a:bodyPr/>
-        <a:lstStyle/>
-        <a:p>
-          <a:endParaRPr lang="en-US"/>
-        </a:p>
-      </dgm:t>
     </dgm:pt>
     <dgm:pt modelId="{E733B983-E3DD-49D5-BF0D-0C14CC0EDD31}" type="pres">
       <dgm:prSet presAssocID="{4FC972BE-21EA-4E87-9D17-B82089DB6619}" presName="node" presStyleLbl="node1" presStyleIdx="4" presStyleCnt="6">
@@ -10411,35 +9746,14 @@
         </dgm:presLayoutVars>
       </dgm:prSet>
       <dgm:spPr/>
-      <dgm:t>
-        <a:bodyPr/>
-        <a:lstStyle/>
-        <a:p>
-          <a:endParaRPr lang="en-US"/>
-        </a:p>
-      </dgm:t>
     </dgm:pt>
     <dgm:pt modelId="{E17CB246-EF6C-4708-ACC7-95ED2937F1A3}" type="pres">
       <dgm:prSet presAssocID="{EA474292-EF76-4E49-9689-C3CBE5559D68}" presName="sibTrans" presStyleLbl="sibTrans2D1" presStyleIdx="4" presStyleCnt="6"/>
       <dgm:spPr/>
-      <dgm:t>
-        <a:bodyPr/>
-        <a:lstStyle/>
-        <a:p>
-          <a:endParaRPr lang="en-US"/>
-        </a:p>
-      </dgm:t>
     </dgm:pt>
     <dgm:pt modelId="{8F2C67F0-48E9-4626-BAA8-34E683C40D3E}" type="pres">
       <dgm:prSet presAssocID="{EA474292-EF76-4E49-9689-C3CBE5559D68}" presName="connectorText" presStyleLbl="sibTrans2D1" presStyleIdx="4" presStyleCnt="6"/>
       <dgm:spPr/>
-      <dgm:t>
-        <a:bodyPr/>
-        <a:lstStyle/>
-        <a:p>
-          <a:endParaRPr lang="en-US"/>
-        </a:p>
-      </dgm:t>
     </dgm:pt>
     <dgm:pt modelId="{A8CBEE61-1F20-4B3C-83E1-CCEC89EA0498}" type="pres">
       <dgm:prSet presAssocID="{3EFEF7F6-42CC-4589-817B-32435235D19A}" presName="node" presStyleLbl="node1" presStyleIdx="5" presStyleCnt="6">
@@ -10448,63 +9762,42 @@
         </dgm:presLayoutVars>
       </dgm:prSet>
       <dgm:spPr/>
-      <dgm:t>
-        <a:bodyPr/>
-        <a:lstStyle/>
-        <a:p>
-          <a:endParaRPr lang="en-US"/>
-        </a:p>
-      </dgm:t>
     </dgm:pt>
     <dgm:pt modelId="{CCCDC119-36F8-43ED-867B-4E93B2BC311D}" type="pres">
       <dgm:prSet presAssocID="{F9FA0B20-1F03-4092-8FDA-A08C1F472BC1}" presName="sibTrans" presStyleLbl="sibTrans2D1" presStyleIdx="5" presStyleCnt="6"/>
       <dgm:spPr/>
-      <dgm:t>
-        <a:bodyPr/>
-        <a:lstStyle/>
-        <a:p>
-          <a:endParaRPr lang="en-US"/>
-        </a:p>
-      </dgm:t>
     </dgm:pt>
     <dgm:pt modelId="{F2F31493-ED57-403D-A755-AD4EC2E3ED11}" type="pres">
       <dgm:prSet presAssocID="{F9FA0B20-1F03-4092-8FDA-A08C1F472BC1}" presName="connectorText" presStyleLbl="sibTrans2D1" presStyleIdx="5" presStyleCnt="6"/>
       <dgm:spPr/>
-      <dgm:t>
-        <a:bodyPr/>
-        <a:lstStyle/>
-        <a:p>
-          <a:endParaRPr lang="en-US"/>
-        </a:p>
-      </dgm:t>
     </dgm:pt>
   </dgm:ptLst>
   <dgm:cxnLst>
+    <dgm:cxn modelId="{0CAAAA33-6A9E-4BC0-AEF4-29AEDE78A23D}" type="presOf" srcId="{65768B2E-F17E-4BDC-91AC-549B87D2414B}" destId="{D23D2CD3-6F32-4F3C-AABA-D16C228AFFC1}" srcOrd="0" destOrd="0" presId="urn:microsoft.com/office/officeart/2005/8/layout/cycle2"/>
+    <dgm:cxn modelId="{E415A836-F7D8-4C71-A5D6-5FCA7527F640}" type="presOf" srcId="{A1D25EF6-BAD8-4DF9-B246-A57669854B83}" destId="{9361F8C5-D2D9-4E7C-80CE-EE6714EA4B33}" srcOrd="0" destOrd="0" presId="urn:microsoft.com/office/officeart/2005/8/layout/cycle2"/>
+    <dgm:cxn modelId="{047A3543-1535-481B-8951-7C6B2523F3E0}" srcId="{F6D7AA7E-37DD-4BDE-AE8A-5B0D78E2F471}" destId="{82544D88-BD0D-4709-A5B3-BAAAD55BA29E}" srcOrd="0" destOrd="0" parTransId="{DB5FA6F2-5756-43FD-A265-2B7F9A62D8C3}" sibTransId="{B3900F59-242B-43EA-89C1-69A92C5ABC8D}"/>
+    <dgm:cxn modelId="{08918246-5313-4237-B68C-24F6D44664D3}" srcId="{F6D7AA7E-37DD-4BDE-AE8A-5B0D78E2F471}" destId="{A1D25EF6-BAD8-4DF9-B246-A57669854B83}" srcOrd="2" destOrd="0" parTransId="{4DC6218E-9831-4288-B8AF-598F4074DD0B}" sibTransId="{65768B2E-F17E-4BDC-91AC-549B87D2414B}"/>
+    <dgm:cxn modelId="{93368547-634B-4E46-916D-5873AADFDA4C}" type="presOf" srcId="{B3900F59-242B-43EA-89C1-69A92C5ABC8D}" destId="{3D4239C2-77AD-45D7-986C-ED7A8AF82873}" srcOrd="1" destOrd="0" presId="urn:microsoft.com/office/officeart/2005/8/layout/cycle2"/>
     <dgm:cxn modelId="{108AAF52-BABD-447C-8707-F688EDB2EC91}" type="presOf" srcId="{EA474292-EF76-4E49-9689-C3CBE5559D68}" destId="{8F2C67F0-48E9-4626-BAA8-34E683C40D3E}" srcOrd="1" destOrd="0" presId="urn:microsoft.com/office/officeart/2005/8/layout/cycle2"/>
+    <dgm:cxn modelId="{A1FEA065-D05E-4225-A86D-74A12333BCD7}" type="presOf" srcId="{EA474292-EF76-4E49-9689-C3CBE5559D68}" destId="{E17CB246-EF6C-4708-ACC7-95ED2937F1A3}" srcOrd="0" destOrd="0" presId="urn:microsoft.com/office/officeart/2005/8/layout/cycle2"/>
+    <dgm:cxn modelId="{9201C768-06C1-4086-B908-E68EE5957E43}" type="presOf" srcId="{4D53547F-24AE-411D-9713-A59E5439CA2A}" destId="{B2163300-FC63-4086-98E6-D98B88B55EB2}" srcOrd="0" destOrd="0" presId="urn:microsoft.com/office/officeart/2005/8/layout/cycle2"/>
+    <dgm:cxn modelId="{A01FDE6C-E2D9-4193-80B8-050AE5323220}" type="presOf" srcId="{FF9FA91E-0BDF-473A-B988-DA4598FC42B9}" destId="{98436BF7-369F-4F26-8AD6-3A6F787ECE1B}" srcOrd="0" destOrd="0" presId="urn:microsoft.com/office/officeart/2005/8/layout/cycle2"/>
+    <dgm:cxn modelId="{09D11376-F72C-472A-9966-E744E487BCFA}" type="presOf" srcId="{F6D7AA7E-37DD-4BDE-AE8A-5B0D78E2F471}" destId="{D671F792-2D6B-474F-9C3D-5E72C4442EFB}" srcOrd="0" destOrd="0" presId="urn:microsoft.com/office/officeart/2005/8/layout/cycle2"/>
+    <dgm:cxn modelId="{BE112D7B-D99E-41F3-9EF4-E6AF35939F59}" type="presOf" srcId="{F9FA0B20-1F03-4092-8FDA-A08C1F472BC1}" destId="{CCCDC119-36F8-43ED-867B-4E93B2BC311D}" srcOrd="0" destOrd="0" presId="urn:microsoft.com/office/officeart/2005/8/layout/cycle2"/>
+    <dgm:cxn modelId="{37E68E7C-7251-497F-BA21-AAD84D779658}" type="presOf" srcId="{070C54DB-C352-426D-BD5F-F4AD21339F98}" destId="{66DD604B-73AF-4485-8DFC-9C21E959573B}" srcOrd="0" destOrd="0" presId="urn:microsoft.com/office/officeart/2005/8/layout/cycle2"/>
+    <dgm:cxn modelId="{DAA42983-3726-4FF0-B886-2B38707D56F8}" type="presOf" srcId="{65768B2E-F17E-4BDC-91AC-549B87D2414B}" destId="{8DE7CDD6-7394-40DC-87C4-42AF635837C4}" srcOrd="1" destOrd="0" presId="urn:microsoft.com/office/officeart/2005/8/layout/cycle2"/>
+    <dgm:cxn modelId="{FF01B291-08C4-4167-990B-DB173D4D403B}" type="presOf" srcId="{82544D88-BD0D-4709-A5B3-BAAAD55BA29E}" destId="{CD2F84ED-A21B-438A-96FB-90F0584E4C02}" srcOrd="0" destOrd="0" presId="urn:microsoft.com/office/officeart/2005/8/layout/cycle2"/>
+    <dgm:cxn modelId="{7DF88B98-6775-4A9B-A5F6-7362D104E75A}" srcId="{F6D7AA7E-37DD-4BDE-AE8A-5B0D78E2F471}" destId="{4D53547F-24AE-411D-9713-A59E5439CA2A}" srcOrd="3" destOrd="0" parTransId="{EECD460F-5733-4655-9682-29F978397053}" sibTransId="{255179C2-56F8-460A-88AB-0811F42ADC69}"/>
+    <dgm:cxn modelId="{4D5228A3-7FBE-4FD1-AD7E-3309825BB1D2}" type="presOf" srcId="{255179C2-56F8-460A-88AB-0811F42ADC69}" destId="{1F4461EC-EDDF-42F9-9209-F7B10E960CCC}" srcOrd="0" destOrd="0" presId="urn:microsoft.com/office/officeart/2005/8/layout/cycle2"/>
+    <dgm:cxn modelId="{F90D10A4-5101-487A-ADDA-8A1A775E09FF}" srcId="{F6D7AA7E-37DD-4BDE-AE8A-5B0D78E2F471}" destId="{4FC972BE-21EA-4E87-9D17-B82089DB6619}" srcOrd="4" destOrd="0" parTransId="{B7F7B6FD-936A-41F8-B3D1-430724E5917A}" sibTransId="{EA474292-EF76-4E49-9689-C3CBE5559D68}"/>
     <dgm:cxn modelId="{D8252AB8-CD51-445A-85F5-45DED33F6193}" type="presOf" srcId="{F9FA0B20-1F03-4092-8FDA-A08C1F472BC1}" destId="{F2F31493-ED57-403D-A755-AD4EC2E3ED11}" srcOrd="1" destOrd="0" presId="urn:microsoft.com/office/officeart/2005/8/layout/cycle2"/>
-    <dgm:cxn modelId="{FF01B291-08C4-4167-990B-DB173D4D403B}" type="presOf" srcId="{82544D88-BD0D-4709-A5B3-BAAAD55BA29E}" destId="{CD2F84ED-A21B-438A-96FB-90F0584E4C02}" srcOrd="0" destOrd="0" presId="urn:microsoft.com/office/officeart/2005/8/layout/cycle2"/>
+    <dgm:cxn modelId="{B706C3B8-5999-46C0-B747-96BCA1C89915}" type="presOf" srcId="{4FC972BE-21EA-4E87-9D17-B82089DB6619}" destId="{E733B983-E3DD-49D5-BF0D-0C14CC0EDD31}" srcOrd="0" destOrd="0" presId="urn:microsoft.com/office/officeart/2005/8/layout/cycle2"/>
+    <dgm:cxn modelId="{AF3D8FB9-D402-4E0E-8243-A447357CD83D}" type="presOf" srcId="{FF9FA91E-0BDF-473A-B988-DA4598FC42B9}" destId="{0638BF99-0853-4C7F-8AB5-CA33EFAB7C64}" srcOrd="1" destOrd="0" presId="urn:microsoft.com/office/officeart/2005/8/layout/cycle2"/>
+    <dgm:cxn modelId="{C2C518D8-4C12-437D-8025-8157291AB4C5}" srcId="{F6D7AA7E-37DD-4BDE-AE8A-5B0D78E2F471}" destId="{070C54DB-C352-426D-BD5F-F4AD21339F98}" srcOrd="1" destOrd="0" parTransId="{2EE84A97-5201-42A8-9BBB-5B12F19A78D4}" sibTransId="{FF9FA91E-0BDF-473A-B988-DA4598FC42B9}"/>
+    <dgm:cxn modelId="{BADD59E6-C66E-4A5F-A7D0-179D365B6F12}" srcId="{F6D7AA7E-37DD-4BDE-AE8A-5B0D78E2F471}" destId="{3EFEF7F6-42CC-4589-817B-32435235D19A}" srcOrd="5" destOrd="0" parTransId="{A4135986-8EEB-4366-915C-6A1EFD46A817}" sibTransId="{F9FA0B20-1F03-4092-8FDA-A08C1F472BC1}"/>
+    <dgm:cxn modelId="{00EAB3E7-DBE0-4D4B-AB1E-734CFAA68D3D}" type="presOf" srcId="{B3900F59-242B-43EA-89C1-69A92C5ABC8D}" destId="{9DC509D3-E856-4FBD-819B-BCFF4D24D467}" srcOrd="0" destOrd="0" presId="urn:microsoft.com/office/officeart/2005/8/layout/cycle2"/>
     <dgm:cxn modelId="{973018EA-9729-449F-AAD8-4103665B6478}" type="presOf" srcId="{255179C2-56F8-460A-88AB-0811F42ADC69}" destId="{57010D1F-0D38-47C4-9FC8-B94F107CCC9D}" srcOrd="1" destOrd="0" presId="urn:microsoft.com/office/officeart/2005/8/layout/cycle2"/>
-    <dgm:cxn modelId="{9201C768-06C1-4086-B908-E68EE5957E43}" type="presOf" srcId="{4D53547F-24AE-411D-9713-A59E5439CA2A}" destId="{B2163300-FC63-4086-98E6-D98B88B55EB2}" srcOrd="0" destOrd="0" presId="urn:microsoft.com/office/officeart/2005/8/layout/cycle2"/>
-    <dgm:cxn modelId="{09D11376-F72C-472A-9966-E744E487BCFA}" type="presOf" srcId="{F6D7AA7E-37DD-4BDE-AE8A-5B0D78E2F471}" destId="{D671F792-2D6B-474F-9C3D-5E72C4442EFB}" srcOrd="0" destOrd="0" presId="urn:microsoft.com/office/officeart/2005/8/layout/cycle2"/>
-    <dgm:cxn modelId="{C2C518D8-4C12-437D-8025-8157291AB4C5}" srcId="{F6D7AA7E-37DD-4BDE-AE8A-5B0D78E2F471}" destId="{070C54DB-C352-426D-BD5F-F4AD21339F98}" srcOrd="1" destOrd="0" parTransId="{2EE84A97-5201-42A8-9BBB-5B12F19A78D4}" sibTransId="{FF9FA91E-0BDF-473A-B988-DA4598FC42B9}"/>
-    <dgm:cxn modelId="{08918246-5313-4237-B68C-24F6D44664D3}" srcId="{F6D7AA7E-37DD-4BDE-AE8A-5B0D78E2F471}" destId="{A1D25EF6-BAD8-4DF9-B246-A57669854B83}" srcOrd="2" destOrd="0" parTransId="{4DC6218E-9831-4288-B8AF-598F4074DD0B}" sibTransId="{65768B2E-F17E-4BDC-91AC-549B87D2414B}"/>
-    <dgm:cxn modelId="{37E68E7C-7251-497F-BA21-AAD84D779658}" type="presOf" srcId="{070C54DB-C352-426D-BD5F-F4AD21339F98}" destId="{66DD604B-73AF-4485-8DFC-9C21E959573B}" srcOrd="0" destOrd="0" presId="urn:microsoft.com/office/officeart/2005/8/layout/cycle2"/>
-    <dgm:cxn modelId="{BADD59E6-C66E-4A5F-A7D0-179D365B6F12}" srcId="{F6D7AA7E-37DD-4BDE-AE8A-5B0D78E2F471}" destId="{3EFEF7F6-42CC-4589-817B-32435235D19A}" srcOrd="5" destOrd="0" parTransId="{A4135986-8EEB-4366-915C-6A1EFD46A817}" sibTransId="{F9FA0B20-1F03-4092-8FDA-A08C1F472BC1}"/>
-    <dgm:cxn modelId="{B706C3B8-5999-46C0-B747-96BCA1C89915}" type="presOf" srcId="{4FC972BE-21EA-4E87-9D17-B82089DB6619}" destId="{E733B983-E3DD-49D5-BF0D-0C14CC0EDD31}" srcOrd="0" destOrd="0" presId="urn:microsoft.com/office/officeart/2005/8/layout/cycle2"/>
-    <dgm:cxn modelId="{047A3543-1535-481B-8951-7C6B2523F3E0}" srcId="{F6D7AA7E-37DD-4BDE-AE8A-5B0D78E2F471}" destId="{82544D88-BD0D-4709-A5B3-BAAAD55BA29E}" srcOrd="0" destOrd="0" parTransId="{DB5FA6F2-5756-43FD-A265-2B7F9A62D8C3}" sibTransId="{B3900F59-242B-43EA-89C1-69A92C5ABC8D}"/>
-    <dgm:cxn modelId="{00EAB3E7-DBE0-4D4B-AB1E-734CFAA68D3D}" type="presOf" srcId="{B3900F59-242B-43EA-89C1-69A92C5ABC8D}" destId="{9DC509D3-E856-4FBD-819B-BCFF4D24D467}" srcOrd="0" destOrd="0" presId="urn:microsoft.com/office/officeart/2005/8/layout/cycle2"/>
-    <dgm:cxn modelId="{A1FEA065-D05E-4225-A86D-74A12333BCD7}" type="presOf" srcId="{EA474292-EF76-4E49-9689-C3CBE5559D68}" destId="{E17CB246-EF6C-4708-ACC7-95ED2937F1A3}" srcOrd="0" destOrd="0" presId="urn:microsoft.com/office/officeart/2005/8/layout/cycle2"/>
-    <dgm:cxn modelId="{E415A836-F7D8-4C71-A5D6-5FCA7527F640}" type="presOf" srcId="{A1D25EF6-BAD8-4DF9-B246-A57669854B83}" destId="{9361F8C5-D2D9-4E7C-80CE-EE6714EA4B33}" srcOrd="0" destOrd="0" presId="urn:microsoft.com/office/officeart/2005/8/layout/cycle2"/>
-    <dgm:cxn modelId="{0CAAAA33-6A9E-4BC0-AEF4-29AEDE78A23D}" type="presOf" srcId="{65768B2E-F17E-4BDC-91AC-549B87D2414B}" destId="{D23D2CD3-6F32-4F3C-AABA-D16C228AFFC1}" srcOrd="0" destOrd="0" presId="urn:microsoft.com/office/officeart/2005/8/layout/cycle2"/>
-    <dgm:cxn modelId="{DAA42983-3726-4FF0-B886-2B38707D56F8}" type="presOf" srcId="{65768B2E-F17E-4BDC-91AC-549B87D2414B}" destId="{8DE7CDD6-7394-40DC-87C4-42AF635837C4}" srcOrd="1" destOrd="0" presId="urn:microsoft.com/office/officeart/2005/8/layout/cycle2"/>
-    <dgm:cxn modelId="{AF3D8FB9-D402-4E0E-8243-A447357CD83D}" type="presOf" srcId="{FF9FA91E-0BDF-473A-B988-DA4598FC42B9}" destId="{0638BF99-0853-4C7F-8AB5-CA33EFAB7C64}" srcOrd="1" destOrd="0" presId="urn:microsoft.com/office/officeart/2005/8/layout/cycle2"/>
-    <dgm:cxn modelId="{4D5228A3-7FBE-4FD1-AD7E-3309825BB1D2}" type="presOf" srcId="{255179C2-56F8-460A-88AB-0811F42ADC69}" destId="{1F4461EC-EDDF-42F9-9209-F7B10E960CCC}" srcOrd="0" destOrd="0" presId="urn:microsoft.com/office/officeart/2005/8/layout/cycle2"/>
-    <dgm:cxn modelId="{BE112D7B-D99E-41F3-9EF4-E6AF35939F59}" type="presOf" srcId="{F9FA0B20-1F03-4092-8FDA-A08C1F472BC1}" destId="{CCCDC119-36F8-43ED-867B-4E93B2BC311D}" srcOrd="0" destOrd="0" presId="urn:microsoft.com/office/officeart/2005/8/layout/cycle2"/>
-    <dgm:cxn modelId="{7DF88B98-6775-4A9B-A5F6-7362D104E75A}" srcId="{F6D7AA7E-37DD-4BDE-AE8A-5B0D78E2F471}" destId="{4D53547F-24AE-411D-9713-A59E5439CA2A}" srcOrd="3" destOrd="0" parTransId="{EECD460F-5733-4655-9682-29F978397053}" sibTransId="{255179C2-56F8-460A-88AB-0811F42ADC69}"/>
-    <dgm:cxn modelId="{93368547-634B-4E46-916D-5873AADFDA4C}" type="presOf" srcId="{B3900F59-242B-43EA-89C1-69A92C5ABC8D}" destId="{3D4239C2-77AD-45D7-986C-ED7A8AF82873}" srcOrd="1" destOrd="0" presId="urn:microsoft.com/office/officeart/2005/8/layout/cycle2"/>
-    <dgm:cxn modelId="{F90D10A4-5101-487A-ADDA-8A1A775E09FF}" srcId="{F6D7AA7E-37DD-4BDE-AE8A-5B0D78E2F471}" destId="{4FC972BE-21EA-4E87-9D17-B82089DB6619}" srcOrd="4" destOrd="0" parTransId="{B7F7B6FD-936A-41F8-B3D1-430724E5917A}" sibTransId="{EA474292-EF76-4E49-9689-C3CBE5559D68}"/>
     <dgm:cxn modelId="{3E0D8BFF-69E9-4631-86F9-05A1E2A29988}" type="presOf" srcId="{3EFEF7F6-42CC-4589-817B-32435235D19A}" destId="{A8CBEE61-1F20-4B3C-83E1-CCEC89EA0498}" srcOrd="0" destOrd="0" presId="urn:microsoft.com/office/officeart/2005/8/layout/cycle2"/>
-    <dgm:cxn modelId="{A01FDE6C-E2D9-4193-80B8-050AE5323220}" type="presOf" srcId="{FF9FA91E-0BDF-473A-B988-DA4598FC42B9}" destId="{98436BF7-369F-4F26-8AD6-3A6F787ECE1B}" srcOrd="0" destOrd="0" presId="urn:microsoft.com/office/officeart/2005/8/layout/cycle2"/>
     <dgm:cxn modelId="{D7CAC708-1DA0-4B6C-8CCD-86B48FBE7D09}" type="presParOf" srcId="{D671F792-2D6B-474F-9C3D-5E72C4442EFB}" destId="{CD2F84ED-A21B-438A-96FB-90F0584E4C02}" srcOrd="0" destOrd="0" presId="urn:microsoft.com/office/officeart/2005/8/layout/cycle2"/>
     <dgm:cxn modelId="{FF3A4A1B-00FD-42DE-90FD-344A16BB820B}" type="presParOf" srcId="{D671F792-2D6B-474F-9C3D-5E72C4442EFB}" destId="{9DC509D3-E856-4FBD-819B-BCFF4D24D467}" srcOrd="1" destOrd="0" presId="urn:microsoft.com/office/officeart/2005/8/layout/cycle2"/>
     <dgm:cxn modelId="{39062545-249B-47EC-9704-190E20595AD2}" type="presParOf" srcId="{9DC509D3-E856-4FBD-819B-BCFF4D24D467}" destId="{3D4239C2-77AD-45D7-986C-ED7A8AF82873}" srcOrd="0" destOrd="0" presId="urn:microsoft.com/office/officeart/2005/8/layout/cycle2"/>
@@ -10778,13 +10071,6 @@
         </dgm:presLayoutVars>
       </dgm:prSet>
       <dgm:spPr/>
-      <dgm:t>
-        <a:bodyPr/>
-        <a:lstStyle/>
-        <a:p>
-          <a:endParaRPr lang="en-US"/>
-        </a:p>
-      </dgm:t>
     </dgm:pt>
     <dgm:pt modelId="{CD2F84ED-A21B-438A-96FB-90F0584E4C02}" type="pres">
       <dgm:prSet presAssocID="{82544D88-BD0D-4709-A5B3-BAAAD55BA29E}" presName="node" presStyleLbl="node1" presStyleIdx="0" presStyleCnt="6">
@@ -10793,35 +10079,14 @@
         </dgm:presLayoutVars>
       </dgm:prSet>
       <dgm:spPr/>
-      <dgm:t>
-        <a:bodyPr/>
-        <a:lstStyle/>
-        <a:p>
-          <a:endParaRPr lang="en-US"/>
-        </a:p>
-      </dgm:t>
     </dgm:pt>
     <dgm:pt modelId="{9DC509D3-E856-4FBD-819B-BCFF4D24D467}" type="pres">
       <dgm:prSet presAssocID="{B3900F59-242B-43EA-89C1-69A92C5ABC8D}" presName="sibTrans" presStyleLbl="sibTrans2D1" presStyleIdx="0" presStyleCnt="6"/>
       <dgm:spPr/>
-      <dgm:t>
-        <a:bodyPr/>
-        <a:lstStyle/>
-        <a:p>
-          <a:endParaRPr lang="en-US"/>
-        </a:p>
-      </dgm:t>
     </dgm:pt>
     <dgm:pt modelId="{3D4239C2-77AD-45D7-986C-ED7A8AF82873}" type="pres">
       <dgm:prSet presAssocID="{B3900F59-242B-43EA-89C1-69A92C5ABC8D}" presName="connectorText" presStyleLbl="sibTrans2D1" presStyleIdx="0" presStyleCnt="6"/>
       <dgm:spPr/>
-      <dgm:t>
-        <a:bodyPr/>
-        <a:lstStyle/>
-        <a:p>
-          <a:endParaRPr lang="en-US"/>
-        </a:p>
-      </dgm:t>
     </dgm:pt>
     <dgm:pt modelId="{66DD604B-73AF-4485-8DFC-9C21E959573B}" type="pres">
       <dgm:prSet presAssocID="{070C54DB-C352-426D-BD5F-F4AD21339F98}" presName="node" presStyleLbl="node1" presStyleIdx="1" presStyleCnt="6">
@@ -10830,35 +10095,14 @@
         </dgm:presLayoutVars>
       </dgm:prSet>
       <dgm:spPr/>
-      <dgm:t>
-        <a:bodyPr/>
-        <a:lstStyle/>
-        <a:p>
-          <a:endParaRPr lang="en-US"/>
-        </a:p>
-      </dgm:t>
     </dgm:pt>
     <dgm:pt modelId="{98436BF7-369F-4F26-8AD6-3A6F787ECE1B}" type="pres">
       <dgm:prSet presAssocID="{FF9FA91E-0BDF-473A-B988-DA4598FC42B9}" presName="sibTrans" presStyleLbl="sibTrans2D1" presStyleIdx="1" presStyleCnt="6"/>
       <dgm:spPr/>
-      <dgm:t>
-        <a:bodyPr/>
-        <a:lstStyle/>
-        <a:p>
-          <a:endParaRPr lang="en-US"/>
-        </a:p>
-      </dgm:t>
     </dgm:pt>
     <dgm:pt modelId="{0638BF99-0853-4C7F-8AB5-CA33EFAB7C64}" type="pres">
       <dgm:prSet presAssocID="{FF9FA91E-0BDF-473A-B988-DA4598FC42B9}" presName="connectorText" presStyleLbl="sibTrans2D1" presStyleIdx="1" presStyleCnt="6"/>
       <dgm:spPr/>
-      <dgm:t>
-        <a:bodyPr/>
-        <a:lstStyle/>
-        <a:p>
-          <a:endParaRPr lang="en-US"/>
-        </a:p>
-      </dgm:t>
     </dgm:pt>
     <dgm:pt modelId="{9361F8C5-D2D9-4E7C-80CE-EE6714EA4B33}" type="pres">
       <dgm:prSet presAssocID="{A1D25EF6-BAD8-4DF9-B246-A57669854B83}" presName="node" presStyleLbl="node1" presStyleIdx="2" presStyleCnt="6">
@@ -10867,35 +10111,14 @@
         </dgm:presLayoutVars>
       </dgm:prSet>
       <dgm:spPr/>
-      <dgm:t>
-        <a:bodyPr/>
-        <a:lstStyle/>
-        <a:p>
-          <a:endParaRPr lang="en-US"/>
-        </a:p>
-      </dgm:t>
     </dgm:pt>
     <dgm:pt modelId="{D23D2CD3-6F32-4F3C-AABA-D16C228AFFC1}" type="pres">
       <dgm:prSet presAssocID="{65768B2E-F17E-4BDC-91AC-549B87D2414B}" presName="sibTrans" presStyleLbl="sibTrans2D1" presStyleIdx="2" presStyleCnt="6"/>
       <dgm:spPr/>
-      <dgm:t>
-        <a:bodyPr/>
-        <a:lstStyle/>
-        <a:p>
-          <a:endParaRPr lang="en-US"/>
-        </a:p>
-      </dgm:t>
     </dgm:pt>
     <dgm:pt modelId="{8DE7CDD6-7394-40DC-87C4-42AF635837C4}" type="pres">
       <dgm:prSet presAssocID="{65768B2E-F17E-4BDC-91AC-549B87D2414B}" presName="connectorText" presStyleLbl="sibTrans2D1" presStyleIdx="2" presStyleCnt="6"/>
       <dgm:spPr/>
-      <dgm:t>
-        <a:bodyPr/>
-        <a:lstStyle/>
-        <a:p>
-          <a:endParaRPr lang="en-US"/>
-        </a:p>
-      </dgm:t>
     </dgm:pt>
     <dgm:pt modelId="{B2163300-FC63-4086-98E6-D98B88B55EB2}" type="pres">
       <dgm:prSet presAssocID="{4D53547F-24AE-411D-9713-A59E5439CA2A}" presName="node" presStyleLbl="node1" presStyleIdx="3" presStyleCnt="6">
@@ -10904,35 +10127,14 @@
         </dgm:presLayoutVars>
       </dgm:prSet>
       <dgm:spPr/>
-      <dgm:t>
-        <a:bodyPr/>
-        <a:lstStyle/>
-        <a:p>
-          <a:endParaRPr lang="en-US"/>
-        </a:p>
-      </dgm:t>
     </dgm:pt>
     <dgm:pt modelId="{1F4461EC-EDDF-42F9-9209-F7B10E960CCC}" type="pres">
       <dgm:prSet presAssocID="{255179C2-56F8-460A-88AB-0811F42ADC69}" presName="sibTrans" presStyleLbl="sibTrans2D1" presStyleIdx="3" presStyleCnt="6"/>
       <dgm:spPr/>
-      <dgm:t>
-        <a:bodyPr/>
-        <a:lstStyle/>
-        <a:p>
-          <a:endParaRPr lang="en-US"/>
-        </a:p>
-      </dgm:t>
     </dgm:pt>
     <dgm:pt modelId="{57010D1F-0D38-47C4-9FC8-B94F107CCC9D}" type="pres">
       <dgm:prSet presAssocID="{255179C2-56F8-460A-88AB-0811F42ADC69}" presName="connectorText" presStyleLbl="sibTrans2D1" presStyleIdx="3" presStyleCnt="6"/>
       <dgm:spPr/>
-      <dgm:t>
-        <a:bodyPr/>
-        <a:lstStyle/>
-        <a:p>
-          <a:endParaRPr lang="en-US"/>
-        </a:p>
-      </dgm:t>
     </dgm:pt>
     <dgm:pt modelId="{E733B983-E3DD-49D5-BF0D-0C14CC0EDD31}" type="pres">
       <dgm:prSet presAssocID="{4FC972BE-21EA-4E87-9D17-B82089DB6619}" presName="node" presStyleLbl="node1" presStyleIdx="4" presStyleCnt="6">
@@ -10941,35 +10143,14 @@
         </dgm:presLayoutVars>
       </dgm:prSet>
       <dgm:spPr/>
-      <dgm:t>
-        <a:bodyPr/>
-        <a:lstStyle/>
-        <a:p>
-          <a:endParaRPr lang="en-US"/>
-        </a:p>
-      </dgm:t>
     </dgm:pt>
     <dgm:pt modelId="{E17CB246-EF6C-4708-ACC7-95ED2937F1A3}" type="pres">
       <dgm:prSet presAssocID="{EA474292-EF76-4E49-9689-C3CBE5559D68}" presName="sibTrans" presStyleLbl="sibTrans2D1" presStyleIdx="4" presStyleCnt="6"/>
       <dgm:spPr/>
-      <dgm:t>
-        <a:bodyPr/>
-        <a:lstStyle/>
-        <a:p>
-          <a:endParaRPr lang="en-US"/>
-        </a:p>
-      </dgm:t>
     </dgm:pt>
     <dgm:pt modelId="{8F2C67F0-48E9-4626-BAA8-34E683C40D3E}" type="pres">
       <dgm:prSet presAssocID="{EA474292-EF76-4E49-9689-C3CBE5559D68}" presName="connectorText" presStyleLbl="sibTrans2D1" presStyleIdx="4" presStyleCnt="6"/>
       <dgm:spPr/>
-      <dgm:t>
-        <a:bodyPr/>
-        <a:lstStyle/>
-        <a:p>
-          <a:endParaRPr lang="en-US"/>
-        </a:p>
-      </dgm:t>
     </dgm:pt>
     <dgm:pt modelId="{A8CBEE61-1F20-4B3C-83E1-CCEC89EA0498}" type="pres">
       <dgm:prSet presAssocID="{3EFEF7F6-42CC-4589-817B-32435235D19A}" presName="node" presStyleLbl="node1" presStyleIdx="5" presStyleCnt="6">
@@ -10978,63 +10159,42 @@
         </dgm:presLayoutVars>
       </dgm:prSet>
       <dgm:spPr/>
-      <dgm:t>
-        <a:bodyPr/>
-        <a:lstStyle/>
-        <a:p>
-          <a:endParaRPr lang="en-US"/>
-        </a:p>
-      </dgm:t>
     </dgm:pt>
     <dgm:pt modelId="{CCCDC119-36F8-43ED-867B-4E93B2BC311D}" type="pres">
       <dgm:prSet presAssocID="{F9FA0B20-1F03-4092-8FDA-A08C1F472BC1}" presName="sibTrans" presStyleLbl="sibTrans2D1" presStyleIdx="5" presStyleCnt="6"/>
       <dgm:spPr/>
-      <dgm:t>
-        <a:bodyPr/>
-        <a:lstStyle/>
-        <a:p>
-          <a:endParaRPr lang="en-US"/>
-        </a:p>
-      </dgm:t>
     </dgm:pt>
     <dgm:pt modelId="{F2F31493-ED57-403D-A755-AD4EC2E3ED11}" type="pres">
       <dgm:prSet presAssocID="{F9FA0B20-1F03-4092-8FDA-A08C1F472BC1}" presName="connectorText" presStyleLbl="sibTrans2D1" presStyleIdx="5" presStyleCnt="6"/>
       <dgm:spPr/>
-      <dgm:t>
-        <a:bodyPr/>
-        <a:lstStyle/>
-        <a:p>
-          <a:endParaRPr lang="en-US"/>
-        </a:p>
-      </dgm:t>
     </dgm:pt>
   </dgm:ptLst>
   <dgm:cxnLst>
+    <dgm:cxn modelId="{0CAAAA33-6A9E-4BC0-AEF4-29AEDE78A23D}" type="presOf" srcId="{65768B2E-F17E-4BDC-91AC-549B87D2414B}" destId="{D23D2CD3-6F32-4F3C-AABA-D16C228AFFC1}" srcOrd="0" destOrd="0" presId="urn:microsoft.com/office/officeart/2005/8/layout/cycle2"/>
+    <dgm:cxn modelId="{E415A836-F7D8-4C71-A5D6-5FCA7527F640}" type="presOf" srcId="{A1D25EF6-BAD8-4DF9-B246-A57669854B83}" destId="{9361F8C5-D2D9-4E7C-80CE-EE6714EA4B33}" srcOrd="0" destOrd="0" presId="urn:microsoft.com/office/officeart/2005/8/layout/cycle2"/>
+    <dgm:cxn modelId="{047A3543-1535-481B-8951-7C6B2523F3E0}" srcId="{F6D7AA7E-37DD-4BDE-AE8A-5B0D78E2F471}" destId="{82544D88-BD0D-4709-A5B3-BAAAD55BA29E}" srcOrd="0" destOrd="0" parTransId="{DB5FA6F2-5756-43FD-A265-2B7F9A62D8C3}" sibTransId="{B3900F59-242B-43EA-89C1-69A92C5ABC8D}"/>
+    <dgm:cxn modelId="{08918246-5313-4237-B68C-24F6D44664D3}" srcId="{F6D7AA7E-37DD-4BDE-AE8A-5B0D78E2F471}" destId="{A1D25EF6-BAD8-4DF9-B246-A57669854B83}" srcOrd="2" destOrd="0" parTransId="{4DC6218E-9831-4288-B8AF-598F4074DD0B}" sibTransId="{65768B2E-F17E-4BDC-91AC-549B87D2414B}"/>
+    <dgm:cxn modelId="{93368547-634B-4E46-916D-5873AADFDA4C}" type="presOf" srcId="{B3900F59-242B-43EA-89C1-69A92C5ABC8D}" destId="{3D4239C2-77AD-45D7-986C-ED7A8AF82873}" srcOrd="1" destOrd="0" presId="urn:microsoft.com/office/officeart/2005/8/layout/cycle2"/>
     <dgm:cxn modelId="{108AAF52-BABD-447C-8707-F688EDB2EC91}" type="presOf" srcId="{EA474292-EF76-4E49-9689-C3CBE5559D68}" destId="{8F2C67F0-48E9-4626-BAA8-34E683C40D3E}" srcOrd="1" destOrd="0" presId="urn:microsoft.com/office/officeart/2005/8/layout/cycle2"/>
+    <dgm:cxn modelId="{A1FEA065-D05E-4225-A86D-74A12333BCD7}" type="presOf" srcId="{EA474292-EF76-4E49-9689-C3CBE5559D68}" destId="{E17CB246-EF6C-4708-ACC7-95ED2937F1A3}" srcOrd="0" destOrd="0" presId="urn:microsoft.com/office/officeart/2005/8/layout/cycle2"/>
+    <dgm:cxn modelId="{9201C768-06C1-4086-B908-E68EE5957E43}" type="presOf" srcId="{4D53547F-24AE-411D-9713-A59E5439CA2A}" destId="{B2163300-FC63-4086-98E6-D98B88B55EB2}" srcOrd="0" destOrd="0" presId="urn:microsoft.com/office/officeart/2005/8/layout/cycle2"/>
+    <dgm:cxn modelId="{A01FDE6C-E2D9-4193-80B8-050AE5323220}" type="presOf" srcId="{FF9FA91E-0BDF-473A-B988-DA4598FC42B9}" destId="{98436BF7-369F-4F26-8AD6-3A6F787ECE1B}" srcOrd="0" destOrd="0" presId="urn:microsoft.com/office/officeart/2005/8/layout/cycle2"/>
+    <dgm:cxn modelId="{09D11376-F72C-472A-9966-E744E487BCFA}" type="presOf" srcId="{F6D7AA7E-37DD-4BDE-AE8A-5B0D78E2F471}" destId="{D671F792-2D6B-474F-9C3D-5E72C4442EFB}" srcOrd="0" destOrd="0" presId="urn:microsoft.com/office/officeart/2005/8/layout/cycle2"/>
+    <dgm:cxn modelId="{BE112D7B-D99E-41F3-9EF4-E6AF35939F59}" type="presOf" srcId="{F9FA0B20-1F03-4092-8FDA-A08C1F472BC1}" destId="{CCCDC119-36F8-43ED-867B-4E93B2BC311D}" srcOrd="0" destOrd="0" presId="urn:microsoft.com/office/officeart/2005/8/layout/cycle2"/>
+    <dgm:cxn modelId="{37E68E7C-7251-497F-BA21-AAD84D779658}" type="presOf" srcId="{070C54DB-C352-426D-BD5F-F4AD21339F98}" destId="{66DD604B-73AF-4485-8DFC-9C21E959573B}" srcOrd="0" destOrd="0" presId="urn:microsoft.com/office/officeart/2005/8/layout/cycle2"/>
+    <dgm:cxn modelId="{DAA42983-3726-4FF0-B886-2B38707D56F8}" type="presOf" srcId="{65768B2E-F17E-4BDC-91AC-549B87D2414B}" destId="{8DE7CDD6-7394-40DC-87C4-42AF635837C4}" srcOrd="1" destOrd="0" presId="urn:microsoft.com/office/officeart/2005/8/layout/cycle2"/>
+    <dgm:cxn modelId="{FF01B291-08C4-4167-990B-DB173D4D403B}" type="presOf" srcId="{82544D88-BD0D-4709-A5B3-BAAAD55BA29E}" destId="{CD2F84ED-A21B-438A-96FB-90F0584E4C02}" srcOrd="0" destOrd="0" presId="urn:microsoft.com/office/officeart/2005/8/layout/cycle2"/>
+    <dgm:cxn modelId="{7DF88B98-6775-4A9B-A5F6-7362D104E75A}" srcId="{F6D7AA7E-37DD-4BDE-AE8A-5B0D78E2F471}" destId="{4D53547F-24AE-411D-9713-A59E5439CA2A}" srcOrd="3" destOrd="0" parTransId="{EECD460F-5733-4655-9682-29F978397053}" sibTransId="{255179C2-56F8-460A-88AB-0811F42ADC69}"/>
+    <dgm:cxn modelId="{4D5228A3-7FBE-4FD1-AD7E-3309825BB1D2}" type="presOf" srcId="{255179C2-56F8-460A-88AB-0811F42ADC69}" destId="{1F4461EC-EDDF-42F9-9209-F7B10E960CCC}" srcOrd="0" destOrd="0" presId="urn:microsoft.com/office/officeart/2005/8/layout/cycle2"/>
+    <dgm:cxn modelId="{F90D10A4-5101-487A-ADDA-8A1A775E09FF}" srcId="{F6D7AA7E-37DD-4BDE-AE8A-5B0D78E2F471}" destId="{4FC972BE-21EA-4E87-9D17-B82089DB6619}" srcOrd="4" destOrd="0" parTransId="{B7F7B6FD-936A-41F8-B3D1-430724E5917A}" sibTransId="{EA474292-EF76-4E49-9689-C3CBE5559D68}"/>
     <dgm:cxn modelId="{D8252AB8-CD51-445A-85F5-45DED33F6193}" type="presOf" srcId="{F9FA0B20-1F03-4092-8FDA-A08C1F472BC1}" destId="{F2F31493-ED57-403D-A755-AD4EC2E3ED11}" srcOrd="1" destOrd="0" presId="urn:microsoft.com/office/officeart/2005/8/layout/cycle2"/>
-    <dgm:cxn modelId="{FF01B291-08C4-4167-990B-DB173D4D403B}" type="presOf" srcId="{82544D88-BD0D-4709-A5B3-BAAAD55BA29E}" destId="{CD2F84ED-A21B-438A-96FB-90F0584E4C02}" srcOrd="0" destOrd="0" presId="urn:microsoft.com/office/officeart/2005/8/layout/cycle2"/>
+    <dgm:cxn modelId="{B706C3B8-5999-46C0-B747-96BCA1C89915}" type="presOf" srcId="{4FC972BE-21EA-4E87-9D17-B82089DB6619}" destId="{E733B983-E3DD-49D5-BF0D-0C14CC0EDD31}" srcOrd="0" destOrd="0" presId="urn:microsoft.com/office/officeart/2005/8/layout/cycle2"/>
+    <dgm:cxn modelId="{AF3D8FB9-D402-4E0E-8243-A447357CD83D}" type="presOf" srcId="{FF9FA91E-0BDF-473A-B988-DA4598FC42B9}" destId="{0638BF99-0853-4C7F-8AB5-CA33EFAB7C64}" srcOrd="1" destOrd="0" presId="urn:microsoft.com/office/officeart/2005/8/layout/cycle2"/>
+    <dgm:cxn modelId="{C2C518D8-4C12-437D-8025-8157291AB4C5}" srcId="{F6D7AA7E-37DD-4BDE-AE8A-5B0D78E2F471}" destId="{070C54DB-C352-426D-BD5F-F4AD21339F98}" srcOrd="1" destOrd="0" parTransId="{2EE84A97-5201-42A8-9BBB-5B12F19A78D4}" sibTransId="{FF9FA91E-0BDF-473A-B988-DA4598FC42B9}"/>
+    <dgm:cxn modelId="{BADD59E6-C66E-4A5F-A7D0-179D365B6F12}" srcId="{F6D7AA7E-37DD-4BDE-AE8A-5B0D78E2F471}" destId="{3EFEF7F6-42CC-4589-817B-32435235D19A}" srcOrd="5" destOrd="0" parTransId="{A4135986-8EEB-4366-915C-6A1EFD46A817}" sibTransId="{F9FA0B20-1F03-4092-8FDA-A08C1F472BC1}"/>
+    <dgm:cxn modelId="{00EAB3E7-DBE0-4D4B-AB1E-734CFAA68D3D}" type="presOf" srcId="{B3900F59-242B-43EA-89C1-69A92C5ABC8D}" destId="{9DC509D3-E856-4FBD-819B-BCFF4D24D467}" srcOrd="0" destOrd="0" presId="urn:microsoft.com/office/officeart/2005/8/layout/cycle2"/>
     <dgm:cxn modelId="{973018EA-9729-449F-AAD8-4103665B6478}" type="presOf" srcId="{255179C2-56F8-460A-88AB-0811F42ADC69}" destId="{57010D1F-0D38-47C4-9FC8-B94F107CCC9D}" srcOrd="1" destOrd="0" presId="urn:microsoft.com/office/officeart/2005/8/layout/cycle2"/>
-    <dgm:cxn modelId="{9201C768-06C1-4086-B908-E68EE5957E43}" type="presOf" srcId="{4D53547F-24AE-411D-9713-A59E5439CA2A}" destId="{B2163300-FC63-4086-98E6-D98B88B55EB2}" srcOrd="0" destOrd="0" presId="urn:microsoft.com/office/officeart/2005/8/layout/cycle2"/>
-    <dgm:cxn modelId="{09D11376-F72C-472A-9966-E744E487BCFA}" type="presOf" srcId="{F6D7AA7E-37DD-4BDE-AE8A-5B0D78E2F471}" destId="{D671F792-2D6B-474F-9C3D-5E72C4442EFB}" srcOrd="0" destOrd="0" presId="urn:microsoft.com/office/officeart/2005/8/layout/cycle2"/>
-    <dgm:cxn modelId="{C2C518D8-4C12-437D-8025-8157291AB4C5}" srcId="{F6D7AA7E-37DD-4BDE-AE8A-5B0D78E2F471}" destId="{070C54DB-C352-426D-BD5F-F4AD21339F98}" srcOrd="1" destOrd="0" parTransId="{2EE84A97-5201-42A8-9BBB-5B12F19A78D4}" sibTransId="{FF9FA91E-0BDF-473A-B988-DA4598FC42B9}"/>
-    <dgm:cxn modelId="{08918246-5313-4237-B68C-24F6D44664D3}" srcId="{F6D7AA7E-37DD-4BDE-AE8A-5B0D78E2F471}" destId="{A1D25EF6-BAD8-4DF9-B246-A57669854B83}" srcOrd="2" destOrd="0" parTransId="{4DC6218E-9831-4288-B8AF-598F4074DD0B}" sibTransId="{65768B2E-F17E-4BDC-91AC-549B87D2414B}"/>
-    <dgm:cxn modelId="{37E68E7C-7251-497F-BA21-AAD84D779658}" type="presOf" srcId="{070C54DB-C352-426D-BD5F-F4AD21339F98}" destId="{66DD604B-73AF-4485-8DFC-9C21E959573B}" srcOrd="0" destOrd="0" presId="urn:microsoft.com/office/officeart/2005/8/layout/cycle2"/>
-    <dgm:cxn modelId="{BADD59E6-C66E-4A5F-A7D0-179D365B6F12}" srcId="{F6D7AA7E-37DD-4BDE-AE8A-5B0D78E2F471}" destId="{3EFEF7F6-42CC-4589-817B-32435235D19A}" srcOrd="5" destOrd="0" parTransId="{A4135986-8EEB-4366-915C-6A1EFD46A817}" sibTransId="{F9FA0B20-1F03-4092-8FDA-A08C1F472BC1}"/>
-    <dgm:cxn modelId="{B706C3B8-5999-46C0-B747-96BCA1C89915}" type="presOf" srcId="{4FC972BE-21EA-4E87-9D17-B82089DB6619}" destId="{E733B983-E3DD-49D5-BF0D-0C14CC0EDD31}" srcOrd="0" destOrd="0" presId="urn:microsoft.com/office/officeart/2005/8/layout/cycle2"/>
-    <dgm:cxn modelId="{047A3543-1535-481B-8951-7C6B2523F3E0}" srcId="{F6D7AA7E-37DD-4BDE-AE8A-5B0D78E2F471}" destId="{82544D88-BD0D-4709-A5B3-BAAAD55BA29E}" srcOrd="0" destOrd="0" parTransId="{DB5FA6F2-5756-43FD-A265-2B7F9A62D8C3}" sibTransId="{B3900F59-242B-43EA-89C1-69A92C5ABC8D}"/>
-    <dgm:cxn modelId="{00EAB3E7-DBE0-4D4B-AB1E-734CFAA68D3D}" type="presOf" srcId="{B3900F59-242B-43EA-89C1-69A92C5ABC8D}" destId="{9DC509D3-E856-4FBD-819B-BCFF4D24D467}" srcOrd="0" destOrd="0" presId="urn:microsoft.com/office/officeart/2005/8/layout/cycle2"/>
-    <dgm:cxn modelId="{A1FEA065-D05E-4225-A86D-74A12333BCD7}" type="presOf" srcId="{EA474292-EF76-4E49-9689-C3CBE5559D68}" destId="{E17CB246-EF6C-4708-ACC7-95ED2937F1A3}" srcOrd="0" destOrd="0" presId="urn:microsoft.com/office/officeart/2005/8/layout/cycle2"/>
-    <dgm:cxn modelId="{E415A836-F7D8-4C71-A5D6-5FCA7527F640}" type="presOf" srcId="{A1D25EF6-BAD8-4DF9-B246-A57669854B83}" destId="{9361F8C5-D2D9-4E7C-80CE-EE6714EA4B33}" srcOrd="0" destOrd="0" presId="urn:microsoft.com/office/officeart/2005/8/layout/cycle2"/>
-    <dgm:cxn modelId="{0CAAAA33-6A9E-4BC0-AEF4-29AEDE78A23D}" type="presOf" srcId="{65768B2E-F17E-4BDC-91AC-549B87D2414B}" destId="{D23D2CD3-6F32-4F3C-AABA-D16C228AFFC1}" srcOrd="0" destOrd="0" presId="urn:microsoft.com/office/officeart/2005/8/layout/cycle2"/>
-    <dgm:cxn modelId="{DAA42983-3726-4FF0-B886-2B38707D56F8}" type="presOf" srcId="{65768B2E-F17E-4BDC-91AC-549B87D2414B}" destId="{8DE7CDD6-7394-40DC-87C4-42AF635837C4}" srcOrd="1" destOrd="0" presId="urn:microsoft.com/office/officeart/2005/8/layout/cycle2"/>
-    <dgm:cxn modelId="{AF3D8FB9-D402-4E0E-8243-A447357CD83D}" type="presOf" srcId="{FF9FA91E-0BDF-473A-B988-DA4598FC42B9}" destId="{0638BF99-0853-4C7F-8AB5-CA33EFAB7C64}" srcOrd="1" destOrd="0" presId="urn:microsoft.com/office/officeart/2005/8/layout/cycle2"/>
-    <dgm:cxn modelId="{4D5228A3-7FBE-4FD1-AD7E-3309825BB1D2}" type="presOf" srcId="{255179C2-56F8-460A-88AB-0811F42ADC69}" destId="{1F4461EC-EDDF-42F9-9209-F7B10E960CCC}" srcOrd="0" destOrd="0" presId="urn:microsoft.com/office/officeart/2005/8/layout/cycle2"/>
-    <dgm:cxn modelId="{BE112D7B-D99E-41F3-9EF4-E6AF35939F59}" type="presOf" srcId="{F9FA0B20-1F03-4092-8FDA-A08C1F472BC1}" destId="{CCCDC119-36F8-43ED-867B-4E93B2BC311D}" srcOrd="0" destOrd="0" presId="urn:microsoft.com/office/officeart/2005/8/layout/cycle2"/>
-    <dgm:cxn modelId="{7DF88B98-6775-4A9B-A5F6-7362D104E75A}" srcId="{F6D7AA7E-37DD-4BDE-AE8A-5B0D78E2F471}" destId="{4D53547F-24AE-411D-9713-A59E5439CA2A}" srcOrd="3" destOrd="0" parTransId="{EECD460F-5733-4655-9682-29F978397053}" sibTransId="{255179C2-56F8-460A-88AB-0811F42ADC69}"/>
-    <dgm:cxn modelId="{93368547-634B-4E46-916D-5873AADFDA4C}" type="presOf" srcId="{B3900F59-242B-43EA-89C1-69A92C5ABC8D}" destId="{3D4239C2-77AD-45D7-986C-ED7A8AF82873}" srcOrd="1" destOrd="0" presId="urn:microsoft.com/office/officeart/2005/8/layout/cycle2"/>
-    <dgm:cxn modelId="{F90D10A4-5101-487A-ADDA-8A1A775E09FF}" srcId="{F6D7AA7E-37DD-4BDE-AE8A-5B0D78E2F471}" destId="{4FC972BE-21EA-4E87-9D17-B82089DB6619}" srcOrd="4" destOrd="0" parTransId="{B7F7B6FD-936A-41F8-B3D1-430724E5917A}" sibTransId="{EA474292-EF76-4E49-9689-C3CBE5559D68}"/>
     <dgm:cxn modelId="{3E0D8BFF-69E9-4631-86F9-05A1E2A29988}" type="presOf" srcId="{3EFEF7F6-42CC-4589-817B-32435235D19A}" destId="{A8CBEE61-1F20-4B3C-83E1-CCEC89EA0498}" srcOrd="0" destOrd="0" presId="urn:microsoft.com/office/officeart/2005/8/layout/cycle2"/>
-    <dgm:cxn modelId="{A01FDE6C-E2D9-4193-80B8-050AE5323220}" type="presOf" srcId="{FF9FA91E-0BDF-473A-B988-DA4598FC42B9}" destId="{98436BF7-369F-4F26-8AD6-3A6F787ECE1B}" srcOrd="0" destOrd="0" presId="urn:microsoft.com/office/officeart/2005/8/layout/cycle2"/>
     <dgm:cxn modelId="{D7CAC708-1DA0-4B6C-8CCD-86B48FBE7D09}" type="presParOf" srcId="{D671F792-2D6B-474F-9C3D-5E72C4442EFB}" destId="{CD2F84ED-A21B-438A-96FB-90F0584E4C02}" srcOrd="0" destOrd="0" presId="urn:microsoft.com/office/officeart/2005/8/layout/cycle2"/>
     <dgm:cxn modelId="{FF3A4A1B-00FD-42DE-90FD-344A16BB820B}" type="presParOf" srcId="{D671F792-2D6B-474F-9C3D-5E72C4442EFB}" destId="{9DC509D3-E856-4FBD-819B-BCFF4D24D467}" srcOrd="1" destOrd="0" presId="urn:microsoft.com/office/officeart/2005/8/layout/cycle2"/>
     <dgm:cxn modelId="{39062545-249B-47EC-9704-190E20595AD2}" type="presParOf" srcId="{9DC509D3-E856-4FBD-819B-BCFF4D24D467}" destId="{3D4239C2-77AD-45D7-986C-ED7A8AF82873}" srcOrd="0" destOrd="0" presId="urn:microsoft.com/office/officeart/2005/8/layout/cycle2"/>
@@ -11308,13 +10468,6 @@
         </dgm:presLayoutVars>
       </dgm:prSet>
       <dgm:spPr/>
-      <dgm:t>
-        <a:bodyPr/>
-        <a:lstStyle/>
-        <a:p>
-          <a:endParaRPr lang="en-US"/>
-        </a:p>
-      </dgm:t>
     </dgm:pt>
     <dgm:pt modelId="{CD2F84ED-A21B-438A-96FB-90F0584E4C02}" type="pres">
       <dgm:prSet presAssocID="{82544D88-BD0D-4709-A5B3-BAAAD55BA29E}" presName="node" presStyleLbl="node1" presStyleIdx="0" presStyleCnt="6">
@@ -11323,35 +10476,14 @@
         </dgm:presLayoutVars>
       </dgm:prSet>
       <dgm:spPr/>
-      <dgm:t>
-        <a:bodyPr/>
-        <a:lstStyle/>
-        <a:p>
-          <a:endParaRPr lang="en-US"/>
-        </a:p>
-      </dgm:t>
     </dgm:pt>
     <dgm:pt modelId="{9DC509D3-E856-4FBD-819B-BCFF4D24D467}" type="pres">
       <dgm:prSet presAssocID="{B3900F59-242B-43EA-89C1-69A92C5ABC8D}" presName="sibTrans" presStyleLbl="sibTrans2D1" presStyleIdx="0" presStyleCnt="6"/>
       <dgm:spPr/>
-      <dgm:t>
-        <a:bodyPr/>
-        <a:lstStyle/>
-        <a:p>
-          <a:endParaRPr lang="en-US"/>
-        </a:p>
-      </dgm:t>
     </dgm:pt>
     <dgm:pt modelId="{3D4239C2-77AD-45D7-986C-ED7A8AF82873}" type="pres">
       <dgm:prSet presAssocID="{B3900F59-242B-43EA-89C1-69A92C5ABC8D}" presName="connectorText" presStyleLbl="sibTrans2D1" presStyleIdx="0" presStyleCnt="6"/>
       <dgm:spPr/>
-      <dgm:t>
-        <a:bodyPr/>
-        <a:lstStyle/>
-        <a:p>
-          <a:endParaRPr lang="en-US"/>
-        </a:p>
-      </dgm:t>
     </dgm:pt>
     <dgm:pt modelId="{66DD604B-73AF-4485-8DFC-9C21E959573B}" type="pres">
       <dgm:prSet presAssocID="{070C54DB-C352-426D-BD5F-F4AD21339F98}" presName="node" presStyleLbl="node1" presStyleIdx="1" presStyleCnt="6">
@@ -11360,35 +10492,14 @@
         </dgm:presLayoutVars>
       </dgm:prSet>
       <dgm:spPr/>
-      <dgm:t>
-        <a:bodyPr/>
-        <a:lstStyle/>
-        <a:p>
-          <a:endParaRPr lang="en-US"/>
-        </a:p>
-      </dgm:t>
     </dgm:pt>
     <dgm:pt modelId="{98436BF7-369F-4F26-8AD6-3A6F787ECE1B}" type="pres">
       <dgm:prSet presAssocID="{FF9FA91E-0BDF-473A-B988-DA4598FC42B9}" presName="sibTrans" presStyleLbl="sibTrans2D1" presStyleIdx="1" presStyleCnt="6"/>
       <dgm:spPr/>
-      <dgm:t>
-        <a:bodyPr/>
-        <a:lstStyle/>
-        <a:p>
-          <a:endParaRPr lang="en-US"/>
-        </a:p>
-      </dgm:t>
     </dgm:pt>
     <dgm:pt modelId="{0638BF99-0853-4C7F-8AB5-CA33EFAB7C64}" type="pres">
       <dgm:prSet presAssocID="{FF9FA91E-0BDF-473A-B988-DA4598FC42B9}" presName="connectorText" presStyleLbl="sibTrans2D1" presStyleIdx="1" presStyleCnt="6"/>
       <dgm:spPr/>
-      <dgm:t>
-        <a:bodyPr/>
-        <a:lstStyle/>
-        <a:p>
-          <a:endParaRPr lang="en-US"/>
-        </a:p>
-      </dgm:t>
     </dgm:pt>
     <dgm:pt modelId="{9361F8C5-D2D9-4E7C-80CE-EE6714EA4B33}" type="pres">
       <dgm:prSet presAssocID="{A1D25EF6-BAD8-4DF9-B246-A57669854B83}" presName="node" presStyleLbl="node1" presStyleIdx="2" presStyleCnt="6">
@@ -11397,35 +10508,14 @@
         </dgm:presLayoutVars>
       </dgm:prSet>
       <dgm:spPr/>
-      <dgm:t>
-        <a:bodyPr/>
-        <a:lstStyle/>
-        <a:p>
-          <a:endParaRPr lang="en-US"/>
-        </a:p>
-      </dgm:t>
     </dgm:pt>
     <dgm:pt modelId="{D23D2CD3-6F32-4F3C-AABA-D16C228AFFC1}" type="pres">
       <dgm:prSet presAssocID="{65768B2E-F17E-4BDC-91AC-549B87D2414B}" presName="sibTrans" presStyleLbl="sibTrans2D1" presStyleIdx="2" presStyleCnt="6"/>
       <dgm:spPr/>
-      <dgm:t>
-        <a:bodyPr/>
-        <a:lstStyle/>
-        <a:p>
-          <a:endParaRPr lang="en-US"/>
-        </a:p>
-      </dgm:t>
     </dgm:pt>
     <dgm:pt modelId="{8DE7CDD6-7394-40DC-87C4-42AF635837C4}" type="pres">
       <dgm:prSet presAssocID="{65768B2E-F17E-4BDC-91AC-549B87D2414B}" presName="connectorText" presStyleLbl="sibTrans2D1" presStyleIdx="2" presStyleCnt="6"/>
       <dgm:spPr/>
-      <dgm:t>
-        <a:bodyPr/>
-        <a:lstStyle/>
-        <a:p>
-          <a:endParaRPr lang="en-US"/>
-        </a:p>
-      </dgm:t>
     </dgm:pt>
     <dgm:pt modelId="{B2163300-FC63-4086-98E6-D98B88B55EB2}" type="pres">
       <dgm:prSet presAssocID="{4D53547F-24AE-411D-9713-A59E5439CA2A}" presName="node" presStyleLbl="node1" presStyleIdx="3" presStyleCnt="6">
@@ -11434,35 +10524,14 @@
         </dgm:presLayoutVars>
       </dgm:prSet>
       <dgm:spPr/>
-      <dgm:t>
-        <a:bodyPr/>
-        <a:lstStyle/>
-        <a:p>
-          <a:endParaRPr lang="en-US"/>
-        </a:p>
-      </dgm:t>
     </dgm:pt>
     <dgm:pt modelId="{1F4461EC-EDDF-42F9-9209-F7B10E960CCC}" type="pres">
       <dgm:prSet presAssocID="{255179C2-56F8-460A-88AB-0811F42ADC69}" presName="sibTrans" presStyleLbl="sibTrans2D1" presStyleIdx="3" presStyleCnt="6"/>
       <dgm:spPr/>
-      <dgm:t>
-        <a:bodyPr/>
-        <a:lstStyle/>
-        <a:p>
-          <a:endParaRPr lang="en-US"/>
-        </a:p>
-      </dgm:t>
     </dgm:pt>
     <dgm:pt modelId="{57010D1F-0D38-47C4-9FC8-B94F107CCC9D}" type="pres">
       <dgm:prSet presAssocID="{255179C2-56F8-460A-88AB-0811F42ADC69}" presName="connectorText" presStyleLbl="sibTrans2D1" presStyleIdx="3" presStyleCnt="6"/>
       <dgm:spPr/>
-      <dgm:t>
-        <a:bodyPr/>
-        <a:lstStyle/>
-        <a:p>
-          <a:endParaRPr lang="en-US"/>
-        </a:p>
-      </dgm:t>
     </dgm:pt>
     <dgm:pt modelId="{E733B983-E3DD-49D5-BF0D-0C14CC0EDD31}" type="pres">
       <dgm:prSet presAssocID="{4FC972BE-21EA-4E87-9D17-B82089DB6619}" presName="node" presStyleLbl="node1" presStyleIdx="4" presStyleCnt="6">
@@ -11471,35 +10540,14 @@
         </dgm:presLayoutVars>
       </dgm:prSet>
       <dgm:spPr/>
-      <dgm:t>
-        <a:bodyPr/>
-        <a:lstStyle/>
-        <a:p>
-          <a:endParaRPr lang="en-US"/>
-        </a:p>
-      </dgm:t>
     </dgm:pt>
     <dgm:pt modelId="{E17CB246-EF6C-4708-ACC7-95ED2937F1A3}" type="pres">
       <dgm:prSet presAssocID="{EA474292-EF76-4E49-9689-C3CBE5559D68}" presName="sibTrans" presStyleLbl="sibTrans2D1" presStyleIdx="4" presStyleCnt="6"/>
       <dgm:spPr/>
-      <dgm:t>
-        <a:bodyPr/>
-        <a:lstStyle/>
-        <a:p>
-          <a:endParaRPr lang="en-US"/>
-        </a:p>
-      </dgm:t>
     </dgm:pt>
     <dgm:pt modelId="{8F2C67F0-48E9-4626-BAA8-34E683C40D3E}" type="pres">
       <dgm:prSet presAssocID="{EA474292-EF76-4E49-9689-C3CBE5559D68}" presName="connectorText" presStyleLbl="sibTrans2D1" presStyleIdx="4" presStyleCnt="6"/>
       <dgm:spPr/>
-      <dgm:t>
-        <a:bodyPr/>
-        <a:lstStyle/>
-        <a:p>
-          <a:endParaRPr lang="en-US"/>
-        </a:p>
-      </dgm:t>
     </dgm:pt>
     <dgm:pt modelId="{A8CBEE61-1F20-4B3C-83E1-CCEC89EA0498}" type="pres">
       <dgm:prSet presAssocID="{3EFEF7F6-42CC-4589-817B-32435235D19A}" presName="node" presStyleLbl="node1" presStyleIdx="5" presStyleCnt="6">
@@ -11508,63 +10556,42 @@
         </dgm:presLayoutVars>
       </dgm:prSet>
       <dgm:spPr/>
-      <dgm:t>
-        <a:bodyPr/>
-        <a:lstStyle/>
-        <a:p>
-          <a:endParaRPr lang="en-US"/>
-        </a:p>
-      </dgm:t>
     </dgm:pt>
     <dgm:pt modelId="{CCCDC119-36F8-43ED-867B-4E93B2BC311D}" type="pres">
       <dgm:prSet presAssocID="{F9FA0B20-1F03-4092-8FDA-A08C1F472BC1}" presName="sibTrans" presStyleLbl="sibTrans2D1" presStyleIdx="5" presStyleCnt="6"/>
       <dgm:spPr/>
-      <dgm:t>
-        <a:bodyPr/>
-        <a:lstStyle/>
-        <a:p>
-          <a:endParaRPr lang="en-US"/>
-        </a:p>
-      </dgm:t>
     </dgm:pt>
     <dgm:pt modelId="{F2F31493-ED57-403D-A755-AD4EC2E3ED11}" type="pres">
       <dgm:prSet presAssocID="{F9FA0B20-1F03-4092-8FDA-A08C1F472BC1}" presName="connectorText" presStyleLbl="sibTrans2D1" presStyleIdx="5" presStyleCnt="6"/>
       <dgm:spPr/>
-      <dgm:t>
-        <a:bodyPr/>
-        <a:lstStyle/>
-        <a:p>
-          <a:endParaRPr lang="en-US"/>
-        </a:p>
-      </dgm:t>
     </dgm:pt>
   </dgm:ptLst>
   <dgm:cxnLst>
+    <dgm:cxn modelId="{0CAAAA33-6A9E-4BC0-AEF4-29AEDE78A23D}" type="presOf" srcId="{65768B2E-F17E-4BDC-91AC-549B87D2414B}" destId="{D23D2CD3-6F32-4F3C-AABA-D16C228AFFC1}" srcOrd="0" destOrd="0" presId="urn:microsoft.com/office/officeart/2005/8/layout/cycle2"/>
+    <dgm:cxn modelId="{E415A836-F7D8-4C71-A5D6-5FCA7527F640}" type="presOf" srcId="{A1D25EF6-BAD8-4DF9-B246-A57669854B83}" destId="{9361F8C5-D2D9-4E7C-80CE-EE6714EA4B33}" srcOrd="0" destOrd="0" presId="urn:microsoft.com/office/officeart/2005/8/layout/cycle2"/>
+    <dgm:cxn modelId="{047A3543-1535-481B-8951-7C6B2523F3E0}" srcId="{F6D7AA7E-37DD-4BDE-AE8A-5B0D78E2F471}" destId="{82544D88-BD0D-4709-A5B3-BAAAD55BA29E}" srcOrd="0" destOrd="0" parTransId="{DB5FA6F2-5756-43FD-A265-2B7F9A62D8C3}" sibTransId="{B3900F59-242B-43EA-89C1-69A92C5ABC8D}"/>
+    <dgm:cxn modelId="{08918246-5313-4237-B68C-24F6D44664D3}" srcId="{F6D7AA7E-37DD-4BDE-AE8A-5B0D78E2F471}" destId="{A1D25EF6-BAD8-4DF9-B246-A57669854B83}" srcOrd="2" destOrd="0" parTransId="{4DC6218E-9831-4288-B8AF-598F4074DD0B}" sibTransId="{65768B2E-F17E-4BDC-91AC-549B87D2414B}"/>
+    <dgm:cxn modelId="{93368547-634B-4E46-916D-5873AADFDA4C}" type="presOf" srcId="{B3900F59-242B-43EA-89C1-69A92C5ABC8D}" destId="{3D4239C2-77AD-45D7-986C-ED7A8AF82873}" srcOrd="1" destOrd="0" presId="urn:microsoft.com/office/officeart/2005/8/layout/cycle2"/>
     <dgm:cxn modelId="{108AAF52-BABD-447C-8707-F688EDB2EC91}" type="presOf" srcId="{EA474292-EF76-4E49-9689-C3CBE5559D68}" destId="{8F2C67F0-48E9-4626-BAA8-34E683C40D3E}" srcOrd="1" destOrd="0" presId="urn:microsoft.com/office/officeart/2005/8/layout/cycle2"/>
+    <dgm:cxn modelId="{A1FEA065-D05E-4225-A86D-74A12333BCD7}" type="presOf" srcId="{EA474292-EF76-4E49-9689-C3CBE5559D68}" destId="{E17CB246-EF6C-4708-ACC7-95ED2937F1A3}" srcOrd="0" destOrd="0" presId="urn:microsoft.com/office/officeart/2005/8/layout/cycle2"/>
+    <dgm:cxn modelId="{9201C768-06C1-4086-B908-E68EE5957E43}" type="presOf" srcId="{4D53547F-24AE-411D-9713-A59E5439CA2A}" destId="{B2163300-FC63-4086-98E6-D98B88B55EB2}" srcOrd="0" destOrd="0" presId="urn:microsoft.com/office/officeart/2005/8/layout/cycle2"/>
+    <dgm:cxn modelId="{A01FDE6C-E2D9-4193-80B8-050AE5323220}" type="presOf" srcId="{FF9FA91E-0BDF-473A-B988-DA4598FC42B9}" destId="{98436BF7-369F-4F26-8AD6-3A6F787ECE1B}" srcOrd="0" destOrd="0" presId="urn:microsoft.com/office/officeart/2005/8/layout/cycle2"/>
+    <dgm:cxn modelId="{09D11376-F72C-472A-9966-E744E487BCFA}" type="presOf" srcId="{F6D7AA7E-37DD-4BDE-AE8A-5B0D78E2F471}" destId="{D671F792-2D6B-474F-9C3D-5E72C4442EFB}" srcOrd="0" destOrd="0" presId="urn:microsoft.com/office/officeart/2005/8/layout/cycle2"/>
+    <dgm:cxn modelId="{BE112D7B-D99E-41F3-9EF4-E6AF35939F59}" type="presOf" srcId="{F9FA0B20-1F03-4092-8FDA-A08C1F472BC1}" destId="{CCCDC119-36F8-43ED-867B-4E93B2BC311D}" srcOrd="0" destOrd="0" presId="urn:microsoft.com/office/officeart/2005/8/layout/cycle2"/>
+    <dgm:cxn modelId="{37E68E7C-7251-497F-BA21-AAD84D779658}" type="presOf" srcId="{070C54DB-C352-426D-BD5F-F4AD21339F98}" destId="{66DD604B-73AF-4485-8DFC-9C21E959573B}" srcOrd="0" destOrd="0" presId="urn:microsoft.com/office/officeart/2005/8/layout/cycle2"/>
+    <dgm:cxn modelId="{DAA42983-3726-4FF0-B886-2B38707D56F8}" type="presOf" srcId="{65768B2E-F17E-4BDC-91AC-549B87D2414B}" destId="{8DE7CDD6-7394-40DC-87C4-42AF635837C4}" srcOrd="1" destOrd="0" presId="urn:microsoft.com/office/officeart/2005/8/layout/cycle2"/>
+    <dgm:cxn modelId="{FF01B291-08C4-4167-990B-DB173D4D403B}" type="presOf" srcId="{82544D88-BD0D-4709-A5B3-BAAAD55BA29E}" destId="{CD2F84ED-A21B-438A-96FB-90F0584E4C02}" srcOrd="0" destOrd="0" presId="urn:microsoft.com/office/officeart/2005/8/layout/cycle2"/>
+    <dgm:cxn modelId="{7DF88B98-6775-4A9B-A5F6-7362D104E75A}" srcId="{F6D7AA7E-37DD-4BDE-AE8A-5B0D78E2F471}" destId="{4D53547F-24AE-411D-9713-A59E5439CA2A}" srcOrd="3" destOrd="0" parTransId="{EECD460F-5733-4655-9682-29F978397053}" sibTransId="{255179C2-56F8-460A-88AB-0811F42ADC69}"/>
+    <dgm:cxn modelId="{4D5228A3-7FBE-4FD1-AD7E-3309825BB1D2}" type="presOf" srcId="{255179C2-56F8-460A-88AB-0811F42ADC69}" destId="{1F4461EC-EDDF-42F9-9209-F7B10E960CCC}" srcOrd="0" destOrd="0" presId="urn:microsoft.com/office/officeart/2005/8/layout/cycle2"/>
+    <dgm:cxn modelId="{F90D10A4-5101-487A-ADDA-8A1A775E09FF}" srcId="{F6D7AA7E-37DD-4BDE-AE8A-5B0D78E2F471}" destId="{4FC972BE-21EA-4E87-9D17-B82089DB6619}" srcOrd="4" destOrd="0" parTransId="{B7F7B6FD-936A-41F8-B3D1-430724E5917A}" sibTransId="{EA474292-EF76-4E49-9689-C3CBE5559D68}"/>
     <dgm:cxn modelId="{D8252AB8-CD51-445A-85F5-45DED33F6193}" type="presOf" srcId="{F9FA0B20-1F03-4092-8FDA-A08C1F472BC1}" destId="{F2F31493-ED57-403D-A755-AD4EC2E3ED11}" srcOrd="1" destOrd="0" presId="urn:microsoft.com/office/officeart/2005/8/layout/cycle2"/>
-    <dgm:cxn modelId="{FF01B291-08C4-4167-990B-DB173D4D403B}" type="presOf" srcId="{82544D88-BD0D-4709-A5B3-BAAAD55BA29E}" destId="{CD2F84ED-A21B-438A-96FB-90F0584E4C02}" srcOrd="0" destOrd="0" presId="urn:microsoft.com/office/officeart/2005/8/layout/cycle2"/>
+    <dgm:cxn modelId="{B706C3B8-5999-46C0-B747-96BCA1C89915}" type="presOf" srcId="{4FC972BE-21EA-4E87-9D17-B82089DB6619}" destId="{E733B983-E3DD-49D5-BF0D-0C14CC0EDD31}" srcOrd="0" destOrd="0" presId="urn:microsoft.com/office/officeart/2005/8/layout/cycle2"/>
+    <dgm:cxn modelId="{AF3D8FB9-D402-4E0E-8243-A447357CD83D}" type="presOf" srcId="{FF9FA91E-0BDF-473A-B988-DA4598FC42B9}" destId="{0638BF99-0853-4C7F-8AB5-CA33EFAB7C64}" srcOrd="1" destOrd="0" presId="urn:microsoft.com/office/officeart/2005/8/layout/cycle2"/>
+    <dgm:cxn modelId="{C2C518D8-4C12-437D-8025-8157291AB4C5}" srcId="{F6D7AA7E-37DD-4BDE-AE8A-5B0D78E2F471}" destId="{070C54DB-C352-426D-BD5F-F4AD21339F98}" srcOrd="1" destOrd="0" parTransId="{2EE84A97-5201-42A8-9BBB-5B12F19A78D4}" sibTransId="{FF9FA91E-0BDF-473A-B988-DA4598FC42B9}"/>
+    <dgm:cxn modelId="{BADD59E6-C66E-4A5F-A7D0-179D365B6F12}" srcId="{F6D7AA7E-37DD-4BDE-AE8A-5B0D78E2F471}" destId="{3EFEF7F6-42CC-4589-817B-32435235D19A}" srcOrd="5" destOrd="0" parTransId="{A4135986-8EEB-4366-915C-6A1EFD46A817}" sibTransId="{F9FA0B20-1F03-4092-8FDA-A08C1F472BC1}"/>
+    <dgm:cxn modelId="{00EAB3E7-DBE0-4D4B-AB1E-734CFAA68D3D}" type="presOf" srcId="{B3900F59-242B-43EA-89C1-69A92C5ABC8D}" destId="{9DC509D3-E856-4FBD-819B-BCFF4D24D467}" srcOrd="0" destOrd="0" presId="urn:microsoft.com/office/officeart/2005/8/layout/cycle2"/>
     <dgm:cxn modelId="{973018EA-9729-449F-AAD8-4103665B6478}" type="presOf" srcId="{255179C2-56F8-460A-88AB-0811F42ADC69}" destId="{57010D1F-0D38-47C4-9FC8-B94F107CCC9D}" srcOrd="1" destOrd="0" presId="urn:microsoft.com/office/officeart/2005/8/layout/cycle2"/>
-    <dgm:cxn modelId="{9201C768-06C1-4086-B908-E68EE5957E43}" type="presOf" srcId="{4D53547F-24AE-411D-9713-A59E5439CA2A}" destId="{B2163300-FC63-4086-98E6-D98B88B55EB2}" srcOrd="0" destOrd="0" presId="urn:microsoft.com/office/officeart/2005/8/layout/cycle2"/>
-    <dgm:cxn modelId="{09D11376-F72C-472A-9966-E744E487BCFA}" type="presOf" srcId="{F6D7AA7E-37DD-4BDE-AE8A-5B0D78E2F471}" destId="{D671F792-2D6B-474F-9C3D-5E72C4442EFB}" srcOrd="0" destOrd="0" presId="urn:microsoft.com/office/officeart/2005/8/layout/cycle2"/>
-    <dgm:cxn modelId="{C2C518D8-4C12-437D-8025-8157291AB4C5}" srcId="{F6D7AA7E-37DD-4BDE-AE8A-5B0D78E2F471}" destId="{070C54DB-C352-426D-BD5F-F4AD21339F98}" srcOrd="1" destOrd="0" parTransId="{2EE84A97-5201-42A8-9BBB-5B12F19A78D4}" sibTransId="{FF9FA91E-0BDF-473A-B988-DA4598FC42B9}"/>
-    <dgm:cxn modelId="{08918246-5313-4237-B68C-24F6D44664D3}" srcId="{F6D7AA7E-37DD-4BDE-AE8A-5B0D78E2F471}" destId="{A1D25EF6-BAD8-4DF9-B246-A57669854B83}" srcOrd="2" destOrd="0" parTransId="{4DC6218E-9831-4288-B8AF-598F4074DD0B}" sibTransId="{65768B2E-F17E-4BDC-91AC-549B87D2414B}"/>
-    <dgm:cxn modelId="{37E68E7C-7251-497F-BA21-AAD84D779658}" type="presOf" srcId="{070C54DB-C352-426D-BD5F-F4AD21339F98}" destId="{66DD604B-73AF-4485-8DFC-9C21E959573B}" srcOrd="0" destOrd="0" presId="urn:microsoft.com/office/officeart/2005/8/layout/cycle2"/>
-    <dgm:cxn modelId="{BADD59E6-C66E-4A5F-A7D0-179D365B6F12}" srcId="{F6D7AA7E-37DD-4BDE-AE8A-5B0D78E2F471}" destId="{3EFEF7F6-42CC-4589-817B-32435235D19A}" srcOrd="5" destOrd="0" parTransId="{A4135986-8EEB-4366-915C-6A1EFD46A817}" sibTransId="{F9FA0B20-1F03-4092-8FDA-A08C1F472BC1}"/>
-    <dgm:cxn modelId="{B706C3B8-5999-46C0-B747-96BCA1C89915}" type="presOf" srcId="{4FC972BE-21EA-4E87-9D17-B82089DB6619}" destId="{E733B983-E3DD-49D5-BF0D-0C14CC0EDD31}" srcOrd="0" destOrd="0" presId="urn:microsoft.com/office/officeart/2005/8/layout/cycle2"/>
-    <dgm:cxn modelId="{047A3543-1535-481B-8951-7C6B2523F3E0}" srcId="{F6D7AA7E-37DD-4BDE-AE8A-5B0D78E2F471}" destId="{82544D88-BD0D-4709-A5B3-BAAAD55BA29E}" srcOrd="0" destOrd="0" parTransId="{DB5FA6F2-5756-43FD-A265-2B7F9A62D8C3}" sibTransId="{B3900F59-242B-43EA-89C1-69A92C5ABC8D}"/>
-    <dgm:cxn modelId="{00EAB3E7-DBE0-4D4B-AB1E-734CFAA68D3D}" type="presOf" srcId="{B3900F59-242B-43EA-89C1-69A92C5ABC8D}" destId="{9DC509D3-E856-4FBD-819B-BCFF4D24D467}" srcOrd="0" destOrd="0" presId="urn:microsoft.com/office/officeart/2005/8/layout/cycle2"/>
-    <dgm:cxn modelId="{A1FEA065-D05E-4225-A86D-74A12333BCD7}" type="presOf" srcId="{EA474292-EF76-4E49-9689-C3CBE5559D68}" destId="{E17CB246-EF6C-4708-ACC7-95ED2937F1A3}" srcOrd="0" destOrd="0" presId="urn:microsoft.com/office/officeart/2005/8/layout/cycle2"/>
-    <dgm:cxn modelId="{E415A836-F7D8-4C71-A5D6-5FCA7527F640}" type="presOf" srcId="{A1D25EF6-BAD8-4DF9-B246-A57669854B83}" destId="{9361F8C5-D2D9-4E7C-80CE-EE6714EA4B33}" srcOrd="0" destOrd="0" presId="urn:microsoft.com/office/officeart/2005/8/layout/cycle2"/>
-    <dgm:cxn modelId="{0CAAAA33-6A9E-4BC0-AEF4-29AEDE78A23D}" type="presOf" srcId="{65768B2E-F17E-4BDC-91AC-549B87D2414B}" destId="{D23D2CD3-6F32-4F3C-AABA-D16C228AFFC1}" srcOrd="0" destOrd="0" presId="urn:microsoft.com/office/officeart/2005/8/layout/cycle2"/>
-    <dgm:cxn modelId="{DAA42983-3726-4FF0-B886-2B38707D56F8}" type="presOf" srcId="{65768B2E-F17E-4BDC-91AC-549B87D2414B}" destId="{8DE7CDD6-7394-40DC-87C4-42AF635837C4}" srcOrd="1" destOrd="0" presId="urn:microsoft.com/office/officeart/2005/8/layout/cycle2"/>
-    <dgm:cxn modelId="{AF3D8FB9-D402-4E0E-8243-A447357CD83D}" type="presOf" srcId="{FF9FA91E-0BDF-473A-B988-DA4598FC42B9}" destId="{0638BF99-0853-4C7F-8AB5-CA33EFAB7C64}" srcOrd="1" destOrd="0" presId="urn:microsoft.com/office/officeart/2005/8/layout/cycle2"/>
-    <dgm:cxn modelId="{4D5228A3-7FBE-4FD1-AD7E-3309825BB1D2}" type="presOf" srcId="{255179C2-56F8-460A-88AB-0811F42ADC69}" destId="{1F4461EC-EDDF-42F9-9209-F7B10E960CCC}" srcOrd="0" destOrd="0" presId="urn:microsoft.com/office/officeart/2005/8/layout/cycle2"/>
-    <dgm:cxn modelId="{BE112D7B-D99E-41F3-9EF4-E6AF35939F59}" type="presOf" srcId="{F9FA0B20-1F03-4092-8FDA-A08C1F472BC1}" destId="{CCCDC119-36F8-43ED-867B-4E93B2BC311D}" srcOrd="0" destOrd="0" presId="urn:microsoft.com/office/officeart/2005/8/layout/cycle2"/>
-    <dgm:cxn modelId="{7DF88B98-6775-4A9B-A5F6-7362D104E75A}" srcId="{F6D7AA7E-37DD-4BDE-AE8A-5B0D78E2F471}" destId="{4D53547F-24AE-411D-9713-A59E5439CA2A}" srcOrd="3" destOrd="0" parTransId="{EECD460F-5733-4655-9682-29F978397053}" sibTransId="{255179C2-56F8-460A-88AB-0811F42ADC69}"/>
-    <dgm:cxn modelId="{93368547-634B-4E46-916D-5873AADFDA4C}" type="presOf" srcId="{B3900F59-242B-43EA-89C1-69A92C5ABC8D}" destId="{3D4239C2-77AD-45D7-986C-ED7A8AF82873}" srcOrd="1" destOrd="0" presId="urn:microsoft.com/office/officeart/2005/8/layout/cycle2"/>
-    <dgm:cxn modelId="{F90D10A4-5101-487A-ADDA-8A1A775E09FF}" srcId="{F6D7AA7E-37DD-4BDE-AE8A-5B0D78E2F471}" destId="{4FC972BE-21EA-4E87-9D17-B82089DB6619}" srcOrd="4" destOrd="0" parTransId="{B7F7B6FD-936A-41F8-B3D1-430724E5917A}" sibTransId="{EA474292-EF76-4E49-9689-C3CBE5559D68}"/>
     <dgm:cxn modelId="{3E0D8BFF-69E9-4631-86F9-05A1E2A29988}" type="presOf" srcId="{3EFEF7F6-42CC-4589-817B-32435235D19A}" destId="{A8CBEE61-1F20-4B3C-83E1-CCEC89EA0498}" srcOrd="0" destOrd="0" presId="urn:microsoft.com/office/officeart/2005/8/layout/cycle2"/>
-    <dgm:cxn modelId="{A01FDE6C-E2D9-4193-80B8-050AE5323220}" type="presOf" srcId="{FF9FA91E-0BDF-473A-B988-DA4598FC42B9}" destId="{98436BF7-369F-4F26-8AD6-3A6F787ECE1B}" srcOrd="0" destOrd="0" presId="urn:microsoft.com/office/officeart/2005/8/layout/cycle2"/>
     <dgm:cxn modelId="{D7CAC708-1DA0-4B6C-8CCD-86B48FBE7D09}" type="presParOf" srcId="{D671F792-2D6B-474F-9C3D-5E72C4442EFB}" destId="{CD2F84ED-A21B-438A-96FB-90F0584E4C02}" srcOrd="0" destOrd="0" presId="urn:microsoft.com/office/officeart/2005/8/layout/cycle2"/>
     <dgm:cxn modelId="{FF3A4A1B-00FD-42DE-90FD-344A16BB820B}" type="presParOf" srcId="{D671F792-2D6B-474F-9C3D-5E72C4442EFB}" destId="{9DC509D3-E856-4FBD-819B-BCFF4D24D467}" srcOrd="1" destOrd="0" presId="urn:microsoft.com/office/officeart/2005/8/layout/cycle2"/>
     <dgm:cxn modelId="{39062545-249B-47EC-9704-190E20595AD2}" type="presParOf" srcId="{9DC509D3-E856-4FBD-819B-BCFF4D24D467}" destId="{3D4239C2-77AD-45D7-986C-ED7A8AF82873}" srcOrd="0" destOrd="0" presId="urn:microsoft.com/office/officeart/2005/8/layout/cycle2"/>
@@ -11679,7 +10706,7 @@
         </a:bodyPr>
         <a:lstStyle/>
         <a:p>
-          <a:pPr lvl="0" algn="ctr" defTabSz="933450">
+          <a:pPr marL="0" lvl="0" indent="0" algn="ctr" defTabSz="933450">
             <a:lnSpc>
               <a:spcPct val="90000"/>
             </a:lnSpc>
@@ -11689,6 +10716,7 @@
             <a:spcAft>
               <a:spcPct val="35000"/>
             </a:spcAft>
+            <a:buNone/>
           </a:pPr>
           <a:r>
             <a:rPr lang="he-IL" sz="2100" kern="1200" dirty="0"/>
@@ -11782,7 +10810,7 @@
         </a:bodyPr>
         <a:lstStyle/>
         <a:p>
-          <a:pPr lvl="0" algn="ctr" defTabSz="755650">
+          <a:pPr marL="0" lvl="0" indent="0" algn="ctr" defTabSz="755650">
             <a:lnSpc>
               <a:spcPct val="90000"/>
             </a:lnSpc>
@@ -11792,6 +10820,7 @@
             <a:spcAft>
               <a:spcPct val="35000"/>
             </a:spcAft>
+            <a:buNone/>
           </a:pPr>
           <a:endParaRPr lang="en-US" sz="1700" kern="1200"/>
         </a:p>
@@ -11858,7 +10887,7 @@
         </a:bodyPr>
         <a:lstStyle/>
         <a:p>
-          <a:pPr lvl="0" algn="ctr" defTabSz="933450">
+          <a:pPr marL="0" lvl="0" indent="0" algn="ctr" defTabSz="933450">
             <a:lnSpc>
               <a:spcPct val="90000"/>
             </a:lnSpc>
@@ -11868,6 +10897,7 @@
             <a:spcAft>
               <a:spcPct val="35000"/>
             </a:spcAft>
+            <a:buNone/>
           </a:pPr>
           <a:r>
             <a:rPr lang="he-IL" sz="2100" kern="1200" dirty="0"/>
@@ -11961,7 +10991,7 @@
         </a:bodyPr>
         <a:lstStyle/>
         <a:p>
-          <a:pPr lvl="0" algn="ctr" defTabSz="755650">
+          <a:pPr marL="0" lvl="0" indent="0" algn="ctr" defTabSz="755650">
             <a:lnSpc>
               <a:spcPct val="90000"/>
             </a:lnSpc>
@@ -11971,6 +11001,7 @@
             <a:spcAft>
               <a:spcPct val="35000"/>
             </a:spcAft>
+            <a:buNone/>
           </a:pPr>
           <a:endParaRPr lang="en-US" sz="1700" kern="1200"/>
         </a:p>
@@ -12057,7 +11088,7 @@
         </a:bodyPr>
         <a:lstStyle/>
         <a:p>
-          <a:pPr lvl="0" algn="ctr" defTabSz="933450">
+          <a:pPr marL="0" lvl="0" indent="0" algn="ctr" defTabSz="933450">
             <a:lnSpc>
               <a:spcPct val="90000"/>
             </a:lnSpc>
@@ -12067,6 +11098,7 @@
             <a:spcAft>
               <a:spcPct val="35000"/>
             </a:spcAft>
+            <a:buNone/>
           </a:pPr>
           <a:r>
             <a:rPr lang="he-IL" sz="2100" kern="1200" dirty="0"/>
@@ -12160,7 +11192,7 @@
         </a:bodyPr>
         <a:lstStyle/>
         <a:p>
-          <a:pPr lvl="0" algn="ctr" defTabSz="755650">
+          <a:pPr marL="0" lvl="0" indent="0" algn="ctr" defTabSz="755650">
             <a:lnSpc>
               <a:spcPct val="90000"/>
             </a:lnSpc>
@@ -12170,6 +11202,7 @@
             <a:spcAft>
               <a:spcPct val="35000"/>
             </a:spcAft>
+            <a:buNone/>
           </a:pPr>
           <a:endParaRPr lang="en-US" sz="1700" kern="1200"/>
         </a:p>
@@ -12256,7 +11289,7 @@
         </a:bodyPr>
         <a:lstStyle/>
         <a:p>
-          <a:pPr lvl="0" algn="ctr" defTabSz="933450">
+          <a:pPr marL="0" lvl="0" indent="0" algn="ctr" defTabSz="933450">
             <a:lnSpc>
               <a:spcPct val="90000"/>
             </a:lnSpc>
@@ -12266,6 +11299,7 @@
             <a:spcAft>
               <a:spcPct val="35000"/>
             </a:spcAft>
+            <a:buNone/>
           </a:pPr>
           <a:r>
             <a:rPr lang="he-IL" sz="2100" kern="1200" dirty="0"/>
@@ -12359,7 +11393,7 @@
         </a:bodyPr>
         <a:lstStyle/>
         <a:p>
-          <a:pPr lvl="0" algn="ctr" defTabSz="755650">
+          <a:pPr marL="0" lvl="0" indent="0" algn="ctr" defTabSz="755650">
             <a:lnSpc>
               <a:spcPct val="90000"/>
             </a:lnSpc>
@@ -12369,6 +11403,7 @@
             <a:spcAft>
               <a:spcPct val="35000"/>
             </a:spcAft>
+            <a:buNone/>
           </a:pPr>
           <a:endParaRPr lang="en-US" sz="1700" kern="1200"/>
         </a:p>
@@ -12455,7 +11490,7 @@
         </a:bodyPr>
         <a:lstStyle/>
         <a:p>
-          <a:pPr lvl="0" algn="ctr" defTabSz="933450">
+          <a:pPr marL="0" lvl="0" indent="0" algn="ctr" defTabSz="933450">
             <a:lnSpc>
               <a:spcPct val="90000"/>
             </a:lnSpc>
@@ -12465,6 +11500,7 @@
             <a:spcAft>
               <a:spcPct val="35000"/>
             </a:spcAft>
+            <a:buNone/>
           </a:pPr>
           <a:r>
             <a:rPr lang="he-IL" sz="2100" kern="1200" dirty="0"/>
@@ -12558,7 +11594,7 @@
         </a:bodyPr>
         <a:lstStyle/>
         <a:p>
-          <a:pPr lvl="0" algn="ctr" defTabSz="755650">
+          <a:pPr marL="0" lvl="0" indent="0" algn="ctr" defTabSz="755650">
             <a:lnSpc>
               <a:spcPct val="90000"/>
             </a:lnSpc>
@@ -12568,6 +11604,7 @@
             <a:spcAft>
               <a:spcPct val="35000"/>
             </a:spcAft>
+            <a:buNone/>
           </a:pPr>
           <a:endParaRPr lang="en-US" sz="1700" kern="1200"/>
         </a:p>
@@ -12654,7 +11691,7 @@
         </a:bodyPr>
         <a:lstStyle/>
         <a:p>
-          <a:pPr lvl="0" algn="ctr" defTabSz="933450">
+          <a:pPr marL="0" lvl="0" indent="0" algn="ctr" defTabSz="933450">
             <a:lnSpc>
               <a:spcPct val="90000"/>
             </a:lnSpc>
@@ -12664,6 +11701,7 @@
             <a:spcAft>
               <a:spcPct val="35000"/>
             </a:spcAft>
+            <a:buNone/>
           </a:pPr>
           <a:r>
             <a:rPr lang="he-IL" sz="2100" kern="1200" dirty="0"/>
@@ -12757,7 +11795,7 @@
         </a:bodyPr>
         <a:lstStyle/>
         <a:p>
-          <a:pPr lvl="0" algn="ctr" defTabSz="755650">
+          <a:pPr marL="0" lvl="0" indent="0" algn="ctr" defTabSz="755650">
             <a:lnSpc>
               <a:spcPct val="90000"/>
             </a:lnSpc>
@@ -12767,6 +11805,7 @@
             <a:spcAft>
               <a:spcPct val="35000"/>
             </a:spcAft>
+            <a:buNone/>
           </a:pPr>
           <a:endParaRPr lang="en-US" sz="1700" kern="1200"/>
         </a:p>
@@ -12882,7 +11921,7 @@
         </a:bodyPr>
         <a:lstStyle/>
         <a:p>
-          <a:pPr lvl="0" algn="ctr" defTabSz="1555750">
+          <a:pPr marL="0" lvl="0" indent="0" algn="ctr" defTabSz="1555750">
             <a:lnSpc>
               <a:spcPct val="90000"/>
             </a:lnSpc>
@@ -12892,6 +11931,7 @@
             <a:spcAft>
               <a:spcPct val="35000"/>
             </a:spcAft>
+            <a:buNone/>
           </a:pPr>
           <a:r>
             <a:rPr lang="he-IL" sz="3500" kern="1200" dirty="0"/>
@@ -12959,7 +11999,7 @@
         </a:bodyPr>
         <a:lstStyle/>
         <a:p>
-          <a:pPr lvl="0" algn="ctr" defTabSz="1555750">
+          <a:pPr marL="0" lvl="0" indent="0" algn="ctr" defTabSz="1555750">
             <a:lnSpc>
               <a:spcPct val="90000"/>
             </a:lnSpc>
@@ -12969,6 +12009,7 @@
             <a:spcAft>
               <a:spcPct val="35000"/>
             </a:spcAft>
+            <a:buNone/>
           </a:pPr>
           <a:r>
             <a:rPr lang="he-IL" sz="3500" kern="1200" dirty="0"/>
@@ -13036,7 +12077,7 @@
         </a:bodyPr>
         <a:lstStyle/>
         <a:p>
-          <a:pPr lvl="0" algn="ctr" defTabSz="1555750">
+          <a:pPr marL="0" lvl="0" indent="0" algn="ctr" defTabSz="1555750">
             <a:lnSpc>
               <a:spcPct val="90000"/>
             </a:lnSpc>
@@ -13046,13 +12087,14 @@
             <a:spcAft>
               <a:spcPct val="35000"/>
             </a:spcAft>
+            <a:buNone/>
           </a:pPr>
           <a:r>
             <a:rPr lang="he-IL" sz="3500" kern="1200" dirty="0"/>
             <a:t>פיתוח </a:t>
           </a:r>
           <a:r>
-            <a:rPr lang="he-IL" sz="3500" kern="1200" dirty="0" err="1" smtClean="0"/>
+            <a:rPr lang="he-IL" sz="3500" kern="1200" dirty="0" err="1"/>
             <a:t>בתעשיה</a:t>
           </a:r>
           <a:endParaRPr lang="en-US" sz="3500" kern="1200" dirty="0"/>
@@ -13152,7 +12194,7 @@
         </a:bodyPr>
         <a:lstStyle/>
         <a:p>
-          <a:pPr lvl="0" algn="ctr" defTabSz="266700">
+          <a:pPr marL="0" lvl="0" indent="0" algn="ctr" defTabSz="266700">
             <a:lnSpc>
               <a:spcPct val="90000"/>
             </a:lnSpc>
@@ -13162,6 +12204,7 @@
             <a:spcAft>
               <a:spcPct val="35000"/>
             </a:spcAft>
+            <a:buNone/>
           </a:pPr>
           <a:r>
             <a:rPr lang="he-IL" sz="600" kern="1200" dirty="0"/>
@@ -13255,7 +12298,7 @@
         </a:bodyPr>
         <a:lstStyle/>
         <a:p>
-          <a:pPr lvl="0" algn="ctr" defTabSz="222250">
+          <a:pPr marL="0" lvl="0" indent="0" algn="ctr" defTabSz="222250">
             <a:lnSpc>
               <a:spcPct val="90000"/>
             </a:lnSpc>
@@ -13265,6 +12308,7 @@
             <a:spcAft>
               <a:spcPct val="35000"/>
             </a:spcAft>
+            <a:buNone/>
           </a:pPr>
           <a:endParaRPr lang="en-US" sz="500" kern="1200"/>
         </a:p>
@@ -13351,7 +12395,7 @@
         </a:bodyPr>
         <a:lstStyle/>
         <a:p>
-          <a:pPr lvl="0" algn="ctr" defTabSz="266700">
+          <a:pPr marL="0" lvl="0" indent="0" algn="ctr" defTabSz="266700">
             <a:lnSpc>
               <a:spcPct val="90000"/>
             </a:lnSpc>
@@ -13361,6 +12405,7 @@
             <a:spcAft>
               <a:spcPct val="35000"/>
             </a:spcAft>
+            <a:buNone/>
           </a:pPr>
           <a:r>
             <a:rPr lang="he-IL" sz="600" kern="1200" dirty="0"/>
@@ -13454,7 +12499,7 @@
         </a:bodyPr>
         <a:lstStyle/>
         <a:p>
-          <a:pPr lvl="0" algn="ctr" defTabSz="222250">
+          <a:pPr marL="0" lvl="0" indent="0" algn="ctr" defTabSz="222250">
             <a:lnSpc>
               <a:spcPct val="90000"/>
             </a:lnSpc>
@@ -13464,6 +12509,7 @@
             <a:spcAft>
               <a:spcPct val="35000"/>
             </a:spcAft>
+            <a:buNone/>
           </a:pPr>
           <a:endParaRPr lang="en-US" sz="500" kern="1200"/>
         </a:p>
@@ -13550,7 +12596,7 @@
         </a:bodyPr>
         <a:lstStyle/>
         <a:p>
-          <a:pPr lvl="0" algn="ctr" defTabSz="266700">
+          <a:pPr marL="0" lvl="0" indent="0" algn="ctr" defTabSz="266700">
             <a:lnSpc>
               <a:spcPct val="90000"/>
             </a:lnSpc>
@@ -13560,6 +12606,7 @@
             <a:spcAft>
               <a:spcPct val="35000"/>
             </a:spcAft>
+            <a:buNone/>
           </a:pPr>
           <a:r>
             <a:rPr lang="he-IL" sz="600" kern="1200" dirty="0"/>
@@ -13653,7 +12700,7 @@
         </a:bodyPr>
         <a:lstStyle/>
         <a:p>
-          <a:pPr lvl="0" algn="ctr" defTabSz="222250">
+          <a:pPr marL="0" lvl="0" indent="0" algn="ctr" defTabSz="222250">
             <a:lnSpc>
               <a:spcPct val="90000"/>
             </a:lnSpc>
@@ -13663,6 +12710,7 @@
             <a:spcAft>
               <a:spcPct val="35000"/>
             </a:spcAft>
+            <a:buNone/>
           </a:pPr>
           <a:endParaRPr lang="en-US" sz="500" kern="1200"/>
         </a:p>
@@ -13749,7 +12797,7 @@
         </a:bodyPr>
         <a:lstStyle/>
         <a:p>
-          <a:pPr lvl="0" algn="ctr" defTabSz="266700">
+          <a:pPr marL="0" lvl="0" indent="0" algn="ctr" defTabSz="266700">
             <a:lnSpc>
               <a:spcPct val="90000"/>
             </a:lnSpc>
@@ -13759,6 +12807,7 @@
             <a:spcAft>
               <a:spcPct val="35000"/>
             </a:spcAft>
+            <a:buNone/>
           </a:pPr>
           <a:r>
             <a:rPr lang="he-IL" sz="600" kern="1200" dirty="0"/>
@@ -13852,7 +12901,7 @@
         </a:bodyPr>
         <a:lstStyle/>
         <a:p>
-          <a:pPr lvl="0" algn="ctr" defTabSz="222250">
+          <a:pPr marL="0" lvl="0" indent="0" algn="ctr" defTabSz="222250">
             <a:lnSpc>
               <a:spcPct val="90000"/>
             </a:lnSpc>
@@ -13862,6 +12911,7 @@
             <a:spcAft>
               <a:spcPct val="35000"/>
             </a:spcAft>
+            <a:buNone/>
           </a:pPr>
           <a:endParaRPr lang="en-US" sz="500" kern="1200"/>
         </a:p>
@@ -13948,7 +12998,7 @@
         </a:bodyPr>
         <a:lstStyle/>
         <a:p>
-          <a:pPr lvl="0" algn="ctr" defTabSz="266700">
+          <a:pPr marL="0" lvl="0" indent="0" algn="ctr" defTabSz="266700">
             <a:lnSpc>
               <a:spcPct val="90000"/>
             </a:lnSpc>
@@ -13958,6 +13008,7 @@
             <a:spcAft>
               <a:spcPct val="35000"/>
             </a:spcAft>
+            <a:buNone/>
           </a:pPr>
           <a:r>
             <a:rPr lang="he-IL" sz="600" kern="1200" dirty="0"/>
@@ -14051,7 +13102,7 @@
         </a:bodyPr>
         <a:lstStyle/>
         <a:p>
-          <a:pPr lvl="0" algn="ctr" defTabSz="222250">
+          <a:pPr marL="0" lvl="0" indent="0" algn="ctr" defTabSz="222250">
             <a:lnSpc>
               <a:spcPct val="90000"/>
             </a:lnSpc>
@@ -14061,6 +13112,7 @@
             <a:spcAft>
               <a:spcPct val="35000"/>
             </a:spcAft>
+            <a:buNone/>
           </a:pPr>
           <a:endParaRPr lang="en-US" sz="500" kern="1200"/>
         </a:p>
@@ -14147,7 +13199,7 @@
         </a:bodyPr>
         <a:lstStyle/>
         <a:p>
-          <a:pPr lvl="0" algn="ctr" defTabSz="266700">
+          <a:pPr marL="0" lvl="0" indent="0" algn="ctr" defTabSz="266700">
             <a:lnSpc>
               <a:spcPct val="90000"/>
             </a:lnSpc>
@@ -14157,6 +13209,7 @@
             <a:spcAft>
               <a:spcPct val="35000"/>
             </a:spcAft>
+            <a:buNone/>
           </a:pPr>
           <a:r>
             <a:rPr lang="he-IL" sz="600" kern="1200" dirty="0"/>
@@ -14250,7 +13303,7 @@
         </a:bodyPr>
         <a:lstStyle/>
         <a:p>
-          <a:pPr lvl="0" algn="ctr" defTabSz="222250">
+          <a:pPr marL="0" lvl="0" indent="0" algn="ctr" defTabSz="222250">
             <a:lnSpc>
               <a:spcPct val="90000"/>
             </a:lnSpc>
@@ -14260,6 +13313,7 @@
             <a:spcAft>
               <a:spcPct val="35000"/>
             </a:spcAft>
+            <a:buNone/>
           </a:pPr>
           <a:endParaRPr lang="en-US" sz="500" kern="1200"/>
         </a:p>
@@ -14358,7 +13412,7 @@
         </a:bodyPr>
         <a:lstStyle/>
         <a:p>
-          <a:pPr lvl="0" algn="ctr" defTabSz="266700">
+          <a:pPr marL="0" lvl="0" indent="0" algn="ctr" defTabSz="266700">
             <a:lnSpc>
               <a:spcPct val="90000"/>
             </a:lnSpc>
@@ -14368,6 +13422,7 @@
             <a:spcAft>
               <a:spcPct val="35000"/>
             </a:spcAft>
+            <a:buNone/>
           </a:pPr>
           <a:r>
             <a:rPr lang="he-IL" sz="600" kern="1200" dirty="0"/>
@@ -14461,7 +13516,7 @@
         </a:bodyPr>
         <a:lstStyle/>
         <a:p>
-          <a:pPr lvl="0" algn="ctr" defTabSz="222250">
+          <a:pPr marL="0" lvl="0" indent="0" algn="ctr" defTabSz="222250">
             <a:lnSpc>
               <a:spcPct val="90000"/>
             </a:lnSpc>
@@ -14471,6 +13526,7 @@
             <a:spcAft>
               <a:spcPct val="35000"/>
             </a:spcAft>
+            <a:buNone/>
           </a:pPr>
           <a:endParaRPr lang="en-US" sz="500" kern="1200"/>
         </a:p>
@@ -14557,7 +13613,7 @@
         </a:bodyPr>
         <a:lstStyle/>
         <a:p>
-          <a:pPr lvl="0" algn="ctr" defTabSz="266700">
+          <a:pPr marL="0" lvl="0" indent="0" algn="ctr" defTabSz="266700">
             <a:lnSpc>
               <a:spcPct val="90000"/>
             </a:lnSpc>
@@ -14567,6 +13623,7 @@
             <a:spcAft>
               <a:spcPct val="35000"/>
             </a:spcAft>
+            <a:buNone/>
           </a:pPr>
           <a:r>
             <a:rPr lang="he-IL" sz="600" kern="1200" dirty="0"/>
@@ -14660,7 +13717,7 @@
         </a:bodyPr>
         <a:lstStyle/>
         <a:p>
-          <a:pPr lvl="0" algn="ctr" defTabSz="222250">
+          <a:pPr marL="0" lvl="0" indent="0" algn="ctr" defTabSz="222250">
             <a:lnSpc>
               <a:spcPct val="90000"/>
             </a:lnSpc>
@@ -14670,6 +13727,7 @@
             <a:spcAft>
               <a:spcPct val="35000"/>
             </a:spcAft>
+            <a:buNone/>
           </a:pPr>
           <a:endParaRPr lang="en-US" sz="500" kern="1200"/>
         </a:p>
@@ -14756,7 +13814,7 @@
         </a:bodyPr>
         <a:lstStyle/>
         <a:p>
-          <a:pPr lvl="0" algn="ctr" defTabSz="266700">
+          <a:pPr marL="0" lvl="0" indent="0" algn="ctr" defTabSz="266700">
             <a:lnSpc>
               <a:spcPct val="90000"/>
             </a:lnSpc>
@@ -14766,6 +13824,7 @@
             <a:spcAft>
               <a:spcPct val="35000"/>
             </a:spcAft>
+            <a:buNone/>
           </a:pPr>
           <a:r>
             <a:rPr lang="he-IL" sz="600" kern="1200" dirty="0"/>
@@ -14859,7 +13918,7 @@
         </a:bodyPr>
         <a:lstStyle/>
         <a:p>
-          <a:pPr lvl="0" algn="ctr" defTabSz="222250">
+          <a:pPr marL="0" lvl="0" indent="0" algn="ctr" defTabSz="222250">
             <a:lnSpc>
               <a:spcPct val="90000"/>
             </a:lnSpc>
@@ -14869,6 +13928,7 @@
             <a:spcAft>
               <a:spcPct val="35000"/>
             </a:spcAft>
+            <a:buNone/>
           </a:pPr>
           <a:endParaRPr lang="en-US" sz="500" kern="1200"/>
         </a:p>
@@ -14955,7 +14015,7 @@
         </a:bodyPr>
         <a:lstStyle/>
         <a:p>
-          <a:pPr lvl="0" algn="ctr" defTabSz="266700">
+          <a:pPr marL="0" lvl="0" indent="0" algn="ctr" defTabSz="266700">
             <a:lnSpc>
               <a:spcPct val="90000"/>
             </a:lnSpc>
@@ -14965,6 +14025,7 @@
             <a:spcAft>
               <a:spcPct val="35000"/>
             </a:spcAft>
+            <a:buNone/>
           </a:pPr>
           <a:r>
             <a:rPr lang="he-IL" sz="600" kern="1200" dirty="0"/>
@@ -15058,7 +14119,7 @@
         </a:bodyPr>
         <a:lstStyle/>
         <a:p>
-          <a:pPr lvl="0" algn="ctr" defTabSz="222250">
+          <a:pPr marL="0" lvl="0" indent="0" algn="ctr" defTabSz="222250">
             <a:lnSpc>
               <a:spcPct val="90000"/>
             </a:lnSpc>
@@ -15068,6 +14129,7 @@
             <a:spcAft>
               <a:spcPct val="35000"/>
             </a:spcAft>
+            <a:buNone/>
           </a:pPr>
           <a:endParaRPr lang="en-US" sz="500" kern="1200"/>
         </a:p>
@@ -15154,7 +14216,7 @@
         </a:bodyPr>
         <a:lstStyle/>
         <a:p>
-          <a:pPr lvl="0" algn="ctr" defTabSz="266700">
+          <a:pPr marL="0" lvl="0" indent="0" algn="ctr" defTabSz="266700">
             <a:lnSpc>
               <a:spcPct val="90000"/>
             </a:lnSpc>
@@ -15164,6 +14226,7 @@
             <a:spcAft>
               <a:spcPct val="35000"/>
             </a:spcAft>
+            <a:buNone/>
           </a:pPr>
           <a:r>
             <a:rPr lang="he-IL" sz="600" kern="1200" dirty="0"/>
@@ -15257,7 +14320,7 @@
         </a:bodyPr>
         <a:lstStyle/>
         <a:p>
-          <a:pPr lvl="0" algn="ctr" defTabSz="222250">
+          <a:pPr marL="0" lvl="0" indent="0" algn="ctr" defTabSz="222250">
             <a:lnSpc>
               <a:spcPct val="90000"/>
             </a:lnSpc>
@@ -15267,6 +14330,7 @@
             <a:spcAft>
               <a:spcPct val="35000"/>
             </a:spcAft>
+            <a:buNone/>
           </a:pPr>
           <a:endParaRPr lang="en-US" sz="500" kern="1200"/>
         </a:p>
@@ -15353,7 +14417,7 @@
         </a:bodyPr>
         <a:lstStyle/>
         <a:p>
-          <a:pPr lvl="0" algn="ctr" defTabSz="266700">
+          <a:pPr marL="0" lvl="0" indent="0" algn="ctr" defTabSz="266700">
             <a:lnSpc>
               <a:spcPct val="90000"/>
             </a:lnSpc>
@@ -15363,6 +14427,7 @@
             <a:spcAft>
               <a:spcPct val="35000"/>
             </a:spcAft>
+            <a:buNone/>
           </a:pPr>
           <a:r>
             <a:rPr lang="he-IL" sz="600" kern="1200" dirty="0"/>
@@ -15456,7 +14521,7 @@
         </a:bodyPr>
         <a:lstStyle/>
         <a:p>
-          <a:pPr lvl="0" algn="ctr" defTabSz="222250">
+          <a:pPr marL="0" lvl="0" indent="0" algn="ctr" defTabSz="222250">
             <a:lnSpc>
               <a:spcPct val="90000"/>
             </a:lnSpc>
@@ -15466,6 +14531,7 @@
             <a:spcAft>
               <a:spcPct val="35000"/>
             </a:spcAft>
+            <a:buNone/>
           </a:pPr>
           <a:endParaRPr lang="en-US" sz="500" kern="1200"/>
         </a:p>
@@ -15564,7 +14630,7 @@
         </a:bodyPr>
         <a:lstStyle/>
         <a:p>
-          <a:pPr lvl="0" algn="ctr" defTabSz="266700">
+          <a:pPr marL="0" lvl="0" indent="0" algn="ctr" defTabSz="266700">
             <a:lnSpc>
               <a:spcPct val="90000"/>
             </a:lnSpc>
@@ -15574,6 +14640,7 @@
             <a:spcAft>
               <a:spcPct val="35000"/>
             </a:spcAft>
+            <a:buNone/>
           </a:pPr>
           <a:r>
             <a:rPr lang="he-IL" sz="600" kern="1200" dirty="0"/>
@@ -15667,7 +14734,7 @@
         </a:bodyPr>
         <a:lstStyle/>
         <a:p>
-          <a:pPr lvl="0" algn="ctr" defTabSz="222250">
+          <a:pPr marL="0" lvl="0" indent="0" algn="ctr" defTabSz="222250">
             <a:lnSpc>
               <a:spcPct val="90000"/>
             </a:lnSpc>
@@ -15677,6 +14744,7 @@
             <a:spcAft>
               <a:spcPct val="35000"/>
             </a:spcAft>
+            <a:buNone/>
           </a:pPr>
           <a:endParaRPr lang="en-US" sz="500" kern="1200"/>
         </a:p>
@@ -15763,7 +14831,7 @@
         </a:bodyPr>
         <a:lstStyle/>
         <a:p>
-          <a:pPr lvl="0" algn="ctr" defTabSz="266700">
+          <a:pPr marL="0" lvl="0" indent="0" algn="ctr" defTabSz="266700">
             <a:lnSpc>
               <a:spcPct val="90000"/>
             </a:lnSpc>
@@ -15773,6 +14841,7 @@
             <a:spcAft>
               <a:spcPct val="35000"/>
             </a:spcAft>
+            <a:buNone/>
           </a:pPr>
           <a:r>
             <a:rPr lang="he-IL" sz="600" kern="1200" dirty="0"/>
@@ -15866,7 +14935,7 @@
         </a:bodyPr>
         <a:lstStyle/>
         <a:p>
-          <a:pPr lvl="0" algn="ctr" defTabSz="222250">
+          <a:pPr marL="0" lvl="0" indent="0" algn="ctr" defTabSz="222250">
             <a:lnSpc>
               <a:spcPct val="90000"/>
             </a:lnSpc>
@@ -15876,6 +14945,7 @@
             <a:spcAft>
               <a:spcPct val="35000"/>
             </a:spcAft>
+            <a:buNone/>
           </a:pPr>
           <a:endParaRPr lang="en-US" sz="500" kern="1200"/>
         </a:p>
@@ -15962,7 +15032,7 @@
         </a:bodyPr>
         <a:lstStyle/>
         <a:p>
-          <a:pPr lvl="0" algn="ctr" defTabSz="266700">
+          <a:pPr marL="0" lvl="0" indent="0" algn="ctr" defTabSz="266700">
             <a:lnSpc>
               <a:spcPct val="90000"/>
             </a:lnSpc>
@@ -15972,6 +15042,7 @@
             <a:spcAft>
               <a:spcPct val="35000"/>
             </a:spcAft>
+            <a:buNone/>
           </a:pPr>
           <a:r>
             <a:rPr lang="he-IL" sz="600" kern="1200" dirty="0"/>
@@ -16065,7 +15136,7 @@
         </a:bodyPr>
         <a:lstStyle/>
         <a:p>
-          <a:pPr lvl="0" algn="ctr" defTabSz="222250">
+          <a:pPr marL="0" lvl="0" indent="0" algn="ctr" defTabSz="222250">
             <a:lnSpc>
               <a:spcPct val="90000"/>
             </a:lnSpc>
@@ -16075,6 +15146,7 @@
             <a:spcAft>
               <a:spcPct val="35000"/>
             </a:spcAft>
+            <a:buNone/>
           </a:pPr>
           <a:endParaRPr lang="en-US" sz="500" kern="1200"/>
         </a:p>
@@ -16161,7 +15233,7 @@
         </a:bodyPr>
         <a:lstStyle/>
         <a:p>
-          <a:pPr lvl="0" algn="ctr" defTabSz="266700">
+          <a:pPr marL="0" lvl="0" indent="0" algn="ctr" defTabSz="266700">
             <a:lnSpc>
               <a:spcPct val="90000"/>
             </a:lnSpc>
@@ -16171,6 +15243,7 @@
             <a:spcAft>
               <a:spcPct val="35000"/>
             </a:spcAft>
+            <a:buNone/>
           </a:pPr>
           <a:r>
             <a:rPr lang="he-IL" sz="600" kern="1200" dirty="0"/>
@@ -16264,7 +15337,7 @@
         </a:bodyPr>
         <a:lstStyle/>
         <a:p>
-          <a:pPr lvl="0" algn="ctr" defTabSz="222250">
+          <a:pPr marL="0" lvl="0" indent="0" algn="ctr" defTabSz="222250">
             <a:lnSpc>
               <a:spcPct val="90000"/>
             </a:lnSpc>
@@ -16274,6 +15347,7 @@
             <a:spcAft>
               <a:spcPct val="35000"/>
             </a:spcAft>
+            <a:buNone/>
           </a:pPr>
           <a:endParaRPr lang="en-US" sz="500" kern="1200"/>
         </a:p>
@@ -16360,7 +15434,7 @@
         </a:bodyPr>
         <a:lstStyle/>
         <a:p>
-          <a:pPr lvl="0" algn="ctr" defTabSz="266700">
+          <a:pPr marL="0" lvl="0" indent="0" algn="ctr" defTabSz="266700">
             <a:lnSpc>
               <a:spcPct val="90000"/>
             </a:lnSpc>
@@ -16370,6 +15444,7 @@
             <a:spcAft>
               <a:spcPct val="35000"/>
             </a:spcAft>
+            <a:buNone/>
           </a:pPr>
           <a:r>
             <a:rPr lang="he-IL" sz="600" kern="1200" dirty="0"/>
@@ -16463,7 +15538,7 @@
         </a:bodyPr>
         <a:lstStyle/>
         <a:p>
-          <a:pPr lvl="0" algn="ctr" defTabSz="222250">
+          <a:pPr marL="0" lvl="0" indent="0" algn="ctr" defTabSz="222250">
             <a:lnSpc>
               <a:spcPct val="90000"/>
             </a:lnSpc>
@@ -16473,6 +15548,7 @@
             <a:spcAft>
               <a:spcPct val="35000"/>
             </a:spcAft>
+            <a:buNone/>
           </a:pPr>
           <a:endParaRPr lang="en-US" sz="500" kern="1200"/>
         </a:p>
@@ -16559,7 +15635,7 @@
         </a:bodyPr>
         <a:lstStyle/>
         <a:p>
-          <a:pPr lvl="0" algn="ctr" defTabSz="266700">
+          <a:pPr marL="0" lvl="0" indent="0" algn="ctr" defTabSz="266700">
             <a:lnSpc>
               <a:spcPct val="90000"/>
             </a:lnSpc>
@@ -16569,6 +15645,7 @@
             <a:spcAft>
               <a:spcPct val="35000"/>
             </a:spcAft>
+            <a:buNone/>
           </a:pPr>
           <a:r>
             <a:rPr lang="he-IL" sz="600" kern="1200" dirty="0"/>
@@ -16662,7 +15739,7 @@
         </a:bodyPr>
         <a:lstStyle/>
         <a:p>
-          <a:pPr lvl="0" algn="ctr" defTabSz="222250">
+          <a:pPr marL="0" lvl="0" indent="0" algn="ctr" defTabSz="222250">
             <a:lnSpc>
               <a:spcPct val="90000"/>
             </a:lnSpc>
@@ -16672,6 +15749,7 @@
             <a:spcAft>
               <a:spcPct val="35000"/>
             </a:spcAft>
+            <a:buNone/>
           </a:pPr>
           <a:endParaRPr lang="en-US" sz="500" kern="1200"/>
         </a:p>
@@ -16787,7 +15865,7 @@
         </a:bodyPr>
         <a:lstStyle/>
         <a:p>
-          <a:pPr lvl="0" algn="ctr" defTabSz="1200150">
+          <a:pPr marL="0" lvl="0" indent="0" algn="ctr" defTabSz="1200150">
             <a:lnSpc>
               <a:spcPct val="90000"/>
             </a:lnSpc>
@@ -16797,6 +15875,7 @@
             <a:spcAft>
               <a:spcPct val="35000"/>
             </a:spcAft>
+            <a:buNone/>
           </a:pPr>
           <a:r>
             <a:rPr lang="he-IL" sz="2700" kern="1200" dirty="0"/>
@@ -16864,7 +15943,7 @@
         </a:bodyPr>
         <a:lstStyle/>
         <a:p>
-          <a:pPr lvl="0" algn="ctr" defTabSz="1200150">
+          <a:pPr marL="0" lvl="0" indent="0" algn="ctr" defTabSz="1200150">
             <a:lnSpc>
               <a:spcPct val="90000"/>
             </a:lnSpc>
@@ -16874,6 +15953,7 @@
             <a:spcAft>
               <a:spcPct val="35000"/>
             </a:spcAft>
+            <a:buNone/>
           </a:pPr>
           <a:r>
             <a:rPr lang="he-IL" sz="2700" kern="1200" dirty="0"/>
@@ -16941,7 +16021,7 @@
         </a:bodyPr>
         <a:lstStyle/>
         <a:p>
-          <a:pPr lvl="0" algn="ctr" defTabSz="1200150">
+          <a:pPr marL="0" lvl="0" indent="0" algn="ctr" defTabSz="1200150">
             <a:lnSpc>
               <a:spcPct val="90000"/>
             </a:lnSpc>
@@ -16951,6 +16031,7 @@
             <a:spcAft>
               <a:spcPct val="35000"/>
             </a:spcAft>
+            <a:buNone/>
           </a:pPr>
           <a:r>
             <a:rPr lang="he-IL" sz="2700" kern="1200" dirty="0"/>
@@ -17061,7 +16142,7 @@
         </a:bodyPr>
         <a:lstStyle/>
         <a:p>
-          <a:pPr lvl="0" algn="ctr" defTabSz="266700">
+          <a:pPr marL="0" lvl="0" indent="0" algn="ctr" defTabSz="266700">
             <a:lnSpc>
               <a:spcPct val="90000"/>
             </a:lnSpc>
@@ -17071,6 +16152,7 @@
             <a:spcAft>
               <a:spcPct val="35000"/>
             </a:spcAft>
+            <a:buNone/>
           </a:pPr>
           <a:r>
             <a:rPr lang="he-IL" sz="600" kern="1200" dirty="0"/>
@@ -17164,7 +16246,7 @@
         </a:bodyPr>
         <a:lstStyle/>
         <a:p>
-          <a:pPr lvl="0" algn="ctr" defTabSz="222250">
+          <a:pPr marL="0" lvl="0" indent="0" algn="ctr" defTabSz="222250">
             <a:lnSpc>
               <a:spcPct val="90000"/>
             </a:lnSpc>
@@ -17174,6 +16256,7 @@
             <a:spcAft>
               <a:spcPct val="35000"/>
             </a:spcAft>
+            <a:buNone/>
           </a:pPr>
           <a:endParaRPr lang="en-US" sz="500" kern="1200"/>
         </a:p>
@@ -17260,7 +16343,7 @@
         </a:bodyPr>
         <a:lstStyle/>
         <a:p>
-          <a:pPr lvl="0" algn="ctr" defTabSz="266700">
+          <a:pPr marL="0" lvl="0" indent="0" algn="ctr" defTabSz="266700">
             <a:lnSpc>
               <a:spcPct val="90000"/>
             </a:lnSpc>
@@ -17270,6 +16353,7 @@
             <a:spcAft>
               <a:spcPct val="35000"/>
             </a:spcAft>
+            <a:buNone/>
           </a:pPr>
           <a:r>
             <a:rPr lang="he-IL" sz="600" kern="1200" dirty="0"/>
@@ -17363,7 +16447,7 @@
         </a:bodyPr>
         <a:lstStyle/>
         <a:p>
-          <a:pPr lvl="0" algn="ctr" defTabSz="222250">
+          <a:pPr marL="0" lvl="0" indent="0" algn="ctr" defTabSz="222250">
             <a:lnSpc>
               <a:spcPct val="90000"/>
             </a:lnSpc>
@@ -17373,6 +16457,7 @@
             <a:spcAft>
               <a:spcPct val="35000"/>
             </a:spcAft>
+            <a:buNone/>
           </a:pPr>
           <a:endParaRPr lang="en-US" sz="500" kern="1200"/>
         </a:p>
@@ -17459,7 +16544,7 @@
         </a:bodyPr>
         <a:lstStyle/>
         <a:p>
-          <a:pPr lvl="0" algn="ctr" defTabSz="266700">
+          <a:pPr marL="0" lvl="0" indent="0" algn="ctr" defTabSz="266700">
             <a:lnSpc>
               <a:spcPct val="90000"/>
             </a:lnSpc>
@@ -17469,6 +16554,7 @@
             <a:spcAft>
               <a:spcPct val="35000"/>
             </a:spcAft>
+            <a:buNone/>
           </a:pPr>
           <a:r>
             <a:rPr lang="he-IL" sz="600" kern="1200" dirty="0"/>
@@ -17562,7 +16648,7 @@
         </a:bodyPr>
         <a:lstStyle/>
         <a:p>
-          <a:pPr lvl="0" algn="ctr" defTabSz="222250">
+          <a:pPr marL="0" lvl="0" indent="0" algn="ctr" defTabSz="222250">
             <a:lnSpc>
               <a:spcPct val="90000"/>
             </a:lnSpc>
@@ -17572,6 +16658,7 @@
             <a:spcAft>
               <a:spcPct val="35000"/>
             </a:spcAft>
+            <a:buNone/>
           </a:pPr>
           <a:endParaRPr lang="en-US" sz="500" kern="1200"/>
         </a:p>
@@ -17658,7 +16745,7 @@
         </a:bodyPr>
         <a:lstStyle/>
         <a:p>
-          <a:pPr lvl="0" algn="ctr" defTabSz="266700">
+          <a:pPr marL="0" lvl="0" indent="0" algn="ctr" defTabSz="266700">
             <a:lnSpc>
               <a:spcPct val="90000"/>
             </a:lnSpc>
@@ -17668,6 +16755,7 @@
             <a:spcAft>
               <a:spcPct val="35000"/>
             </a:spcAft>
+            <a:buNone/>
           </a:pPr>
           <a:r>
             <a:rPr lang="he-IL" sz="600" kern="1200" dirty="0"/>
@@ -17761,7 +16849,7 @@
         </a:bodyPr>
         <a:lstStyle/>
         <a:p>
-          <a:pPr lvl="0" algn="ctr" defTabSz="222250">
+          <a:pPr marL="0" lvl="0" indent="0" algn="ctr" defTabSz="222250">
             <a:lnSpc>
               <a:spcPct val="90000"/>
             </a:lnSpc>
@@ -17771,6 +16859,7 @@
             <a:spcAft>
               <a:spcPct val="35000"/>
             </a:spcAft>
+            <a:buNone/>
           </a:pPr>
           <a:endParaRPr lang="en-US" sz="500" kern="1200"/>
         </a:p>
@@ -17857,7 +16946,7 @@
         </a:bodyPr>
         <a:lstStyle/>
         <a:p>
-          <a:pPr lvl="0" algn="ctr" defTabSz="266700">
+          <a:pPr marL="0" lvl="0" indent="0" algn="ctr" defTabSz="266700">
             <a:lnSpc>
               <a:spcPct val="90000"/>
             </a:lnSpc>
@@ -17867,6 +16956,7 @@
             <a:spcAft>
               <a:spcPct val="35000"/>
             </a:spcAft>
+            <a:buNone/>
           </a:pPr>
           <a:r>
             <a:rPr lang="he-IL" sz="600" kern="1200" dirty="0"/>
@@ -17960,7 +17050,7 @@
         </a:bodyPr>
         <a:lstStyle/>
         <a:p>
-          <a:pPr lvl="0" algn="ctr" defTabSz="222250">
+          <a:pPr marL="0" lvl="0" indent="0" algn="ctr" defTabSz="222250">
             <a:lnSpc>
               <a:spcPct val="90000"/>
             </a:lnSpc>
@@ -17970,6 +17060,7 @@
             <a:spcAft>
               <a:spcPct val="35000"/>
             </a:spcAft>
+            <a:buNone/>
           </a:pPr>
           <a:endParaRPr lang="en-US" sz="500" kern="1200"/>
         </a:p>
@@ -18056,7 +17147,7 @@
         </a:bodyPr>
         <a:lstStyle/>
         <a:p>
-          <a:pPr lvl="0" algn="ctr" defTabSz="266700">
+          <a:pPr marL="0" lvl="0" indent="0" algn="ctr" defTabSz="266700">
             <a:lnSpc>
               <a:spcPct val="90000"/>
             </a:lnSpc>
@@ -18066,6 +17157,7 @@
             <a:spcAft>
               <a:spcPct val="35000"/>
             </a:spcAft>
+            <a:buNone/>
           </a:pPr>
           <a:r>
             <a:rPr lang="he-IL" sz="600" kern="1200" dirty="0"/>
@@ -18159,7 +17251,7 @@
         </a:bodyPr>
         <a:lstStyle/>
         <a:p>
-          <a:pPr lvl="0" algn="ctr" defTabSz="222250">
+          <a:pPr marL="0" lvl="0" indent="0" algn="ctr" defTabSz="222250">
             <a:lnSpc>
               <a:spcPct val="90000"/>
             </a:lnSpc>
@@ -18169,6 +17261,7 @@
             <a:spcAft>
               <a:spcPct val="35000"/>
             </a:spcAft>
+            <a:buNone/>
           </a:pPr>
           <a:endParaRPr lang="en-US" sz="500" kern="1200"/>
         </a:p>
@@ -18267,7 +17360,7 @@
         </a:bodyPr>
         <a:lstStyle/>
         <a:p>
-          <a:pPr lvl="0" algn="ctr" defTabSz="266700">
+          <a:pPr marL="0" lvl="0" indent="0" algn="ctr" defTabSz="266700">
             <a:lnSpc>
               <a:spcPct val="90000"/>
             </a:lnSpc>
@@ -18277,6 +17370,7 @@
             <a:spcAft>
               <a:spcPct val="35000"/>
             </a:spcAft>
+            <a:buNone/>
           </a:pPr>
           <a:r>
             <a:rPr lang="he-IL" sz="600" kern="1200" dirty="0"/>
@@ -18370,7 +17464,7 @@
         </a:bodyPr>
         <a:lstStyle/>
         <a:p>
-          <a:pPr lvl="0" algn="ctr" defTabSz="222250">
+          <a:pPr marL="0" lvl="0" indent="0" algn="ctr" defTabSz="222250">
             <a:lnSpc>
               <a:spcPct val="90000"/>
             </a:lnSpc>
@@ -18380,6 +17474,7 @@
             <a:spcAft>
               <a:spcPct val="35000"/>
             </a:spcAft>
+            <a:buNone/>
           </a:pPr>
           <a:endParaRPr lang="en-US" sz="500" kern="1200"/>
         </a:p>
@@ -18466,7 +17561,7 @@
         </a:bodyPr>
         <a:lstStyle/>
         <a:p>
-          <a:pPr lvl="0" algn="ctr" defTabSz="266700">
+          <a:pPr marL="0" lvl="0" indent="0" algn="ctr" defTabSz="266700">
             <a:lnSpc>
               <a:spcPct val="90000"/>
             </a:lnSpc>
@@ -18476,6 +17571,7 @@
             <a:spcAft>
               <a:spcPct val="35000"/>
             </a:spcAft>
+            <a:buNone/>
           </a:pPr>
           <a:r>
             <a:rPr lang="he-IL" sz="600" kern="1200" dirty="0"/>
@@ -18569,7 +17665,7 @@
         </a:bodyPr>
         <a:lstStyle/>
         <a:p>
-          <a:pPr lvl="0" algn="ctr" defTabSz="222250">
+          <a:pPr marL="0" lvl="0" indent="0" algn="ctr" defTabSz="222250">
             <a:lnSpc>
               <a:spcPct val="90000"/>
             </a:lnSpc>
@@ -18579,6 +17675,7 @@
             <a:spcAft>
               <a:spcPct val="35000"/>
             </a:spcAft>
+            <a:buNone/>
           </a:pPr>
           <a:endParaRPr lang="en-US" sz="500" kern="1200"/>
         </a:p>
@@ -18665,7 +17762,7 @@
         </a:bodyPr>
         <a:lstStyle/>
         <a:p>
-          <a:pPr lvl="0" algn="ctr" defTabSz="266700">
+          <a:pPr marL="0" lvl="0" indent="0" algn="ctr" defTabSz="266700">
             <a:lnSpc>
               <a:spcPct val="90000"/>
             </a:lnSpc>
@@ -18675,6 +17772,7 @@
             <a:spcAft>
               <a:spcPct val="35000"/>
             </a:spcAft>
+            <a:buNone/>
           </a:pPr>
           <a:r>
             <a:rPr lang="he-IL" sz="600" kern="1200" dirty="0"/>
@@ -18768,7 +17866,7 @@
         </a:bodyPr>
         <a:lstStyle/>
         <a:p>
-          <a:pPr lvl="0" algn="ctr" defTabSz="222250">
+          <a:pPr marL="0" lvl="0" indent="0" algn="ctr" defTabSz="222250">
             <a:lnSpc>
               <a:spcPct val="90000"/>
             </a:lnSpc>
@@ -18778,6 +17876,7 @@
             <a:spcAft>
               <a:spcPct val="35000"/>
             </a:spcAft>
+            <a:buNone/>
           </a:pPr>
           <a:endParaRPr lang="en-US" sz="500" kern="1200"/>
         </a:p>
@@ -18864,7 +17963,7 @@
         </a:bodyPr>
         <a:lstStyle/>
         <a:p>
-          <a:pPr lvl="0" algn="ctr" defTabSz="266700">
+          <a:pPr marL="0" lvl="0" indent="0" algn="ctr" defTabSz="266700">
             <a:lnSpc>
               <a:spcPct val="90000"/>
             </a:lnSpc>
@@ -18874,6 +17973,7 @@
             <a:spcAft>
               <a:spcPct val="35000"/>
             </a:spcAft>
+            <a:buNone/>
           </a:pPr>
           <a:r>
             <a:rPr lang="he-IL" sz="600" kern="1200" dirty="0"/>
@@ -18967,7 +18067,7 @@
         </a:bodyPr>
         <a:lstStyle/>
         <a:p>
-          <a:pPr lvl="0" algn="ctr" defTabSz="222250">
+          <a:pPr marL="0" lvl="0" indent="0" algn="ctr" defTabSz="222250">
             <a:lnSpc>
               <a:spcPct val="90000"/>
             </a:lnSpc>
@@ -18977,6 +18077,7 @@
             <a:spcAft>
               <a:spcPct val="35000"/>
             </a:spcAft>
+            <a:buNone/>
           </a:pPr>
           <a:endParaRPr lang="en-US" sz="500" kern="1200"/>
         </a:p>
@@ -19063,7 +18164,7 @@
         </a:bodyPr>
         <a:lstStyle/>
         <a:p>
-          <a:pPr lvl="0" algn="ctr" defTabSz="266700">
+          <a:pPr marL="0" lvl="0" indent="0" algn="ctr" defTabSz="266700">
             <a:lnSpc>
               <a:spcPct val="90000"/>
             </a:lnSpc>
@@ -19073,6 +18174,7 @@
             <a:spcAft>
               <a:spcPct val="35000"/>
             </a:spcAft>
+            <a:buNone/>
           </a:pPr>
           <a:r>
             <a:rPr lang="he-IL" sz="600" kern="1200" dirty="0"/>
@@ -19166,7 +18268,7 @@
         </a:bodyPr>
         <a:lstStyle/>
         <a:p>
-          <a:pPr lvl="0" algn="ctr" defTabSz="222250">
+          <a:pPr marL="0" lvl="0" indent="0" algn="ctr" defTabSz="222250">
             <a:lnSpc>
               <a:spcPct val="90000"/>
             </a:lnSpc>
@@ -19176,6 +18278,7 @@
             <a:spcAft>
               <a:spcPct val="35000"/>
             </a:spcAft>
+            <a:buNone/>
           </a:pPr>
           <a:endParaRPr lang="en-US" sz="500" kern="1200"/>
         </a:p>
@@ -19262,7 +18365,7 @@
         </a:bodyPr>
         <a:lstStyle/>
         <a:p>
-          <a:pPr lvl="0" algn="ctr" defTabSz="266700">
+          <a:pPr marL="0" lvl="0" indent="0" algn="ctr" defTabSz="266700">
             <a:lnSpc>
               <a:spcPct val="90000"/>
             </a:lnSpc>
@@ -19272,6 +18375,7 @@
             <a:spcAft>
               <a:spcPct val="35000"/>
             </a:spcAft>
+            <a:buNone/>
           </a:pPr>
           <a:r>
             <a:rPr lang="he-IL" sz="600" kern="1200" dirty="0"/>
@@ -19365,7 +18469,7 @@
         </a:bodyPr>
         <a:lstStyle/>
         <a:p>
-          <a:pPr lvl="0" algn="ctr" defTabSz="222250">
+          <a:pPr marL="0" lvl="0" indent="0" algn="ctr" defTabSz="222250">
             <a:lnSpc>
               <a:spcPct val="90000"/>
             </a:lnSpc>
@@ -19375,6 +18479,7 @@
             <a:spcAft>
               <a:spcPct val="35000"/>
             </a:spcAft>
+            <a:buNone/>
           </a:pPr>
           <a:endParaRPr lang="en-US" sz="500" kern="1200"/>
         </a:p>
@@ -19473,7 +18578,7 @@
         </a:bodyPr>
         <a:lstStyle/>
         <a:p>
-          <a:pPr lvl="0" algn="ctr" defTabSz="266700">
+          <a:pPr marL="0" lvl="0" indent="0" algn="ctr" defTabSz="266700">
             <a:lnSpc>
               <a:spcPct val="90000"/>
             </a:lnSpc>
@@ -19483,6 +18588,7 @@
             <a:spcAft>
               <a:spcPct val="35000"/>
             </a:spcAft>
+            <a:buNone/>
           </a:pPr>
           <a:r>
             <a:rPr lang="he-IL" sz="600" kern="1200" dirty="0"/>
@@ -19576,7 +18682,7 @@
         </a:bodyPr>
         <a:lstStyle/>
         <a:p>
-          <a:pPr lvl="0" algn="ctr" defTabSz="222250">
+          <a:pPr marL="0" lvl="0" indent="0" algn="ctr" defTabSz="222250">
             <a:lnSpc>
               <a:spcPct val="90000"/>
             </a:lnSpc>
@@ -19586,6 +18692,7 @@
             <a:spcAft>
               <a:spcPct val="35000"/>
             </a:spcAft>
+            <a:buNone/>
           </a:pPr>
           <a:endParaRPr lang="en-US" sz="500" kern="1200"/>
         </a:p>
@@ -19672,7 +18779,7 @@
         </a:bodyPr>
         <a:lstStyle/>
         <a:p>
-          <a:pPr lvl="0" algn="ctr" defTabSz="266700">
+          <a:pPr marL="0" lvl="0" indent="0" algn="ctr" defTabSz="266700">
             <a:lnSpc>
               <a:spcPct val="90000"/>
             </a:lnSpc>
@@ -19682,6 +18789,7 @@
             <a:spcAft>
               <a:spcPct val="35000"/>
             </a:spcAft>
+            <a:buNone/>
           </a:pPr>
           <a:r>
             <a:rPr lang="he-IL" sz="600" kern="1200" dirty="0"/>
@@ -19775,7 +18883,7 @@
         </a:bodyPr>
         <a:lstStyle/>
         <a:p>
-          <a:pPr lvl="0" algn="ctr" defTabSz="222250">
+          <a:pPr marL="0" lvl="0" indent="0" algn="ctr" defTabSz="222250">
             <a:lnSpc>
               <a:spcPct val="90000"/>
             </a:lnSpc>
@@ -19785,6 +18893,7 @@
             <a:spcAft>
               <a:spcPct val="35000"/>
             </a:spcAft>
+            <a:buNone/>
           </a:pPr>
           <a:endParaRPr lang="en-US" sz="500" kern="1200"/>
         </a:p>
@@ -19871,7 +18980,7 @@
         </a:bodyPr>
         <a:lstStyle/>
         <a:p>
-          <a:pPr lvl="0" algn="ctr" defTabSz="266700">
+          <a:pPr marL="0" lvl="0" indent="0" algn="ctr" defTabSz="266700">
             <a:lnSpc>
               <a:spcPct val="90000"/>
             </a:lnSpc>
@@ -19881,6 +18990,7 @@
             <a:spcAft>
               <a:spcPct val="35000"/>
             </a:spcAft>
+            <a:buNone/>
           </a:pPr>
           <a:r>
             <a:rPr lang="he-IL" sz="600" kern="1200" dirty="0"/>
@@ -19974,7 +19084,7 @@
         </a:bodyPr>
         <a:lstStyle/>
         <a:p>
-          <a:pPr lvl="0" algn="ctr" defTabSz="222250">
+          <a:pPr marL="0" lvl="0" indent="0" algn="ctr" defTabSz="222250">
             <a:lnSpc>
               <a:spcPct val="90000"/>
             </a:lnSpc>
@@ -19984,6 +19094,7 @@
             <a:spcAft>
               <a:spcPct val="35000"/>
             </a:spcAft>
+            <a:buNone/>
           </a:pPr>
           <a:endParaRPr lang="en-US" sz="500" kern="1200"/>
         </a:p>
@@ -20070,7 +19181,7 @@
         </a:bodyPr>
         <a:lstStyle/>
         <a:p>
-          <a:pPr lvl="0" algn="ctr" defTabSz="266700">
+          <a:pPr marL="0" lvl="0" indent="0" algn="ctr" defTabSz="266700">
             <a:lnSpc>
               <a:spcPct val="90000"/>
             </a:lnSpc>
@@ -20080,6 +19191,7 @@
             <a:spcAft>
               <a:spcPct val="35000"/>
             </a:spcAft>
+            <a:buNone/>
           </a:pPr>
           <a:r>
             <a:rPr lang="he-IL" sz="600" kern="1200" dirty="0"/>
@@ -20173,7 +19285,7 @@
         </a:bodyPr>
         <a:lstStyle/>
         <a:p>
-          <a:pPr lvl="0" algn="ctr" defTabSz="222250">
+          <a:pPr marL="0" lvl="0" indent="0" algn="ctr" defTabSz="222250">
             <a:lnSpc>
               <a:spcPct val="90000"/>
             </a:lnSpc>
@@ -20183,6 +19295,7 @@
             <a:spcAft>
               <a:spcPct val="35000"/>
             </a:spcAft>
+            <a:buNone/>
           </a:pPr>
           <a:endParaRPr lang="en-US" sz="500" kern="1200"/>
         </a:p>
@@ -20269,7 +19382,7 @@
         </a:bodyPr>
         <a:lstStyle/>
         <a:p>
-          <a:pPr lvl="0" algn="ctr" defTabSz="266700">
+          <a:pPr marL="0" lvl="0" indent="0" algn="ctr" defTabSz="266700">
             <a:lnSpc>
               <a:spcPct val="90000"/>
             </a:lnSpc>
@@ -20279,6 +19392,7 @@
             <a:spcAft>
               <a:spcPct val="35000"/>
             </a:spcAft>
+            <a:buNone/>
           </a:pPr>
           <a:r>
             <a:rPr lang="he-IL" sz="600" kern="1200" dirty="0"/>
@@ -20372,7 +19486,7 @@
         </a:bodyPr>
         <a:lstStyle/>
         <a:p>
-          <a:pPr lvl="0" algn="ctr" defTabSz="222250">
+          <a:pPr marL="0" lvl="0" indent="0" algn="ctr" defTabSz="222250">
             <a:lnSpc>
               <a:spcPct val="90000"/>
             </a:lnSpc>
@@ -20382,6 +19496,7 @@
             <a:spcAft>
               <a:spcPct val="35000"/>
             </a:spcAft>
+            <a:buNone/>
           </a:pPr>
           <a:endParaRPr lang="en-US" sz="500" kern="1200"/>
         </a:p>
@@ -20468,7 +19583,7 @@
         </a:bodyPr>
         <a:lstStyle/>
         <a:p>
-          <a:pPr lvl="0" algn="ctr" defTabSz="266700">
+          <a:pPr marL="0" lvl="0" indent="0" algn="ctr" defTabSz="266700">
             <a:lnSpc>
               <a:spcPct val="90000"/>
             </a:lnSpc>
@@ -20478,6 +19593,7 @@
             <a:spcAft>
               <a:spcPct val="35000"/>
             </a:spcAft>
+            <a:buNone/>
           </a:pPr>
           <a:r>
             <a:rPr lang="he-IL" sz="600" kern="1200" dirty="0"/>
@@ -20571,7 +19687,7 @@
         </a:bodyPr>
         <a:lstStyle/>
         <a:p>
-          <a:pPr lvl="0" algn="ctr" defTabSz="222250">
+          <a:pPr marL="0" lvl="0" indent="0" algn="ctr" defTabSz="222250">
             <a:lnSpc>
               <a:spcPct val="90000"/>
             </a:lnSpc>
@@ -20581,6 +19697,7 @@
             <a:spcAft>
               <a:spcPct val="35000"/>
             </a:spcAft>
+            <a:buNone/>
           </a:pPr>
           <a:endParaRPr lang="en-US" sz="500" kern="1200"/>
         </a:p>
@@ -32912,7 +32029,7 @@
           <a:p>
             <a:fld id="{8E5E73CB-0320-4D6F-A227-B897378B2E5C}" type="datetimeFigureOut">
               <a:rPr lang="en-US" smtClean="0"/>
-              <a:t>7/11/2019</a:t>
+              <a:t>11/12/20</a:t>
             </a:fld>
             <a:endParaRPr lang="en-US"/>
           </a:p>
@@ -34032,7 +33149,7 @@
           <a:p>
             <a:fld id="{8E5E73CB-0320-4D6F-A227-B897378B2E5C}" type="datetimeFigureOut">
               <a:rPr lang="en-US" smtClean="0"/>
-              <a:t>7/11/2019</a:t>
+              <a:t>11/12/20</a:t>
             </a:fld>
             <a:endParaRPr lang="en-US"/>
           </a:p>
@@ -35043,7 +34160,7 @@
           <a:p>
             <a:fld id="{8E5E73CB-0320-4D6F-A227-B897378B2E5C}" type="datetimeFigureOut">
               <a:rPr lang="en-US" smtClean="0"/>
-              <a:t>7/11/2019</a:t>
+              <a:t>11/12/20</a:t>
             </a:fld>
             <a:endParaRPr lang="en-US"/>
           </a:p>
@@ -36213,7 +35330,7 @@
           <a:p>
             <a:fld id="{8E5E73CB-0320-4D6F-A227-B897378B2E5C}" type="datetimeFigureOut">
               <a:rPr lang="en-US" smtClean="0"/>
-              <a:t>7/11/2019</a:t>
+              <a:t>11/12/20</a:t>
             </a:fld>
             <a:endParaRPr lang="en-US"/>
           </a:p>
@@ -37274,7 +36391,7 @@
           <a:p>
             <a:fld id="{8E5E73CB-0320-4D6F-A227-B897378B2E5C}" type="datetimeFigureOut">
               <a:rPr lang="en-US" smtClean="0"/>
-              <a:t>7/11/2019</a:t>
+              <a:t>11/12/20</a:t>
             </a:fld>
             <a:endParaRPr lang="en-US"/>
           </a:p>
@@ -37920,7 +37037,7 @@
           <a:p>
             <a:fld id="{8E5E73CB-0320-4D6F-A227-B897378B2E5C}" type="datetimeFigureOut">
               <a:rPr lang="en-US" smtClean="0"/>
-              <a:t>7/11/2019</a:t>
+              <a:t>11/12/20</a:t>
             </a:fld>
             <a:endParaRPr lang="en-US"/>
           </a:p>
@@ -38767,7 +37884,7 @@
           <a:p>
             <a:fld id="{8E5E73CB-0320-4D6F-A227-B897378B2E5C}" type="datetimeFigureOut">
               <a:rPr lang="en-US" smtClean="0"/>
-              <a:t>7/11/2019</a:t>
+              <a:t>11/12/20</a:t>
             </a:fld>
             <a:endParaRPr lang="en-US"/>
           </a:p>
@@ -38942,7 +38059,7 @@
           <a:p>
             <a:fld id="{8E5E73CB-0320-4D6F-A227-B897378B2E5C}" type="datetimeFigureOut">
               <a:rPr lang="en-US" smtClean="0"/>
-              <a:t>7/11/2019</a:t>
+              <a:t>11/12/20</a:t>
             </a:fld>
             <a:endParaRPr lang="en-US"/>
           </a:p>
@@ -39940,7 +39057,7 @@
           <a:p>
             <a:fld id="{8E5E73CB-0320-4D6F-A227-B897378B2E5C}" type="datetimeFigureOut">
               <a:rPr lang="en-US" smtClean="0"/>
-              <a:t>7/11/2019</a:t>
+              <a:t>11/12/20</a:t>
             </a:fld>
             <a:endParaRPr lang="en-US"/>
           </a:p>
@@ -40146,7 +39263,7 @@
           <a:p>
             <a:fld id="{8E5E73CB-0320-4D6F-A227-B897378B2E5C}" type="datetimeFigureOut">
               <a:rPr lang="en-US" smtClean="0"/>
-              <a:t>7/11/2019</a:t>
+              <a:t>11/12/20</a:t>
             </a:fld>
             <a:endParaRPr lang="en-US"/>
           </a:p>
@@ -41208,7 +40325,7 @@
           <a:p>
             <a:fld id="{8E5E73CB-0320-4D6F-A227-B897378B2E5C}" type="datetimeFigureOut">
               <a:rPr lang="en-US" smtClean="0"/>
-              <a:t>7/11/2019</a:t>
+              <a:t>11/12/20</a:t>
             </a:fld>
             <a:endParaRPr lang="en-US"/>
           </a:p>
@@ -41480,7 +40597,7 @@
           <a:p>
             <a:fld id="{8E5E73CB-0320-4D6F-A227-B897378B2E5C}" type="datetimeFigureOut">
               <a:rPr lang="en-US" smtClean="0"/>
-              <a:t>7/11/2019</a:t>
+              <a:t>11/12/20</a:t>
             </a:fld>
             <a:endParaRPr lang="en-US"/>
           </a:p>
@@ -41862,7 +40979,7 @@
           <a:p>
             <a:fld id="{8E5E73CB-0320-4D6F-A227-B897378B2E5C}" type="datetimeFigureOut">
               <a:rPr lang="en-US" smtClean="0"/>
-              <a:t>7/11/2019</a:t>
+              <a:t>11/12/20</a:t>
             </a:fld>
             <a:endParaRPr lang="en-US"/>
           </a:p>
@@ -41980,7 +41097,7 @@
           <a:p>
             <a:fld id="{8E5E73CB-0320-4D6F-A227-B897378B2E5C}" type="datetimeFigureOut">
               <a:rPr lang="en-US" smtClean="0"/>
-              <a:t>7/11/2019</a:t>
+              <a:t>11/12/20</a:t>
             </a:fld>
             <a:endParaRPr lang="en-US"/>
           </a:p>
@@ -42075,7 +41192,7 @@
           <a:p>
             <a:fld id="{8E5E73CB-0320-4D6F-A227-B897378B2E5C}" type="datetimeFigureOut">
               <a:rPr lang="en-US" smtClean="0"/>
-              <a:t>7/11/2019</a:t>
+              <a:t>11/12/20</a:t>
             </a:fld>
             <a:endParaRPr lang="en-US"/>
           </a:p>
@@ -43184,7 +42301,7 @@
           <a:p>
             <a:fld id="{8E5E73CB-0320-4D6F-A227-B897378B2E5C}" type="datetimeFigureOut">
               <a:rPr lang="en-US" smtClean="0"/>
-              <a:t>7/11/2019</a:t>
+              <a:t>11/12/20</a:t>
             </a:fld>
             <a:endParaRPr lang="en-US"/>
           </a:p>
@@ -44317,7 +43434,7 @@
           <a:p>
             <a:fld id="{8E5E73CB-0320-4D6F-A227-B897378B2E5C}" type="datetimeFigureOut">
               <a:rPr lang="en-US" smtClean="0"/>
-              <a:t>7/11/2019</a:t>
+              <a:t>11/12/20</a:t>
             </a:fld>
             <a:endParaRPr lang="en-US"/>
           </a:p>
@@ -45345,7 +44462,7 @@
           <a:p>
             <a:fld id="{8E5E73CB-0320-4D6F-A227-B897378B2E5C}" type="datetimeFigureOut">
               <a:rPr lang="en-US" smtClean="0"/>
-              <a:t>7/11/2019</a:t>
+              <a:t>11/12/20</a:t>
             </a:fld>
             <a:endParaRPr lang="en-US"/>
           </a:p>
@@ -45957,12 +45074,8 @@
           <a:p>
             <a:pPr algn="r" rtl="1"/>
             <a:r>
-              <a:rPr lang="he-IL" dirty="0" smtClean="0"/>
-              <a:t>מוביל </a:t>
-            </a:r>
-            <a:r>
               <a:rPr lang="he-IL" dirty="0"/>
-              <a:t>קורס: טל ירון</a:t>
+              <a:t>מוביל קורס: טל ירון</a:t>
             </a:r>
             <a:endParaRPr lang="en-US" dirty="0"/>
           </a:p>
@@ -46014,13 +45127,6 @@
   <p:clrMapOvr>
     <a:masterClrMapping/>
   </p:clrMapOvr>
-  <p:timing>
-    <p:tnLst>
-      <p:par>
-        <p:cTn id="1" dur="indefinite" restart="never" nodeType="tmRoot"/>
-      </p:par>
-    </p:tnLst>
-  </p:timing>
 </p:sld>
 </file>
 
@@ -46112,13 +45218,6 @@
   <p:clrMapOvr>
     <a:masterClrMapping/>
   </p:clrMapOvr>
-  <p:timing>
-    <p:tnLst>
-      <p:par>
-        <p:cTn id="1" dur="indefinite" restart="never" nodeType="tmRoot"/>
-      </p:par>
-    </p:tnLst>
-  </p:timing>
 </p:sld>
 </file>
 
@@ -46300,13 +45399,6 @@
   <p:clrMapOvr>
     <a:masterClrMapping/>
   </p:clrMapOvr>
-  <p:timing>
-    <p:tnLst>
-      <p:par>
-        <p:cTn id="1" dur="indefinite" restart="never" nodeType="tmRoot"/>
-      </p:par>
-    </p:tnLst>
-  </p:timing>
 </p:sld>
 </file>
 
@@ -46513,13 +45605,6 @@
   <p:clrMapOvr>
     <a:masterClrMapping/>
   </p:clrMapOvr>
-  <p:timing>
-    <p:tnLst>
-      <p:par>
-        <p:cTn id="1" dur="indefinite" restart="never" nodeType="tmRoot"/>
-      </p:par>
-    </p:tnLst>
-  </p:timing>
 </p:sld>
 </file>
 
@@ -46556,7 +45641,7 @@
                 <a16:creationId xmlns:a16="http://schemas.microsoft.com/office/drawing/2014/main" id="{298B78F7-6841-4168-8538-3E26070861D3}"/>
               </a:ext>
               <a:ext uri="{C183D7F6-B498-43B3-948B-1728B52AA6E4}">
-                <adec:decorative xmlns="" xmlns:adec="http://schemas.microsoft.com/office/drawing/2017/decorative" val="1"/>
+                <adec:decorative xmlns:adec="http://schemas.microsoft.com/office/drawing/2017/decorative" val="1"/>
               </a:ext>
             </a:extLst>
           </p:cNvPr>
@@ -46587,7 +45672,7 @@
                   <a16:creationId xmlns:a16="http://schemas.microsoft.com/office/drawing/2014/main" id="{764D568C-39BB-4394-A483-C7C185002DCC}"/>
                 </a:ext>
                 <a:ext uri="{C183D7F6-B498-43B3-948B-1728B52AA6E4}">
-                  <adec:decorative xmlns="" xmlns:adec="http://schemas.microsoft.com/office/drawing/2017/decorative" val="1"/>
+                  <adec:decorative xmlns:adec="http://schemas.microsoft.com/office/drawing/2017/decorative" val="1"/>
                 </a:ext>
               </a:extLst>
             </p:cNvPr>
@@ -46658,7 +45743,7 @@
                   <a16:creationId xmlns:a16="http://schemas.microsoft.com/office/drawing/2014/main" id="{CB70B903-F367-48EC-B214-D1D26FC700FB}"/>
                 </a:ext>
                 <a:ext uri="{C183D7F6-B498-43B3-948B-1728B52AA6E4}">
-                  <adec:decorative xmlns="" xmlns:adec="http://schemas.microsoft.com/office/drawing/2017/decorative" val="1"/>
+                  <adec:decorative xmlns:adec="http://schemas.microsoft.com/office/drawing/2017/decorative" val="1"/>
                 </a:ext>
               </a:extLst>
             </p:cNvPr>
@@ -46736,7 +45821,7 @@
                   <a16:creationId xmlns:a16="http://schemas.microsoft.com/office/drawing/2014/main" id="{45E5B732-80F6-496B-AC33-E0FD9395DB00}"/>
                 </a:ext>
                 <a:ext uri="{C183D7F6-B498-43B3-948B-1728B52AA6E4}">
-                  <adec:decorative xmlns="" xmlns:adec="http://schemas.microsoft.com/office/drawing/2017/decorative" val="1"/>
+                  <adec:decorative xmlns:adec="http://schemas.microsoft.com/office/drawing/2017/decorative" val="1"/>
                 </a:ext>
               </a:extLst>
             </p:cNvPr>
@@ -46814,7 +45899,7 @@
                   <a16:creationId xmlns:a16="http://schemas.microsoft.com/office/drawing/2014/main" id="{CC709F18-F3FB-4D14-B50D-6159067EB659}"/>
                 </a:ext>
                 <a:ext uri="{C183D7F6-B498-43B3-948B-1728B52AA6E4}">
-                  <adec:decorative xmlns="" xmlns:adec="http://schemas.microsoft.com/office/drawing/2017/decorative" val="1"/>
+                  <adec:decorative xmlns:adec="http://schemas.microsoft.com/office/drawing/2017/decorative" val="1"/>
                 </a:ext>
               </a:extLst>
             </p:cNvPr>
@@ -46866,7 +45951,7 @@
                   <a16:creationId xmlns:a16="http://schemas.microsoft.com/office/drawing/2014/main" id="{16E4A747-3382-4841-BCBE-78D416DEEC90}"/>
                 </a:ext>
                 <a:ext uri="{C183D7F6-B498-43B3-948B-1728B52AA6E4}">
-                  <adec:decorative xmlns="" xmlns:adec="http://schemas.microsoft.com/office/drawing/2017/decorative" val="1"/>
+                  <adec:decorative xmlns:adec="http://schemas.microsoft.com/office/drawing/2017/decorative" val="1"/>
                 </a:ext>
               </a:extLst>
             </p:cNvPr>
@@ -47028,7 +46113,7 @@
                   <a16:creationId xmlns:a16="http://schemas.microsoft.com/office/drawing/2014/main" id="{049AC68C-6F74-4DEB-9CD1-3E1C4EB2CDDF}"/>
                 </a:ext>
                 <a:ext uri="{C183D7F6-B498-43B3-948B-1728B52AA6E4}">
-                  <adec:decorative xmlns="" xmlns:adec="http://schemas.microsoft.com/office/drawing/2017/decorative" val="1"/>
+                  <adec:decorative xmlns:adec="http://schemas.microsoft.com/office/drawing/2017/decorative" val="1"/>
                 </a:ext>
               </a:extLst>
             </p:cNvPr>
@@ -47227,7 +46312,7 @@
                   <a16:creationId xmlns:a16="http://schemas.microsoft.com/office/drawing/2014/main" id="{3FB17BE8-AC72-4544-AFE9-F8C1C3EB65CE}"/>
                 </a:ext>
                 <a:ext uri="{C183D7F6-B498-43B3-948B-1728B52AA6E4}">
-                  <adec:decorative xmlns="" xmlns:adec="http://schemas.microsoft.com/office/drawing/2017/decorative" val="1"/>
+                  <adec:decorative xmlns:adec="http://schemas.microsoft.com/office/drawing/2017/decorative" val="1"/>
                 </a:ext>
               </a:extLst>
             </p:cNvPr>
@@ -47393,7 +46478,7 @@
                 <a14:useLocalDpi xmlns:a14="http://schemas.microsoft.com/office/drawing/2010/main" val="0"/>
               </a:ext>
               <a:ext uri="{96DAC541-7B7A-43D3-8B79-37D633B846F1}">
-                <asvg:svgBlip xmlns="" xmlns:asvg="http://schemas.microsoft.com/office/drawing/2016/SVG/main" r:embed="rId4"/>
+                <asvg:svgBlip xmlns:asvg="http://schemas.microsoft.com/office/drawing/2016/SVG/main" r:embed="rId4"/>
               </a:ext>
             </a:extLst>
           </a:blip>
@@ -47419,7 +46504,7 @@
                 <a16:creationId xmlns:a16="http://schemas.microsoft.com/office/drawing/2014/main" id="{B5BA6DB3-F246-4306-AA4A-B2E8EF6D7B10}"/>
               </a:ext>
               <a:ext uri="{C183D7F6-B498-43B3-948B-1728B52AA6E4}">
-                <adec:decorative xmlns="" xmlns:adec="http://schemas.microsoft.com/office/drawing/2017/decorative" val="1"/>
+                <adec:decorative xmlns:adec="http://schemas.microsoft.com/office/drawing/2017/decorative" val="1"/>
               </a:ext>
             </a:extLst>
           </p:cNvPr>
@@ -47474,18 +46559,11 @@
   <p:clrMapOvr>
     <a:masterClrMapping/>
   </p:clrMapOvr>
-  <p:timing>
-    <p:tnLst>
-      <p:par>
-        <p:cTn id="1" dur="indefinite" restart="never" nodeType="tmRoot"/>
-      </p:par>
-    </p:tnLst>
-  </p:timing>
 </p:sld>
 </file>
 
 <file path=ppt/slides/slide2.xml><?xml version="1.0" encoding="utf-8"?>
-<p:sld xmlns:a="http://schemas.openxmlformats.org/drawingml/2006/main" xmlns:r="http://schemas.openxmlformats.org/officeDocument/2006/relationships" xmlns:p="http://schemas.openxmlformats.org/presentationml/2006/main" show="0">
+<p:sld xmlns:a="http://schemas.openxmlformats.org/drawingml/2006/main" xmlns:r="http://schemas.openxmlformats.org/officeDocument/2006/relationships" xmlns:p="http://schemas.openxmlformats.org/presentationml/2006/main">
   <p:cSld>
     <p:spTree>
       <p:nvGrpSpPr>
@@ -47602,14 +46680,6 @@
   <p:clrMapOvr>
     <a:masterClrMapping/>
   </p:clrMapOvr>
-  <mc:AlternateContent xmlns:mc="http://schemas.openxmlformats.org/markup-compatibility/2006" xmlns:p14="http://schemas.microsoft.com/office/powerpoint/2010/main">
-    <mc:Choice Requires="p14">
-      <p:transition spd="slow" p14:dur="2000"/>
-    </mc:Choice>
-    <mc:Fallback xmlns="">
-      <p:transition spd="slow"/>
-    </mc:Fallback>
-  </mc:AlternateContent>
   <p:timing>
     <p:tnLst>
       <p:par>
@@ -47949,7 +47019,7 @@
 </file>
 
 <file path=ppt/slides/slide3.xml><?xml version="1.0" encoding="utf-8"?>
-<p:sld xmlns:a="http://schemas.openxmlformats.org/drawingml/2006/main" xmlns:r="http://schemas.openxmlformats.org/officeDocument/2006/relationships" xmlns:p="http://schemas.openxmlformats.org/presentationml/2006/main" show="0">
+<p:sld xmlns:a="http://schemas.openxmlformats.org/drawingml/2006/main" xmlns:r="http://schemas.openxmlformats.org/officeDocument/2006/relationships" xmlns:p="http://schemas.openxmlformats.org/presentationml/2006/main">
   <p:cSld>
     <p:spTree>
       <p:nvGrpSpPr>
@@ -48175,14 +47245,6 @@
   <p:clrMapOvr>
     <a:masterClrMapping/>
   </p:clrMapOvr>
-  <mc:AlternateContent xmlns:mc="http://schemas.openxmlformats.org/markup-compatibility/2006" xmlns:p14="http://schemas.microsoft.com/office/powerpoint/2010/main">
-    <mc:Choice Requires="p14">
-      <p:transition spd="slow" p14:dur="2000"/>
-    </mc:Choice>
-    <mc:Fallback xmlns="">
-      <p:transition spd="slow"/>
-    </mc:Fallback>
-  </mc:AlternateContent>
   <p:timing>
     <p:tnLst>
       <p:par>
@@ -48737,7 +47799,7 @@
                 <a16:creationId xmlns:a16="http://schemas.microsoft.com/office/drawing/2014/main" id="{5A992EA8-A2AE-480C-BFF9-7B134643975C}"/>
               </a:ext>
               <a:ext uri="{C183D7F6-B498-43B3-948B-1728B52AA6E4}">
-                <adec:decorative xmlns="" xmlns:adec="http://schemas.microsoft.com/office/drawing/2017/decorative" val="1"/>
+                <adec:decorative xmlns:adec="http://schemas.microsoft.com/office/drawing/2017/decorative" val="1"/>
               </a:ext>
             </a:extLst>
           </p:cNvPr>
@@ -48768,7 +47830,7 @@
                   <a16:creationId xmlns:a16="http://schemas.microsoft.com/office/drawing/2014/main" id="{0F6F97DA-7406-453D-9AB4-28B0891BBFF4}"/>
                 </a:ext>
                 <a:ext uri="{C183D7F6-B498-43B3-948B-1728B52AA6E4}">
-                  <adec:decorative xmlns="" xmlns:adec="http://schemas.microsoft.com/office/drawing/2017/decorative" val="1"/>
+                  <adec:decorative xmlns:adec="http://schemas.microsoft.com/office/drawing/2017/decorative" val="1"/>
                 </a:ext>
               </a:extLst>
             </p:cNvPr>
@@ -48839,7 +47901,7 @@
                   <a16:creationId xmlns:a16="http://schemas.microsoft.com/office/drawing/2014/main" id="{31D171A9-30C8-4156-8EAF-50888EBE77EC}"/>
                 </a:ext>
                 <a:ext uri="{C183D7F6-B498-43B3-948B-1728B52AA6E4}">
-                  <adec:decorative xmlns="" xmlns:adec="http://schemas.microsoft.com/office/drawing/2017/decorative" val="1"/>
+                  <adec:decorative xmlns:adec="http://schemas.microsoft.com/office/drawing/2017/decorative" val="1"/>
                 </a:ext>
               </a:extLst>
             </p:cNvPr>
@@ -48917,7 +47979,7 @@
                   <a16:creationId xmlns:a16="http://schemas.microsoft.com/office/drawing/2014/main" id="{C52A6C74-8DC4-4902-962C-0DAFD7F9B5E3}"/>
                 </a:ext>
                 <a:ext uri="{C183D7F6-B498-43B3-948B-1728B52AA6E4}">
-                  <adec:decorative xmlns="" xmlns:adec="http://schemas.microsoft.com/office/drawing/2017/decorative" val="1"/>
+                  <adec:decorative xmlns:adec="http://schemas.microsoft.com/office/drawing/2017/decorative" val="1"/>
                 </a:ext>
               </a:extLst>
             </p:cNvPr>
@@ -48995,7 +48057,7 @@
                   <a16:creationId xmlns:a16="http://schemas.microsoft.com/office/drawing/2014/main" id="{D34C65DE-5132-426E-9E92-81CB9EFF8941}"/>
                 </a:ext>
                 <a:ext uri="{C183D7F6-B498-43B3-948B-1728B52AA6E4}">
-                  <adec:decorative xmlns="" xmlns:adec="http://schemas.microsoft.com/office/drawing/2017/decorative" val="1"/>
+                  <adec:decorative xmlns:adec="http://schemas.microsoft.com/office/drawing/2017/decorative" val="1"/>
                 </a:ext>
               </a:extLst>
             </p:cNvPr>
@@ -49073,7 +48135,7 @@
                   <a16:creationId xmlns:a16="http://schemas.microsoft.com/office/drawing/2014/main" id="{463FE9C4-150E-4C97-A21E-53B7CD261A14}"/>
                 </a:ext>
                 <a:ext uri="{C183D7F6-B498-43B3-948B-1728B52AA6E4}">
-                  <adec:decorative xmlns="" xmlns:adec="http://schemas.microsoft.com/office/drawing/2017/decorative" val="1"/>
+                  <adec:decorative xmlns:adec="http://schemas.microsoft.com/office/drawing/2017/decorative" val="1"/>
                 </a:ext>
               </a:extLst>
             </p:cNvPr>
@@ -49151,7 +48213,7 @@
                   <a16:creationId xmlns:a16="http://schemas.microsoft.com/office/drawing/2014/main" id="{F4DD7FA2-5B3A-4DD2-BA1A-735CC86BAA06}"/>
                 </a:ext>
                 <a:ext uri="{C183D7F6-B498-43B3-948B-1728B52AA6E4}">
-                  <adec:decorative xmlns="" xmlns:adec="http://schemas.microsoft.com/office/drawing/2017/decorative" val="1"/>
+                  <adec:decorative xmlns:adec="http://schemas.microsoft.com/office/drawing/2017/decorative" val="1"/>
                 </a:ext>
               </a:extLst>
             </p:cNvPr>
@@ -49229,7 +48291,7 @@
                   <a16:creationId xmlns:a16="http://schemas.microsoft.com/office/drawing/2014/main" id="{B11D6824-D097-439B-9956-5436E5111A9B}"/>
                 </a:ext>
                 <a:ext uri="{C183D7F6-B498-43B3-948B-1728B52AA6E4}">
-                  <adec:decorative xmlns="" xmlns:adec="http://schemas.microsoft.com/office/drawing/2017/decorative" val="1"/>
+                  <adec:decorative xmlns:adec="http://schemas.microsoft.com/office/drawing/2017/decorative" val="1"/>
                 </a:ext>
               </a:extLst>
             </p:cNvPr>
@@ -49309,7 +48371,7 @@
                 <a16:creationId xmlns:a16="http://schemas.microsoft.com/office/drawing/2014/main" id="{5669AB50-4CAD-4D10-A09A-A0C01AF9E6F6}"/>
               </a:ext>
               <a:ext uri="{C183D7F6-B498-43B3-948B-1728B52AA6E4}">
-                <adec:decorative xmlns="" xmlns:adec="http://schemas.microsoft.com/office/drawing/2017/decorative" val="1"/>
+                <adec:decorative xmlns:adec="http://schemas.microsoft.com/office/drawing/2017/decorative" val="1"/>
               </a:ext>
             </a:extLst>
           </p:cNvPr>
@@ -49502,13 +48564,6 @@
   <p:clrMapOvr>
     <a:masterClrMapping/>
   </p:clrMapOvr>
-  <p:timing>
-    <p:tnLst>
-      <p:par>
-        <p:cTn id="1" dur="indefinite" restart="never" nodeType="tmRoot"/>
-      </p:par>
-    </p:tnLst>
-  </p:timing>
 </p:sld>
 </file>
 
@@ -49545,7 +48600,7 @@
                 <a16:creationId xmlns:a16="http://schemas.microsoft.com/office/drawing/2014/main" id="{5A992EA8-A2AE-480C-BFF9-7B134643975C}"/>
               </a:ext>
               <a:ext uri="{C183D7F6-B498-43B3-948B-1728B52AA6E4}">
-                <adec:decorative xmlns="" xmlns:adec="http://schemas.microsoft.com/office/drawing/2017/decorative" val="1"/>
+                <adec:decorative xmlns:adec="http://schemas.microsoft.com/office/drawing/2017/decorative" val="1"/>
               </a:ext>
             </a:extLst>
           </p:cNvPr>
@@ -49576,7 +48631,7 @@
                   <a16:creationId xmlns:a16="http://schemas.microsoft.com/office/drawing/2014/main" id="{0F6F97DA-7406-453D-9AB4-28B0891BBFF4}"/>
                 </a:ext>
                 <a:ext uri="{C183D7F6-B498-43B3-948B-1728B52AA6E4}">
-                  <adec:decorative xmlns="" xmlns:adec="http://schemas.microsoft.com/office/drawing/2017/decorative" val="1"/>
+                  <adec:decorative xmlns:adec="http://schemas.microsoft.com/office/drawing/2017/decorative" val="1"/>
                 </a:ext>
               </a:extLst>
             </p:cNvPr>
@@ -49647,7 +48702,7 @@
                   <a16:creationId xmlns:a16="http://schemas.microsoft.com/office/drawing/2014/main" id="{31D171A9-30C8-4156-8EAF-50888EBE77EC}"/>
                 </a:ext>
                 <a:ext uri="{C183D7F6-B498-43B3-948B-1728B52AA6E4}">
-                  <adec:decorative xmlns="" xmlns:adec="http://schemas.microsoft.com/office/drawing/2017/decorative" val="1"/>
+                  <adec:decorative xmlns:adec="http://schemas.microsoft.com/office/drawing/2017/decorative" val="1"/>
                 </a:ext>
               </a:extLst>
             </p:cNvPr>
@@ -49725,7 +48780,7 @@
                   <a16:creationId xmlns:a16="http://schemas.microsoft.com/office/drawing/2014/main" id="{C52A6C74-8DC4-4902-962C-0DAFD7F9B5E3}"/>
                 </a:ext>
                 <a:ext uri="{C183D7F6-B498-43B3-948B-1728B52AA6E4}">
-                  <adec:decorative xmlns="" xmlns:adec="http://schemas.microsoft.com/office/drawing/2017/decorative" val="1"/>
+                  <adec:decorative xmlns:adec="http://schemas.microsoft.com/office/drawing/2017/decorative" val="1"/>
                 </a:ext>
               </a:extLst>
             </p:cNvPr>
@@ -49803,7 +48858,7 @@
                   <a16:creationId xmlns:a16="http://schemas.microsoft.com/office/drawing/2014/main" id="{D34C65DE-5132-426E-9E92-81CB9EFF8941}"/>
                 </a:ext>
                 <a:ext uri="{C183D7F6-B498-43B3-948B-1728B52AA6E4}">
-                  <adec:decorative xmlns="" xmlns:adec="http://schemas.microsoft.com/office/drawing/2017/decorative" val="1"/>
+                  <adec:decorative xmlns:adec="http://schemas.microsoft.com/office/drawing/2017/decorative" val="1"/>
                 </a:ext>
               </a:extLst>
             </p:cNvPr>
@@ -49881,7 +48936,7 @@
                   <a16:creationId xmlns:a16="http://schemas.microsoft.com/office/drawing/2014/main" id="{463FE9C4-150E-4C97-A21E-53B7CD261A14}"/>
                 </a:ext>
                 <a:ext uri="{C183D7F6-B498-43B3-948B-1728B52AA6E4}">
-                  <adec:decorative xmlns="" xmlns:adec="http://schemas.microsoft.com/office/drawing/2017/decorative" val="1"/>
+                  <adec:decorative xmlns:adec="http://schemas.microsoft.com/office/drawing/2017/decorative" val="1"/>
                 </a:ext>
               </a:extLst>
             </p:cNvPr>
@@ -49959,7 +49014,7 @@
                   <a16:creationId xmlns:a16="http://schemas.microsoft.com/office/drawing/2014/main" id="{F4DD7FA2-5B3A-4DD2-BA1A-735CC86BAA06}"/>
                 </a:ext>
                 <a:ext uri="{C183D7F6-B498-43B3-948B-1728B52AA6E4}">
-                  <adec:decorative xmlns="" xmlns:adec="http://schemas.microsoft.com/office/drawing/2017/decorative" val="1"/>
+                  <adec:decorative xmlns:adec="http://schemas.microsoft.com/office/drawing/2017/decorative" val="1"/>
                 </a:ext>
               </a:extLst>
             </p:cNvPr>
@@ -50037,7 +49092,7 @@
                   <a16:creationId xmlns:a16="http://schemas.microsoft.com/office/drawing/2014/main" id="{B11D6824-D097-439B-9956-5436E5111A9B}"/>
                 </a:ext>
                 <a:ext uri="{C183D7F6-B498-43B3-948B-1728B52AA6E4}">
-                  <adec:decorative xmlns="" xmlns:adec="http://schemas.microsoft.com/office/drawing/2017/decorative" val="1"/>
+                  <adec:decorative xmlns:adec="http://schemas.microsoft.com/office/drawing/2017/decorative" val="1"/>
                 </a:ext>
               </a:extLst>
             </p:cNvPr>
@@ -50117,7 +49172,7 @@
                 <a16:creationId xmlns:a16="http://schemas.microsoft.com/office/drawing/2014/main" id="{5669AB50-4CAD-4D10-A09A-A0C01AF9E6F6}"/>
               </a:ext>
               <a:ext uri="{C183D7F6-B498-43B3-948B-1728B52AA6E4}">
-                <adec:decorative xmlns="" xmlns:adec="http://schemas.microsoft.com/office/drawing/2017/decorative" val="1"/>
+                <adec:decorative xmlns:adec="http://schemas.microsoft.com/office/drawing/2017/decorative" val="1"/>
               </a:ext>
             </a:extLst>
           </p:cNvPr>
@@ -50213,7 +49268,7 @@
                 <a16:creationId xmlns:a16="http://schemas.microsoft.com/office/drawing/2014/main" id="{68B27BBA-AE99-4D00-A26E-0B49DA4B37AC}"/>
               </a:ext>
               <a:ext uri="{C183D7F6-B498-43B3-948B-1728B52AA6E4}">
-                <adec:decorative xmlns="" xmlns:adec="http://schemas.microsoft.com/office/drawing/2017/decorative" val="1"/>
+                <adec:decorative xmlns:adec="http://schemas.microsoft.com/office/drawing/2017/decorative" val="1"/>
               </a:ext>
             </a:extLst>
           </p:cNvPr>
@@ -50244,7 +49299,7 @@
                   <a16:creationId xmlns:a16="http://schemas.microsoft.com/office/drawing/2014/main" id="{E898DFFC-9C98-4276-B117-1EECD56D16E5}"/>
                 </a:ext>
                 <a:ext uri="{C183D7F6-B498-43B3-948B-1728B52AA6E4}">
-                  <adec:decorative xmlns="" xmlns:adec="http://schemas.microsoft.com/office/drawing/2017/decorative" val="1"/>
+                  <adec:decorative xmlns:adec="http://schemas.microsoft.com/office/drawing/2017/decorative" val="1"/>
                 </a:ext>
               </a:extLst>
             </p:cNvPr>
@@ -50296,7 +49351,7 @@
                   <a16:creationId xmlns:a16="http://schemas.microsoft.com/office/drawing/2014/main" id="{D9DF6785-2B9D-478C-AB08-3A6258EF7CD1}"/>
                 </a:ext>
                 <a:ext uri="{C183D7F6-B498-43B3-948B-1728B52AA6E4}">
-                  <adec:decorative xmlns="" xmlns:adec="http://schemas.microsoft.com/office/drawing/2017/decorative" val="1"/>
+                  <adec:decorative xmlns:adec="http://schemas.microsoft.com/office/drawing/2017/decorative" val="1"/>
                 </a:ext>
               </a:extLst>
             </p:cNvPr>
@@ -50495,7 +49550,7 @@
                   <a16:creationId xmlns:a16="http://schemas.microsoft.com/office/drawing/2014/main" id="{A9C1FA5F-1069-410C-ACE0-A24989171C59}"/>
                 </a:ext>
                 <a:ext uri="{C183D7F6-B498-43B3-948B-1728B52AA6E4}">
-                  <adec:decorative xmlns="" xmlns:adec="http://schemas.microsoft.com/office/drawing/2017/decorative" val="1"/>
+                  <adec:decorative xmlns:adec="http://schemas.microsoft.com/office/drawing/2017/decorative" val="1"/>
                 </a:ext>
               </a:extLst>
             </p:cNvPr>
@@ -50902,7 +49957,7 @@
               <a:buNone/>
             </a:pPr>
             <a:r>
-              <a:rPr lang="en-US" sz="3200" b="1" i="0" kern="1200" cap="all" dirty="0" smtClean="0">
+              <a:rPr lang="en-US" sz="3200" b="1" i="0" kern="1200" cap="all" dirty="0">
                 <a:solidFill>
                   <a:srgbClr val="236A91"/>
                 </a:solidFill>
@@ -50913,7 +49968,7 @@
               <a:t>Database </a:t>
             </a:r>
             <a:r>
-              <a:rPr lang="en-IL" sz="3200" b="1" i="0" kern="1200" cap="all" dirty="0" smtClean="0">
+              <a:rPr lang="en-IL" sz="3200" b="1" i="0" kern="1200" cap="all" dirty="0">
                 <a:solidFill>
                   <a:srgbClr val="236A91"/>
                 </a:solidFill>
@@ -50924,7 +49979,7 @@
               <a:t>–</a:t>
             </a:r>
             <a:r>
-              <a:rPr lang="en-US" sz="3200" b="1" i="0" kern="1200" cap="all" dirty="0" smtClean="0">
+              <a:rPr lang="en-US" sz="3200" b="1" i="0" kern="1200" cap="all" dirty="0">
                 <a:solidFill>
                   <a:srgbClr val="236A91"/>
                 </a:solidFill>
@@ -50945,7 +50000,7 @@
               <a:buNone/>
             </a:pPr>
             <a:r>
-              <a:rPr lang="en-US" sz="3200" b="1" i="0" kern="1200" cap="all" dirty="0" smtClean="0">
+              <a:rPr lang="en-US" sz="3200" b="1" i="0" kern="1200" cap="all" dirty="0">
                 <a:solidFill>
                   <a:srgbClr val="236A91"/>
                 </a:solidFill>
@@ -50955,14 +50010,6 @@
               </a:rPr>
               <a:t> Web-apps and websites</a:t>
             </a:r>
-            <a:endParaRPr lang="en-US" sz="3200" b="1" i="0" kern="1200" cap="all" dirty="0">
-              <a:solidFill>
-                <a:srgbClr val="236A91"/>
-              </a:solidFill>
-              <a:latin typeface="+mn-lt"/>
-              <a:ea typeface="+mn-ea"/>
-              <a:cs typeface="+mn-cs"/>
-            </a:endParaRPr>
           </a:p>
         </p:txBody>
       </p:sp>
@@ -50976,18 +50023,11 @@
   <p:clrMapOvr>
     <a:masterClrMapping/>
   </p:clrMapOvr>
-  <p:timing>
-    <p:tnLst>
-      <p:par>
-        <p:cTn id="1" dur="indefinite" restart="never" nodeType="tmRoot"/>
-      </p:par>
-    </p:tnLst>
-  </p:timing>
 </p:sld>
 </file>
 
 <file path=ppt/slides/slide6.xml><?xml version="1.0" encoding="utf-8"?>
-<p:sld xmlns:a="http://schemas.openxmlformats.org/drawingml/2006/main" xmlns:r="http://schemas.openxmlformats.org/officeDocument/2006/relationships" xmlns:p="http://schemas.openxmlformats.org/presentationml/2006/main" show="0">
+<p:sld xmlns:a="http://schemas.openxmlformats.org/drawingml/2006/main" xmlns:r="http://schemas.openxmlformats.org/officeDocument/2006/relationships" xmlns:p="http://schemas.openxmlformats.org/presentationml/2006/main">
   <p:cSld>
     <p:spTree>
       <p:nvGrpSpPr>
@@ -51107,26 +50147,11 @@
   <p:clrMapOvr>
     <a:masterClrMapping/>
   </p:clrMapOvr>
-  <mc:AlternateContent xmlns:mc="http://schemas.openxmlformats.org/markup-compatibility/2006" xmlns:p14="http://schemas.microsoft.com/office/powerpoint/2010/main">
-    <mc:Choice Requires="p14">
-      <p:transition spd="slow" p14:dur="2000"/>
-    </mc:Choice>
-    <mc:Fallback xmlns="">
-      <p:transition spd="slow"/>
-    </mc:Fallback>
-  </mc:AlternateContent>
-  <p:timing>
-    <p:tnLst>
-      <p:par>
-        <p:cTn id="1" dur="indefinite" restart="never" nodeType="tmRoot"/>
-      </p:par>
-    </p:tnLst>
-  </p:timing>
 </p:sld>
 </file>
 
 <file path=ppt/slides/slide7.xml><?xml version="1.0" encoding="utf-8"?>
-<p:sld xmlns:a="http://schemas.openxmlformats.org/drawingml/2006/main" xmlns:r="http://schemas.openxmlformats.org/officeDocument/2006/relationships" xmlns:p="http://schemas.openxmlformats.org/presentationml/2006/main" show="0">
+<p:sld xmlns:a="http://schemas.openxmlformats.org/drawingml/2006/main" xmlns:r="http://schemas.openxmlformats.org/officeDocument/2006/relationships" xmlns:p="http://schemas.openxmlformats.org/presentationml/2006/main">
   <p:cSld>
     <p:spTree>
       <p:nvGrpSpPr>
@@ -51316,14 +50341,6 @@
   <p:clrMapOvr>
     <a:masterClrMapping/>
   </p:clrMapOvr>
-  <mc:AlternateContent xmlns:mc="http://schemas.openxmlformats.org/markup-compatibility/2006" xmlns:p14="http://schemas.microsoft.com/office/powerpoint/2010/main">
-    <mc:Choice Requires="p14">
-      <p:transition spd="slow" p14:dur="2000"/>
-    </mc:Choice>
-    <mc:Fallback xmlns="">
-      <p:transition spd="slow"/>
-    </mc:Fallback>
-  </mc:AlternateContent>
   <p:timing>
     <p:tnLst>
       <p:par>
@@ -52151,7 +51168,7 @@
 </file>
 
 <file path=ppt/slides/slide8.xml><?xml version="1.0" encoding="utf-8"?>
-<p:sld xmlns:a="http://schemas.openxmlformats.org/drawingml/2006/main" xmlns:r="http://schemas.openxmlformats.org/officeDocument/2006/relationships" xmlns:p="http://schemas.openxmlformats.org/presentationml/2006/main" show="0">
+<p:sld xmlns:a="http://schemas.openxmlformats.org/drawingml/2006/main" xmlns:r="http://schemas.openxmlformats.org/officeDocument/2006/relationships" xmlns:p="http://schemas.openxmlformats.org/presentationml/2006/main">
   <p:cSld>
     <p:spTree>
       <p:nvGrpSpPr>
@@ -52299,14 +51316,6 @@
   <p:clrMapOvr>
     <a:masterClrMapping/>
   </p:clrMapOvr>
-  <mc:AlternateContent xmlns:mc="http://schemas.openxmlformats.org/markup-compatibility/2006" xmlns:p14="http://schemas.microsoft.com/office/powerpoint/2010/main">
-    <mc:Choice Requires="p14">
-      <p:transition spd="slow" p14:dur="2000"/>
-    </mc:Choice>
-    <mc:Fallback xmlns="">
-      <p:transition spd="slow"/>
-    </mc:Fallback>
-  </mc:AlternateContent>
   <p:timing>
     <p:tnLst>
       <p:par>
@@ -53146,7 +52155,7 @@
 </file>
 
 <file path=ppt/slides/slide9.xml><?xml version="1.0" encoding="utf-8"?>
-<p:sld xmlns:a="http://schemas.openxmlformats.org/drawingml/2006/main" xmlns:r="http://schemas.openxmlformats.org/officeDocument/2006/relationships" xmlns:p="http://schemas.openxmlformats.org/presentationml/2006/main" show="0">
+<p:sld xmlns:a="http://schemas.openxmlformats.org/drawingml/2006/main" xmlns:r="http://schemas.openxmlformats.org/officeDocument/2006/relationships" xmlns:p="http://schemas.openxmlformats.org/presentationml/2006/main">
   <p:cSld>
     <p:spTree>
       <p:nvGrpSpPr>
@@ -53301,14 +52310,6 @@
   <p:clrMapOvr>
     <a:masterClrMapping/>
   </p:clrMapOvr>
-  <mc:AlternateContent xmlns:mc="http://schemas.openxmlformats.org/markup-compatibility/2006" xmlns:p14="http://schemas.microsoft.com/office/powerpoint/2010/main">
-    <mc:Choice Requires="p14">
-      <p:transition spd="slow" p14:dur="2000"/>
-    </mc:Choice>
-    <mc:Fallback xmlns="">
-      <p:transition spd="slow"/>
-    </mc:Fallback>
-  </mc:AlternateContent>
   <p:timing>
     <p:tnLst>
       <p:par>

--- a/intro/Full stack-short intro.pptx
+++ b/intro/Full stack-short intro.pptx
@@ -17,7 +17,8 @@
     <p:sldId id="265" r:id="rId11"/>
     <p:sldId id="267" r:id="rId12"/>
     <p:sldId id="268" r:id="rId13"/>
-    <p:sldId id="266" r:id="rId14"/>
+    <p:sldId id="269" r:id="rId14"/>
+    <p:sldId id="266" r:id="rId15"/>
   </p:sldIdLst>
   <p:sldSz cx="12192000" cy="6858000"/>
   <p:notesSz cx="6858000" cy="9144000"/>
@@ -7788,12 +7789,12 @@
     <dgm:cxn modelId="{0CAAAA33-6A9E-4BC0-AEF4-29AEDE78A23D}" type="presOf" srcId="{65768B2E-F17E-4BDC-91AC-549B87D2414B}" destId="{D23D2CD3-6F32-4F3C-AABA-D16C228AFFC1}" srcOrd="0" destOrd="0" presId="urn:microsoft.com/office/officeart/2005/8/layout/cycle2"/>
     <dgm:cxn modelId="{E415A836-F7D8-4C71-A5D6-5FCA7527F640}" type="presOf" srcId="{A1D25EF6-BAD8-4DF9-B246-A57669854B83}" destId="{9361F8C5-D2D9-4E7C-80CE-EE6714EA4B33}" srcOrd="0" destOrd="0" presId="urn:microsoft.com/office/officeart/2005/8/layout/cycle2"/>
     <dgm:cxn modelId="{047A3543-1535-481B-8951-7C6B2523F3E0}" srcId="{F6D7AA7E-37DD-4BDE-AE8A-5B0D78E2F471}" destId="{82544D88-BD0D-4709-A5B3-BAAAD55BA29E}" srcOrd="0" destOrd="0" parTransId="{DB5FA6F2-5756-43FD-A265-2B7F9A62D8C3}" sibTransId="{B3900F59-242B-43EA-89C1-69A92C5ABC8D}"/>
+    <dgm:cxn modelId="{A1FEA065-D05E-4225-A86D-74A12333BCD7}" type="presOf" srcId="{EA474292-EF76-4E49-9689-C3CBE5559D68}" destId="{E17CB246-EF6C-4708-ACC7-95ED2937F1A3}" srcOrd="0" destOrd="0" presId="urn:microsoft.com/office/officeart/2005/8/layout/cycle2"/>
     <dgm:cxn modelId="{08918246-5313-4237-B68C-24F6D44664D3}" srcId="{F6D7AA7E-37DD-4BDE-AE8A-5B0D78E2F471}" destId="{A1D25EF6-BAD8-4DF9-B246-A57669854B83}" srcOrd="2" destOrd="0" parTransId="{4DC6218E-9831-4288-B8AF-598F4074DD0B}" sibTransId="{65768B2E-F17E-4BDC-91AC-549B87D2414B}"/>
     <dgm:cxn modelId="{93368547-634B-4E46-916D-5873AADFDA4C}" type="presOf" srcId="{B3900F59-242B-43EA-89C1-69A92C5ABC8D}" destId="{3D4239C2-77AD-45D7-986C-ED7A8AF82873}" srcOrd="1" destOrd="0" presId="urn:microsoft.com/office/officeart/2005/8/layout/cycle2"/>
-    <dgm:cxn modelId="{108AAF52-BABD-447C-8707-F688EDB2EC91}" type="presOf" srcId="{EA474292-EF76-4E49-9689-C3CBE5559D68}" destId="{8F2C67F0-48E9-4626-BAA8-34E683C40D3E}" srcOrd="1" destOrd="0" presId="urn:microsoft.com/office/officeart/2005/8/layout/cycle2"/>
-    <dgm:cxn modelId="{A1FEA065-D05E-4225-A86D-74A12333BCD7}" type="presOf" srcId="{EA474292-EF76-4E49-9689-C3CBE5559D68}" destId="{E17CB246-EF6C-4708-ACC7-95ED2937F1A3}" srcOrd="0" destOrd="0" presId="urn:microsoft.com/office/officeart/2005/8/layout/cycle2"/>
     <dgm:cxn modelId="{9201C768-06C1-4086-B908-E68EE5957E43}" type="presOf" srcId="{4D53547F-24AE-411D-9713-A59E5439CA2A}" destId="{B2163300-FC63-4086-98E6-D98B88B55EB2}" srcOrd="0" destOrd="0" presId="urn:microsoft.com/office/officeart/2005/8/layout/cycle2"/>
     <dgm:cxn modelId="{A01FDE6C-E2D9-4193-80B8-050AE5323220}" type="presOf" srcId="{FF9FA91E-0BDF-473A-B988-DA4598FC42B9}" destId="{98436BF7-369F-4F26-8AD6-3A6F787ECE1B}" srcOrd="0" destOrd="0" presId="urn:microsoft.com/office/officeart/2005/8/layout/cycle2"/>
+    <dgm:cxn modelId="{108AAF52-BABD-447C-8707-F688EDB2EC91}" type="presOf" srcId="{EA474292-EF76-4E49-9689-C3CBE5559D68}" destId="{8F2C67F0-48E9-4626-BAA8-34E683C40D3E}" srcOrd="1" destOrd="0" presId="urn:microsoft.com/office/officeart/2005/8/layout/cycle2"/>
     <dgm:cxn modelId="{09D11376-F72C-472A-9966-E744E487BCFA}" type="presOf" srcId="{F6D7AA7E-37DD-4BDE-AE8A-5B0D78E2F471}" destId="{D671F792-2D6B-474F-9C3D-5E72C4442EFB}" srcOrd="0" destOrd="0" presId="urn:microsoft.com/office/officeart/2005/8/layout/cycle2"/>
     <dgm:cxn modelId="{BE112D7B-D99E-41F3-9EF4-E6AF35939F59}" type="presOf" srcId="{F9FA0B20-1F03-4092-8FDA-A08C1F472BC1}" destId="{CCCDC119-36F8-43ED-867B-4E93B2BC311D}" srcOrd="0" destOrd="0" presId="urn:microsoft.com/office/officeart/2005/8/layout/cycle2"/>
     <dgm:cxn modelId="{37E68E7C-7251-497F-BA21-AAD84D779658}" type="presOf" srcId="{070C54DB-C352-426D-BD5F-F4AD21339F98}" destId="{66DD604B-73AF-4485-8DFC-9C21E959573B}" srcOrd="0" destOrd="0" presId="urn:microsoft.com/office/officeart/2005/8/layout/cycle2"/>
@@ -7929,11 +7930,7 @@
         <a:p>
           <a:r>
             <a:rPr lang="he-IL" dirty="0"/>
-            <a:t>פיתוח </a:t>
-          </a:r>
-          <a:r>
-            <a:rPr lang="he-IL" dirty="0" err="1"/>
-            <a:t>בתעשיה</a:t>
+            <a:t>פיתוח בתעשייה</a:t>
           </a:r>
           <a:endParaRPr lang="en-US" dirty="0"/>
         </a:p>
@@ -8383,12 +8380,12 @@
     <dgm:cxn modelId="{0CAAAA33-6A9E-4BC0-AEF4-29AEDE78A23D}" type="presOf" srcId="{65768B2E-F17E-4BDC-91AC-549B87D2414B}" destId="{D23D2CD3-6F32-4F3C-AABA-D16C228AFFC1}" srcOrd="0" destOrd="0" presId="urn:microsoft.com/office/officeart/2005/8/layout/cycle2"/>
     <dgm:cxn modelId="{E415A836-F7D8-4C71-A5D6-5FCA7527F640}" type="presOf" srcId="{A1D25EF6-BAD8-4DF9-B246-A57669854B83}" destId="{9361F8C5-D2D9-4E7C-80CE-EE6714EA4B33}" srcOrd="0" destOrd="0" presId="urn:microsoft.com/office/officeart/2005/8/layout/cycle2"/>
     <dgm:cxn modelId="{047A3543-1535-481B-8951-7C6B2523F3E0}" srcId="{F6D7AA7E-37DD-4BDE-AE8A-5B0D78E2F471}" destId="{82544D88-BD0D-4709-A5B3-BAAAD55BA29E}" srcOrd="0" destOrd="0" parTransId="{DB5FA6F2-5756-43FD-A265-2B7F9A62D8C3}" sibTransId="{B3900F59-242B-43EA-89C1-69A92C5ABC8D}"/>
+    <dgm:cxn modelId="{A1FEA065-D05E-4225-A86D-74A12333BCD7}" type="presOf" srcId="{EA474292-EF76-4E49-9689-C3CBE5559D68}" destId="{E17CB246-EF6C-4708-ACC7-95ED2937F1A3}" srcOrd="0" destOrd="0" presId="urn:microsoft.com/office/officeart/2005/8/layout/cycle2"/>
     <dgm:cxn modelId="{08918246-5313-4237-B68C-24F6D44664D3}" srcId="{F6D7AA7E-37DD-4BDE-AE8A-5B0D78E2F471}" destId="{A1D25EF6-BAD8-4DF9-B246-A57669854B83}" srcOrd="2" destOrd="0" parTransId="{4DC6218E-9831-4288-B8AF-598F4074DD0B}" sibTransId="{65768B2E-F17E-4BDC-91AC-549B87D2414B}"/>
     <dgm:cxn modelId="{93368547-634B-4E46-916D-5873AADFDA4C}" type="presOf" srcId="{B3900F59-242B-43EA-89C1-69A92C5ABC8D}" destId="{3D4239C2-77AD-45D7-986C-ED7A8AF82873}" srcOrd="1" destOrd="0" presId="urn:microsoft.com/office/officeart/2005/8/layout/cycle2"/>
-    <dgm:cxn modelId="{108AAF52-BABD-447C-8707-F688EDB2EC91}" type="presOf" srcId="{EA474292-EF76-4E49-9689-C3CBE5559D68}" destId="{8F2C67F0-48E9-4626-BAA8-34E683C40D3E}" srcOrd="1" destOrd="0" presId="urn:microsoft.com/office/officeart/2005/8/layout/cycle2"/>
-    <dgm:cxn modelId="{A1FEA065-D05E-4225-A86D-74A12333BCD7}" type="presOf" srcId="{EA474292-EF76-4E49-9689-C3CBE5559D68}" destId="{E17CB246-EF6C-4708-ACC7-95ED2937F1A3}" srcOrd="0" destOrd="0" presId="urn:microsoft.com/office/officeart/2005/8/layout/cycle2"/>
     <dgm:cxn modelId="{9201C768-06C1-4086-B908-E68EE5957E43}" type="presOf" srcId="{4D53547F-24AE-411D-9713-A59E5439CA2A}" destId="{B2163300-FC63-4086-98E6-D98B88B55EB2}" srcOrd="0" destOrd="0" presId="urn:microsoft.com/office/officeart/2005/8/layout/cycle2"/>
     <dgm:cxn modelId="{A01FDE6C-E2D9-4193-80B8-050AE5323220}" type="presOf" srcId="{FF9FA91E-0BDF-473A-B988-DA4598FC42B9}" destId="{98436BF7-369F-4F26-8AD6-3A6F787ECE1B}" srcOrd="0" destOrd="0" presId="urn:microsoft.com/office/officeart/2005/8/layout/cycle2"/>
+    <dgm:cxn modelId="{108AAF52-BABD-447C-8707-F688EDB2EC91}" type="presOf" srcId="{EA474292-EF76-4E49-9689-C3CBE5559D68}" destId="{8F2C67F0-48E9-4626-BAA8-34E683C40D3E}" srcOrd="1" destOrd="0" presId="urn:microsoft.com/office/officeart/2005/8/layout/cycle2"/>
     <dgm:cxn modelId="{09D11376-F72C-472A-9966-E744E487BCFA}" type="presOf" srcId="{F6D7AA7E-37DD-4BDE-AE8A-5B0D78E2F471}" destId="{D671F792-2D6B-474F-9C3D-5E72C4442EFB}" srcOrd="0" destOrd="0" presId="urn:microsoft.com/office/officeart/2005/8/layout/cycle2"/>
     <dgm:cxn modelId="{BE112D7B-D99E-41F3-9EF4-E6AF35939F59}" type="presOf" srcId="{F9FA0B20-1F03-4092-8FDA-A08C1F472BC1}" destId="{CCCDC119-36F8-43ED-867B-4E93B2BC311D}" srcOrd="0" destOrd="0" presId="urn:microsoft.com/office/officeart/2005/8/layout/cycle2"/>
     <dgm:cxn modelId="{37E68E7C-7251-497F-BA21-AAD84D779658}" type="presOf" srcId="{070C54DB-C352-426D-BD5F-F4AD21339F98}" destId="{66DD604B-73AF-4485-8DFC-9C21E959573B}" srcOrd="0" destOrd="0" presId="urn:microsoft.com/office/officeart/2005/8/layout/cycle2"/>
@@ -8780,12 +8777,12 @@
     <dgm:cxn modelId="{0CAAAA33-6A9E-4BC0-AEF4-29AEDE78A23D}" type="presOf" srcId="{65768B2E-F17E-4BDC-91AC-549B87D2414B}" destId="{D23D2CD3-6F32-4F3C-AABA-D16C228AFFC1}" srcOrd="0" destOrd="0" presId="urn:microsoft.com/office/officeart/2005/8/layout/cycle2"/>
     <dgm:cxn modelId="{E415A836-F7D8-4C71-A5D6-5FCA7527F640}" type="presOf" srcId="{A1D25EF6-BAD8-4DF9-B246-A57669854B83}" destId="{9361F8C5-D2D9-4E7C-80CE-EE6714EA4B33}" srcOrd="0" destOrd="0" presId="urn:microsoft.com/office/officeart/2005/8/layout/cycle2"/>
     <dgm:cxn modelId="{047A3543-1535-481B-8951-7C6B2523F3E0}" srcId="{F6D7AA7E-37DD-4BDE-AE8A-5B0D78E2F471}" destId="{82544D88-BD0D-4709-A5B3-BAAAD55BA29E}" srcOrd="0" destOrd="0" parTransId="{DB5FA6F2-5756-43FD-A265-2B7F9A62D8C3}" sibTransId="{B3900F59-242B-43EA-89C1-69A92C5ABC8D}"/>
+    <dgm:cxn modelId="{A1FEA065-D05E-4225-A86D-74A12333BCD7}" type="presOf" srcId="{EA474292-EF76-4E49-9689-C3CBE5559D68}" destId="{E17CB246-EF6C-4708-ACC7-95ED2937F1A3}" srcOrd="0" destOrd="0" presId="urn:microsoft.com/office/officeart/2005/8/layout/cycle2"/>
     <dgm:cxn modelId="{08918246-5313-4237-B68C-24F6D44664D3}" srcId="{F6D7AA7E-37DD-4BDE-AE8A-5B0D78E2F471}" destId="{A1D25EF6-BAD8-4DF9-B246-A57669854B83}" srcOrd="2" destOrd="0" parTransId="{4DC6218E-9831-4288-B8AF-598F4074DD0B}" sibTransId="{65768B2E-F17E-4BDC-91AC-549B87D2414B}"/>
     <dgm:cxn modelId="{93368547-634B-4E46-916D-5873AADFDA4C}" type="presOf" srcId="{B3900F59-242B-43EA-89C1-69A92C5ABC8D}" destId="{3D4239C2-77AD-45D7-986C-ED7A8AF82873}" srcOrd="1" destOrd="0" presId="urn:microsoft.com/office/officeart/2005/8/layout/cycle2"/>
-    <dgm:cxn modelId="{108AAF52-BABD-447C-8707-F688EDB2EC91}" type="presOf" srcId="{EA474292-EF76-4E49-9689-C3CBE5559D68}" destId="{8F2C67F0-48E9-4626-BAA8-34E683C40D3E}" srcOrd="1" destOrd="0" presId="urn:microsoft.com/office/officeart/2005/8/layout/cycle2"/>
-    <dgm:cxn modelId="{A1FEA065-D05E-4225-A86D-74A12333BCD7}" type="presOf" srcId="{EA474292-EF76-4E49-9689-C3CBE5559D68}" destId="{E17CB246-EF6C-4708-ACC7-95ED2937F1A3}" srcOrd="0" destOrd="0" presId="urn:microsoft.com/office/officeart/2005/8/layout/cycle2"/>
     <dgm:cxn modelId="{9201C768-06C1-4086-B908-E68EE5957E43}" type="presOf" srcId="{4D53547F-24AE-411D-9713-A59E5439CA2A}" destId="{B2163300-FC63-4086-98E6-D98B88B55EB2}" srcOrd="0" destOrd="0" presId="urn:microsoft.com/office/officeart/2005/8/layout/cycle2"/>
     <dgm:cxn modelId="{A01FDE6C-E2D9-4193-80B8-050AE5323220}" type="presOf" srcId="{FF9FA91E-0BDF-473A-B988-DA4598FC42B9}" destId="{98436BF7-369F-4F26-8AD6-3A6F787ECE1B}" srcOrd="0" destOrd="0" presId="urn:microsoft.com/office/officeart/2005/8/layout/cycle2"/>
+    <dgm:cxn modelId="{108AAF52-BABD-447C-8707-F688EDB2EC91}" type="presOf" srcId="{EA474292-EF76-4E49-9689-C3CBE5559D68}" destId="{8F2C67F0-48E9-4626-BAA8-34E683C40D3E}" srcOrd="1" destOrd="0" presId="urn:microsoft.com/office/officeart/2005/8/layout/cycle2"/>
     <dgm:cxn modelId="{09D11376-F72C-472A-9966-E744E487BCFA}" type="presOf" srcId="{F6D7AA7E-37DD-4BDE-AE8A-5B0D78E2F471}" destId="{D671F792-2D6B-474F-9C3D-5E72C4442EFB}" srcOrd="0" destOrd="0" presId="urn:microsoft.com/office/officeart/2005/8/layout/cycle2"/>
     <dgm:cxn modelId="{BE112D7B-D99E-41F3-9EF4-E6AF35939F59}" type="presOf" srcId="{F9FA0B20-1F03-4092-8FDA-A08C1F472BC1}" destId="{CCCDC119-36F8-43ED-867B-4E93B2BC311D}" srcOrd="0" destOrd="0" presId="urn:microsoft.com/office/officeart/2005/8/layout/cycle2"/>
     <dgm:cxn modelId="{37E68E7C-7251-497F-BA21-AAD84D779658}" type="presOf" srcId="{070C54DB-C352-426D-BD5F-F4AD21339F98}" destId="{66DD604B-73AF-4485-8DFC-9C21E959573B}" srcOrd="0" destOrd="0" presId="urn:microsoft.com/office/officeart/2005/8/layout/cycle2"/>
@@ -9177,12 +9174,12 @@
     <dgm:cxn modelId="{0CAAAA33-6A9E-4BC0-AEF4-29AEDE78A23D}" type="presOf" srcId="{65768B2E-F17E-4BDC-91AC-549B87D2414B}" destId="{D23D2CD3-6F32-4F3C-AABA-D16C228AFFC1}" srcOrd="0" destOrd="0" presId="urn:microsoft.com/office/officeart/2005/8/layout/cycle2"/>
     <dgm:cxn modelId="{E415A836-F7D8-4C71-A5D6-5FCA7527F640}" type="presOf" srcId="{A1D25EF6-BAD8-4DF9-B246-A57669854B83}" destId="{9361F8C5-D2D9-4E7C-80CE-EE6714EA4B33}" srcOrd="0" destOrd="0" presId="urn:microsoft.com/office/officeart/2005/8/layout/cycle2"/>
     <dgm:cxn modelId="{047A3543-1535-481B-8951-7C6B2523F3E0}" srcId="{F6D7AA7E-37DD-4BDE-AE8A-5B0D78E2F471}" destId="{82544D88-BD0D-4709-A5B3-BAAAD55BA29E}" srcOrd="0" destOrd="0" parTransId="{DB5FA6F2-5756-43FD-A265-2B7F9A62D8C3}" sibTransId="{B3900F59-242B-43EA-89C1-69A92C5ABC8D}"/>
+    <dgm:cxn modelId="{A1FEA065-D05E-4225-A86D-74A12333BCD7}" type="presOf" srcId="{EA474292-EF76-4E49-9689-C3CBE5559D68}" destId="{E17CB246-EF6C-4708-ACC7-95ED2937F1A3}" srcOrd="0" destOrd="0" presId="urn:microsoft.com/office/officeart/2005/8/layout/cycle2"/>
     <dgm:cxn modelId="{08918246-5313-4237-B68C-24F6D44664D3}" srcId="{F6D7AA7E-37DD-4BDE-AE8A-5B0D78E2F471}" destId="{A1D25EF6-BAD8-4DF9-B246-A57669854B83}" srcOrd="2" destOrd="0" parTransId="{4DC6218E-9831-4288-B8AF-598F4074DD0B}" sibTransId="{65768B2E-F17E-4BDC-91AC-549B87D2414B}"/>
     <dgm:cxn modelId="{93368547-634B-4E46-916D-5873AADFDA4C}" type="presOf" srcId="{B3900F59-242B-43EA-89C1-69A92C5ABC8D}" destId="{3D4239C2-77AD-45D7-986C-ED7A8AF82873}" srcOrd="1" destOrd="0" presId="urn:microsoft.com/office/officeart/2005/8/layout/cycle2"/>
-    <dgm:cxn modelId="{108AAF52-BABD-447C-8707-F688EDB2EC91}" type="presOf" srcId="{EA474292-EF76-4E49-9689-C3CBE5559D68}" destId="{8F2C67F0-48E9-4626-BAA8-34E683C40D3E}" srcOrd="1" destOrd="0" presId="urn:microsoft.com/office/officeart/2005/8/layout/cycle2"/>
-    <dgm:cxn modelId="{A1FEA065-D05E-4225-A86D-74A12333BCD7}" type="presOf" srcId="{EA474292-EF76-4E49-9689-C3CBE5559D68}" destId="{E17CB246-EF6C-4708-ACC7-95ED2937F1A3}" srcOrd="0" destOrd="0" presId="urn:microsoft.com/office/officeart/2005/8/layout/cycle2"/>
     <dgm:cxn modelId="{9201C768-06C1-4086-B908-E68EE5957E43}" type="presOf" srcId="{4D53547F-24AE-411D-9713-A59E5439CA2A}" destId="{B2163300-FC63-4086-98E6-D98B88B55EB2}" srcOrd="0" destOrd="0" presId="urn:microsoft.com/office/officeart/2005/8/layout/cycle2"/>
     <dgm:cxn modelId="{A01FDE6C-E2D9-4193-80B8-050AE5323220}" type="presOf" srcId="{FF9FA91E-0BDF-473A-B988-DA4598FC42B9}" destId="{98436BF7-369F-4F26-8AD6-3A6F787ECE1B}" srcOrd="0" destOrd="0" presId="urn:microsoft.com/office/officeart/2005/8/layout/cycle2"/>
+    <dgm:cxn modelId="{108AAF52-BABD-447C-8707-F688EDB2EC91}" type="presOf" srcId="{EA474292-EF76-4E49-9689-C3CBE5559D68}" destId="{8F2C67F0-48E9-4626-BAA8-34E683C40D3E}" srcOrd="1" destOrd="0" presId="urn:microsoft.com/office/officeart/2005/8/layout/cycle2"/>
     <dgm:cxn modelId="{09D11376-F72C-472A-9966-E744E487BCFA}" type="presOf" srcId="{F6D7AA7E-37DD-4BDE-AE8A-5B0D78E2F471}" destId="{D671F792-2D6B-474F-9C3D-5E72C4442EFB}" srcOrd="0" destOrd="0" presId="urn:microsoft.com/office/officeart/2005/8/layout/cycle2"/>
     <dgm:cxn modelId="{BE112D7B-D99E-41F3-9EF4-E6AF35939F59}" type="presOf" srcId="{F9FA0B20-1F03-4092-8FDA-A08C1F472BC1}" destId="{CCCDC119-36F8-43ED-867B-4E93B2BC311D}" srcOrd="0" destOrd="0" presId="urn:microsoft.com/office/officeart/2005/8/layout/cycle2"/>
     <dgm:cxn modelId="{37E68E7C-7251-497F-BA21-AAD84D779658}" type="presOf" srcId="{070C54DB-C352-426D-BD5F-F4AD21339F98}" destId="{66DD604B-73AF-4485-8DFC-9C21E959573B}" srcOrd="0" destOrd="0" presId="urn:microsoft.com/office/officeart/2005/8/layout/cycle2"/>
@@ -9776,12 +9773,12 @@
     <dgm:cxn modelId="{0CAAAA33-6A9E-4BC0-AEF4-29AEDE78A23D}" type="presOf" srcId="{65768B2E-F17E-4BDC-91AC-549B87D2414B}" destId="{D23D2CD3-6F32-4F3C-AABA-D16C228AFFC1}" srcOrd="0" destOrd="0" presId="urn:microsoft.com/office/officeart/2005/8/layout/cycle2"/>
     <dgm:cxn modelId="{E415A836-F7D8-4C71-A5D6-5FCA7527F640}" type="presOf" srcId="{A1D25EF6-BAD8-4DF9-B246-A57669854B83}" destId="{9361F8C5-D2D9-4E7C-80CE-EE6714EA4B33}" srcOrd="0" destOrd="0" presId="urn:microsoft.com/office/officeart/2005/8/layout/cycle2"/>
     <dgm:cxn modelId="{047A3543-1535-481B-8951-7C6B2523F3E0}" srcId="{F6D7AA7E-37DD-4BDE-AE8A-5B0D78E2F471}" destId="{82544D88-BD0D-4709-A5B3-BAAAD55BA29E}" srcOrd="0" destOrd="0" parTransId="{DB5FA6F2-5756-43FD-A265-2B7F9A62D8C3}" sibTransId="{B3900F59-242B-43EA-89C1-69A92C5ABC8D}"/>
+    <dgm:cxn modelId="{A1FEA065-D05E-4225-A86D-74A12333BCD7}" type="presOf" srcId="{EA474292-EF76-4E49-9689-C3CBE5559D68}" destId="{E17CB246-EF6C-4708-ACC7-95ED2937F1A3}" srcOrd="0" destOrd="0" presId="urn:microsoft.com/office/officeart/2005/8/layout/cycle2"/>
     <dgm:cxn modelId="{08918246-5313-4237-B68C-24F6D44664D3}" srcId="{F6D7AA7E-37DD-4BDE-AE8A-5B0D78E2F471}" destId="{A1D25EF6-BAD8-4DF9-B246-A57669854B83}" srcOrd="2" destOrd="0" parTransId="{4DC6218E-9831-4288-B8AF-598F4074DD0B}" sibTransId="{65768B2E-F17E-4BDC-91AC-549B87D2414B}"/>
     <dgm:cxn modelId="{93368547-634B-4E46-916D-5873AADFDA4C}" type="presOf" srcId="{B3900F59-242B-43EA-89C1-69A92C5ABC8D}" destId="{3D4239C2-77AD-45D7-986C-ED7A8AF82873}" srcOrd="1" destOrd="0" presId="urn:microsoft.com/office/officeart/2005/8/layout/cycle2"/>
-    <dgm:cxn modelId="{108AAF52-BABD-447C-8707-F688EDB2EC91}" type="presOf" srcId="{EA474292-EF76-4E49-9689-C3CBE5559D68}" destId="{8F2C67F0-48E9-4626-BAA8-34E683C40D3E}" srcOrd="1" destOrd="0" presId="urn:microsoft.com/office/officeart/2005/8/layout/cycle2"/>
-    <dgm:cxn modelId="{A1FEA065-D05E-4225-A86D-74A12333BCD7}" type="presOf" srcId="{EA474292-EF76-4E49-9689-C3CBE5559D68}" destId="{E17CB246-EF6C-4708-ACC7-95ED2937F1A3}" srcOrd="0" destOrd="0" presId="urn:microsoft.com/office/officeart/2005/8/layout/cycle2"/>
     <dgm:cxn modelId="{9201C768-06C1-4086-B908-E68EE5957E43}" type="presOf" srcId="{4D53547F-24AE-411D-9713-A59E5439CA2A}" destId="{B2163300-FC63-4086-98E6-D98B88B55EB2}" srcOrd="0" destOrd="0" presId="urn:microsoft.com/office/officeart/2005/8/layout/cycle2"/>
     <dgm:cxn modelId="{A01FDE6C-E2D9-4193-80B8-050AE5323220}" type="presOf" srcId="{FF9FA91E-0BDF-473A-B988-DA4598FC42B9}" destId="{98436BF7-369F-4F26-8AD6-3A6F787ECE1B}" srcOrd="0" destOrd="0" presId="urn:microsoft.com/office/officeart/2005/8/layout/cycle2"/>
+    <dgm:cxn modelId="{108AAF52-BABD-447C-8707-F688EDB2EC91}" type="presOf" srcId="{EA474292-EF76-4E49-9689-C3CBE5559D68}" destId="{8F2C67F0-48E9-4626-BAA8-34E683C40D3E}" srcOrd="1" destOrd="0" presId="urn:microsoft.com/office/officeart/2005/8/layout/cycle2"/>
     <dgm:cxn modelId="{09D11376-F72C-472A-9966-E744E487BCFA}" type="presOf" srcId="{F6D7AA7E-37DD-4BDE-AE8A-5B0D78E2F471}" destId="{D671F792-2D6B-474F-9C3D-5E72C4442EFB}" srcOrd="0" destOrd="0" presId="urn:microsoft.com/office/officeart/2005/8/layout/cycle2"/>
     <dgm:cxn modelId="{BE112D7B-D99E-41F3-9EF4-E6AF35939F59}" type="presOf" srcId="{F9FA0B20-1F03-4092-8FDA-A08C1F472BC1}" destId="{CCCDC119-36F8-43ED-867B-4E93B2BC311D}" srcOrd="0" destOrd="0" presId="urn:microsoft.com/office/officeart/2005/8/layout/cycle2"/>
     <dgm:cxn modelId="{37E68E7C-7251-497F-BA21-AAD84D779658}" type="presOf" srcId="{070C54DB-C352-426D-BD5F-F4AD21339F98}" destId="{66DD604B-73AF-4485-8DFC-9C21E959573B}" srcOrd="0" destOrd="0" presId="urn:microsoft.com/office/officeart/2005/8/layout/cycle2"/>
@@ -10173,12 +10170,12 @@
     <dgm:cxn modelId="{0CAAAA33-6A9E-4BC0-AEF4-29AEDE78A23D}" type="presOf" srcId="{65768B2E-F17E-4BDC-91AC-549B87D2414B}" destId="{D23D2CD3-6F32-4F3C-AABA-D16C228AFFC1}" srcOrd="0" destOrd="0" presId="urn:microsoft.com/office/officeart/2005/8/layout/cycle2"/>
     <dgm:cxn modelId="{E415A836-F7D8-4C71-A5D6-5FCA7527F640}" type="presOf" srcId="{A1D25EF6-BAD8-4DF9-B246-A57669854B83}" destId="{9361F8C5-D2D9-4E7C-80CE-EE6714EA4B33}" srcOrd="0" destOrd="0" presId="urn:microsoft.com/office/officeart/2005/8/layout/cycle2"/>
     <dgm:cxn modelId="{047A3543-1535-481B-8951-7C6B2523F3E0}" srcId="{F6D7AA7E-37DD-4BDE-AE8A-5B0D78E2F471}" destId="{82544D88-BD0D-4709-A5B3-BAAAD55BA29E}" srcOrd="0" destOrd="0" parTransId="{DB5FA6F2-5756-43FD-A265-2B7F9A62D8C3}" sibTransId="{B3900F59-242B-43EA-89C1-69A92C5ABC8D}"/>
+    <dgm:cxn modelId="{A1FEA065-D05E-4225-A86D-74A12333BCD7}" type="presOf" srcId="{EA474292-EF76-4E49-9689-C3CBE5559D68}" destId="{E17CB246-EF6C-4708-ACC7-95ED2937F1A3}" srcOrd="0" destOrd="0" presId="urn:microsoft.com/office/officeart/2005/8/layout/cycle2"/>
     <dgm:cxn modelId="{08918246-5313-4237-B68C-24F6D44664D3}" srcId="{F6D7AA7E-37DD-4BDE-AE8A-5B0D78E2F471}" destId="{A1D25EF6-BAD8-4DF9-B246-A57669854B83}" srcOrd="2" destOrd="0" parTransId="{4DC6218E-9831-4288-B8AF-598F4074DD0B}" sibTransId="{65768B2E-F17E-4BDC-91AC-549B87D2414B}"/>
     <dgm:cxn modelId="{93368547-634B-4E46-916D-5873AADFDA4C}" type="presOf" srcId="{B3900F59-242B-43EA-89C1-69A92C5ABC8D}" destId="{3D4239C2-77AD-45D7-986C-ED7A8AF82873}" srcOrd="1" destOrd="0" presId="urn:microsoft.com/office/officeart/2005/8/layout/cycle2"/>
-    <dgm:cxn modelId="{108AAF52-BABD-447C-8707-F688EDB2EC91}" type="presOf" srcId="{EA474292-EF76-4E49-9689-C3CBE5559D68}" destId="{8F2C67F0-48E9-4626-BAA8-34E683C40D3E}" srcOrd="1" destOrd="0" presId="urn:microsoft.com/office/officeart/2005/8/layout/cycle2"/>
-    <dgm:cxn modelId="{A1FEA065-D05E-4225-A86D-74A12333BCD7}" type="presOf" srcId="{EA474292-EF76-4E49-9689-C3CBE5559D68}" destId="{E17CB246-EF6C-4708-ACC7-95ED2937F1A3}" srcOrd="0" destOrd="0" presId="urn:microsoft.com/office/officeart/2005/8/layout/cycle2"/>
     <dgm:cxn modelId="{9201C768-06C1-4086-B908-E68EE5957E43}" type="presOf" srcId="{4D53547F-24AE-411D-9713-A59E5439CA2A}" destId="{B2163300-FC63-4086-98E6-D98B88B55EB2}" srcOrd="0" destOrd="0" presId="urn:microsoft.com/office/officeart/2005/8/layout/cycle2"/>
     <dgm:cxn modelId="{A01FDE6C-E2D9-4193-80B8-050AE5323220}" type="presOf" srcId="{FF9FA91E-0BDF-473A-B988-DA4598FC42B9}" destId="{98436BF7-369F-4F26-8AD6-3A6F787ECE1B}" srcOrd="0" destOrd="0" presId="urn:microsoft.com/office/officeart/2005/8/layout/cycle2"/>
+    <dgm:cxn modelId="{108AAF52-BABD-447C-8707-F688EDB2EC91}" type="presOf" srcId="{EA474292-EF76-4E49-9689-C3CBE5559D68}" destId="{8F2C67F0-48E9-4626-BAA8-34E683C40D3E}" srcOrd="1" destOrd="0" presId="urn:microsoft.com/office/officeart/2005/8/layout/cycle2"/>
     <dgm:cxn modelId="{09D11376-F72C-472A-9966-E744E487BCFA}" type="presOf" srcId="{F6D7AA7E-37DD-4BDE-AE8A-5B0D78E2F471}" destId="{D671F792-2D6B-474F-9C3D-5E72C4442EFB}" srcOrd="0" destOrd="0" presId="urn:microsoft.com/office/officeart/2005/8/layout/cycle2"/>
     <dgm:cxn modelId="{BE112D7B-D99E-41F3-9EF4-E6AF35939F59}" type="presOf" srcId="{F9FA0B20-1F03-4092-8FDA-A08C1F472BC1}" destId="{CCCDC119-36F8-43ED-867B-4E93B2BC311D}" srcOrd="0" destOrd="0" presId="urn:microsoft.com/office/officeart/2005/8/layout/cycle2"/>
     <dgm:cxn modelId="{37E68E7C-7251-497F-BA21-AAD84D779658}" type="presOf" srcId="{070C54DB-C352-426D-BD5F-F4AD21339F98}" destId="{66DD604B-73AF-4485-8DFC-9C21E959573B}" srcOrd="0" destOrd="0" presId="urn:microsoft.com/office/officeart/2005/8/layout/cycle2"/>
@@ -10570,12 +10567,12 @@
     <dgm:cxn modelId="{0CAAAA33-6A9E-4BC0-AEF4-29AEDE78A23D}" type="presOf" srcId="{65768B2E-F17E-4BDC-91AC-549B87D2414B}" destId="{D23D2CD3-6F32-4F3C-AABA-D16C228AFFC1}" srcOrd="0" destOrd="0" presId="urn:microsoft.com/office/officeart/2005/8/layout/cycle2"/>
     <dgm:cxn modelId="{E415A836-F7D8-4C71-A5D6-5FCA7527F640}" type="presOf" srcId="{A1D25EF6-BAD8-4DF9-B246-A57669854B83}" destId="{9361F8C5-D2D9-4E7C-80CE-EE6714EA4B33}" srcOrd="0" destOrd="0" presId="urn:microsoft.com/office/officeart/2005/8/layout/cycle2"/>
     <dgm:cxn modelId="{047A3543-1535-481B-8951-7C6B2523F3E0}" srcId="{F6D7AA7E-37DD-4BDE-AE8A-5B0D78E2F471}" destId="{82544D88-BD0D-4709-A5B3-BAAAD55BA29E}" srcOrd="0" destOrd="0" parTransId="{DB5FA6F2-5756-43FD-A265-2B7F9A62D8C3}" sibTransId="{B3900F59-242B-43EA-89C1-69A92C5ABC8D}"/>
+    <dgm:cxn modelId="{A1FEA065-D05E-4225-A86D-74A12333BCD7}" type="presOf" srcId="{EA474292-EF76-4E49-9689-C3CBE5559D68}" destId="{E17CB246-EF6C-4708-ACC7-95ED2937F1A3}" srcOrd="0" destOrd="0" presId="urn:microsoft.com/office/officeart/2005/8/layout/cycle2"/>
     <dgm:cxn modelId="{08918246-5313-4237-B68C-24F6D44664D3}" srcId="{F6D7AA7E-37DD-4BDE-AE8A-5B0D78E2F471}" destId="{A1D25EF6-BAD8-4DF9-B246-A57669854B83}" srcOrd="2" destOrd="0" parTransId="{4DC6218E-9831-4288-B8AF-598F4074DD0B}" sibTransId="{65768B2E-F17E-4BDC-91AC-549B87D2414B}"/>
     <dgm:cxn modelId="{93368547-634B-4E46-916D-5873AADFDA4C}" type="presOf" srcId="{B3900F59-242B-43EA-89C1-69A92C5ABC8D}" destId="{3D4239C2-77AD-45D7-986C-ED7A8AF82873}" srcOrd="1" destOrd="0" presId="urn:microsoft.com/office/officeart/2005/8/layout/cycle2"/>
-    <dgm:cxn modelId="{108AAF52-BABD-447C-8707-F688EDB2EC91}" type="presOf" srcId="{EA474292-EF76-4E49-9689-C3CBE5559D68}" destId="{8F2C67F0-48E9-4626-BAA8-34E683C40D3E}" srcOrd="1" destOrd="0" presId="urn:microsoft.com/office/officeart/2005/8/layout/cycle2"/>
-    <dgm:cxn modelId="{A1FEA065-D05E-4225-A86D-74A12333BCD7}" type="presOf" srcId="{EA474292-EF76-4E49-9689-C3CBE5559D68}" destId="{E17CB246-EF6C-4708-ACC7-95ED2937F1A3}" srcOrd="0" destOrd="0" presId="urn:microsoft.com/office/officeart/2005/8/layout/cycle2"/>
     <dgm:cxn modelId="{9201C768-06C1-4086-B908-E68EE5957E43}" type="presOf" srcId="{4D53547F-24AE-411D-9713-A59E5439CA2A}" destId="{B2163300-FC63-4086-98E6-D98B88B55EB2}" srcOrd="0" destOrd="0" presId="urn:microsoft.com/office/officeart/2005/8/layout/cycle2"/>
     <dgm:cxn modelId="{A01FDE6C-E2D9-4193-80B8-050AE5323220}" type="presOf" srcId="{FF9FA91E-0BDF-473A-B988-DA4598FC42B9}" destId="{98436BF7-369F-4F26-8AD6-3A6F787ECE1B}" srcOrd="0" destOrd="0" presId="urn:microsoft.com/office/officeart/2005/8/layout/cycle2"/>
+    <dgm:cxn modelId="{108AAF52-BABD-447C-8707-F688EDB2EC91}" type="presOf" srcId="{EA474292-EF76-4E49-9689-C3CBE5559D68}" destId="{8F2C67F0-48E9-4626-BAA8-34E683C40D3E}" srcOrd="1" destOrd="0" presId="urn:microsoft.com/office/officeart/2005/8/layout/cycle2"/>
     <dgm:cxn modelId="{09D11376-F72C-472A-9966-E744E487BCFA}" type="presOf" srcId="{F6D7AA7E-37DD-4BDE-AE8A-5B0D78E2F471}" destId="{D671F792-2D6B-474F-9C3D-5E72C4442EFB}" srcOrd="0" destOrd="0" presId="urn:microsoft.com/office/officeart/2005/8/layout/cycle2"/>
     <dgm:cxn modelId="{BE112D7B-D99E-41F3-9EF4-E6AF35939F59}" type="presOf" srcId="{F9FA0B20-1F03-4092-8FDA-A08C1F472BC1}" destId="{CCCDC119-36F8-43ED-867B-4E93B2BC311D}" srcOrd="0" destOrd="0" presId="urn:microsoft.com/office/officeart/2005/8/layout/cycle2"/>
     <dgm:cxn modelId="{37E68E7C-7251-497F-BA21-AAD84D779658}" type="presOf" srcId="{070C54DB-C352-426D-BD5F-F4AD21339F98}" destId="{66DD604B-73AF-4485-8DFC-9C21E959573B}" srcOrd="0" destOrd="0" presId="urn:microsoft.com/office/officeart/2005/8/layout/cycle2"/>
@@ -12091,11 +12088,7 @@
           </a:pPr>
           <a:r>
             <a:rPr lang="he-IL" sz="3500" kern="1200" dirty="0"/>
-            <a:t>פיתוח </a:t>
-          </a:r>
-          <a:r>
-            <a:rPr lang="he-IL" sz="3500" kern="1200" dirty="0" err="1"/>
-            <a:t>בתעשיה</a:t>
+            <a:t>פיתוח בתעשייה</a:t>
           </a:r>
           <a:endParaRPr lang="en-US" sz="3500" kern="1200" dirty="0"/>
         </a:p>
@@ -32029,7 +32022,7 @@
           <a:p>
             <a:fld id="{8E5E73CB-0320-4D6F-A227-B897378B2E5C}" type="datetimeFigureOut">
               <a:rPr lang="en-US" smtClean="0"/>
-              <a:t>11/12/20</a:t>
+              <a:t>10/28/2021</a:t>
             </a:fld>
             <a:endParaRPr lang="en-US"/>
           </a:p>
@@ -33149,7 +33142,7 @@
           <a:p>
             <a:fld id="{8E5E73CB-0320-4D6F-A227-B897378B2E5C}" type="datetimeFigureOut">
               <a:rPr lang="en-US" smtClean="0"/>
-              <a:t>11/12/20</a:t>
+              <a:t>10/28/2021</a:t>
             </a:fld>
             <a:endParaRPr lang="en-US"/>
           </a:p>
@@ -34160,7 +34153,7 @@
           <a:p>
             <a:fld id="{8E5E73CB-0320-4D6F-A227-B897378B2E5C}" type="datetimeFigureOut">
               <a:rPr lang="en-US" smtClean="0"/>
-              <a:t>11/12/20</a:t>
+              <a:t>10/28/2021</a:t>
             </a:fld>
             <a:endParaRPr lang="en-US"/>
           </a:p>
@@ -35330,7 +35323,7 @@
           <a:p>
             <a:fld id="{8E5E73CB-0320-4D6F-A227-B897378B2E5C}" type="datetimeFigureOut">
               <a:rPr lang="en-US" smtClean="0"/>
-              <a:t>11/12/20</a:t>
+              <a:t>10/28/2021</a:t>
             </a:fld>
             <a:endParaRPr lang="en-US"/>
           </a:p>
@@ -36391,7 +36384,7 @@
           <a:p>
             <a:fld id="{8E5E73CB-0320-4D6F-A227-B897378B2E5C}" type="datetimeFigureOut">
               <a:rPr lang="en-US" smtClean="0"/>
-              <a:t>11/12/20</a:t>
+              <a:t>10/28/2021</a:t>
             </a:fld>
             <a:endParaRPr lang="en-US"/>
           </a:p>
@@ -37037,7 +37030,7 @@
           <a:p>
             <a:fld id="{8E5E73CB-0320-4D6F-A227-B897378B2E5C}" type="datetimeFigureOut">
               <a:rPr lang="en-US" smtClean="0"/>
-              <a:t>11/12/20</a:t>
+              <a:t>10/28/2021</a:t>
             </a:fld>
             <a:endParaRPr lang="en-US"/>
           </a:p>
@@ -37884,7 +37877,7 @@
           <a:p>
             <a:fld id="{8E5E73CB-0320-4D6F-A227-B897378B2E5C}" type="datetimeFigureOut">
               <a:rPr lang="en-US" smtClean="0"/>
-              <a:t>11/12/20</a:t>
+              <a:t>10/28/2021</a:t>
             </a:fld>
             <a:endParaRPr lang="en-US"/>
           </a:p>
@@ -38059,7 +38052,7 @@
           <a:p>
             <a:fld id="{8E5E73CB-0320-4D6F-A227-B897378B2E5C}" type="datetimeFigureOut">
               <a:rPr lang="en-US" smtClean="0"/>
-              <a:t>11/12/20</a:t>
+              <a:t>10/28/2021</a:t>
             </a:fld>
             <a:endParaRPr lang="en-US"/>
           </a:p>
@@ -39057,7 +39050,7 @@
           <a:p>
             <a:fld id="{8E5E73CB-0320-4D6F-A227-B897378B2E5C}" type="datetimeFigureOut">
               <a:rPr lang="en-US" smtClean="0"/>
-              <a:t>11/12/20</a:t>
+              <a:t>10/28/2021</a:t>
             </a:fld>
             <a:endParaRPr lang="en-US"/>
           </a:p>
@@ -39263,7 +39256,7 @@
           <a:p>
             <a:fld id="{8E5E73CB-0320-4D6F-A227-B897378B2E5C}" type="datetimeFigureOut">
               <a:rPr lang="en-US" smtClean="0"/>
-              <a:t>11/12/20</a:t>
+              <a:t>10/28/2021</a:t>
             </a:fld>
             <a:endParaRPr lang="en-US"/>
           </a:p>
@@ -40325,7 +40318,7 @@
           <a:p>
             <a:fld id="{8E5E73CB-0320-4D6F-A227-B897378B2E5C}" type="datetimeFigureOut">
               <a:rPr lang="en-US" smtClean="0"/>
-              <a:t>11/12/20</a:t>
+              <a:t>10/28/2021</a:t>
             </a:fld>
             <a:endParaRPr lang="en-US"/>
           </a:p>
@@ -40597,7 +40590,7 @@
           <a:p>
             <a:fld id="{8E5E73CB-0320-4D6F-A227-B897378B2E5C}" type="datetimeFigureOut">
               <a:rPr lang="en-US" smtClean="0"/>
-              <a:t>11/12/20</a:t>
+              <a:t>10/28/2021</a:t>
             </a:fld>
             <a:endParaRPr lang="en-US"/>
           </a:p>
@@ -40979,7 +40972,7 @@
           <a:p>
             <a:fld id="{8E5E73CB-0320-4D6F-A227-B897378B2E5C}" type="datetimeFigureOut">
               <a:rPr lang="en-US" smtClean="0"/>
-              <a:t>11/12/20</a:t>
+              <a:t>10/28/2021</a:t>
             </a:fld>
             <a:endParaRPr lang="en-US"/>
           </a:p>
@@ -41097,7 +41090,7 @@
           <a:p>
             <a:fld id="{8E5E73CB-0320-4D6F-A227-B897378B2E5C}" type="datetimeFigureOut">
               <a:rPr lang="en-US" smtClean="0"/>
-              <a:t>11/12/20</a:t>
+              <a:t>10/28/2021</a:t>
             </a:fld>
             <a:endParaRPr lang="en-US"/>
           </a:p>
@@ -41192,7 +41185,7 @@
           <a:p>
             <a:fld id="{8E5E73CB-0320-4D6F-A227-B897378B2E5C}" type="datetimeFigureOut">
               <a:rPr lang="en-US" smtClean="0"/>
-              <a:t>11/12/20</a:t>
+              <a:t>10/28/2021</a:t>
             </a:fld>
             <a:endParaRPr lang="en-US"/>
           </a:p>
@@ -42301,7 +42294,7 @@
           <a:p>
             <a:fld id="{8E5E73CB-0320-4D6F-A227-B897378B2E5C}" type="datetimeFigureOut">
               <a:rPr lang="en-US" smtClean="0"/>
-              <a:t>11/12/20</a:t>
+              <a:t>10/28/2021</a:t>
             </a:fld>
             <a:endParaRPr lang="en-US"/>
           </a:p>
@@ -43434,7 +43427,7 @@
           <a:p>
             <a:fld id="{8E5E73CB-0320-4D6F-A227-B897378B2E5C}" type="datetimeFigureOut">
               <a:rPr lang="en-US" smtClean="0"/>
-              <a:t>11/12/20</a:t>
+              <a:t>10/28/2021</a:t>
             </a:fld>
             <a:endParaRPr lang="en-US"/>
           </a:p>
@@ -44462,7 +44455,7 @@
           <a:p>
             <a:fld id="{8E5E73CB-0320-4D6F-A227-B897378B2E5C}" type="datetimeFigureOut">
               <a:rPr lang="en-US" smtClean="0"/>
-              <a:t>11/12/20</a:t>
+              <a:t>10/28/2021</a:t>
             </a:fld>
             <a:endParaRPr lang="en-US"/>
           </a:p>
@@ -45075,48 +45068,12 @@
             <a:pPr algn="r" rtl="1"/>
             <a:r>
               <a:rPr lang="he-IL" dirty="0"/>
-              <a:t>מוביל קורס: טל ירון</a:t>
+              <a:t>מדריך קורס: טל ירון</a:t>
             </a:r>
             <a:endParaRPr lang="en-US" dirty="0"/>
           </a:p>
         </p:txBody>
       </p:sp>
-      <p:pic>
-        <p:nvPicPr>
-          <p:cNvPr id="5" name="תמונה 4">
-            <a:extLst>
-              <a:ext uri="{FF2B5EF4-FFF2-40B4-BE49-F238E27FC236}">
-                <a16:creationId xmlns:a16="http://schemas.microsoft.com/office/drawing/2014/main" id="{D3B402A4-02E4-4F67-9412-DFB611609DAC}"/>
-              </a:ext>
-            </a:extLst>
-          </p:cNvPr>
-          <p:cNvPicPr>
-            <a:picLocks noChangeAspect="1"/>
-          </p:cNvPicPr>
-          <p:nvPr/>
-        </p:nvPicPr>
-        <p:blipFill>
-          <a:blip r:embed="rId2">
-            <a:extLst>
-              <a:ext uri="{28A0092B-C50C-407E-A947-70E740481C1C}">
-                <a14:useLocalDpi xmlns:a14="http://schemas.microsoft.com/office/drawing/2010/main" val="0"/>
-              </a:ext>
-            </a:extLst>
-          </a:blip>
-          <a:stretch>
-            <a:fillRect/>
-          </a:stretch>
-        </p:blipFill>
-        <p:spPr>
-          <a:xfrm>
-            <a:off x="9017000" y="0"/>
-            <a:ext cx="3175000" cy="2222500"/>
-          </a:xfrm>
-          <a:prstGeom prst="rect">
-            <a:avLst/>
-          </a:prstGeom>
-        </p:spPr>
-      </p:pic>
     </p:spTree>
     <p:extLst>
       <p:ext uri="{BB962C8B-B14F-4D97-AF65-F5344CB8AC3E}">
@@ -45222,7 +45179,7 @@
 </file>
 
 <file path=ppt/slides/slide11.xml><?xml version="1.0" encoding="utf-8"?>
-<p:sld xmlns:a="http://schemas.openxmlformats.org/drawingml/2006/main" xmlns:r="http://schemas.openxmlformats.org/officeDocument/2006/relationships" xmlns:p="http://schemas.openxmlformats.org/presentationml/2006/main">
+<p:sld xmlns:a="http://schemas.openxmlformats.org/drawingml/2006/main" xmlns:r="http://schemas.openxmlformats.org/officeDocument/2006/relationships" xmlns:p="http://schemas.openxmlformats.org/presentationml/2006/main" show="0">
   <p:cSld>
     <p:spTree>
       <p:nvGrpSpPr>
@@ -45284,7 +45241,7 @@
             <p:ph idx="1"/>
             <p:extLst>
               <p:ext uri="{D42A27DB-BD31-4B8C-83A1-F6EECF244321}">
-                <p14:modId xmlns:p14="http://schemas.microsoft.com/office/powerpoint/2010/main" val="3832085602"/>
+                <p14:modId xmlns:p14="http://schemas.microsoft.com/office/powerpoint/2010/main" val="201629637"/>
               </p:ext>
             </p:extLst>
           </p:nvPr>
@@ -45609,6 +45566,124 @@
 </file>
 
 <file path=ppt/slides/slide13.xml><?xml version="1.0" encoding="utf-8"?>
+<p:sld xmlns:a="http://schemas.openxmlformats.org/drawingml/2006/main" xmlns:r="http://schemas.openxmlformats.org/officeDocument/2006/relationships" xmlns:p="http://schemas.openxmlformats.org/presentationml/2006/main">
+  <p:cSld>
+    <p:spTree>
+      <p:nvGrpSpPr>
+        <p:cNvPr id="1" name=""/>
+        <p:cNvGrpSpPr/>
+        <p:nvPr/>
+      </p:nvGrpSpPr>
+      <p:grpSpPr>
+        <a:xfrm>
+          <a:off x="0" y="0"/>
+          <a:ext cx="0" cy="0"/>
+          <a:chOff x="0" y="0"/>
+          <a:chExt cx="0" cy="0"/>
+        </a:xfrm>
+      </p:grpSpPr>
+      <p:sp>
+        <p:nvSpPr>
+          <p:cNvPr id="2" name="Title 1">
+            <a:extLst>
+              <a:ext uri="{FF2B5EF4-FFF2-40B4-BE49-F238E27FC236}">
+                <a16:creationId xmlns:a16="http://schemas.microsoft.com/office/drawing/2014/main" id="{0D946C7F-2580-4D7F-9649-A8AC18AC79FF}"/>
+              </a:ext>
+            </a:extLst>
+          </p:cNvPr>
+          <p:cNvSpPr>
+            <a:spLocks noGrp="1"/>
+          </p:cNvSpPr>
+          <p:nvPr>
+            <p:ph type="title"/>
+          </p:nvPr>
+        </p:nvSpPr>
+        <p:spPr/>
+        <p:txBody>
+          <a:bodyPr/>
+          <a:lstStyle/>
+          <a:p>
+            <a:pPr algn="r" rtl="1"/>
+            <a:r>
+              <a:rPr lang="he-IL" dirty="0"/>
+              <a:t>תחומים רכים</a:t>
+            </a:r>
+            <a:endParaRPr lang="en-IL" dirty="0"/>
+          </a:p>
+        </p:txBody>
+      </p:sp>
+      <p:sp>
+        <p:nvSpPr>
+          <p:cNvPr id="3" name="Content Placeholder 2">
+            <a:extLst>
+              <a:ext uri="{FF2B5EF4-FFF2-40B4-BE49-F238E27FC236}">
+                <a16:creationId xmlns:a16="http://schemas.microsoft.com/office/drawing/2014/main" id="{6A403603-274A-4B56-9CE0-9E292496706C}"/>
+              </a:ext>
+            </a:extLst>
+          </p:cNvPr>
+          <p:cNvSpPr>
+            <a:spLocks noGrp="1"/>
+          </p:cNvSpPr>
+          <p:nvPr>
+            <p:ph idx="1"/>
+          </p:nvPr>
+        </p:nvSpPr>
+        <p:spPr/>
+        <p:txBody>
+          <a:bodyPr/>
+          <a:lstStyle/>
+          <a:p>
+            <a:pPr algn="r" rtl="1"/>
+            <a:r>
+              <a:rPr lang="he-IL" dirty="0"/>
+              <a:t>עבודת צוות</a:t>
+            </a:r>
+          </a:p>
+          <a:p>
+            <a:pPr algn="r" rtl="1"/>
+            <a:r>
+              <a:rPr lang="he-IL" dirty="0"/>
+              <a:t>קוד נקי וברור</a:t>
+            </a:r>
+          </a:p>
+          <a:p>
+            <a:pPr algn="r" rtl="1"/>
+            <a:r>
+              <a:rPr lang="he-IL" dirty="0"/>
+              <a:t>קידוד </a:t>
+            </a:r>
+            <a:r>
+              <a:rPr lang="he-IL"/>
+              <a:t>יעיל וחוסך שגיאות</a:t>
+            </a:r>
+          </a:p>
+          <a:p>
+            <a:pPr algn="r" rtl="1"/>
+            <a:r>
+              <a:rPr lang="he-IL" dirty="0"/>
+              <a:t>ארכיטקטורה</a:t>
+            </a:r>
+          </a:p>
+          <a:p>
+            <a:pPr algn="r" rtl="1"/>
+            <a:endParaRPr lang="en-IL" dirty="0"/>
+          </a:p>
+        </p:txBody>
+      </p:sp>
+    </p:spTree>
+    <p:extLst>
+      <p:ext uri="{BB962C8B-B14F-4D97-AF65-F5344CB8AC3E}">
+        <p14:creationId xmlns:p14="http://schemas.microsoft.com/office/powerpoint/2010/main" val="1606245369"/>
+      </p:ext>
+    </p:extLst>
+  </p:cSld>
+  <p:clrMapOvr>
+    <a:masterClrMapping/>
+  </p:clrMapOvr>
+</p:sld>
+</file>
+
+<file path=ppt/slides/slide14.xml><?xml version="1.0" encoding="utf-8"?>
 <p:sld xmlns:a="http://schemas.openxmlformats.org/drawingml/2006/main" xmlns:r="http://schemas.openxmlformats.org/officeDocument/2006/relationships" xmlns:p="http://schemas.openxmlformats.org/presentationml/2006/main">
   <p:cSld>
     <p:bg>
@@ -47084,7 +47159,7 @@
         <p:spPr/>
         <p:txBody>
           <a:bodyPr>
-            <a:normAutofit lnSpcReduction="10000"/>
+            <a:normAutofit/>
           </a:bodyPr>
           <a:lstStyle/>
           <a:p>
@@ -47095,7 +47170,7 @@
             </a:r>
             <a:r>
               <a:rPr lang="en-US" dirty="0"/>
-              <a:t>web-client &amp; UX</a:t>
+              <a:t>full-stack &amp; UX</a:t>
             </a:r>
             <a:endParaRPr lang="he-IL" dirty="0"/>
           </a:p>
@@ -47156,59 +47231,6 @@
             <a:r>
               <a:rPr lang="he-IL" dirty="0"/>
               <a:t> (אפליקציה לקבלת החלטות משותפות)</a:t>
-            </a:r>
-          </a:p>
-          <a:p>
-            <a:pPr algn="r" rtl="1"/>
-            <a:r>
-              <a:rPr lang="he-IL" dirty="0"/>
-              <a:t>מייסד-שותף טכנולוגי ב- </a:t>
-            </a:r>
-            <a:r>
-              <a:rPr lang="en-US" dirty="0" err="1"/>
-              <a:t>groupicks</a:t>
-            </a:r>
-            <a:r>
-              <a:rPr lang="he-IL" dirty="0"/>
-              <a:t>. אפליקציה לקבלת החלטות משותפות</a:t>
-            </a:r>
-            <a:r>
-              <a:rPr lang="en-US" dirty="0"/>
-              <a:t> </a:t>
-            </a:r>
-            <a:r>
-              <a:rPr lang="he-IL" dirty="0"/>
-              <a:t> (</a:t>
-            </a:r>
-            <a:r>
-              <a:rPr lang="he-IL" dirty="0">
-                <a:hlinkClick r:id="rId4"/>
-              </a:rPr>
-              <a:t>בסיס</a:t>
-            </a:r>
-            <a:r>
-              <a:rPr lang="he-IL" dirty="0"/>
-              <a:t>, </a:t>
-            </a:r>
-            <a:r>
-              <a:rPr lang="he-IL" dirty="0">
-                <a:hlinkClick r:id="rId5"/>
-              </a:rPr>
-              <a:t>טיולים</a:t>
-            </a:r>
-            <a:r>
-              <a:rPr lang="he-IL" dirty="0"/>
-              <a:t>, </a:t>
-            </a:r>
-            <a:r>
-              <a:rPr lang="he-IL" dirty="0">
-                <a:hlinkClick r:id="rId6"/>
-              </a:rPr>
-              <a:t>שמלות</a:t>
-            </a:r>
-            <a:r>
-              <a:rPr lang="he-IL" dirty="0"/>
-              <a:t>).</a:t>
             </a:r>
           </a:p>
           <a:p>
@@ -47666,67 +47688,6 @@
                                           <p:spTgt spid="3">
                                             <p:txEl>
                                               <p:pRg st="6" end="6"/>
-                                            </p:txEl>
-                                          </p:spTgt>
-                                        </p:tgtEl>
-                                      </p:cBhvr>
-                                    </p:animEffect>
-                                  </p:childTnLst>
-                                </p:cTn>
-                              </p:par>
-                            </p:childTnLst>
-                          </p:cTn>
-                        </p:par>
-                      </p:childTnLst>
-                    </p:cTn>
-                  </p:par>
-                  <p:par>
-                    <p:cTn id="38" fill="hold">
-                      <p:stCondLst>
-                        <p:cond delay="indefinite"/>
-                      </p:stCondLst>
-                      <p:childTnLst>
-                        <p:par>
-                          <p:cTn id="39" fill="hold">
-                            <p:stCondLst>
-                              <p:cond delay="0"/>
-                            </p:stCondLst>
-                            <p:childTnLst>
-                              <p:par>
-                                <p:cTn id="40" presetID="22" presetClass="entr" presetSubtype="4" fill="hold" nodeType="clickEffect">
-                                  <p:stCondLst>
-                                    <p:cond delay="0"/>
-                                  </p:stCondLst>
-                                  <p:childTnLst>
-                                    <p:set>
-                                      <p:cBhvr>
-                                        <p:cTn id="41" dur="1" fill="hold">
-                                          <p:stCondLst>
-                                            <p:cond delay="0"/>
-                                          </p:stCondLst>
-                                        </p:cTn>
-                                        <p:tgtEl>
-                                          <p:spTgt spid="3">
-                                            <p:txEl>
-                                              <p:pRg st="7" end="7"/>
-                                            </p:txEl>
-                                          </p:spTgt>
-                                        </p:tgtEl>
-                                        <p:attrNameLst>
-                                          <p:attrName>style.visibility</p:attrName>
-                                        </p:attrNameLst>
-                                      </p:cBhvr>
-                                      <p:to>
-                                        <p:strVal val="visible"/>
-                                      </p:to>
-                                    </p:set>
-                                    <p:animEffect transition="in" filter="wipe(down)">
-                                      <p:cBhvr>
-                                        <p:cTn id="42" dur="500"/>
-                                        <p:tgtEl>
-                                          <p:spTgt spid="3">
-                                            <p:txEl>
-                                              <p:pRg st="7" end="7"/>
                                             </p:txEl>
                                           </p:spTgt>
                                         </p:tgtEl>
@@ -49965,6 +49926,22 @@
                 <a:ea typeface="+mn-ea"/>
                 <a:cs typeface="+mn-cs"/>
               </a:rPr>
+              <a:t>Web-apps and websites</a:t>
+            </a:r>
+          </a:p>
+          <a:p>
+            <a:pPr marL="0" indent="0" algn="ctr" rtl="1">
+              <a:buNone/>
+            </a:pPr>
+            <a:r>
+              <a:rPr lang="en-US" sz="3200" b="1" i="0" kern="1200" cap="all" dirty="0">
+                <a:solidFill>
+                  <a:srgbClr val="236A91"/>
+                </a:solidFill>
+                <a:latin typeface="+mn-lt"/>
+                <a:ea typeface="+mn-ea"/>
+                <a:cs typeface="+mn-cs"/>
+              </a:rPr>
               <a:t>Database </a:t>
             </a:r>
             <a:r>
@@ -49999,20 +49976,103 @@
             <a:pPr marL="0" indent="0" algn="ctr" rtl="1">
               <a:buNone/>
             </a:pPr>
-            <a:r>
-              <a:rPr lang="en-US" sz="3200" b="1" i="0" kern="1200" cap="all" dirty="0">
-                <a:solidFill>
-                  <a:srgbClr val="236A91"/>
-                </a:solidFill>
-                <a:latin typeface="+mn-lt"/>
-                <a:ea typeface="+mn-ea"/>
-                <a:cs typeface="+mn-cs"/>
-              </a:rPr>
-              <a:t> Web-apps and websites</a:t>
-            </a:r>
+            <a:endParaRPr lang="en-US" sz="3200" b="1" i="0" kern="1200" cap="all" dirty="0">
+              <a:solidFill>
+                <a:srgbClr val="236A91"/>
+              </a:solidFill>
+              <a:latin typeface="+mn-lt"/>
+              <a:ea typeface="+mn-ea"/>
+              <a:cs typeface="+mn-cs"/>
+            </a:endParaRPr>
           </a:p>
         </p:txBody>
       </p:sp>
+      <p:sp>
+        <p:nvSpPr>
+          <p:cNvPr id="5" name="Cylinder 4">
+            <a:extLst>
+              <a:ext uri="{FF2B5EF4-FFF2-40B4-BE49-F238E27FC236}">
+                <a16:creationId xmlns:a16="http://schemas.microsoft.com/office/drawing/2014/main" id="{84EA73C0-A5AC-4348-B8E7-3FB5726B270A}"/>
+              </a:ext>
+            </a:extLst>
+          </p:cNvPr>
+          <p:cNvSpPr/>
+          <p:nvPr/>
+        </p:nvSpPr>
+        <p:spPr>
+          <a:xfrm>
+            <a:off x="1967537" y="2475098"/>
+            <a:ext cx="668457" cy="892416"/>
+          </a:xfrm>
+          <a:prstGeom prst="can">
+            <a:avLst/>
+          </a:prstGeom>
+        </p:spPr>
+        <p:style>
+          <a:lnRef idx="2">
+            <a:schemeClr val="accent1">
+              <a:shade val="50000"/>
+            </a:schemeClr>
+          </a:lnRef>
+          <a:fillRef idx="1">
+            <a:schemeClr val="accent1"/>
+          </a:fillRef>
+          <a:effectRef idx="0">
+            <a:schemeClr val="accent1"/>
+          </a:effectRef>
+          <a:fontRef idx="minor">
+            <a:schemeClr val="lt1"/>
+          </a:fontRef>
+        </p:style>
+        <p:txBody>
+          <a:bodyPr rtlCol="0" anchor="ctr"/>
+          <a:lstStyle/>
+          <a:p>
+            <a:pPr algn="ctr"/>
+            <a:endParaRPr lang="en-IL"/>
+          </a:p>
+        </p:txBody>
+      </p:sp>
+      <p:cxnSp>
+        <p:nvCxnSpPr>
+          <p:cNvPr id="7" name="Straight Connector 6">
+            <a:extLst>
+              <a:ext uri="{FF2B5EF4-FFF2-40B4-BE49-F238E27FC236}">
+                <a16:creationId xmlns:a16="http://schemas.microsoft.com/office/drawing/2014/main" id="{0BF36955-04ED-449F-8F97-A470E08E17E7}"/>
+              </a:ext>
+            </a:extLst>
+          </p:cNvPr>
+          <p:cNvCxnSpPr/>
+          <p:nvPr/>
+        </p:nvCxnSpPr>
+        <p:spPr>
+          <a:xfrm flipV="1">
+            <a:off x="2701422" y="1901701"/>
+            <a:ext cx="338222" cy="935190"/>
+          </a:xfrm>
+          <a:prstGeom prst="line">
+            <a:avLst/>
+          </a:prstGeom>
+          <a:ln w="38100">
+            <a:headEnd type="triangle" w="med" len="med"/>
+            <a:tailEnd type="triangle" w="med" len="med"/>
+          </a:ln>
+        </p:spPr>
+        <p:style>
+          <a:lnRef idx="1">
+            <a:schemeClr val="accent1"/>
+          </a:lnRef>
+          <a:fillRef idx="0">
+            <a:schemeClr val="accent1"/>
+          </a:fillRef>
+          <a:effectRef idx="0">
+            <a:schemeClr val="accent1"/>
+          </a:effectRef>
+          <a:fontRef idx="minor">
+            <a:schemeClr val="tx1"/>
+          </a:fontRef>
+        </p:style>
+      </p:cxnSp>
     </p:spTree>
     <p:extLst>
       <p:ext uri="{BB962C8B-B14F-4D97-AF65-F5344CB8AC3E}">
@@ -50027,7 +50087,7 @@
 </file>
 
 <file path=ppt/slides/slide6.xml><?xml version="1.0" encoding="utf-8"?>
-<p:sld xmlns:a="http://schemas.openxmlformats.org/drawingml/2006/main" xmlns:r="http://schemas.openxmlformats.org/officeDocument/2006/relationships" xmlns:p="http://schemas.openxmlformats.org/presentationml/2006/main">
+<p:sld xmlns:a="http://schemas.openxmlformats.org/drawingml/2006/main" xmlns:r="http://schemas.openxmlformats.org/officeDocument/2006/relationships" xmlns:p="http://schemas.openxmlformats.org/presentationml/2006/main" show="0">
   <p:cSld>
     <p:spTree>
       <p:nvGrpSpPr>
@@ -50215,13 +50275,13 @@
         </p:nvSpPr>
         <p:spPr>
           <a:xfrm>
-            <a:off x="479094" y="1987826"/>
+            <a:off x="1154953" y="2069806"/>
             <a:ext cx="8761412" cy="4535557"/>
           </a:xfrm>
         </p:spPr>
         <p:txBody>
           <a:bodyPr>
-            <a:normAutofit fontScale="92500" lnSpcReduction="10000"/>
+            <a:normAutofit fontScale="85000" lnSpcReduction="20000"/>
           </a:bodyPr>
           <a:lstStyle/>
           <a:p>
@@ -50271,7 +50331,7 @@
             <a:pPr lvl="1"/>
             <a:r>
               <a:rPr lang="en-US" dirty="0"/>
-              <a:t>Framework: Angular (6+),React, (Mithril)</a:t>
+              <a:t>Framework: Angular  &amp; React</a:t>
             </a:r>
           </a:p>
           <a:p>
@@ -50302,32 +50362,48 @@
             </a:r>
           </a:p>
           <a:p>
-            <a:pPr lvl="1"/>
             <a:r>
               <a:rPr lang="en-US" dirty="0"/>
-              <a:t>(Java)</a:t>
-            </a:r>
-          </a:p>
-          <a:p>
-            <a:r>
-              <a:rPr lang="en-US" dirty="0" err="1"/>
-              <a:t>Develpoment</a:t>
-            </a:r>
-            <a:endParaRPr lang="en-US" dirty="0"/>
-          </a:p>
-          <a:p>
-            <a:pPr lvl="1"/>
-            <a:r>
-              <a:rPr lang="en-US" dirty="0"/>
-              <a:t>Webpack</a:t>
+              <a:t>Development</a:t>
             </a:r>
           </a:p>
           <a:p>
             <a:pPr lvl="1"/>
             <a:r>
               <a:rPr lang="en-US" dirty="0"/>
-              <a:t>git</a:t>
+              <a:t>Git</a:t>
             </a:r>
+          </a:p>
+          <a:p>
+            <a:r>
+              <a:rPr lang="en-US" dirty="0"/>
+              <a:t>Soft skills</a:t>
+            </a:r>
+          </a:p>
+          <a:p>
+            <a:pPr lvl="1"/>
+            <a:r>
+              <a:rPr lang="en-US" dirty="0"/>
+              <a:t>Clean code</a:t>
+            </a:r>
+          </a:p>
+          <a:p>
+            <a:pPr lvl="1"/>
+            <a:r>
+              <a:rPr lang="en-US" dirty="0"/>
+              <a:t>Teamwork</a:t>
+            </a:r>
+          </a:p>
+          <a:p>
+            <a:pPr lvl="1"/>
+            <a:r>
+              <a:rPr lang="en-US" dirty="0"/>
+              <a:t>Architecture</a:t>
+            </a:r>
+          </a:p>
+          <a:p>
+            <a:pPr lvl="1"/>
+            <a:endParaRPr lang="en-US" dirty="0"/>
           </a:p>
         </p:txBody>
       </p:sp>
@@ -51128,6 +51204,128 @@
                                           <p:spTgt spid="3">
                                             <p:txEl>
                                               <p:pRg st="12" end="12"/>
+                                            </p:txEl>
+                                          </p:spTgt>
+                                        </p:tgtEl>
+                                      </p:cBhvr>
+                                    </p:animEffect>
+                                  </p:childTnLst>
+                                </p:cTn>
+                              </p:par>
+                            </p:childTnLst>
+                          </p:cTn>
+                        </p:par>
+                      </p:childTnLst>
+                    </p:cTn>
+                  </p:par>
+                  <p:par>
+                    <p:cTn id="68" fill="hold">
+                      <p:stCondLst>
+                        <p:cond delay="indefinite"/>
+                      </p:stCondLst>
+                      <p:childTnLst>
+                        <p:par>
+                          <p:cTn id="69" fill="hold">
+                            <p:stCondLst>
+                              <p:cond delay="0"/>
+                            </p:stCondLst>
+                            <p:childTnLst>
+                              <p:par>
+                                <p:cTn id="70" presetID="22" presetClass="entr" presetSubtype="4" fill="hold" nodeType="clickEffect">
+                                  <p:stCondLst>
+                                    <p:cond delay="0"/>
+                                  </p:stCondLst>
+                                  <p:childTnLst>
+                                    <p:set>
+                                      <p:cBhvr>
+                                        <p:cTn id="71" dur="1" fill="hold">
+                                          <p:stCondLst>
+                                            <p:cond delay="0"/>
+                                          </p:stCondLst>
+                                        </p:cTn>
+                                        <p:tgtEl>
+                                          <p:spTgt spid="3">
+                                            <p:txEl>
+                                              <p:pRg st="13" end="13"/>
+                                            </p:txEl>
+                                          </p:spTgt>
+                                        </p:tgtEl>
+                                        <p:attrNameLst>
+                                          <p:attrName>style.visibility</p:attrName>
+                                        </p:attrNameLst>
+                                      </p:cBhvr>
+                                      <p:to>
+                                        <p:strVal val="visible"/>
+                                      </p:to>
+                                    </p:set>
+                                    <p:animEffect transition="in" filter="wipe(down)">
+                                      <p:cBhvr>
+                                        <p:cTn id="72" dur="500"/>
+                                        <p:tgtEl>
+                                          <p:spTgt spid="3">
+                                            <p:txEl>
+                                              <p:pRg st="13" end="13"/>
+                                            </p:txEl>
+                                          </p:spTgt>
+                                        </p:tgtEl>
+                                      </p:cBhvr>
+                                    </p:animEffect>
+                                  </p:childTnLst>
+                                </p:cTn>
+                              </p:par>
+                            </p:childTnLst>
+                          </p:cTn>
+                        </p:par>
+                      </p:childTnLst>
+                    </p:cTn>
+                  </p:par>
+                  <p:par>
+                    <p:cTn id="73" fill="hold">
+                      <p:stCondLst>
+                        <p:cond delay="indefinite"/>
+                      </p:stCondLst>
+                      <p:childTnLst>
+                        <p:par>
+                          <p:cTn id="74" fill="hold">
+                            <p:stCondLst>
+                              <p:cond delay="0"/>
+                            </p:stCondLst>
+                            <p:childTnLst>
+                              <p:par>
+                                <p:cTn id="75" presetID="22" presetClass="entr" presetSubtype="4" fill="hold" nodeType="clickEffect">
+                                  <p:stCondLst>
+                                    <p:cond delay="0"/>
+                                  </p:stCondLst>
+                                  <p:childTnLst>
+                                    <p:set>
+                                      <p:cBhvr>
+                                        <p:cTn id="76" dur="1" fill="hold">
+                                          <p:stCondLst>
+                                            <p:cond delay="0"/>
+                                          </p:stCondLst>
+                                        </p:cTn>
+                                        <p:tgtEl>
+                                          <p:spTgt spid="3">
+                                            <p:txEl>
+                                              <p:pRg st="14" end="14"/>
+                                            </p:txEl>
+                                          </p:spTgt>
+                                        </p:tgtEl>
+                                        <p:attrNameLst>
+                                          <p:attrName>style.visibility</p:attrName>
+                                        </p:attrNameLst>
+                                      </p:cBhvr>
+                                      <p:to>
+                                        <p:strVal val="visible"/>
+                                      </p:to>
+                                    </p:set>
+                                    <p:animEffect transition="in" filter="wipe(down)">
+                                      <p:cBhvr>
+                                        <p:cTn id="77" dur="500"/>
+                                        <p:tgtEl>
+                                          <p:spTgt spid="3">
+                                            <p:txEl>
+                                              <p:pRg st="14" end="14"/>
                                             </p:txEl>
                                           </p:spTgt>
                                         </p:tgtEl>
